--- a/El presente de Machine Learning.pptx
+++ b/El presente de Machine Learning.pptx
@@ -2,12 +2,22 @@
 <file path=ppt/presentation.xml><?xml version="1.0" encoding="utf-8"?>
 <p:presentation xmlns:a="http://schemas.openxmlformats.org/drawingml/2006/main" xmlns:r="http://schemas.openxmlformats.org/officeDocument/2006/relationships" xmlns:p="http://schemas.openxmlformats.org/presentationml/2006/main" saveSubsetFonts="1">
   <p:sldMasterIdLst>
-    <p:sldMasterId id="2147483648" r:id="rId3"/>
+    <p:sldMasterId id="2147483648" r:id="rId2"/>
   </p:sldMasterIdLst>
   <p:sldIdLst>
-    <p:sldId id="256" r:id="rId4"/>
+    <p:sldId id="256" r:id="rId3"/>
+    <p:sldId id="268" r:id="rId4"/>
     <p:sldId id="257" r:id="rId5"/>
-    <p:sldId id="258" r:id="rId6"/>
+    <p:sldId id="262" r:id="rId6"/>
+    <p:sldId id="264" r:id="rId7"/>
+    <p:sldId id="258" r:id="rId8"/>
+    <p:sldId id="259" r:id="rId9"/>
+    <p:sldId id="260" r:id="rId10"/>
+    <p:sldId id="261" r:id="rId11"/>
+    <p:sldId id="265" r:id="rId12"/>
+    <p:sldId id="269" r:id="rId13"/>
+    <p:sldId id="266" r:id="rId14"/>
+    <p:sldId id="267" r:id="rId15"/>
   </p:sldIdLst>
   <p:sldSz cx="12192000" cy="6858000"/>
   <p:notesSz cx="6858000" cy="9144000"/>
@@ -3442,6 +3452,1483 @@
 </p:sld>
 </file>
 
+<file path=ppt/slides/slide10.xml><?xml version="1.0" encoding="utf-8"?>
+<p:sld xmlns:a="http://schemas.openxmlformats.org/drawingml/2006/main" xmlns:r="http://schemas.openxmlformats.org/officeDocument/2006/relationships" xmlns:p="http://schemas.openxmlformats.org/presentationml/2006/main">
+  <p:cSld>
+    <p:spTree>
+      <p:nvGrpSpPr>
+        <p:cNvPr id="1" name=""/>
+        <p:cNvGrpSpPr/>
+        <p:nvPr/>
+      </p:nvGrpSpPr>
+      <p:grpSpPr>
+        <a:xfrm>
+          <a:off x="0" y="0"/>
+          <a:ext cx="0" cy="0"/>
+          <a:chOff x="0" y="0"/>
+          <a:chExt cx="0" cy="0"/>
+        </a:xfrm>
+      </p:grpSpPr>
+      <p:sp>
+        <p:nvSpPr>
+          <p:cNvPr id="6" name="Título 1">
+            <a:extLst>
+              <a:ext uri="{FF2B5EF4-FFF2-40B4-BE49-F238E27FC236}">
+                <a16:creationId xmlns:a16="http://schemas.microsoft.com/office/drawing/2014/main" id="{D1F20A51-A41F-4529-A96C-C271EA4C0F09}"/>
+              </a:ext>
+            </a:extLst>
+          </p:cNvPr>
+          <p:cNvSpPr txBox="1">
+            <a:spLocks/>
+          </p:cNvSpPr>
+          <p:nvPr/>
+        </p:nvSpPr>
+        <p:spPr>
+          <a:xfrm>
+            <a:off x="870367" y="769118"/>
+            <a:ext cx="10314530" cy="1956990"/>
+          </a:xfrm>
+          <a:prstGeom prst="rect">
+            <a:avLst/>
+          </a:prstGeom>
+        </p:spPr>
+        <p:txBody>
+          <a:bodyPr vert="horz" lIns="91440" tIns="45720" rIns="91440" bIns="45720" rtlCol="0" anchor="b">
+            <a:noAutofit/>
+          </a:bodyPr>
+          <a:lstStyle>
+            <a:lvl1pPr algn="ctr" defTabSz="914400" rtl="0" eaLnBrk="1" latinLnBrk="0" hangingPunct="1">
+              <a:lnSpc>
+                <a:spcPct val="90000"/>
+              </a:lnSpc>
+              <a:spcBef>
+                <a:spcPct val="0"/>
+              </a:spcBef>
+              <a:buNone/>
+              <a:defRPr sz="6000" kern="1200">
+                <a:solidFill>
+                  <a:schemeClr val="tx1"/>
+                </a:solidFill>
+                <a:latin typeface="+mj-lt"/>
+                <a:ea typeface="+mj-ea"/>
+                <a:cs typeface="+mj-cs"/>
+              </a:defRPr>
+            </a:lvl1pPr>
+          </a:lstStyle>
+          <a:p>
+            <a:r>
+              <a:rPr lang="es-CO" sz="3200" dirty="0">
+                <a:latin typeface="Bahnschrift Light" panose="020B0502040204020203" pitchFamily="34" charset="0"/>
+                <a:ea typeface="Adobe Gothic Std B" panose="020B0800000000000000" pitchFamily="34" charset="-128"/>
+              </a:rPr>
+              <a:t>Machine Learning puede usar las estadísticas y las ciencias computaciones para que aprendan ciertas tareas sin ser programadas para hacer eso, de la misma manera que tu cerebro para  aprender de la experiencia.</a:t>
+            </a:r>
+          </a:p>
+        </p:txBody>
+      </p:sp>
+      <p:pic>
+        <p:nvPicPr>
+          <p:cNvPr id="9218" name="Picture 2" descr="Resultado de imagen para machine learning">
+            <a:extLst>
+              <a:ext uri="{FF2B5EF4-FFF2-40B4-BE49-F238E27FC236}">
+                <a16:creationId xmlns:a16="http://schemas.microsoft.com/office/drawing/2014/main" id="{DC66CC75-ECBA-4C94-A958-7222AB2C0727}"/>
+              </a:ext>
+            </a:extLst>
+          </p:cNvPr>
+          <p:cNvPicPr>
+            <a:picLocks noChangeAspect="1" noChangeArrowheads="1"/>
+          </p:cNvPicPr>
+          <p:nvPr/>
+        </p:nvPicPr>
+        <p:blipFill>
+          <a:blip r:embed="rId2">
+            <a:extLst>
+              <a:ext uri="{28A0092B-C50C-407E-A947-70E740481C1C}">
+                <a14:useLocalDpi xmlns:a14="http://schemas.microsoft.com/office/drawing/2010/main" val="0"/>
+              </a:ext>
+            </a:extLst>
+          </a:blip>
+          <a:srcRect/>
+          <a:stretch>
+            <a:fillRect/>
+          </a:stretch>
+        </p:blipFill>
+        <p:spPr bwMode="auto">
+          <a:xfrm>
+            <a:off x="1877470" y="2618698"/>
+            <a:ext cx="8437061" cy="4218530"/>
+          </a:xfrm>
+          <a:prstGeom prst="rect">
+            <a:avLst/>
+          </a:prstGeom>
+          <a:noFill/>
+          <a:extLst>
+            <a:ext uri="{909E8E84-426E-40DD-AFC4-6F175D3DCCD1}">
+              <a14:hiddenFill xmlns:a14="http://schemas.microsoft.com/office/drawing/2010/main">
+                <a:solidFill>
+                  <a:srgbClr val="FFFFFF"/>
+                </a:solidFill>
+              </a14:hiddenFill>
+            </a:ext>
+          </a:extLst>
+        </p:spPr>
+      </p:pic>
+    </p:spTree>
+    <p:extLst>
+      <p:ext uri="{BB962C8B-B14F-4D97-AF65-F5344CB8AC3E}">
+        <p14:creationId xmlns:p14="http://schemas.microsoft.com/office/powerpoint/2010/main" val="3615741008"/>
+      </p:ext>
+    </p:extLst>
+  </p:cSld>
+  <p:clrMapOvr>
+    <a:masterClrMapping/>
+  </p:clrMapOvr>
+</p:sld>
+</file>
+
+<file path=ppt/slides/slide11.xml><?xml version="1.0" encoding="utf-8"?>
+<p:sld xmlns:a="http://schemas.openxmlformats.org/drawingml/2006/main" xmlns:r="http://schemas.openxmlformats.org/officeDocument/2006/relationships" xmlns:p="http://schemas.openxmlformats.org/presentationml/2006/main">
+  <p:cSld>
+    <p:spTree>
+      <p:nvGrpSpPr>
+        <p:cNvPr id="1" name=""/>
+        <p:cNvGrpSpPr/>
+        <p:nvPr/>
+      </p:nvGrpSpPr>
+      <p:grpSpPr>
+        <a:xfrm>
+          <a:off x="0" y="0"/>
+          <a:ext cx="0" cy="0"/>
+          <a:chOff x="0" y="0"/>
+          <a:chExt cx="0" cy="0"/>
+        </a:xfrm>
+      </p:grpSpPr>
+      <p:pic>
+        <p:nvPicPr>
+          <p:cNvPr id="2" name="Imagen 1">
+            <a:extLst>
+              <a:ext uri="{FF2B5EF4-FFF2-40B4-BE49-F238E27FC236}">
+                <a16:creationId xmlns:a16="http://schemas.microsoft.com/office/drawing/2014/main" id="{7C1A3B41-ACAB-4548-900D-7A5FEBE74298}"/>
+              </a:ext>
+            </a:extLst>
+          </p:cNvPr>
+          <p:cNvPicPr>
+            <a:picLocks noChangeAspect="1"/>
+          </p:cNvPicPr>
+          <p:nvPr/>
+        </p:nvPicPr>
+        <p:blipFill>
+          <a:blip r:embed="rId2"/>
+          <a:stretch>
+            <a:fillRect/>
+          </a:stretch>
+        </p:blipFill>
+        <p:spPr>
+          <a:xfrm>
+            <a:off x="0" y="532216"/>
+            <a:ext cx="12192000" cy="5793568"/>
+          </a:xfrm>
+          <a:prstGeom prst="rect">
+            <a:avLst/>
+          </a:prstGeom>
+        </p:spPr>
+      </p:pic>
+      <p:sp>
+        <p:nvSpPr>
+          <p:cNvPr id="3" name="Bocadillo: rectángulo con esquinas redondeadas 2">
+            <a:extLst>
+              <a:ext uri="{FF2B5EF4-FFF2-40B4-BE49-F238E27FC236}">
+                <a16:creationId xmlns:a16="http://schemas.microsoft.com/office/drawing/2014/main" id="{BD2CDED1-9593-4AC9-89AD-BBED405E588A}"/>
+              </a:ext>
+            </a:extLst>
+          </p:cNvPr>
+          <p:cNvSpPr/>
+          <p:nvPr/>
+        </p:nvSpPr>
+        <p:spPr>
+          <a:xfrm>
+            <a:off x="9201815" y="1824526"/>
+            <a:ext cx="916405" cy="1362269"/>
+          </a:xfrm>
+          <a:prstGeom prst="wedgeRoundRectCallout">
+            <a:avLst>
+              <a:gd name="adj1" fmla="val -20368"/>
+              <a:gd name="adj2" fmla="val 112058"/>
+              <a:gd name="adj3" fmla="val 16667"/>
+            </a:avLst>
+          </a:prstGeom>
+        </p:spPr>
+        <p:style>
+          <a:lnRef idx="2">
+            <a:schemeClr val="accent1"/>
+          </a:lnRef>
+          <a:fillRef idx="1">
+            <a:schemeClr val="lt1"/>
+          </a:fillRef>
+          <a:effectRef idx="0">
+            <a:schemeClr val="accent1"/>
+          </a:effectRef>
+          <a:fontRef idx="minor">
+            <a:schemeClr val="dk1"/>
+          </a:fontRef>
+        </p:style>
+        <p:txBody>
+          <a:bodyPr rtlCol="0" anchor="ctr"/>
+          <a:lstStyle/>
+          <a:p>
+            <a:pPr algn="ctr"/>
+            <a:endParaRPr lang="es-CO" dirty="0"/>
+          </a:p>
+          <a:p>
+            <a:pPr algn="ctr"/>
+            <a:endParaRPr lang="es-CO" dirty="0"/>
+          </a:p>
+          <a:p>
+            <a:pPr algn="ctr"/>
+            <a:endParaRPr lang="es-CO" dirty="0"/>
+          </a:p>
+          <a:p>
+            <a:pPr algn="ctr"/>
+            <a:r>
+              <a:rPr lang="es-CO" dirty="0"/>
+              <a:t>1998</a:t>
+            </a:r>
+          </a:p>
+        </p:txBody>
+      </p:sp>
+      <p:pic>
+        <p:nvPicPr>
+          <p:cNvPr id="13314" name="Picture 2" descr="Resultado de imagen para google">
+            <a:extLst>
+              <a:ext uri="{FF2B5EF4-FFF2-40B4-BE49-F238E27FC236}">
+                <a16:creationId xmlns:a16="http://schemas.microsoft.com/office/drawing/2014/main" id="{5F564AC8-B3DF-4BDA-932C-F18E2AB568BC}"/>
+              </a:ext>
+            </a:extLst>
+          </p:cNvPr>
+          <p:cNvPicPr>
+            <a:picLocks noChangeAspect="1" noChangeArrowheads="1"/>
+          </p:cNvPicPr>
+          <p:nvPr/>
+        </p:nvPicPr>
+        <p:blipFill>
+          <a:blip r:embed="rId3">
+            <a:extLst>
+              <a:ext uri="{28A0092B-C50C-407E-A947-70E740481C1C}">
+                <a14:useLocalDpi xmlns:a14="http://schemas.microsoft.com/office/drawing/2010/main" val="0"/>
+              </a:ext>
+            </a:extLst>
+          </a:blip>
+          <a:srcRect/>
+          <a:stretch>
+            <a:fillRect/>
+          </a:stretch>
+        </p:blipFill>
+        <p:spPr bwMode="auto">
+          <a:xfrm>
+            <a:off x="9270183" y="1903207"/>
+            <a:ext cx="799826" cy="799826"/>
+          </a:xfrm>
+          <a:prstGeom prst="rect">
+            <a:avLst/>
+          </a:prstGeom>
+          <a:noFill/>
+          <a:extLst>
+            <a:ext uri="{909E8E84-426E-40DD-AFC4-6F175D3DCCD1}">
+              <a14:hiddenFill xmlns:a14="http://schemas.microsoft.com/office/drawing/2010/main">
+                <a:solidFill>
+                  <a:srgbClr val="FFFFFF"/>
+                </a:solidFill>
+              </a14:hiddenFill>
+            </a:ext>
+          </a:extLst>
+        </p:spPr>
+      </p:pic>
+      <p:sp>
+        <p:nvSpPr>
+          <p:cNvPr id="7" name="Bocadillo: rectángulo con esquinas redondeadas 6">
+            <a:extLst>
+              <a:ext uri="{FF2B5EF4-FFF2-40B4-BE49-F238E27FC236}">
+                <a16:creationId xmlns:a16="http://schemas.microsoft.com/office/drawing/2014/main" id="{A4356423-D89A-45B4-933A-966DE04E3A9A}"/>
+              </a:ext>
+            </a:extLst>
+          </p:cNvPr>
+          <p:cNvSpPr/>
+          <p:nvPr/>
+        </p:nvSpPr>
+        <p:spPr>
+          <a:xfrm>
+            <a:off x="7733944" y="2189177"/>
+            <a:ext cx="1254807" cy="876553"/>
+          </a:xfrm>
+          <a:prstGeom prst="wedgeRoundRectCallout">
+            <a:avLst>
+              <a:gd name="adj1" fmla="val 71178"/>
+              <a:gd name="adj2" fmla="val 167568"/>
+              <a:gd name="adj3" fmla="val 16667"/>
+            </a:avLst>
+          </a:prstGeom>
+        </p:spPr>
+        <p:style>
+          <a:lnRef idx="2">
+            <a:schemeClr val="accent1"/>
+          </a:lnRef>
+          <a:fillRef idx="1">
+            <a:schemeClr val="lt1"/>
+          </a:fillRef>
+          <a:effectRef idx="0">
+            <a:schemeClr val="accent1"/>
+          </a:effectRef>
+          <a:fontRef idx="minor">
+            <a:schemeClr val="dk1"/>
+          </a:fontRef>
+        </p:style>
+        <p:txBody>
+          <a:bodyPr rtlCol="0" anchor="ctr"/>
+          <a:lstStyle/>
+          <a:p>
+            <a:pPr algn="ctr"/>
+            <a:endParaRPr lang="es-CO" dirty="0"/>
+          </a:p>
+          <a:p>
+            <a:pPr algn="ctr"/>
+            <a:r>
+              <a:rPr lang="es-CO" dirty="0"/>
+              <a:t>1997</a:t>
+            </a:r>
+          </a:p>
+        </p:txBody>
+      </p:sp>
+      <p:pic>
+        <p:nvPicPr>
+          <p:cNvPr id="13316" name="Picture 4" descr="Resultado de imagen para netflix">
+            <a:extLst>
+              <a:ext uri="{FF2B5EF4-FFF2-40B4-BE49-F238E27FC236}">
+                <a16:creationId xmlns:a16="http://schemas.microsoft.com/office/drawing/2014/main" id="{0B3507CB-DDFB-4B95-A391-EF9838531454}"/>
+              </a:ext>
+            </a:extLst>
+          </p:cNvPr>
+          <p:cNvPicPr>
+            <a:picLocks noChangeAspect="1" noChangeArrowheads="1"/>
+          </p:cNvPicPr>
+          <p:nvPr/>
+        </p:nvPicPr>
+        <p:blipFill>
+          <a:blip r:embed="rId4">
+            <a:extLst>
+              <a:ext uri="{28A0092B-C50C-407E-A947-70E740481C1C}">
+                <a14:useLocalDpi xmlns:a14="http://schemas.microsoft.com/office/drawing/2010/main" val="0"/>
+              </a:ext>
+            </a:extLst>
+          </a:blip>
+          <a:srcRect/>
+          <a:stretch>
+            <a:fillRect/>
+          </a:stretch>
+        </p:blipFill>
+        <p:spPr bwMode="auto">
+          <a:xfrm>
+            <a:off x="7806441" y="2189177"/>
+            <a:ext cx="1122488" cy="632965"/>
+          </a:xfrm>
+          <a:prstGeom prst="rect">
+            <a:avLst/>
+          </a:prstGeom>
+          <a:noFill/>
+          <a:extLst>
+            <a:ext uri="{909E8E84-426E-40DD-AFC4-6F175D3DCCD1}">
+              <a14:hiddenFill xmlns:a14="http://schemas.microsoft.com/office/drawing/2010/main">
+                <a:solidFill>
+                  <a:srgbClr val="FFFFFF"/>
+                </a:solidFill>
+              </a14:hiddenFill>
+            </a:ext>
+          </a:extLst>
+        </p:spPr>
+      </p:pic>
+      <p:sp>
+        <p:nvSpPr>
+          <p:cNvPr id="13" name="Bocadillo: rectángulo con esquinas redondeadas 12">
+            <a:extLst>
+              <a:ext uri="{FF2B5EF4-FFF2-40B4-BE49-F238E27FC236}">
+                <a16:creationId xmlns:a16="http://schemas.microsoft.com/office/drawing/2014/main" id="{4052483E-9BCF-4B6A-A1D9-F4F24E3D8BC0}"/>
+              </a:ext>
+            </a:extLst>
+          </p:cNvPr>
+          <p:cNvSpPr/>
+          <p:nvPr/>
+        </p:nvSpPr>
+        <p:spPr>
+          <a:xfrm>
+            <a:off x="7055983" y="3120934"/>
+            <a:ext cx="1350236" cy="729304"/>
+          </a:xfrm>
+          <a:prstGeom prst="wedgeRoundRectCallout">
+            <a:avLst>
+              <a:gd name="adj1" fmla="val 93556"/>
+              <a:gd name="adj2" fmla="val 106199"/>
+              <a:gd name="adj3" fmla="val 16667"/>
+            </a:avLst>
+          </a:prstGeom>
+        </p:spPr>
+        <p:style>
+          <a:lnRef idx="2">
+            <a:schemeClr val="accent1"/>
+          </a:lnRef>
+          <a:fillRef idx="1">
+            <a:schemeClr val="lt1"/>
+          </a:fillRef>
+          <a:effectRef idx="0">
+            <a:schemeClr val="accent1"/>
+          </a:effectRef>
+          <a:fontRef idx="minor">
+            <a:schemeClr val="dk1"/>
+          </a:fontRef>
+        </p:style>
+        <p:txBody>
+          <a:bodyPr rtlCol="0" anchor="ctr"/>
+          <a:lstStyle/>
+          <a:p>
+            <a:pPr algn="ctr"/>
+            <a:endParaRPr lang="es-CO" dirty="0"/>
+          </a:p>
+          <a:p>
+            <a:pPr algn="ctr"/>
+            <a:r>
+              <a:rPr lang="es-CO" dirty="0"/>
+              <a:t>1994</a:t>
+            </a:r>
+          </a:p>
+        </p:txBody>
+      </p:sp>
+      <p:pic>
+        <p:nvPicPr>
+          <p:cNvPr id="13318" name="Picture 6" descr="Resultado de imagen para amazon">
+            <a:extLst>
+              <a:ext uri="{FF2B5EF4-FFF2-40B4-BE49-F238E27FC236}">
+                <a16:creationId xmlns:a16="http://schemas.microsoft.com/office/drawing/2014/main" id="{54BED5D8-CD0C-495D-BAC9-345DEE435374}"/>
+              </a:ext>
+            </a:extLst>
+          </p:cNvPr>
+          <p:cNvPicPr>
+            <a:picLocks noChangeAspect="1" noChangeArrowheads="1"/>
+          </p:cNvPicPr>
+          <p:nvPr/>
+        </p:nvPicPr>
+        <p:blipFill>
+          <a:blip r:embed="rId5">
+            <a:extLst>
+              <a:ext uri="{28A0092B-C50C-407E-A947-70E740481C1C}">
+                <a14:useLocalDpi xmlns:a14="http://schemas.microsoft.com/office/drawing/2010/main" val="0"/>
+              </a:ext>
+            </a:extLst>
+          </a:blip>
+          <a:srcRect/>
+          <a:stretch>
+            <a:fillRect/>
+          </a:stretch>
+        </p:blipFill>
+        <p:spPr bwMode="auto">
+          <a:xfrm>
+            <a:off x="7163157" y="3285062"/>
+            <a:ext cx="1198190" cy="241043"/>
+          </a:xfrm>
+          <a:prstGeom prst="rect">
+            <a:avLst/>
+          </a:prstGeom>
+          <a:noFill/>
+          <a:extLst>
+            <a:ext uri="{909E8E84-426E-40DD-AFC4-6F175D3DCCD1}">
+              <a14:hiddenFill xmlns:a14="http://schemas.microsoft.com/office/drawing/2010/main">
+                <a:solidFill>
+                  <a:srgbClr val="FFFFFF"/>
+                </a:solidFill>
+              </a14:hiddenFill>
+            </a:ext>
+          </a:extLst>
+        </p:spPr>
+      </p:pic>
+      <p:sp>
+        <p:nvSpPr>
+          <p:cNvPr id="14" name="Bocadillo: rectángulo con esquinas redondeadas 13">
+            <a:extLst>
+              <a:ext uri="{FF2B5EF4-FFF2-40B4-BE49-F238E27FC236}">
+                <a16:creationId xmlns:a16="http://schemas.microsoft.com/office/drawing/2014/main" id="{3CB77EB4-8D23-414D-B183-7E374FE2314E}"/>
+              </a:ext>
+            </a:extLst>
+          </p:cNvPr>
+          <p:cNvSpPr/>
+          <p:nvPr/>
+        </p:nvSpPr>
+        <p:spPr>
+          <a:xfrm>
+            <a:off x="2495372" y="3747115"/>
+            <a:ext cx="1053262" cy="1378010"/>
+          </a:xfrm>
+          <a:prstGeom prst="wedgeRoundRectCallout">
+            <a:avLst>
+              <a:gd name="adj1" fmla="val 224077"/>
+              <a:gd name="adj2" fmla="val 93947"/>
+              <a:gd name="adj3" fmla="val 16667"/>
+            </a:avLst>
+          </a:prstGeom>
+        </p:spPr>
+        <p:style>
+          <a:lnRef idx="2">
+            <a:schemeClr val="accent1"/>
+          </a:lnRef>
+          <a:fillRef idx="1">
+            <a:schemeClr val="lt1"/>
+          </a:fillRef>
+          <a:effectRef idx="0">
+            <a:schemeClr val="accent1"/>
+          </a:effectRef>
+          <a:fontRef idx="minor">
+            <a:schemeClr val="dk1"/>
+          </a:fontRef>
+        </p:style>
+        <p:txBody>
+          <a:bodyPr rtlCol="0" anchor="ctr"/>
+          <a:lstStyle/>
+          <a:p>
+            <a:pPr algn="ctr"/>
+            <a:endParaRPr lang="es-CO" dirty="0"/>
+          </a:p>
+          <a:p>
+            <a:pPr algn="ctr"/>
+            <a:endParaRPr lang="es-CO" dirty="0"/>
+          </a:p>
+          <a:p>
+            <a:pPr algn="ctr"/>
+            <a:endParaRPr lang="es-CO" dirty="0"/>
+          </a:p>
+          <a:p>
+            <a:pPr algn="ctr"/>
+            <a:r>
+              <a:rPr lang="es-CO" dirty="0"/>
+              <a:t>1975</a:t>
+            </a:r>
+          </a:p>
+        </p:txBody>
+      </p:sp>
+      <p:sp>
+        <p:nvSpPr>
+          <p:cNvPr id="12" name="Bocadillo: rectángulo con esquinas redondeadas 11">
+            <a:extLst>
+              <a:ext uri="{FF2B5EF4-FFF2-40B4-BE49-F238E27FC236}">
+                <a16:creationId xmlns:a16="http://schemas.microsoft.com/office/drawing/2014/main" id="{8282F477-10B4-493D-B09D-A833DB5B3AB4}"/>
+              </a:ext>
+            </a:extLst>
+          </p:cNvPr>
+          <p:cNvSpPr/>
+          <p:nvPr/>
+        </p:nvSpPr>
+        <p:spPr>
+          <a:xfrm>
+            <a:off x="3881212" y="3367044"/>
+            <a:ext cx="1254807" cy="1378010"/>
+          </a:xfrm>
+          <a:prstGeom prst="wedgeRoundRectCallout">
+            <a:avLst>
+              <a:gd name="adj1" fmla="val 78670"/>
+              <a:gd name="adj2" fmla="val 121853"/>
+              <a:gd name="adj3" fmla="val 16667"/>
+            </a:avLst>
+          </a:prstGeom>
+        </p:spPr>
+        <p:style>
+          <a:lnRef idx="2">
+            <a:schemeClr val="accent1"/>
+          </a:lnRef>
+          <a:fillRef idx="1">
+            <a:schemeClr val="lt1"/>
+          </a:fillRef>
+          <a:effectRef idx="0">
+            <a:schemeClr val="accent1"/>
+          </a:effectRef>
+          <a:fontRef idx="minor">
+            <a:schemeClr val="dk1"/>
+          </a:fontRef>
+        </p:style>
+        <p:txBody>
+          <a:bodyPr rtlCol="0" anchor="ctr"/>
+          <a:lstStyle/>
+          <a:p>
+            <a:pPr algn="ctr"/>
+            <a:endParaRPr lang="es-CO" dirty="0"/>
+          </a:p>
+          <a:p>
+            <a:pPr algn="ctr"/>
+            <a:endParaRPr lang="es-CO" dirty="0"/>
+          </a:p>
+          <a:p>
+            <a:pPr algn="ctr"/>
+            <a:endParaRPr lang="es-CO" dirty="0"/>
+          </a:p>
+          <a:p>
+            <a:pPr algn="ctr"/>
+            <a:r>
+              <a:rPr lang="es-CO" dirty="0"/>
+              <a:t>1976</a:t>
+            </a:r>
+          </a:p>
+        </p:txBody>
+      </p:sp>
+      <p:pic>
+        <p:nvPicPr>
+          <p:cNvPr id="13324" name="Picture 12" descr="Resultado de imagen para microsoft">
+            <a:extLst>
+              <a:ext uri="{FF2B5EF4-FFF2-40B4-BE49-F238E27FC236}">
+                <a16:creationId xmlns:a16="http://schemas.microsoft.com/office/drawing/2014/main" id="{2AB42A79-B348-486E-AB46-18201B5C5262}"/>
+              </a:ext>
+            </a:extLst>
+          </p:cNvPr>
+          <p:cNvPicPr>
+            <a:picLocks noChangeAspect="1" noChangeArrowheads="1"/>
+          </p:cNvPicPr>
+          <p:nvPr/>
+        </p:nvPicPr>
+        <p:blipFill rotWithShape="1">
+          <a:blip r:embed="rId6">
+            <a:extLst>
+              <a:ext uri="{28A0092B-C50C-407E-A947-70E740481C1C}">
+                <a14:useLocalDpi xmlns:a14="http://schemas.microsoft.com/office/drawing/2010/main" val="0"/>
+              </a:ext>
+            </a:extLst>
+          </a:blip>
+          <a:srcRect t="28867" r="79633" b="14840"/>
+          <a:stretch/>
+        </p:blipFill>
+        <p:spPr bwMode="auto">
+          <a:xfrm>
+            <a:off x="2658008" y="3924474"/>
+            <a:ext cx="762173" cy="777850"/>
+          </a:xfrm>
+          <a:prstGeom prst="rect">
+            <a:avLst/>
+          </a:prstGeom>
+          <a:noFill/>
+          <a:extLst>
+            <a:ext uri="{909E8E84-426E-40DD-AFC4-6F175D3DCCD1}">
+              <a14:hiddenFill xmlns:a14="http://schemas.microsoft.com/office/drawing/2010/main">
+                <a:solidFill>
+                  <a:srgbClr val="FFFFFF"/>
+                </a:solidFill>
+              </a14:hiddenFill>
+            </a:ext>
+          </a:extLst>
+        </p:spPr>
+      </p:pic>
+      <p:pic>
+        <p:nvPicPr>
+          <p:cNvPr id="13320" name="Picture 8" descr="Resultado de imagen para apple">
+            <a:extLst>
+              <a:ext uri="{FF2B5EF4-FFF2-40B4-BE49-F238E27FC236}">
+                <a16:creationId xmlns:a16="http://schemas.microsoft.com/office/drawing/2014/main" id="{A511E736-86DD-4CCE-B24D-DB9D34CFACFF}"/>
+              </a:ext>
+            </a:extLst>
+          </p:cNvPr>
+          <p:cNvPicPr>
+            <a:picLocks noChangeAspect="1" noChangeArrowheads="1"/>
+          </p:cNvPicPr>
+          <p:nvPr/>
+        </p:nvPicPr>
+        <p:blipFill>
+          <a:blip r:embed="rId7">
+            <a:extLst>
+              <a:ext uri="{28A0092B-C50C-407E-A947-70E740481C1C}">
+                <a14:useLocalDpi xmlns:a14="http://schemas.microsoft.com/office/drawing/2010/main" val="0"/>
+              </a:ext>
+            </a:extLst>
+          </a:blip>
+          <a:srcRect/>
+          <a:stretch>
+            <a:fillRect/>
+          </a:stretch>
+        </p:blipFill>
+        <p:spPr bwMode="auto">
+          <a:xfrm>
+            <a:off x="4161872" y="3429000"/>
+            <a:ext cx="693485" cy="842477"/>
+          </a:xfrm>
+          <a:prstGeom prst="rect">
+            <a:avLst/>
+          </a:prstGeom>
+          <a:noFill/>
+          <a:extLst>
+            <a:ext uri="{909E8E84-426E-40DD-AFC4-6F175D3DCCD1}">
+              <a14:hiddenFill xmlns:a14="http://schemas.microsoft.com/office/drawing/2010/main">
+                <a:solidFill>
+                  <a:srgbClr val="FFFFFF"/>
+                </a:solidFill>
+              </a14:hiddenFill>
+            </a:ext>
+          </a:extLst>
+        </p:spPr>
+      </p:pic>
+    </p:spTree>
+    <p:extLst>
+      <p:ext uri="{BB962C8B-B14F-4D97-AF65-F5344CB8AC3E}">
+        <p14:creationId xmlns:p14="http://schemas.microsoft.com/office/powerpoint/2010/main" val="4157113021"/>
+      </p:ext>
+    </p:extLst>
+  </p:cSld>
+  <p:clrMapOvr>
+    <a:masterClrMapping/>
+  </p:clrMapOvr>
+</p:sld>
+</file>
+
+<file path=ppt/slides/slide12.xml><?xml version="1.0" encoding="utf-8"?>
+<p:sld xmlns:a="http://schemas.openxmlformats.org/drawingml/2006/main" xmlns:r="http://schemas.openxmlformats.org/officeDocument/2006/relationships" xmlns:p="http://schemas.openxmlformats.org/presentationml/2006/main">
+  <p:cSld>
+    <p:spTree>
+      <p:nvGrpSpPr>
+        <p:cNvPr id="1" name=""/>
+        <p:cNvGrpSpPr/>
+        <p:nvPr/>
+      </p:nvGrpSpPr>
+      <p:grpSpPr>
+        <a:xfrm>
+          <a:off x="0" y="0"/>
+          <a:ext cx="0" cy="0"/>
+          <a:chOff x="0" y="0"/>
+          <a:chExt cx="0" cy="0"/>
+        </a:xfrm>
+      </p:grpSpPr>
+      <p:sp>
+        <p:nvSpPr>
+          <p:cNvPr id="6" name="Título 1">
+            <a:extLst>
+              <a:ext uri="{FF2B5EF4-FFF2-40B4-BE49-F238E27FC236}">
+                <a16:creationId xmlns:a16="http://schemas.microsoft.com/office/drawing/2014/main" id="{D1F20A51-A41F-4529-A96C-C271EA4C0F09}"/>
+              </a:ext>
+            </a:extLst>
+          </p:cNvPr>
+          <p:cNvSpPr txBox="1">
+            <a:spLocks/>
+          </p:cNvSpPr>
+          <p:nvPr/>
+        </p:nvSpPr>
+        <p:spPr>
+          <a:xfrm>
+            <a:off x="836184" y="230734"/>
+            <a:ext cx="10314530" cy="1085319"/>
+          </a:xfrm>
+          <a:prstGeom prst="rect">
+            <a:avLst/>
+          </a:prstGeom>
+        </p:spPr>
+        <p:txBody>
+          <a:bodyPr vert="horz" lIns="91440" tIns="45720" rIns="91440" bIns="45720" rtlCol="0" anchor="b">
+            <a:noAutofit/>
+          </a:bodyPr>
+          <a:lstStyle>
+            <a:lvl1pPr algn="ctr" defTabSz="914400" rtl="0" eaLnBrk="1" latinLnBrk="0" hangingPunct="1">
+              <a:lnSpc>
+                <a:spcPct val="90000"/>
+              </a:lnSpc>
+              <a:spcBef>
+                <a:spcPct val="0"/>
+              </a:spcBef>
+              <a:buNone/>
+              <a:defRPr sz="6000" kern="1200">
+                <a:solidFill>
+                  <a:schemeClr val="tx1"/>
+                </a:solidFill>
+                <a:latin typeface="+mj-lt"/>
+                <a:ea typeface="+mj-ea"/>
+                <a:cs typeface="+mj-cs"/>
+              </a:defRPr>
+            </a:lvl1pPr>
+          </a:lstStyle>
+          <a:p>
+            <a:r>
+              <a:rPr lang="es-CO" b="1" dirty="0">
+                <a:latin typeface="Bahnschrift Condensed" panose="020B0502040204020203" pitchFamily="34" charset="0"/>
+                <a:ea typeface="Adobe Gothic Std B" panose="020B0800000000000000" pitchFamily="34" charset="-128"/>
+              </a:rPr>
+              <a:t>Científico de datos</a:t>
+            </a:r>
+          </a:p>
+        </p:txBody>
+      </p:sp>
+      <p:pic>
+        <p:nvPicPr>
+          <p:cNvPr id="10242" name="Picture 2" descr="Resultado de imagen para data science">
+            <a:extLst>
+              <a:ext uri="{FF2B5EF4-FFF2-40B4-BE49-F238E27FC236}">
+                <a16:creationId xmlns:a16="http://schemas.microsoft.com/office/drawing/2014/main" id="{3A907331-CEF4-49A4-BB83-536E4256C6F5}"/>
+              </a:ext>
+            </a:extLst>
+          </p:cNvPr>
+          <p:cNvPicPr>
+            <a:picLocks noChangeAspect="1" noChangeArrowheads="1"/>
+          </p:cNvPicPr>
+          <p:nvPr/>
+        </p:nvPicPr>
+        <p:blipFill>
+          <a:blip r:embed="rId2">
+            <a:extLst>
+              <a:ext uri="{28A0092B-C50C-407E-A947-70E740481C1C}">
+                <a14:useLocalDpi xmlns:a14="http://schemas.microsoft.com/office/drawing/2010/main" val="0"/>
+              </a:ext>
+            </a:extLst>
+          </a:blip>
+          <a:srcRect/>
+          <a:stretch>
+            <a:fillRect/>
+          </a:stretch>
+        </p:blipFill>
+        <p:spPr bwMode="auto">
+          <a:xfrm>
+            <a:off x="5274982" y="2328576"/>
+            <a:ext cx="6903625" cy="4529424"/>
+          </a:xfrm>
+          <a:prstGeom prst="rect">
+            <a:avLst/>
+          </a:prstGeom>
+          <a:noFill/>
+          <a:extLst>
+            <a:ext uri="{909E8E84-426E-40DD-AFC4-6F175D3DCCD1}">
+              <a14:hiddenFill xmlns:a14="http://schemas.microsoft.com/office/drawing/2010/main">
+                <a:solidFill>
+                  <a:srgbClr val="FFFFFF"/>
+                </a:solidFill>
+              </a14:hiddenFill>
+            </a:ext>
+          </a:extLst>
+        </p:spPr>
+      </p:pic>
+      <p:sp>
+        <p:nvSpPr>
+          <p:cNvPr id="5" name="Título 1">
+            <a:extLst>
+              <a:ext uri="{FF2B5EF4-FFF2-40B4-BE49-F238E27FC236}">
+                <a16:creationId xmlns:a16="http://schemas.microsoft.com/office/drawing/2014/main" id="{A0139C56-F95C-42A9-8391-8155D5682BB2}"/>
+              </a:ext>
+            </a:extLst>
+          </p:cNvPr>
+          <p:cNvSpPr txBox="1">
+            <a:spLocks/>
+          </p:cNvSpPr>
+          <p:nvPr/>
+        </p:nvSpPr>
+        <p:spPr>
+          <a:xfrm>
+            <a:off x="382992" y="3873303"/>
+            <a:ext cx="5479422" cy="2226257"/>
+          </a:xfrm>
+          <a:prstGeom prst="rect">
+            <a:avLst/>
+          </a:prstGeom>
+        </p:spPr>
+        <p:txBody>
+          <a:bodyPr vert="horz" lIns="91440" tIns="45720" rIns="91440" bIns="45720" rtlCol="0" anchor="b">
+            <a:noAutofit/>
+          </a:bodyPr>
+          <a:lstStyle>
+            <a:lvl1pPr algn="ctr" defTabSz="914400" rtl="0" eaLnBrk="1" latinLnBrk="0" hangingPunct="1">
+              <a:lnSpc>
+                <a:spcPct val="90000"/>
+              </a:lnSpc>
+              <a:spcBef>
+                <a:spcPct val="0"/>
+              </a:spcBef>
+              <a:buNone/>
+              <a:defRPr sz="6000" kern="1200">
+                <a:solidFill>
+                  <a:schemeClr val="tx1"/>
+                </a:solidFill>
+                <a:latin typeface="+mj-lt"/>
+                <a:ea typeface="+mj-ea"/>
+                <a:cs typeface="+mj-cs"/>
+              </a:defRPr>
+            </a:lvl1pPr>
+          </a:lstStyle>
+          <a:p>
+            <a:pPr marL="514350" indent="-514350" algn="l">
+              <a:lnSpc>
+                <a:spcPct val="100000"/>
+              </a:lnSpc>
+              <a:buFont typeface="+mj-lt"/>
+              <a:buAutoNum type="arabicPeriod"/>
+            </a:pPr>
+            <a:endParaRPr lang="es-CO" sz="2800" dirty="0">
+              <a:latin typeface="Bahnschrift Light" panose="020B0502040204020203" pitchFamily="34" charset="0"/>
+              <a:ea typeface="Adobe Gothic Std B" panose="020B0800000000000000" pitchFamily="34" charset="-128"/>
+            </a:endParaRPr>
+          </a:p>
+          <a:p>
+            <a:pPr marL="514350" indent="-514350" algn="l">
+              <a:lnSpc>
+                <a:spcPct val="100000"/>
+              </a:lnSpc>
+              <a:buFont typeface="+mj-lt"/>
+              <a:buAutoNum type="arabicPeriod"/>
+            </a:pPr>
+            <a:endParaRPr lang="es-CO" sz="2800" dirty="0">
+              <a:latin typeface="Bahnschrift Light" panose="020B0502040204020203" pitchFamily="34" charset="0"/>
+              <a:ea typeface="Adobe Gothic Std B" panose="020B0800000000000000" pitchFamily="34" charset="-128"/>
+            </a:endParaRPr>
+          </a:p>
+          <a:p>
+            <a:pPr marL="514350" indent="-514350" algn="l">
+              <a:lnSpc>
+                <a:spcPct val="100000"/>
+              </a:lnSpc>
+              <a:buFont typeface="+mj-lt"/>
+              <a:buAutoNum type="arabicPeriod"/>
+            </a:pPr>
+            <a:endParaRPr lang="es-CO" sz="2800" dirty="0">
+              <a:latin typeface="Bahnschrift Light" panose="020B0502040204020203" pitchFamily="34" charset="0"/>
+              <a:ea typeface="Adobe Gothic Std B" panose="020B0800000000000000" pitchFamily="34" charset="-128"/>
+            </a:endParaRPr>
+          </a:p>
+          <a:p>
+            <a:pPr algn="l">
+              <a:lnSpc>
+                <a:spcPct val="100000"/>
+              </a:lnSpc>
+            </a:pPr>
+            <a:r>
+              <a:rPr lang="es-CO" sz="2800" b="1" dirty="0">
+                <a:latin typeface="Bahnschrift Light" panose="020B0502040204020203" pitchFamily="34" charset="0"/>
+                <a:ea typeface="Adobe Gothic Std B" panose="020B0800000000000000" pitchFamily="34" charset="-128"/>
+              </a:rPr>
+              <a:t>Habilidades</a:t>
+            </a:r>
+          </a:p>
+          <a:p>
+            <a:pPr marL="514350" indent="-514350" algn="l">
+              <a:lnSpc>
+                <a:spcPct val="100000"/>
+              </a:lnSpc>
+              <a:buFont typeface="+mj-lt"/>
+              <a:buAutoNum type="arabicPeriod"/>
+            </a:pPr>
+            <a:r>
+              <a:rPr lang="es-CO" sz="2800" dirty="0">
+                <a:latin typeface="Bahnschrift Light" panose="020B0502040204020203" pitchFamily="34" charset="0"/>
+                <a:ea typeface="Adobe Gothic Std B" panose="020B0800000000000000" pitchFamily="34" charset="-128"/>
+              </a:rPr>
+              <a:t>Estadística</a:t>
+            </a:r>
+          </a:p>
+          <a:p>
+            <a:pPr marL="514350" indent="-514350" algn="l">
+              <a:lnSpc>
+                <a:spcPct val="100000"/>
+              </a:lnSpc>
+              <a:buFont typeface="+mj-lt"/>
+              <a:buAutoNum type="arabicPeriod"/>
+            </a:pPr>
+            <a:r>
+              <a:rPr lang="es-CO" sz="2800" dirty="0">
+                <a:latin typeface="Bahnschrift Light" panose="020B0502040204020203" pitchFamily="34" charset="0"/>
+                <a:ea typeface="Adobe Gothic Std B" panose="020B0800000000000000" pitchFamily="34" charset="-128"/>
+              </a:rPr>
+              <a:t>Matemática</a:t>
+            </a:r>
+          </a:p>
+          <a:p>
+            <a:pPr marL="514350" indent="-514350" algn="l">
+              <a:lnSpc>
+                <a:spcPct val="100000"/>
+              </a:lnSpc>
+              <a:buFont typeface="+mj-lt"/>
+              <a:buAutoNum type="arabicPeriod"/>
+            </a:pPr>
+            <a:r>
+              <a:rPr lang="es-CO" sz="2800" dirty="0">
+                <a:latin typeface="Bahnschrift Light" panose="020B0502040204020203" pitchFamily="34" charset="0"/>
+                <a:ea typeface="Adobe Gothic Std B" panose="020B0800000000000000" pitchFamily="34" charset="-128"/>
+              </a:rPr>
+              <a:t>Programación</a:t>
+            </a:r>
+          </a:p>
+          <a:p>
+            <a:pPr marL="514350" indent="-514350" algn="l">
+              <a:lnSpc>
+                <a:spcPct val="100000"/>
+              </a:lnSpc>
+              <a:buFont typeface="+mj-lt"/>
+              <a:buAutoNum type="arabicPeriod"/>
+            </a:pPr>
+            <a:r>
+              <a:rPr lang="es-CO" sz="2800" dirty="0">
+                <a:latin typeface="Bahnschrift Light" panose="020B0502040204020203" pitchFamily="34" charset="0"/>
+                <a:ea typeface="Adobe Gothic Std B" panose="020B0800000000000000" pitchFamily="34" charset="-128"/>
+              </a:rPr>
+              <a:t>Facilidad de Comunicación</a:t>
+            </a:r>
+          </a:p>
+        </p:txBody>
+      </p:sp>
+      <p:sp>
+        <p:nvSpPr>
+          <p:cNvPr id="7" name="Título 1">
+            <a:extLst>
+              <a:ext uri="{FF2B5EF4-FFF2-40B4-BE49-F238E27FC236}">
+                <a16:creationId xmlns:a16="http://schemas.microsoft.com/office/drawing/2014/main" id="{4B34F968-5B15-441A-B7D7-93C5C6DFAD7F}"/>
+              </a:ext>
+            </a:extLst>
+          </p:cNvPr>
+          <p:cNvSpPr txBox="1">
+            <a:spLocks/>
+          </p:cNvSpPr>
+          <p:nvPr/>
+        </p:nvSpPr>
+        <p:spPr>
+          <a:xfrm>
+            <a:off x="283652" y="1813805"/>
+            <a:ext cx="5678101" cy="1377972"/>
+          </a:xfrm>
+          <a:prstGeom prst="rect">
+            <a:avLst/>
+          </a:prstGeom>
+        </p:spPr>
+        <p:txBody>
+          <a:bodyPr vert="horz" lIns="91440" tIns="45720" rIns="91440" bIns="45720" rtlCol="0" anchor="b">
+            <a:noAutofit/>
+          </a:bodyPr>
+          <a:lstStyle>
+            <a:lvl1pPr algn="ctr" defTabSz="914400" rtl="0" eaLnBrk="1" latinLnBrk="0" hangingPunct="1">
+              <a:lnSpc>
+                <a:spcPct val="90000"/>
+              </a:lnSpc>
+              <a:spcBef>
+                <a:spcPct val="0"/>
+              </a:spcBef>
+              <a:buNone/>
+              <a:defRPr sz="6000" kern="1200">
+                <a:solidFill>
+                  <a:schemeClr val="tx1"/>
+                </a:solidFill>
+                <a:latin typeface="+mj-lt"/>
+                <a:ea typeface="+mj-ea"/>
+                <a:cs typeface="+mj-cs"/>
+              </a:defRPr>
+            </a:lvl1pPr>
+          </a:lstStyle>
+          <a:p>
+            <a:r>
+              <a:rPr lang="es-ES" sz="2800" dirty="0">
+                <a:latin typeface="Bahnschrift Light" panose="020B0502040204020203" pitchFamily="34" charset="0"/>
+                <a:ea typeface="Adobe Gothic Std B" panose="020B0800000000000000" pitchFamily="34" charset="-128"/>
+              </a:rPr>
+              <a:t>En el 2016 ocupó el primer lugar entre los mejores trabajos de América. </a:t>
+            </a:r>
+            <a:endParaRPr lang="es-CO" sz="2800" dirty="0">
+              <a:latin typeface="Bahnschrift Light" panose="020B0502040204020203" pitchFamily="34" charset="0"/>
+              <a:ea typeface="Adobe Gothic Std B" panose="020B0800000000000000" pitchFamily="34" charset="-128"/>
+            </a:endParaRPr>
+          </a:p>
+        </p:txBody>
+      </p:sp>
+    </p:spTree>
+    <p:extLst>
+      <p:ext uri="{BB962C8B-B14F-4D97-AF65-F5344CB8AC3E}">
+        <p14:creationId xmlns:p14="http://schemas.microsoft.com/office/powerpoint/2010/main" val="1899549302"/>
+      </p:ext>
+    </p:extLst>
+  </p:cSld>
+  <p:clrMapOvr>
+    <a:masterClrMapping/>
+  </p:clrMapOvr>
+</p:sld>
+</file>
+
+<file path=ppt/slides/slide13.xml><?xml version="1.0" encoding="utf-8"?>
+<p:sld xmlns:a="http://schemas.openxmlformats.org/drawingml/2006/main" xmlns:r="http://schemas.openxmlformats.org/officeDocument/2006/relationships" xmlns:p="http://schemas.openxmlformats.org/presentationml/2006/main">
+  <p:cSld>
+    <p:spTree>
+      <p:nvGrpSpPr>
+        <p:cNvPr id="1" name=""/>
+        <p:cNvGrpSpPr/>
+        <p:nvPr/>
+      </p:nvGrpSpPr>
+      <p:grpSpPr>
+        <a:xfrm>
+          <a:off x="0" y="0"/>
+          <a:ext cx="0" cy="0"/>
+          <a:chOff x="0" y="0"/>
+          <a:chExt cx="0" cy="0"/>
+        </a:xfrm>
+      </p:grpSpPr>
+      <p:sp>
+        <p:nvSpPr>
+          <p:cNvPr id="7" name="Título 1">
+            <a:extLst>
+              <a:ext uri="{FF2B5EF4-FFF2-40B4-BE49-F238E27FC236}">
+                <a16:creationId xmlns:a16="http://schemas.microsoft.com/office/drawing/2014/main" id="{4B34F968-5B15-441A-B7D7-93C5C6DFAD7F}"/>
+              </a:ext>
+            </a:extLst>
+          </p:cNvPr>
+          <p:cNvSpPr txBox="1">
+            <a:spLocks/>
+          </p:cNvSpPr>
+          <p:nvPr/>
+        </p:nvSpPr>
+        <p:spPr>
+          <a:xfrm>
+            <a:off x="352984" y="1993266"/>
+            <a:ext cx="11486031" cy="1377972"/>
+          </a:xfrm>
+          <a:prstGeom prst="rect">
+            <a:avLst/>
+          </a:prstGeom>
+        </p:spPr>
+        <p:txBody>
+          <a:bodyPr vert="horz" lIns="91440" tIns="45720" rIns="91440" bIns="45720" rtlCol="0" anchor="b">
+            <a:noAutofit/>
+          </a:bodyPr>
+          <a:lstStyle>
+            <a:lvl1pPr algn="ctr" defTabSz="914400" rtl="0" eaLnBrk="1" latinLnBrk="0" hangingPunct="1">
+              <a:lnSpc>
+                <a:spcPct val="90000"/>
+              </a:lnSpc>
+              <a:spcBef>
+                <a:spcPct val="0"/>
+              </a:spcBef>
+              <a:buNone/>
+              <a:defRPr sz="6000" kern="1200">
+                <a:solidFill>
+                  <a:schemeClr val="tx1"/>
+                </a:solidFill>
+                <a:latin typeface="+mj-lt"/>
+                <a:ea typeface="+mj-ea"/>
+                <a:cs typeface="+mj-cs"/>
+              </a:defRPr>
+            </a:lvl1pPr>
+          </a:lstStyle>
+          <a:p>
+            <a:r>
+              <a:rPr lang="es-ES" sz="2800" dirty="0">
+                <a:latin typeface="Bahnschrift Light" panose="020B0502040204020203" pitchFamily="34" charset="0"/>
+                <a:ea typeface="Adobe Gothic Std B" panose="020B0800000000000000" pitchFamily="34" charset="-128"/>
+              </a:rPr>
+              <a:t>Un científico de datos gana en promedio un salario base de 115.000 USD.</a:t>
+            </a:r>
+          </a:p>
+          <a:p>
+            <a:r>
+              <a:rPr lang="es-ES" sz="2800" dirty="0">
+                <a:latin typeface="Bahnschrift Light" panose="020B0502040204020203" pitchFamily="34" charset="0"/>
+                <a:ea typeface="Adobe Gothic Std B" panose="020B0800000000000000" pitchFamily="34" charset="-128"/>
+              </a:rPr>
+              <a:t>En pesos colombianos 345,000,000 que equivalen mensualmente a 28,750,000 pesos</a:t>
+            </a:r>
+            <a:endParaRPr lang="es-CO" sz="2800" dirty="0">
+              <a:latin typeface="Bahnschrift Light" panose="020B0502040204020203" pitchFamily="34" charset="0"/>
+              <a:ea typeface="Adobe Gothic Std B" panose="020B0800000000000000" pitchFamily="34" charset="-128"/>
+            </a:endParaRPr>
+          </a:p>
+        </p:txBody>
+      </p:sp>
+      <p:pic>
+        <p:nvPicPr>
+          <p:cNvPr id="11266" name="Picture 2" descr="Resultado de imagen para Glassdoor">
+            <a:extLst>
+              <a:ext uri="{FF2B5EF4-FFF2-40B4-BE49-F238E27FC236}">
+                <a16:creationId xmlns:a16="http://schemas.microsoft.com/office/drawing/2014/main" id="{62B2DFF8-4A27-4FFC-9481-9F55D36128E0}"/>
+              </a:ext>
+            </a:extLst>
+          </p:cNvPr>
+          <p:cNvPicPr>
+            <a:picLocks noChangeAspect="1" noChangeArrowheads="1"/>
+          </p:cNvPicPr>
+          <p:nvPr/>
+        </p:nvPicPr>
+        <p:blipFill>
+          <a:blip r:embed="rId2">
+            <a:extLst>
+              <a:ext uri="{28A0092B-C50C-407E-A947-70E740481C1C}">
+                <a14:useLocalDpi xmlns:a14="http://schemas.microsoft.com/office/drawing/2010/main" val="0"/>
+              </a:ext>
+            </a:extLst>
+          </a:blip>
+          <a:srcRect/>
+          <a:stretch>
+            <a:fillRect/>
+          </a:stretch>
+        </p:blipFill>
+        <p:spPr bwMode="auto">
+          <a:xfrm>
+            <a:off x="3656176" y="-325493"/>
+            <a:ext cx="4572000" cy="3048000"/>
+          </a:xfrm>
+          <a:prstGeom prst="rect">
+            <a:avLst/>
+          </a:prstGeom>
+          <a:noFill/>
+          <a:extLst>
+            <a:ext uri="{909E8E84-426E-40DD-AFC4-6F175D3DCCD1}">
+              <a14:hiddenFill xmlns:a14="http://schemas.microsoft.com/office/drawing/2010/main">
+                <a:solidFill>
+                  <a:srgbClr val="FFFFFF"/>
+                </a:solidFill>
+              </a14:hiddenFill>
+            </a:ext>
+          </a:extLst>
+        </p:spPr>
+      </p:pic>
+      <p:pic>
+        <p:nvPicPr>
+          <p:cNvPr id="11268" name="Picture 4" descr="Resultado de imagen para Cisco">
+            <a:extLst>
+              <a:ext uri="{FF2B5EF4-FFF2-40B4-BE49-F238E27FC236}">
+                <a16:creationId xmlns:a16="http://schemas.microsoft.com/office/drawing/2014/main" id="{AE19A11F-1D11-4ACF-91C2-82011E1DD521}"/>
+              </a:ext>
+            </a:extLst>
+          </p:cNvPr>
+          <p:cNvPicPr>
+            <a:picLocks noChangeAspect="1" noChangeArrowheads="1"/>
+          </p:cNvPicPr>
+          <p:nvPr/>
+        </p:nvPicPr>
+        <p:blipFill>
+          <a:blip r:embed="rId3">
+            <a:extLst>
+              <a:ext uri="{28A0092B-C50C-407E-A947-70E740481C1C}">
+                <a14:useLocalDpi xmlns:a14="http://schemas.microsoft.com/office/drawing/2010/main" val="0"/>
+              </a:ext>
+            </a:extLst>
+          </a:blip>
+          <a:srcRect/>
+          <a:stretch>
+            <a:fillRect/>
+          </a:stretch>
+        </p:blipFill>
+        <p:spPr bwMode="auto">
+          <a:xfrm>
+            <a:off x="2104758" y="3708261"/>
+            <a:ext cx="2667000" cy="1600200"/>
+          </a:xfrm>
+          <a:prstGeom prst="rect">
+            <a:avLst/>
+          </a:prstGeom>
+          <a:noFill/>
+          <a:extLst>
+            <a:ext uri="{909E8E84-426E-40DD-AFC4-6F175D3DCCD1}">
+              <a14:hiddenFill xmlns:a14="http://schemas.microsoft.com/office/drawing/2010/main">
+                <a:solidFill>
+                  <a:srgbClr val="FFFFFF"/>
+                </a:solidFill>
+              </a14:hiddenFill>
+            </a:ext>
+          </a:extLst>
+        </p:spPr>
+      </p:pic>
+      <p:pic>
+        <p:nvPicPr>
+          <p:cNvPr id="11270" name="Picture 6" descr="Resultado de imagen para apple">
+            <a:extLst>
+              <a:ext uri="{FF2B5EF4-FFF2-40B4-BE49-F238E27FC236}">
+                <a16:creationId xmlns:a16="http://schemas.microsoft.com/office/drawing/2014/main" id="{F058BCB2-BFF2-4491-B2C4-A4806A534DD7}"/>
+              </a:ext>
+            </a:extLst>
+          </p:cNvPr>
+          <p:cNvPicPr>
+            <a:picLocks noChangeAspect="1" noChangeArrowheads="1"/>
+          </p:cNvPicPr>
+          <p:nvPr/>
+        </p:nvPicPr>
+        <p:blipFill>
+          <a:blip r:embed="rId4">
+            <a:extLst>
+              <a:ext uri="{28A0092B-C50C-407E-A947-70E740481C1C}">
+                <a14:useLocalDpi xmlns:a14="http://schemas.microsoft.com/office/drawing/2010/main" val="0"/>
+              </a:ext>
+            </a:extLst>
+          </a:blip>
+          <a:srcRect/>
+          <a:stretch>
+            <a:fillRect/>
+          </a:stretch>
+        </p:blipFill>
+        <p:spPr bwMode="auto">
+          <a:xfrm>
+            <a:off x="7480400" y="3650965"/>
+            <a:ext cx="1623738" cy="1623738"/>
+          </a:xfrm>
+          <a:prstGeom prst="rect">
+            <a:avLst/>
+          </a:prstGeom>
+          <a:noFill/>
+          <a:extLst>
+            <a:ext uri="{909E8E84-426E-40DD-AFC4-6F175D3DCCD1}">
+              <a14:hiddenFill xmlns:a14="http://schemas.microsoft.com/office/drawing/2010/main">
+                <a:solidFill>
+                  <a:srgbClr val="FFFFFF"/>
+                </a:solidFill>
+              </a14:hiddenFill>
+            </a:ext>
+          </a:extLst>
+        </p:spPr>
+      </p:pic>
+      <p:sp>
+        <p:nvSpPr>
+          <p:cNvPr id="9" name="Título 1">
+            <a:extLst>
+              <a:ext uri="{FF2B5EF4-FFF2-40B4-BE49-F238E27FC236}">
+                <a16:creationId xmlns:a16="http://schemas.microsoft.com/office/drawing/2014/main" id="{1BFC7C44-5A79-417C-91FE-8D1F3B97C9E5}"/>
+              </a:ext>
+            </a:extLst>
+          </p:cNvPr>
+          <p:cNvSpPr txBox="1">
+            <a:spLocks/>
+          </p:cNvSpPr>
+          <p:nvPr/>
+        </p:nvSpPr>
+        <p:spPr>
+          <a:xfrm>
+            <a:off x="670723" y="4956498"/>
+            <a:ext cx="5970905" cy="1377972"/>
+          </a:xfrm>
+          <a:prstGeom prst="rect">
+            <a:avLst/>
+          </a:prstGeom>
+        </p:spPr>
+        <p:txBody>
+          <a:bodyPr vert="horz" lIns="91440" tIns="45720" rIns="91440" bIns="45720" rtlCol="0" anchor="b">
+            <a:noAutofit/>
+          </a:bodyPr>
+          <a:lstStyle>
+            <a:lvl1pPr algn="ctr" defTabSz="914400" rtl="0" eaLnBrk="1" latinLnBrk="0" hangingPunct="1">
+              <a:lnSpc>
+                <a:spcPct val="90000"/>
+              </a:lnSpc>
+              <a:spcBef>
+                <a:spcPct val="0"/>
+              </a:spcBef>
+              <a:buNone/>
+              <a:defRPr sz="6000" kern="1200">
+                <a:solidFill>
+                  <a:schemeClr val="tx1"/>
+                </a:solidFill>
+                <a:latin typeface="+mj-lt"/>
+                <a:ea typeface="+mj-ea"/>
+                <a:cs typeface="+mj-cs"/>
+              </a:defRPr>
+            </a:lvl1pPr>
+          </a:lstStyle>
+          <a:p>
+            <a:r>
+              <a:rPr lang="es-ES" sz="2400" dirty="0">
+                <a:latin typeface="Bahnschrift Light" panose="020B0502040204020203" pitchFamily="34" charset="0"/>
+                <a:ea typeface="Adobe Gothic Std B" panose="020B0800000000000000" pitchFamily="34" charset="-128"/>
+              </a:rPr>
+              <a:t>190,000 USD</a:t>
+            </a:r>
+          </a:p>
+          <a:p>
+            <a:r>
+              <a:rPr lang="es-ES" sz="2400" dirty="0">
+                <a:latin typeface="Bahnschrift Light" panose="020B0502040204020203" pitchFamily="34" charset="0"/>
+                <a:ea typeface="Adobe Gothic Std B" panose="020B0800000000000000" pitchFamily="34" charset="-128"/>
+              </a:rPr>
+              <a:t>570,000,000 Pesos</a:t>
+            </a:r>
+          </a:p>
+          <a:p>
+            <a:r>
+              <a:rPr lang="es-ES" sz="2400" dirty="0">
+                <a:latin typeface="Bahnschrift Light" panose="020B0502040204020203" pitchFamily="34" charset="0"/>
+                <a:ea typeface="Adobe Gothic Std B" panose="020B0800000000000000" pitchFamily="34" charset="-128"/>
+              </a:rPr>
+              <a:t>47,500,000 Pesos</a:t>
+            </a:r>
+          </a:p>
+        </p:txBody>
+      </p:sp>
+      <p:sp>
+        <p:nvSpPr>
+          <p:cNvPr id="10" name="Título 1">
+            <a:extLst>
+              <a:ext uri="{FF2B5EF4-FFF2-40B4-BE49-F238E27FC236}">
+                <a16:creationId xmlns:a16="http://schemas.microsoft.com/office/drawing/2014/main" id="{F2AB47D5-14A7-467F-8470-FCDC759E2832}"/>
+              </a:ext>
+            </a:extLst>
+          </p:cNvPr>
+          <p:cNvSpPr txBox="1">
+            <a:spLocks/>
+          </p:cNvSpPr>
+          <p:nvPr/>
+        </p:nvSpPr>
+        <p:spPr>
+          <a:xfrm>
+            <a:off x="5336729" y="4956498"/>
+            <a:ext cx="5970905" cy="1377972"/>
+          </a:xfrm>
+          <a:prstGeom prst="rect">
+            <a:avLst/>
+          </a:prstGeom>
+        </p:spPr>
+        <p:txBody>
+          <a:bodyPr vert="horz" lIns="91440" tIns="45720" rIns="91440" bIns="45720" rtlCol="0" anchor="b">
+            <a:noAutofit/>
+          </a:bodyPr>
+          <a:lstStyle>
+            <a:lvl1pPr algn="ctr" defTabSz="914400" rtl="0" eaLnBrk="1" latinLnBrk="0" hangingPunct="1">
+              <a:lnSpc>
+                <a:spcPct val="90000"/>
+              </a:lnSpc>
+              <a:spcBef>
+                <a:spcPct val="0"/>
+              </a:spcBef>
+              <a:buNone/>
+              <a:defRPr sz="6000" kern="1200">
+                <a:solidFill>
+                  <a:schemeClr val="tx1"/>
+                </a:solidFill>
+                <a:latin typeface="+mj-lt"/>
+                <a:ea typeface="+mj-ea"/>
+                <a:cs typeface="+mj-cs"/>
+              </a:defRPr>
+            </a:lvl1pPr>
+          </a:lstStyle>
+          <a:p>
+            <a:r>
+              <a:rPr lang="es-ES" sz="2400" dirty="0">
+                <a:latin typeface="Bahnschrift Light" panose="020B0502040204020203" pitchFamily="34" charset="0"/>
+                <a:ea typeface="Adobe Gothic Std B" panose="020B0800000000000000" pitchFamily="34" charset="-128"/>
+              </a:rPr>
+              <a:t>145,000 USD</a:t>
+            </a:r>
+          </a:p>
+          <a:p>
+            <a:r>
+              <a:rPr lang="es-ES" sz="2400" dirty="0">
+                <a:latin typeface="Bahnschrift Light" panose="020B0502040204020203" pitchFamily="34" charset="0"/>
+                <a:ea typeface="Adobe Gothic Std B" panose="020B0800000000000000" pitchFamily="34" charset="-128"/>
+              </a:rPr>
+              <a:t>435,000,000 Pesos</a:t>
+            </a:r>
+          </a:p>
+          <a:p>
+            <a:r>
+              <a:rPr lang="es-ES" sz="2400" dirty="0">
+                <a:latin typeface="Bahnschrift Light" panose="020B0502040204020203" pitchFamily="34" charset="0"/>
+                <a:ea typeface="Adobe Gothic Std B" panose="020B0800000000000000" pitchFamily="34" charset="-128"/>
+              </a:rPr>
+              <a:t>36,250,000 Pesos</a:t>
+            </a:r>
+          </a:p>
+        </p:txBody>
+      </p:sp>
+    </p:spTree>
+    <p:extLst>
+      <p:ext uri="{BB962C8B-B14F-4D97-AF65-F5344CB8AC3E}">
+        <p14:creationId xmlns:p14="http://schemas.microsoft.com/office/powerpoint/2010/main" val="4038899541"/>
+      </p:ext>
+    </p:extLst>
+  </p:cSld>
+  <p:clrMapOvr>
+    <a:masterClrMapping/>
+  </p:clrMapOvr>
+</p:sld>
+</file>
+
 <file path=ppt/slides/slide2.xml><?xml version="1.0" encoding="utf-8"?>
 <p:sld xmlns:a="http://schemas.openxmlformats.org/drawingml/2006/main" xmlns:r="http://schemas.openxmlformats.org/officeDocument/2006/relationships" xmlns:p="http://schemas.openxmlformats.org/presentationml/2006/main">
   <p:cSld>
@@ -3477,8 +4964,8 @@
         </p:nvSpPr>
         <p:spPr>
           <a:xfrm>
-            <a:off x="0" y="1771921"/>
-            <a:ext cx="12192000" cy="940608"/>
+            <a:off x="773380" y="5255660"/>
+            <a:ext cx="10457234" cy="892762"/>
           </a:xfrm>
         </p:spPr>
         <p:txBody>
@@ -3488,78 +4975,14 @@
           <a:lstStyle/>
           <a:p>
             <a:r>
-              <a:rPr lang="es-ES" b="1" dirty="0">
+              <a:rPr lang="es-ES" sz="4800" b="1" dirty="0">
                 <a:latin typeface="Bahnschrift Condensed" panose="020B0502040204020203" pitchFamily="34" charset="0"/>
                 <a:ea typeface="Adobe Gothic Std B" panose="020B0800000000000000" pitchFamily="34" charset="-128"/>
               </a:rPr>
-              <a:t>Singularidad </a:t>
-            </a:r>
-            <a:r>
-              <a:rPr lang="es-CO" b="1" dirty="0">
-                <a:latin typeface="Bahnschrift Condensed" panose="020B0502040204020203" pitchFamily="34" charset="0"/>
-                <a:ea typeface="Adobe Gothic Std B" panose="020B0800000000000000" pitchFamily="34" charset="-128"/>
-              </a:rPr>
-              <a:t>tecnológica</a:t>
-            </a:r>
-          </a:p>
-        </p:txBody>
-      </p:sp>
-      <p:sp>
-        <p:nvSpPr>
-          <p:cNvPr id="6" name="Título 1">
-            <a:extLst>
-              <a:ext uri="{FF2B5EF4-FFF2-40B4-BE49-F238E27FC236}">
-                <a16:creationId xmlns:a16="http://schemas.microsoft.com/office/drawing/2014/main" id="{D1F20A51-A41F-4529-A96C-C271EA4C0F09}"/>
-              </a:ext>
-            </a:extLst>
-          </p:cNvPr>
-          <p:cNvSpPr txBox="1">
-            <a:spLocks/>
-          </p:cNvSpPr>
-          <p:nvPr/>
-        </p:nvSpPr>
-        <p:spPr>
-          <a:xfrm>
-            <a:off x="0" y="2857703"/>
-            <a:ext cx="12191999" cy="780442"/>
-          </a:xfrm>
-          <a:prstGeom prst="rect">
-            <a:avLst/>
-          </a:prstGeom>
-        </p:spPr>
-        <p:txBody>
-          <a:bodyPr vert="horz" lIns="91440" tIns="45720" rIns="91440" bIns="45720" rtlCol="0" anchor="b">
-            <a:normAutofit/>
-          </a:bodyPr>
-          <a:lstStyle>
-            <a:lvl1pPr algn="ctr" defTabSz="914400" rtl="0" eaLnBrk="1" latinLnBrk="0" hangingPunct="1">
-              <a:lnSpc>
-                <a:spcPct val="90000"/>
-              </a:lnSpc>
-              <a:spcBef>
-                <a:spcPct val="0"/>
-              </a:spcBef>
-              <a:buNone/>
-              <a:defRPr sz="6000" kern="1200">
-                <a:solidFill>
-                  <a:schemeClr val="tx1"/>
-                </a:solidFill>
-                <a:latin typeface="+mj-lt"/>
-                <a:ea typeface="+mj-ea"/>
-                <a:cs typeface="+mj-cs"/>
-              </a:defRPr>
-            </a:lvl1pPr>
-          </a:lstStyle>
-          <a:p>
-            <a:r>
-              <a:rPr lang="es-ES" sz="3000" dirty="0">
-                <a:latin typeface="Bahnschrift Light" panose="020B0502040204020203" pitchFamily="34" charset="0"/>
-                <a:ea typeface="Adobe Gothic Std B" panose="020B0800000000000000" pitchFamily="34" charset="-128"/>
-              </a:rPr>
-              <a:t>IA capas de auto-mejorarse</a:t>
-            </a:r>
-            <a:endParaRPr lang="es-CO" sz="3000" dirty="0">
-              <a:latin typeface="Bahnschrift Light" panose="020B0502040204020203" pitchFamily="34" charset="0"/>
+              <a:t>Olvida el Big Data - Piensa en Machine Learning</a:t>
+            </a:r>
+            <a:endParaRPr lang="es-CO" sz="4800" b="1" dirty="0">
+              <a:latin typeface="Bahnschrift Condensed" panose="020B0502040204020203" pitchFamily="34" charset="0"/>
               <a:ea typeface="Adobe Gothic Std B" panose="020B0800000000000000" pitchFamily="34" charset="-128"/>
             </a:endParaRPr>
           </a:p>
@@ -3567,10 +4990,10 @@
       </p:sp>
       <p:pic>
         <p:nvPicPr>
-          <p:cNvPr id="1026" name="Picture 2" descr="Resultado de imagen para singularidad ia">
-            <a:extLst>
-              <a:ext uri="{FF2B5EF4-FFF2-40B4-BE49-F238E27FC236}">
-                <a16:creationId xmlns:a16="http://schemas.microsoft.com/office/drawing/2014/main" id="{55B2E3A5-907D-47DB-8C49-FF7CBF520EEC}"/>
+          <p:cNvPr id="12292" name="Picture 4" descr="Imagen relacionada">
+            <a:extLst>
+              <a:ext uri="{FF2B5EF4-FFF2-40B4-BE49-F238E27FC236}">
+                <a16:creationId xmlns:a16="http://schemas.microsoft.com/office/drawing/2014/main" id="{BE0B1F59-2205-4DAE-A5F8-F02212C3C22D}"/>
               </a:ext>
             </a:extLst>
           </p:cNvPr>
@@ -3594,8 +5017,8 @@
         </p:blipFill>
         <p:spPr bwMode="auto">
           <a:xfrm>
-            <a:off x="8401050" y="4000297"/>
-            <a:ext cx="3790950" cy="2847975"/>
+            <a:off x="3717744" y="1049039"/>
+            <a:ext cx="4756511" cy="3871161"/>
           </a:xfrm>
           <a:prstGeom prst="rect">
             <a:avLst/>
@@ -3612,77 +5035,10 @@
           </a:extLst>
         </p:spPr>
       </p:pic>
-      <p:sp>
-        <p:nvSpPr>
-          <p:cNvPr id="8" name="Título 1">
-            <a:extLst>
-              <a:ext uri="{FF2B5EF4-FFF2-40B4-BE49-F238E27FC236}">
-                <a16:creationId xmlns:a16="http://schemas.microsoft.com/office/drawing/2014/main" id="{F9769D7C-BBF8-4B4E-858F-AA5B4F249FEE}"/>
-              </a:ext>
-            </a:extLst>
-          </p:cNvPr>
-          <p:cNvSpPr txBox="1">
-            <a:spLocks/>
-          </p:cNvSpPr>
-          <p:nvPr/>
-        </p:nvSpPr>
-        <p:spPr>
-          <a:xfrm>
-            <a:off x="12565" y="5930123"/>
-            <a:ext cx="8388485" cy="780442"/>
-          </a:xfrm>
-          <a:prstGeom prst="rect">
-            <a:avLst/>
-          </a:prstGeom>
-        </p:spPr>
-        <p:txBody>
-          <a:bodyPr vert="horz" lIns="91440" tIns="45720" rIns="91440" bIns="45720" rtlCol="0" anchor="b">
-            <a:normAutofit fontScale="40000" lnSpcReduction="20000"/>
-          </a:bodyPr>
-          <a:lstStyle>
-            <a:lvl1pPr algn="ctr" defTabSz="914400" rtl="0" eaLnBrk="1" latinLnBrk="0" hangingPunct="1">
-              <a:lnSpc>
-                <a:spcPct val="90000"/>
-              </a:lnSpc>
-              <a:spcBef>
-                <a:spcPct val="0"/>
-              </a:spcBef>
-              <a:buNone/>
-              <a:defRPr sz="6000" kern="1200">
-                <a:solidFill>
-                  <a:schemeClr val="tx1"/>
-                </a:solidFill>
-                <a:latin typeface="+mj-lt"/>
-                <a:ea typeface="+mj-ea"/>
-                <a:cs typeface="+mj-cs"/>
-              </a:defRPr>
-            </a:lvl1pPr>
-          </a:lstStyle>
-          <a:p>
-            <a:pPr algn="r"/>
-            <a:r>
-              <a:rPr lang="es-ES" i="1" dirty="0">
-                <a:latin typeface="Bahnschrift Light" panose="020B0502040204020203" pitchFamily="34" charset="0"/>
-              </a:rPr>
-              <a:t>“El desarrollo de la inteligencia artificial completa podría significar el fin de la raza humana.”</a:t>
-            </a:r>
-          </a:p>
-          <a:p>
-            <a:pPr algn="r"/>
-            <a:r>
-              <a:rPr lang="es-CO" sz="3000" i="1" dirty="0">
-                <a:latin typeface="Bahnschrift Light" panose="020B0502040204020203" pitchFamily="34" charset="0"/>
-                <a:ea typeface="Adobe Gothic Std B" panose="020B0800000000000000" pitchFamily="34" charset="-128"/>
-              </a:rPr>
-              <a:t>Stephen Hawking</a:t>
-            </a:r>
-          </a:p>
-        </p:txBody>
-      </p:sp>
     </p:spTree>
     <p:extLst>
       <p:ext uri="{BB962C8B-B14F-4D97-AF65-F5344CB8AC3E}">
-        <p14:creationId xmlns:p14="http://schemas.microsoft.com/office/powerpoint/2010/main" val="3044204219"/>
+        <p14:creationId xmlns:p14="http://schemas.microsoft.com/office/powerpoint/2010/main" val="3552430883"/>
       </p:ext>
     </p:extLst>
   </p:cSld>
@@ -3709,77 +5065,62 @@
           <a:chExt cx="0" cy="0"/>
         </a:xfrm>
       </p:grpSpPr>
-      <p:sp>
-        <p:nvSpPr>
-          <p:cNvPr id="2" name="Título 1">
-            <a:extLst>
-              <a:ext uri="{FF2B5EF4-FFF2-40B4-BE49-F238E27FC236}">
-                <a16:creationId xmlns:a16="http://schemas.microsoft.com/office/drawing/2014/main" id="{E25E298A-3168-4B60-94A5-E54AF960B911}"/>
-              </a:ext>
-            </a:extLst>
-          </p:cNvPr>
-          <p:cNvSpPr>
-            <a:spLocks noGrp="1"/>
-          </p:cNvSpPr>
-          <p:nvPr>
-            <p:ph type="ctrTitle"/>
-          </p:nvPr>
-        </p:nvSpPr>
+      <p:pic>
+        <p:nvPicPr>
+          <p:cNvPr id="10" name="Imagen 9">
+            <a:extLst>
+              <a:ext uri="{FF2B5EF4-FFF2-40B4-BE49-F238E27FC236}">
+                <a16:creationId xmlns:a16="http://schemas.microsoft.com/office/drawing/2014/main" id="{8FC4FF9B-79F6-4ECA-BDAE-5063BAFA4AD7}"/>
+              </a:ext>
+            </a:extLst>
+          </p:cNvPr>
+          <p:cNvPicPr>
+            <a:picLocks noChangeAspect="1"/>
+          </p:cNvPicPr>
+          <p:nvPr/>
+        </p:nvPicPr>
+        <p:blipFill>
+          <a:blip r:embed="rId2"/>
+          <a:stretch>
+            <a:fillRect/>
+          </a:stretch>
+        </p:blipFill>
         <p:spPr>
           <a:xfrm>
-            <a:off x="0" y="1771921"/>
-            <a:ext cx="12192000" cy="940608"/>
-          </a:xfrm>
-        </p:spPr>
-        <p:txBody>
-          <a:bodyPr>
-            <a:normAutofit/>
-          </a:bodyPr>
-          <a:lstStyle/>
-          <a:p>
-            <a:r>
-              <a:rPr lang="es-ES" b="1" dirty="0">
-                <a:latin typeface="Bahnschrift Condensed" panose="020B0502040204020203" pitchFamily="34" charset="0"/>
-                <a:ea typeface="Adobe Gothic Std B" panose="020B0800000000000000" pitchFamily="34" charset="-128"/>
-              </a:rPr>
-              <a:t>Singularidad </a:t>
-            </a:r>
-            <a:r>
-              <a:rPr lang="es-CO" b="1" dirty="0">
-                <a:latin typeface="Bahnschrift Condensed" panose="020B0502040204020203" pitchFamily="34" charset="0"/>
-                <a:ea typeface="Adobe Gothic Std B" panose="020B0800000000000000" pitchFamily="34" charset="-128"/>
-              </a:rPr>
-              <a:t>tecnológica</a:t>
-            </a:r>
-          </a:p>
-        </p:txBody>
-      </p:sp>
-      <p:sp>
-        <p:nvSpPr>
-          <p:cNvPr id="6" name="Título 1">
-            <a:extLst>
-              <a:ext uri="{FF2B5EF4-FFF2-40B4-BE49-F238E27FC236}">
-                <a16:creationId xmlns:a16="http://schemas.microsoft.com/office/drawing/2014/main" id="{D1F20A51-A41F-4529-A96C-C271EA4C0F09}"/>
-              </a:ext>
-            </a:extLst>
-          </p:cNvPr>
-          <p:cNvSpPr txBox="1">
-            <a:spLocks/>
-          </p:cNvSpPr>
-          <p:nvPr/>
-        </p:nvSpPr>
-        <p:spPr>
-          <a:xfrm>
-            <a:off x="0" y="2857703"/>
-            <a:ext cx="12191999" cy="780442"/>
+            <a:off x="3922921" y="1166950"/>
+            <a:ext cx="8269079" cy="5011954"/>
           </a:xfrm>
           <a:prstGeom prst="rect">
             <a:avLst/>
           </a:prstGeom>
         </p:spPr>
+      </p:pic>
+      <p:sp>
+        <p:nvSpPr>
+          <p:cNvPr id="6" name="Título 1">
+            <a:extLst>
+              <a:ext uri="{FF2B5EF4-FFF2-40B4-BE49-F238E27FC236}">
+                <a16:creationId xmlns:a16="http://schemas.microsoft.com/office/drawing/2014/main" id="{D1F20A51-A41F-4529-A96C-C271EA4C0F09}"/>
+              </a:ext>
+            </a:extLst>
+          </p:cNvPr>
+          <p:cNvSpPr txBox="1">
+            <a:spLocks/>
+          </p:cNvSpPr>
+          <p:nvPr/>
+        </p:nvSpPr>
+        <p:spPr>
+          <a:xfrm>
+            <a:off x="64599" y="5293313"/>
+            <a:ext cx="4011010" cy="1531350"/>
+          </a:xfrm>
+          <a:prstGeom prst="rect">
+            <a:avLst/>
+          </a:prstGeom>
+        </p:spPr>
         <p:txBody>
           <a:bodyPr vert="horz" lIns="91440" tIns="45720" rIns="91440" bIns="45720" rtlCol="0" anchor="b">
-            <a:normAutofit/>
+            <a:normAutofit fontScale="85000" lnSpcReduction="10000"/>
           </a:bodyPr>
           <a:lstStyle>
             <a:lvl1pPr algn="ctr" defTabSz="914400" rtl="0" eaLnBrk="1" latinLnBrk="0" hangingPunct="1">
@@ -3801,14 +5142,38 @@
             </a:lvl1pPr>
           </a:lstStyle>
           <a:p>
-            <a:r>
-              <a:rPr lang="es-ES" sz="3000" dirty="0">
-                <a:latin typeface="Bahnschrift Light" panose="020B0502040204020203" pitchFamily="34" charset="0"/>
-                <a:ea typeface="Adobe Gothic Std B" panose="020B0800000000000000" pitchFamily="34" charset="-128"/>
-              </a:rPr>
-              <a:t>IA capas de auto-mejorarse</a:t>
-            </a:r>
-            <a:endParaRPr lang="es-CO" sz="3000" dirty="0">
+            <a:pPr>
+              <a:lnSpc>
+                <a:spcPct val="120000"/>
+              </a:lnSpc>
+            </a:pPr>
+            <a:r>
+              <a:rPr lang="es-ES" sz="2000" b="1" i="1" dirty="0"/>
+              <a:t>“Una computadora puede ser llamada "inteligente" si logra engañar a una persona haciéndole creer que es un humano”</a:t>
+            </a:r>
+          </a:p>
+          <a:p>
+            <a:pPr algn="r">
+              <a:lnSpc>
+                <a:spcPct val="120000"/>
+              </a:lnSpc>
+            </a:pPr>
+            <a:r>
+              <a:rPr lang="es-CO" sz="2000" i="1" dirty="0"/>
+              <a:t>Alan Turing</a:t>
+            </a:r>
+            <a:endParaRPr lang="es-ES" sz="2000" i="1" dirty="0"/>
+          </a:p>
+          <a:p>
+            <a:pPr>
+              <a:lnSpc>
+                <a:spcPct val="120000"/>
+              </a:lnSpc>
+            </a:pPr>
+            <a:br>
+              <a:rPr lang="es-ES" sz="1100" dirty="0"/>
+            </a:br>
+            <a:endParaRPr lang="es-CO" sz="1100" dirty="0">
               <a:latin typeface="Bahnschrift Light" panose="020B0502040204020203" pitchFamily="34" charset="0"/>
               <a:ea typeface="Adobe Gothic Std B" panose="020B0800000000000000" pitchFamily="34" charset="-128"/>
             </a:endParaRPr>
@@ -3831,8 +5196,8 @@
         </p:nvSpPr>
         <p:spPr>
           <a:xfrm>
-            <a:off x="12565" y="5930123"/>
-            <a:ext cx="8388485" cy="780442"/>
+            <a:off x="-3668" y="4107104"/>
+            <a:ext cx="4218617" cy="1074495"/>
           </a:xfrm>
           <a:prstGeom prst="rect">
             <a:avLst/>
@@ -3840,7 +5205,7 @@
         </p:spPr>
         <p:txBody>
           <a:bodyPr vert="horz" lIns="91440" tIns="45720" rIns="91440" bIns="45720" rtlCol="0" anchor="b">
-            <a:normAutofit fontScale="40000" lnSpcReduction="20000"/>
+            <a:noAutofit/>
           </a:bodyPr>
           <a:lstStyle>
             <a:lvl1pPr algn="ctr" defTabSz="914400" rtl="0" eaLnBrk="1" latinLnBrk="0" hangingPunct="1">
@@ -3862,32 +5227,55 @@
             </a:lvl1pPr>
           </a:lstStyle>
           <a:p>
-            <a:pPr algn="r"/>
-            <a:r>
-              <a:rPr lang="es-ES" i="1" dirty="0">
-                <a:latin typeface="Bahnschrift Light" panose="020B0502040204020203" pitchFamily="34" charset="0"/>
-              </a:rPr>
-              <a:t>“El desarrollo de la inteligencia artificial completa podría significar el fin de la raza humana.”</a:t>
-            </a:r>
-          </a:p>
-          <a:p>
-            <a:pPr algn="r"/>
-            <a:r>
-              <a:rPr lang="es-CO" sz="3000" i="1" dirty="0">
+            <a:pPr>
+              <a:lnSpc>
+                <a:spcPct val="120000"/>
+              </a:lnSpc>
+            </a:pPr>
+            <a:r>
+              <a:rPr lang="es-CO" sz="2000" dirty="0">
                 <a:latin typeface="Bahnschrift Light" panose="020B0502040204020203" pitchFamily="34" charset="0"/>
                 <a:ea typeface="Adobe Gothic Std B" panose="020B0800000000000000" pitchFamily="34" charset="-128"/>
               </a:rPr>
-              <a:t>Stephen Hawking</a:t>
+              <a:t>Alan Turing (1912-1954)  </a:t>
+            </a:r>
+          </a:p>
+          <a:p>
+            <a:pPr>
+              <a:lnSpc>
+                <a:spcPct val="120000"/>
+              </a:lnSpc>
+            </a:pPr>
+            <a:r>
+              <a:rPr lang="es-CO" sz="2000" dirty="0">
+                <a:latin typeface="Bahnschrift Light" panose="020B0502040204020203" pitchFamily="34" charset="0"/>
+                <a:ea typeface="Adobe Gothic Std B" panose="020B0800000000000000" pitchFamily="34" charset="-128"/>
+              </a:rPr>
+              <a:t>Genio informático </a:t>
+            </a:r>
+          </a:p>
+          <a:p>
+            <a:pPr>
+              <a:lnSpc>
+                <a:spcPct val="120000"/>
+              </a:lnSpc>
+            </a:pPr>
+            <a:r>
+              <a:rPr lang="es-CO" sz="2000" dirty="0">
+                <a:latin typeface="Bahnschrift Light" panose="020B0502040204020203" pitchFamily="34" charset="0"/>
+                <a:ea typeface="Adobe Gothic Std B" panose="020B0800000000000000" pitchFamily="34" charset="-128"/>
+              </a:rPr>
+              <a:t>Padre de la computación</a:t>
             </a:r>
           </a:p>
         </p:txBody>
       </p:sp>
       <p:pic>
         <p:nvPicPr>
-          <p:cNvPr id="2050" name="Picture 2" descr="Resultado de imagen para bebe jugando">
-            <a:extLst>
-              <a:ext uri="{FF2B5EF4-FFF2-40B4-BE49-F238E27FC236}">
-                <a16:creationId xmlns:a16="http://schemas.microsoft.com/office/drawing/2014/main" id="{FB16AF68-8723-4958-80F8-F23AF909E023}"/>
+          <p:cNvPr id="1028" name="Picture 4" descr="Resultado de imagen para turing">
+            <a:extLst>
+              <a:ext uri="{FF2B5EF4-FFF2-40B4-BE49-F238E27FC236}">
+                <a16:creationId xmlns:a16="http://schemas.microsoft.com/office/drawing/2014/main" id="{50DE22F0-413F-4C72-BE5F-1AF22723381C}"/>
               </a:ext>
             </a:extLst>
           </p:cNvPr>
@@ -3897,7 +5285,7 @@
           <p:nvPr/>
         </p:nvPicPr>
         <p:blipFill>
-          <a:blip r:embed="rId2">
+          <a:blip r:embed="rId3">
             <a:extLst>
               <a:ext uri="{28A0092B-C50C-407E-A947-70E740481C1C}">
                 <a14:useLocalDpi xmlns:a14="http://schemas.microsoft.com/office/drawing/2010/main" val="0"/>
@@ -3911,8 +5299,8 @@
         </p:blipFill>
         <p:spPr bwMode="auto">
           <a:xfrm>
-            <a:off x="2919413" y="695325"/>
-            <a:ext cx="6353175" cy="5467350"/>
+            <a:off x="253758" y="229894"/>
+            <a:ext cx="3684947" cy="3779802"/>
           </a:xfrm>
           <a:prstGeom prst="rect">
             <a:avLst/>
@@ -3932,7 +5320,952 @@
     </p:spTree>
     <p:extLst>
       <p:ext uri="{BB962C8B-B14F-4D97-AF65-F5344CB8AC3E}">
+        <p14:creationId xmlns:p14="http://schemas.microsoft.com/office/powerpoint/2010/main" val="3044204219"/>
+      </p:ext>
+    </p:extLst>
+  </p:cSld>
+  <p:clrMapOvr>
+    <a:masterClrMapping/>
+  </p:clrMapOvr>
+</p:sld>
+</file>
+
+<file path=ppt/slides/slide4.xml><?xml version="1.0" encoding="utf-8"?>
+<p:sld xmlns:a="http://schemas.openxmlformats.org/drawingml/2006/main" xmlns:r="http://schemas.openxmlformats.org/officeDocument/2006/relationships" xmlns:p="http://schemas.openxmlformats.org/presentationml/2006/main">
+  <p:cSld>
+    <p:bg>
+      <p:bgPr>
+        <a:solidFill>
+          <a:schemeClr val="bg1"/>
+        </a:solidFill>
+        <a:effectLst/>
+      </p:bgPr>
+    </p:bg>
+    <p:spTree>
+      <p:nvGrpSpPr>
+        <p:cNvPr id="1" name=""/>
+        <p:cNvGrpSpPr/>
+        <p:nvPr/>
+      </p:nvGrpSpPr>
+      <p:grpSpPr>
+        <a:xfrm>
+          <a:off x="0" y="0"/>
+          <a:ext cx="0" cy="0"/>
+          <a:chOff x="0" y="0"/>
+          <a:chExt cx="0" cy="0"/>
+        </a:xfrm>
+      </p:grpSpPr>
+      <p:pic>
+        <p:nvPicPr>
+          <p:cNvPr id="7" name="Picture 2" descr="Resultado de imagen para test de turing">
+            <a:extLst>
+              <a:ext uri="{FF2B5EF4-FFF2-40B4-BE49-F238E27FC236}">
+                <a16:creationId xmlns:a16="http://schemas.microsoft.com/office/drawing/2014/main" id="{8272151A-1899-4C89-9138-D5A341AA1B0A}"/>
+              </a:ext>
+            </a:extLst>
+          </p:cNvPr>
+          <p:cNvPicPr>
+            <a:picLocks noChangeAspect="1" noChangeArrowheads="1"/>
+          </p:cNvPicPr>
+          <p:nvPr/>
+        </p:nvPicPr>
+        <p:blipFill rotWithShape="1">
+          <a:blip r:embed="rId2">
+            <a:extLst>
+              <a:ext uri="{28A0092B-C50C-407E-A947-70E740481C1C}">
+                <a14:useLocalDpi xmlns:a14="http://schemas.microsoft.com/office/drawing/2010/main" val="0"/>
+              </a:ext>
+            </a:extLst>
+          </a:blip>
+          <a:srcRect t="5674" r="-2" b="2385"/>
+          <a:stretch/>
+        </p:blipFill>
+        <p:spPr bwMode="auto">
+          <a:xfrm>
+            <a:off x="20" y="10"/>
+            <a:ext cx="7534636" cy="6857990"/>
+          </a:xfrm>
+          <a:prstGeom prst="rect">
+            <a:avLst/>
+          </a:prstGeom>
+          <a:noFill/>
+          <a:extLst>
+            <a:ext uri="{909E8E84-426E-40DD-AFC4-6F175D3DCCD1}">
+              <a14:hiddenFill xmlns:a14="http://schemas.microsoft.com/office/drawing/2010/main">
+                <a:solidFill>
+                  <a:srgbClr val="FFFFFF"/>
+                </a:solidFill>
+              </a14:hiddenFill>
+            </a:ext>
+          </a:extLst>
+        </p:spPr>
+      </p:pic>
+      <p:sp>
+        <p:nvSpPr>
+          <p:cNvPr id="2" name="Título 1">
+            <a:extLst>
+              <a:ext uri="{FF2B5EF4-FFF2-40B4-BE49-F238E27FC236}">
+                <a16:creationId xmlns:a16="http://schemas.microsoft.com/office/drawing/2014/main" id="{E25E298A-3168-4B60-94A5-E54AF960B911}"/>
+              </a:ext>
+            </a:extLst>
+          </p:cNvPr>
+          <p:cNvSpPr>
+            <a:spLocks noGrp="1"/>
+          </p:cNvSpPr>
+          <p:nvPr>
+            <p:ph type="ctrTitle"/>
+          </p:nvPr>
+        </p:nvSpPr>
+        <p:spPr>
+          <a:xfrm>
+            <a:off x="7632104" y="536045"/>
+            <a:ext cx="3844896" cy="5530319"/>
+          </a:xfrm>
+        </p:spPr>
+        <p:txBody>
+          <a:bodyPr vert="horz" lIns="91440" tIns="45720" rIns="91440" bIns="45720" rtlCol="0" anchor="ctr">
+            <a:normAutofit/>
+          </a:bodyPr>
+          <a:lstStyle/>
+          <a:p>
+            <a:r>
+              <a:rPr lang="en-US" b="1" dirty="0">
+                <a:latin typeface="Bahnschrift Condensed" panose="020B0502040204020203" pitchFamily="34" charset="0"/>
+                <a:ea typeface="Adobe Gothic Std B" panose="020B0800000000000000" pitchFamily="34" charset="-128"/>
+              </a:rPr>
+              <a:t>Test de Turing</a:t>
+            </a:r>
+          </a:p>
+        </p:txBody>
+      </p:sp>
+    </p:spTree>
+    <p:extLst>
+      <p:ext uri="{BB962C8B-B14F-4D97-AF65-F5344CB8AC3E}">
+        <p14:creationId xmlns:p14="http://schemas.microsoft.com/office/powerpoint/2010/main" val="2810595882"/>
+      </p:ext>
+    </p:extLst>
+  </p:cSld>
+  <p:clrMapOvr>
+    <a:masterClrMapping/>
+  </p:clrMapOvr>
+</p:sld>
+</file>
+
+<file path=ppt/slides/slide5.xml><?xml version="1.0" encoding="utf-8"?>
+<p:sld xmlns:a="http://schemas.openxmlformats.org/drawingml/2006/main" xmlns:r="http://schemas.openxmlformats.org/officeDocument/2006/relationships" xmlns:p="http://schemas.openxmlformats.org/presentationml/2006/main">
+  <p:cSld>
+    <p:spTree>
+      <p:nvGrpSpPr>
+        <p:cNvPr id="1" name=""/>
+        <p:cNvGrpSpPr/>
+        <p:nvPr/>
+      </p:nvGrpSpPr>
+      <p:grpSpPr>
+        <a:xfrm>
+          <a:off x="0" y="0"/>
+          <a:ext cx="0" cy="0"/>
+          <a:chOff x="0" y="0"/>
+          <a:chExt cx="0" cy="0"/>
+        </a:xfrm>
+      </p:grpSpPr>
+      <p:sp>
+        <p:nvSpPr>
+          <p:cNvPr id="2" name="Título 1">
+            <a:extLst>
+              <a:ext uri="{FF2B5EF4-FFF2-40B4-BE49-F238E27FC236}">
+                <a16:creationId xmlns:a16="http://schemas.microsoft.com/office/drawing/2014/main" id="{E25E298A-3168-4B60-94A5-E54AF960B911}"/>
+              </a:ext>
+            </a:extLst>
+          </p:cNvPr>
+          <p:cNvSpPr>
+            <a:spLocks noGrp="1"/>
+          </p:cNvSpPr>
+          <p:nvPr>
+            <p:ph type="ctrTitle"/>
+          </p:nvPr>
+        </p:nvSpPr>
+        <p:spPr>
+          <a:xfrm>
+            <a:off x="0" y="1771921"/>
+            <a:ext cx="12192000" cy="940608"/>
+          </a:xfrm>
+        </p:spPr>
+        <p:txBody>
+          <a:bodyPr>
+            <a:normAutofit/>
+          </a:bodyPr>
+          <a:lstStyle/>
+          <a:p>
+            <a:r>
+              <a:rPr lang="es-ES" b="1" dirty="0">
+                <a:latin typeface="Bahnschrift Condensed" panose="020B0502040204020203" pitchFamily="34" charset="0"/>
+                <a:ea typeface="Adobe Gothic Std B" panose="020B0800000000000000" pitchFamily="34" charset="-128"/>
+              </a:rPr>
+              <a:t>Singularidad </a:t>
+            </a:r>
+            <a:r>
+              <a:rPr lang="es-CO" b="1" dirty="0">
+                <a:latin typeface="Bahnschrift Condensed" panose="020B0502040204020203" pitchFamily="34" charset="0"/>
+                <a:ea typeface="Adobe Gothic Std B" panose="020B0800000000000000" pitchFamily="34" charset="-128"/>
+              </a:rPr>
+              <a:t>tecnológica</a:t>
+            </a:r>
+          </a:p>
+        </p:txBody>
+      </p:sp>
+      <p:sp>
+        <p:nvSpPr>
+          <p:cNvPr id="6" name="Título 1">
+            <a:extLst>
+              <a:ext uri="{FF2B5EF4-FFF2-40B4-BE49-F238E27FC236}">
+                <a16:creationId xmlns:a16="http://schemas.microsoft.com/office/drawing/2014/main" id="{D1F20A51-A41F-4529-A96C-C271EA4C0F09}"/>
+              </a:ext>
+            </a:extLst>
+          </p:cNvPr>
+          <p:cNvSpPr txBox="1">
+            <a:spLocks/>
+          </p:cNvSpPr>
+          <p:nvPr/>
+        </p:nvSpPr>
+        <p:spPr>
+          <a:xfrm>
+            <a:off x="0" y="2857703"/>
+            <a:ext cx="12191999" cy="780442"/>
+          </a:xfrm>
+          <a:prstGeom prst="rect">
+            <a:avLst/>
+          </a:prstGeom>
+        </p:spPr>
+        <p:txBody>
+          <a:bodyPr vert="horz" lIns="91440" tIns="45720" rIns="91440" bIns="45720" rtlCol="0" anchor="b">
+            <a:normAutofit/>
+          </a:bodyPr>
+          <a:lstStyle>
+            <a:lvl1pPr algn="ctr" defTabSz="914400" rtl="0" eaLnBrk="1" latinLnBrk="0" hangingPunct="1">
+              <a:lnSpc>
+                <a:spcPct val="90000"/>
+              </a:lnSpc>
+              <a:spcBef>
+                <a:spcPct val="0"/>
+              </a:spcBef>
+              <a:buNone/>
+              <a:defRPr sz="6000" kern="1200">
+                <a:solidFill>
+                  <a:schemeClr val="tx1"/>
+                </a:solidFill>
+                <a:latin typeface="+mj-lt"/>
+                <a:ea typeface="+mj-ea"/>
+                <a:cs typeface="+mj-cs"/>
+              </a:defRPr>
+            </a:lvl1pPr>
+          </a:lstStyle>
+          <a:p>
+            <a:r>
+              <a:rPr lang="es-ES" sz="3000" dirty="0">
+                <a:latin typeface="Bahnschrift Light" panose="020B0502040204020203" pitchFamily="34" charset="0"/>
+                <a:ea typeface="Adobe Gothic Std B" panose="020B0800000000000000" pitchFamily="34" charset="-128"/>
+              </a:rPr>
+              <a:t>IA capas de auto-mejorarse</a:t>
+            </a:r>
+            <a:endParaRPr lang="es-CO" sz="3000" dirty="0">
+              <a:latin typeface="Bahnschrift Light" panose="020B0502040204020203" pitchFamily="34" charset="0"/>
+              <a:ea typeface="Adobe Gothic Std B" panose="020B0800000000000000" pitchFamily="34" charset="-128"/>
+            </a:endParaRPr>
+          </a:p>
+        </p:txBody>
+      </p:sp>
+      <p:pic>
+        <p:nvPicPr>
+          <p:cNvPr id="1026" name="Picture 2" descr="Resultado de imagen para singularidad ia">
+            <a:extLst>
+              <a:ext uri="{FF2B5EF4-FFF2-40B4-BE49-F238E27FC236}">
+                <a16:creationId xmlns:a16="http://schemas.microsoft.com/office/drawing/2014/main" id="{55B2E3A5-907D-47DB-8C49-FF7CBF520EEC}"/>
+              </a:ext>
+            </a:extLst>
+          </p:cNvPr>
+          <p:cNvPicPr>
+            <a:picLocks noChangeAspect="1" noChangeArrowheads="1"/>
+          </p:cNvPicPr>
+          <p:nvPr/>
+        </p:nvPicPr>
+        <p:blipFill>
+          <a:blip r:embed="rId2">
+            <a:extLst>
+              <a:ext uri="{28A0092B-C50C-407E-A947-70E740481C1C}">
+                <a14:useLocalDpi xmlns:a14="http://schemas.microsoft.com/office/drawing/2010/main" val="0"/>
+              </a:ext>
+            </a:extLst>
+          </a:blip>
+          <a:srcRect/>
+          <a:stretch>
+            <a:fillRect/>
+          </a:stretch>
+        </p:blipFill>
+        <p:spPr bwMode="auto">
+          <a:xfrm>
+            <a:off x="8401050" y="4000297"/>
+            <a:ext cx="3790950" cy="2847975"/>
+          </a:xfrm>
+          <a:prstGeom prst="rect">
+            <a:avLst/>
+          </a:prstGeom>
+          <a:noFill/>
+          <a:extLst>
+            <a:ext uri="{909E8E84-426E-40DD-AFC4-6F175D3DCCD1}">
+              <a14:hiddenFill xmlns:a14="http://schemas.microsoft.com/office/drawing/2010/main">
+                <a:solidFill>
+                  <a:srgbClr val="FFFFFF"/>
+                </a:solidFill>
+              </a14:hiddenFill>
+            </a:ext>
+          </a:extLst>
+        </p:spPr>
+      </p:pic>
+      <p:sp>
+        <p:nvSpPr>
+          <p:cNvPr id="8" name="Título 1">
+            <a:extLst>
+              <a:ext uri="{FF2B5EF4-FFF2-40B4-BE49-F238E27FC236}">
+                <a16:creationId xmlns:a16="http://schemas.microsoft.com/office/drawing/2014/main" id="{F9769D7C-BBF8-4B4E-858F-AA5B4F249FEE}"/>
+              </a:ext>
+            </a:extLst>
+          </p:cNvPr>
+          <p:cNvSpPr txBox="1">
+            <a:spLocks/>
+          </p:cNvSpPr>
+          <p:nvPr/>
+        </p:nvSpPr>
+        <p:spPr>
+          <a:xfrm>
+            <a:off x="12565" y="5347064"/>
+            <a:ext cx="8388485" cy="1363502"/>
+          </a:xfrm>
+          <a:prstGeom prst="rect">
+            <a:avLst/>
+          </a:prstGeom>
+        </p:spPr>
+        <p:txBody>
+          <a:bodyPr vert="horz" lIns="91440" tIns="45720" rIns="91440" bIns="45720" rtlCol="0" anchor="b">
+            <a:normAutofit fontScale="47500" lnSpcReduction="20000"/>
+          </a:bodyPr>
+          <a:lstStyle>
+            <a:lvl1pPr algn="ctr" defTabSz="914400" rtl="0" eaLnBrk="1" latinLnBrk="0" hangingPunct="1">
+              <a:lnSpc>
+                <a:spcPct val="90000"/>
+              </a:lnSpc>
+              <a:spcBef>
+                <a:spcPct val="0"/>
+              </a:spcBef>
+              <a:buNone/>
+              <a:defRPr sz="6000" kern="1200">
+                <a:solidFill>
+                  <a:schemeClr val="tx1"/>
+                </a:solidFill>
+                <a:latin typeface="+mj-lt"/>
+                <a:ea typeface="+mj-ea"/>
+                <a:cs typeface="+mj-cs"/>
+              </a:defRPr>
+            </a:lvl1pPr>
+          </a:lstStyle>
+          <a:p>
+            <a:pPr algn="r">
+              <a:lnSpc>
+                <a:spcPct val="120000"/>
+              </a:lnSpc>
+            </a:pPr>
+            <a:r>
+              <a:rPr lang="es-ES" i="1" dirty="0">
+                <a:latin typeface="Bahnschrift Light" panose="020B0502040204020203" pitchFamily="34" charset="0"/>
+              </a:rPr>
+              <a:t>“El desarrollo de la inteligencia artificial completa podría significar el fin de la raza humana.”</a:t>
+            </a:r>
+          </a:p>
+          <a:p>
+            <a:pPr algn="r">
+              <a:lnSpc>
+                <a:spcPct val="120000"/>
+              </a:lnSpc>
+            </a:pPr>
+            <a:r>
+              <a:rPr lang="es-CO" sz="3000" i="1" dirty="0">
+                <a:latin typeface="Bahnschrift Light" panose="020B0502040204020203" pitchFamily="34" charset="0"/>
+                <a:ea typeface="Adobe Gothic Std B" panose="020B0800000000000000" pitchFamily="34" charset="-128"/>
+              </a:rPr>
+              <a:t>Stephen Hawking</a:t>
+            </a:r>
+          </a:p>
+        </p:txBody>
+      </p:sp>
+    </p:spTree>
+    <p:extLst>
+      <p:ext uri="{BB962C8B-B14F-4D97-AF65-F5344CB8AC3E}">
+        <p14:creationId xmlns:p14="http://schemas.microsoft.com/office/powerpoint/2010/main" val="2932587403"/>
+      </p:ext>
+    </p:extLst>
+  </p:cSld>
+  <p:clrMapOvr>
+    <a:masterClrMapping/>
+  </p:clrMapOvr>
+</p:sld>
+</file>
+
+<file path=ppt/slides/slide6.xml><?xml version="1.0" encoding="utf-8"?>
+<p:sld xmlns:a="http://schemas.openxmlformats.org/drawingml/2006/main" xmlns:r="http://schemas.openxmlformats.org/officeDocument/2006/relationships" xmlns:p="http://schemas.openxmlformats.org/presentationml/2006/main">
+  <p:cSld>
+    <p:spTree>
+      <p:nvGrpSpPr>
+        <p:cNvPr id="1" name=""/>
+        <p:cNvGrpSpPr/>
+        <p:nvPr/>
+      </p:nvGrpSpPr>
+      <p:grpSpPr>
+        <a:xfrm>
+          <a:off x="0" y="0"/>
+          <a:ext cx="0" cy="0"/>
+          <a:chOff x="0" y="0"/>
+          <a:chExt cx="0" cy="0"/>
+        </a:xfrm>
+      </p:grpSpPr>
+      <p:sp>
+        <p:nvSpPr>
+          <p:cNvPr id="6" name="Título 1">
+            <a:extLst>
+              <a:ext uri="{FF2B5EF4-FFF2-40B4-BE49-F238E27FC236}">
+                <a16:creationId xmlns:a16="http://schemas.microsoft.com/office/drawing/2014/main" id="{D1F20A51-A41F-4529-A96C-C271EA4C0F09}"/>
+              </a:ext>
+            </a:extLst>
+          </p:cNvPr>
+          <p:cNvSpPr txBox="1">
+            <a:spLocks/>
+          </p:cNvSpPr>
+          <p:nvPr/>
+        </p:nvSpPr>
+        <p:spPr>
+          <a:xfrm>
+            <a:off x="746251" y="1290415"/>
+            <a:ext cx="7338070" cy="3033758"/>
+          </a:xfrm>
+          <a:prstGeom prst="rect">
+            <a:avLst/>
+          </a:prstGeom>
+        </p:spPr>
+        <p:txBody>
+          <a:bodyPr vert="horz" lIns="91440" tIns="45720" rIns="91440" bIns="45720" rtlCol="0" anchor="b">
+            <a:normAutofit/>
+          </a:bodyPr>
+          <a:lstStyle>
+            <a:lvl1pPr algn="ctr" defTabSz="914400" rtl="0" eaLnBrk="1" latinLnBrk="0" hangingPunct="1">
+              <a:lnSpc>
+                <a:spcPct val="90000"/>
+              </a:lnSpc>
+              <a:spcBef>
+                <a:spcPct val="0"/>
+              </a:spcBef>
+              <a:buNone/>
+              <a:defRPr sz="6000" kern="1200">
+                <a:solidFill>
+                  <a:schemeClr val="tx1"/>
+                </a:solidFill>
+                <a:latin typeface="+mj-lt"/>
+                <a:ea typeface="+mj-ea"/>
+                <a:cs typeface="+mj-cs"/>
+              </a:defRPr>
+            </a:lvl1pPr>
+          </a:lstStyle>
+          <a:p>
+            <a:r>
+              <a:rPr lang="es-ES" sz="4400" dirty="0">
+                <a:latin typeface="Bahnschrift Light" panose="020B0502040204020203" pitchFamily="34" charset="0"/>
+                <a:ea typeface="Adobe Gothic Std B" panose="020B0800000000000000" pitchFamily="34" charset="-128"/>
+              </a:rPr>
+              <a:t>Nuestra capacidad de </a:t>
+            </a:r>
+            <a:r>
+              <a:rPr lang="es-ES" sz="4400" u="sng" dirty="0">
+                <a:latin typeface="Bahnschrift Light" panose="020B0502040204020203" pitchFamily="34" charset="0"/>
+                <a:ea typeface="Adobe Gothic Std B" panose="020B0800000000000000" pitchFamily="34" charset="-128"/>
+              </a:rPr>
+              <a:t>aprender</a:t>
+            </a:r>
+            <a:r>
+              <a:rPr lang="es-ES" sz="4400" dirty="0">
+                <a:latin typeface="Bahnschrift Light" panose="020B0502040204020203" pitchFamily="34" charset="0"/>
+                <a:ea typeface="Adobe Gothic Std B" panose="020B0800000000000000" pitchFamily="34" charset="-128"/>
+              </a:rPr>
+              <a:t> y mejorar a través de la experiencia es parte de ser humano.</a:t>
+            </a:r>
+            <a:endParaRPr lang="es-CO" sz="4400" dirty="0">
+              <a:latin typeface="Bahnschrift Light" panose="020B0502040204020203" pitchFamily="34" charset="0"/>
+              <a:ea typeface="Adobe Gothic Std B" panose="020B0800000000000000" pitchFamily="34" charset="-128"/>
+            </a:endParaRPr>
+          </a:p>
+        </p:txBody>
+      </p:sp>
+      <p:pic>
+        <p:nvPicPr>
+          <p:cNvPr id="2052" name="Picture 4" descr="Resultado de imagen para desarrollador">
+            <a:extLst>
+              <a:ext uri="{FF2B5EF4-FFF2-40B4-BE49-F238E27FC236}">
+                <a16:creationId xmlns:a16="http://schemas.microsoft.com/office/drawing/2014/main" id="{444A2C1E-6524-4424-8712-7486BBD6D4A5}"/>
+              </a:ext>
+            </a:extLst>
+          </p:cNvPr>
+          <p:cNvPicPr>
+            <a:picLocks noChangeAspect="1" noChangeArrowheads="1"/>
+          </p:cNvPicPr>
+          <p:nvPr/>
+        </p:nvPicPr>
+        <p:blipFill>
+          <a:blip r:embed="rId2">
+            <a:extLst>
+              <a:ext uri="{28A0092B-C50C-407E-A947-70E740481C1C}">
+                <a14:useLocalDpi xmlns:a14="http://schemas.microsoft.com/office/drawing/2010/main" val="0"/>
+              </a:ext>
+            </a:extLst>
+          </a:blip>
+          <a:srcRect/>
+          <a:stretch>
+            <a:fillRect/>
+          </a:stretch>
+        </p:blipFill>
+        <p:spPr bwMode="auto">
+          <a:xfrm>
+            <a:off x="3253589" y="0"/>
+            <a:ext cx="8829675" cy="6858000"/>
+          </a:xfrm>
+          <a:prstGeom prst="rect">
+            <a:avLst/>
+          </a:prstGeom>
+          <a:noFill/>
+          <a:extLst>
+            <a:ext uri="{909E8E84-426E-40DD-AFC4-6F175D3DCCD1}">
+              <a14:hiddenFill xmlns:a14="http://schemas.microsoft.com/office/drawing/2010/main">
+                <a:solidFill>
+                  <a:srgbClr val="FFFFFF"/>
+                </a:solidFill>
+              </a14:hiddenFill>
+            </a:ext>
+          </a:extLst>
+        </p:spPr>
+      </p:pic>
+    </p:spTree>
+    <p:extLst>
+      <p:ext uri="{BB962C8B-B14F-4D97-AF65-F5344CB8AC3E}">
         <p14:creationId xmlns:p14="http://schemas.microsoft.com/office/powerpoint/2010/main" val="2718420563"/>
+      </p:ext>
+    </p:extLst>
+  </p:cSld>
+  <p:clrMapOvr>
+    <a:masterClrMapping/>
+  </p:clrMapOvr>
+</p:sld>
+</file>
+
+<file path=ppt/slides/slide7.xml><?xml version="1.0" encoding="utf-8"?>
+<p:sld xmlns:a="http://schemas.openxmlformats.org/drawingml/2006/main" xmlns:r="http://schemas.openxmlformats.org/officeDocument/2006/relationships" xmlns:p="http://schemas.openxmlformats.org/presentationml/2006/main">
+  <p:cSld>
+    <p:spTree>
+      <p:nvGrpSpPr>
+        <p:cNvPr id="1" name=""/>
+        <p:cNvGrpSpPr/>
+        <p:nvPr/>
+      </p:nvGrpSpPr>
+      <p:grpSpPr>
+        <a:xfrm>
+          <a:off x="0" y="0"/>
+          <a:ext cx="0" cy="0"/>
+          <a:chOff x="0" y="0"/>
+          <a:chExt cx="0" cy="0"/>
+        </a:xfrm>
+      </p:grpSpPr>
+      <p:pic>
+        <p:nvPicPr>
+          <p:cNvPr id="3074" name="Picture 2" descr="Imagen relacionada">
+            <a:extLst>
+              <a:ext uri="{FF2B5EF4-FFF2-40B4-BE49-F238E27FC236}">
+                <a16:creationId xmlns:a16="http://schemas.microsoft.com/office/drawing/2014/main" id="{087D59BB-C5B8-454E-AD29-65E7ECF4FDBE}"/>
+              </a:ext>
+            </a:extLst>
+          </p:cNvPr>
+          <p:cNvPicPr>
+            <a:picLocks noChangeAspect="1" noChangeArrowheads="1"/>
+          </p:cNvPicPr>
+          <p:nvPr/>
+        </p:nvPicPr>
+        <p:blipFill>
+          <a:blip r:embed="rId2">
+            <a:extLst>
+              <a:ext uri="{28A0092B-C50C-407E-A947-70E740481C1C}">
+                <a14:useLocalDpi xmlns:a14="http://schemas.microsoft.com/office/drawing/2010/main" val="0"/>
+              </a:ext>
+            </a:extLst>
+          </a:blip>
+          <a:srcRect/>
+          <a:stretch>
+            <a:fillRect/>
+          </a:stretch>
+        </p:blipFill>
+        <p:spPr bwMode="auto">
+          <a:xfrm flipH="1">
+            <a:off x="0" y="1495425"/>
+            <a:ext cx="8621486" cy="5362575"/>
+          </a:xfrm>
+          <a:prstGeom prst="rect">
+            <a:avLst/>
+          </a:prstGeom>
+          <a:noFill/>
+          <a:extLst>
+            <a:ext uri="{909E8E84-426E-40DD-AFC4-6F175D3DCCD1}">
+              <a14:hiddenFill xmlns:a14="http://schemas.microsoft.com/office/drawing/2010/main">
+                <a:solidFill>
+                  <a:srgbClr val="FFFFFF"/>
+                </a:solidFill>
+              </a14:hiddenFill>
+            </a:ext>
+          </a:extLst>
+        </p:spPr>
+      </p:pic>
+      <p:sp>
+        <p:nvSpPr>
+          <p:cNvPr id="6" name="Título 1">
+            <a:extLst>
+              <a:ext uri="{FF2B5EF4-FFF2-40B4-BE49-F238E27FC236}">
+                <a16:creationId xmlns:a16="http://schemas.microsoft.com/office/drawing/2014/main" id="{D1F20A51-A41F-4529-A96C-C271EA4C0F09}"/>
+              </a:ext>
+            </a:extLst>
+          </p:cNvPr>
+          <p:cNvSpPr txBox="1">
+            <a:spLocks/>
+          </p:cNvSpPr>
+          <p:nvPr/>
+        </p:nvSpPr>
+        <p:spPr>
+          <a:xfrm>
+            <a:off x="391886" y="973783"/>
+            <a:ext cx="11408228" cy="1142400"/>
+          </a:xfrm>
+          <a:prstGeom prst="rect">
+            <a:avLst/>
+          </a:prstGeom>
+        </p:spPr>
+        <p:txBody>
+          <a:bodyPr vert="horz" lIns="91440" tIns="45720" rIns="91440" bIns="45720" rtlCol="0" anchor="b">
+            <a:normAutofit/>
+          </a:bodyPr>
+          <a:lstStyle>
+            <a:lvl1pPr algn="ctr" defTabSz="914400" rtl="0" eaLnBrk="1" latinLnBrk="0" hangingPunct="1">
+              <a:lnSpc>
+                <a:spcPct val="90000"/>
+              </a:lnSpc>
+              <a:spcBef>
+                <a:spcPct val="0"/>
+              </a:spcBef>
+              <a:buNone/>
+              <a:defRPr sz="6000" kern="1200">
+                <a:solidFill>
+                  <a:schemeClr val="tx1"/>
+                </a:solidFill>
+                <a:latin typeface="+mj-lt"/>
+                <a:ea typeface="+mj-ea"/>
+                <a:cs typeface="+mj-cs"/>
+              </a:defRPr>
+            </a:lvl1pPr>
+          </a:lstStyle>
+          <a:p>
+            <a:r>
+              <a:rPr lang="es-ES" sz="3200" dirty="0">
+                <a:latin typeface="Bahnschrift Light" panose="020B0502040204020203" pitchFamily="34" charset="0"/>
+                <a:ea typeface="Adobe Gothic Std B" panose="020B0800000000000000" pitchFamily="34" charset="-128"/>
+              </a:rPr>
+              <a:t>Cuando nacemos casi no sabemos nada y no podemos hacer nada por nosotros mismos.</a:t>
+            </a:r>
+            <a:endParaRPr lang="es-CO" sz="3200" dirty="0">
+              <a:latin typeface="Bahnschrift Light" panose="020B0502040204020203" pitchFamily="34" charset="0"/>
+              <a:ea typeface="Adobe Gothic Std B" panose="020B0800000000000000" pitchFamily="34" charset="-128"/>
+            </a:endParaRPr>
+          </a:p>
+        </p:txBody>
+      </p:sp>
+    </p:spTree>
+    <p:extLst>
+      <p:ext uri="{BB962C8B-B14F-4D97-AF65-F5344CB8AC3E}">
+        <p14:creationId xmlns:p14="http://schemas.microsoft.com/office/powerpoint/2010/main" val="2375864050"/>
+      </p:ext>
+    </p:extLst>
+  </p:cSld>
+  <p:clrMapOvr>
+    <a:masterClrMapping/>
+  </p:clrMapOvr>
+</p:sld>
+</file>
+
+<file path=ppt/slides/slide8.xml><?xml version="1.0" encoding="utf-8"?>
+<p:sld xmlns:a="http://schemas.openxmlformats.org/drawingml/2006/main" xmlns:r="http://schemas.openxmlformats.org/officeDocument/2006/relationships" xmlns:p="http://schemas.openxmlformats.org/presentationml/2006/main">
+  <p:cSld>
+    <p:spTree>
+      <p:nvGrpSpPr>
+        <p:cNvPr id="1" name=""/>
+        <p:cNvGrpSpPr/>
+        <p:nvPr/>
+      </p:nvGrpSpPr>
+      <p:grpSpPr>
+        <a:xfrm>
+          <a:off x="0" y="0"/>
+          <a:ext cx="0" cy="0"/>
+          <a:chOff x="0" y="0"/>
+          <a:chExt cx="0" cy="0"/>
+        </a:xfrm>
+      </p:grpSpPr>
+      <p:sp>
+        <p:nvSpPr>
+          <p:cNvPr id="6" name="Título 1">
+            <a:extLst>
+              <a:ext uri="{FF2B5EF4-FFF2-40B4-BE49-F238E27FC236}">
+                <a16:creationId xmlns:a16="http://schemas.microsoft.com/office/drawing/2014/main" id="{D1F20A51-A41F-4529-A96C-C271EA4C0F09}"/>
+              </a:ext>
+            </a:extLst>
+          </p:cNvPr>
+          <p:cNvSpPr txBox="1">
+            <a:spLocks/>
+          </p:cNvSpPr>
+          <p:nvPr/>
+        </p:nvSpPr>
+        <p:spPr>
+          <a:xfrm>
+            <a:off x="0" y="5458696"/>
+            <a:ext cx="12191999" cy="780442"/>
+          </a:xfrm>
+          <a:prstGeom prst="rect">
+            <a:avLst/>
+          </a:prstGeom>
+        </p:spPr>
+        <p:txBody>
+          <a:bodyPr vert="horz" lIns="91440" tIns="45720" rIns="91440" bIns="45720" rtlCol="0" anchor="b">
+            <a:normAutofit/>
+          </a:bodyPr>
+          <a:lstStyle>
+            <a:lvl1pPr algn="ctr" defTabSz="914400" rtl="0" eaLnBrk="1" latinLnBrk="0" hangingPunct="1">
+              <a:lnSpc>
+                <a:spcPct val="90000"/>
+              </a:lnSpc>
+              <a:spcBef>
+                <a:spcPct val="0"/>
+              </a:spcBef>
+              <a:buNone/>
+              <a:defRPr sz="6000" kern="1200">
+                <a:solidFill>
+                  <a:schemeClr val="tx1"/>
+                </a:solidFill>
+                <a:latin typeface="+mj-lt"/>
+                <a:ea typeface="+mj-ea"/>
+                <a:cs typeface="+mj-cs"/>
+              </a:defRPr>
+            </a:lvl1pPr>
+          </a:lstStyle>
+          <a:p>
+            <a:r>
+              <a:rPr lang="es-ES" sz="3200" dirty="0">
+                <a:latin typeface="Bahnschrift Light" panose="020B0502040204020203" pitchFamily="34" charset="0"/>
+                <a:ea typeface="Adobe Gothic Std B" panose="020B0800000000000000" pitchFamily="34" charset="-128"/>
+              </a:rPr>
+              <a:t>Pronto aprendemos y nos volvemos mas capaces.</a:t>
+            </a:r>
+            <a:endParaRPr lang="es-CO" sz="3200" dirty="0">
+              <a:latin typeface="Bahnschrift Light" panose="020B0502040204020203" pitchFamily="34" charset="0"/>
+              <a:ea typeface="Adobe Gothic Std B" panose="020B0800000000000000" pitchFamily="34" charset="-128"/>
+            </a:endParaRPr>
+          </a:p>
+        </p:txBody>
+      </p:sp>
+      <p:pic>
+        <p:nvPicPr>
+          <p:cNvPr id="2050" name="Picture 2" descr="Resultado de imagen para bebe jugando">
+            <a:extLst>
+              <a:ext uri="{FF2B5EF4-FFF2-40B4-BE49-F238E27FC236}">
+                <a16:creationId xmlns:a16="http://schemas.microsoft.com/office/drawing/2014/main" id="{FB16AF68-8723-4958-80F8-F23AF909E023}"/>
+              </a:ext>
+            </a:extLst>
+          </p:cNvPr>
+          <p:cNvPicPr>
+            <a:picLocks noChangeAspect="1" noChangeArrowheads="1"/>
+          </p:cNvPicPr>
+          <p:nvPr/>
+        </p:nvPicPr>
+        <p:blipFill>
+          <a:blip r:embed="rId2">
+            <a:extLst>
+              <a:ext uri="{28A0092B-C50C-407E-A947-70E740481C1C}">
+                <a14:useLocalDpi xmlns:a14="http://schemas.microsoft.com/office/drawing/2010/main" val="0"/>
+              </a:ext>
+            </a:extLst>
+          </a:blip>
+          <a:srcRect/>
+          <a:stretch>
+            <a:fillRect/>
+          </a:stretch>
+        </p:blipFill>
+        <p:spPr bwMode="auto">
+          <a:xfrm>
+            <a:off x="2390319" y="488378"/>
+            <a:ext cx="5775614" cy="4970318"/>
+          </a:xfrm>
+          <a:prstGeom prst="rect">
+            <a:avLst/>
+          </a:prstGeom>
+          <a:noFill/>
+          <a:extLst>
+            <a:ext uri="{909E8E84-426E-40DD-AFC4-6F175D3DCCD1}">
+              <a14:hiddenFill xmlns:a14="http://schemas.microsoft.com/office/drawing/2010/main">
+                <a:solidFill>
+                  <a:srgbClr val="FFFFFF"/>
+                </a:solidFill>
+              </a14:hiddenFill>
+            </a:ext>
+          </a:extLst>
+        </p:spPr>
+      </p:pic>
+    </p:spTree>
+    <p:extLst>
+      <p:ext uri="{BB962C8B-B14F-4D97-AF65-F5344CB8AC3E}">
+        <p14:creationId xmlns:p14="http://schemas.microsoft.com/office/powerpoint/2010/main" val="882448598"/>
+      </p:ext>
+    </p:extLst>
+  </p:cSld>
+  <p:clrMapOvr>
+    <a:masterClrMapping/>
+  </p:clrMapOvr>
+</p:sld>
+</file>
+
+<file path=ppt/slides/slide9.xml><?xml version="1.0" encoding="utf-8"?>
+<p:sld xmlns:a="http://schemas.openxmlformats.org/drawingml/2006/main" xmlns:r="http://schemas.openxmlformats.org/officeDocument/2006/relationships" xmlns:p="http://schemas.openxmlformats.org/presentationml/2006/main">
+  <p:cSld>
+    <p:spTree>
+      <p:nvGrpSpPr>
+        <p:cNvPr id="1" name=""/>
+        <p:cNvGrpSpPr/>
+        <p:nvPr/>
+      </p:nvGrpSpPr>
+      <p:grpSpPr>
+        <a:xfrm>
+          <a:off x="0" y="0"/>
+          <a:ext cx="0" cy="0"/>
+          <a:chOff x="0" y="0"/>
+          <a:chExt cx="0" cy="0"/>
+        </a:xfrm>
+      </p:grpSpPr>
+      <p:sp>
+        <p:nvSpPr>
+          <p:cNvPr id="6" name="Título 1">
+            <a:extLst>
+              <a:ext uri="{FF2B5EF4-FFF2-40B4-BE49-F238E27FC236}">
+                <a16:creationId xmlns:a16="http://schemas.microsoft.com/office/drawing/2014/main" id="{D1F20A51-A41F-4529-A96C-C271EA4C0F09}"/>
+              </a:ext>
+            </a:extLst>
+          </p:cNvPr>
+          <p:cNvSpPr txBox="1">
+            <a:spLocks/>
+          </p:cNvSpPr>
+          <p:nvPr/>
+        </p:nvSpPr>
+        <p:spPr>
+          <a:xfrm>
+            <a:off x="0" y="5693828"/>
+            <a:ext cx="12191999" cy="780442"/>
+          </a:xfrm>
+          <a:prstGeom prst="rect">
+            <a:avLst/>
+          </a:prstGeom>
+        </p:spPr>
+        <p:txBody>
+          <a:bodyPr vert="horz" lIns="91440" tIns="45720" rIns="91440" bIns="45720" rtlCol="0" anchor="b">
+            <a:normAutofit/>
+          </a:bodyPr>
+          <a:lstStyle>
+            <a:lvl1pPr algn="ctr" defTabSz="914400" rtl="0" eaLnBrk="1" latinLnBrk="0" hangingPunct="1">
+              <a:lnSpc>
+                <a:spcPct val="90000"/>
+              </a:lnSpc>
+              <a:spcBef>
+                <a:spcPct val="0"/>
+              </a:spcBef>
+              <a:buNone/>
+              <a:defRPr sz="6000" kern="1200">
+                <a:solidFill>
+                  <a:schemeClr val="tx1"/>
+                </a:solidFill>
+                <a:latin typeface="+mj-lt"/>
+                <a:ea typeface="+mj-ea"/>
+                <a:cs typeface="+mj-cs"/>
+              </a:defRPr>
+            </a:lvl1pPr>
+          </a:lstStyle>
+          <a:p>
+            <a:r>
+              <a:rPr lang="es-ES" sz="3200" dirty="0">
+                <a:latin typeface="Bahnschrift Light" panose="020B0502040204020203" pitchFamily="34" charset="0"/>
+                <a:ea typeface="Adobe Gothic Std B" panose="020B0800000000000000" pitchFamily="34" charset="-128"/>
+              </a:rPr>
+              <a:t>Las maquinas pueden hacer lo mismo?</a:t>
+            </a:r>
+            <a:endParaRPr lang="es-CO" sz="3200" dirty="0">
+              <a:latin typeface="Bahnschrift Light" panose="020B0502040204020203" pitchFamily="34" charset="0"/>
+              <a:ea typeface="Adobe Gothic Std B" panose="020B0800000000000000" pitchFamily="34" charset="-128"/>
+            </a:endParaRPr>
+          </a:p>
+        </p:txBody>
+      </p:sp>
+      <p:pic>
+        <p:nvPicPr>
+          <p:cNvPr id="3" name="Picture 4" descr="Resultado de imagen para robot leyendo">
+            <a:extLst>
+              <a:ext uri="{FF2B5EF4-FFF2-40B4-BE49-F238E27FC236}">
+                <a16:creationId xmlns:a16="http://schemas.microsoft.com/office/drawing/2014/main" id="{6626B4AA-5A38-457B-A1F1-E8F0CA8E3698}"/>
+              </a:ext>
+            </a:extLst>
+          </p:cNvPr>
+          <p:cNvPicPr>
+            <a:picLocks noChangeAspect="1" noChangeArrowheads="1"/>
+          </p:cNvPicPr>
+          <p:nvPr/>
+        </p:nvPicPr>
+        <p:blipFill>
+          <a:blip r:embed="rId2">
+            <a:extLst>
+              <a:ext uri="{28A0092B-C50C-407E-A947-70E740481C1C}">
+                <a14:useLocalDpi xmlns:a14="http://schemas.microsoft.com/office/drawing/2010/main" val="0"/>
+              </a:ext>
+            </a:extLst>
+          </a:blip>
+          <a:srcRect/>
+          <a:stretch>
+            <a:fillRect/>
+          </a:stretch>
+        </p:blipFill>
+        <p:spPr bwMode="auto">
+          <a:xfrm>
+            <a:off x="3059673" y="1159678"/>
+            <a:ext cx="6072655" cy="4538644"/>
+          </a:xfrm>
+          <a:prstGeom prst="rect">
+            <a:avLst/>
+          </a:prstGeom>
+          <a:noFill/>
+          <a:extLst>
+            <a:ext uri="{909E8E84-426E-40DD-AFC4-6F175D3DCCD1}">
+              <a14:hiddenFill xmlns:a14="http://schemas.microsoft.com/office/drawing/2010/main">
+                <a:solidFill>
+                  <a:srgbClr val="FFFFFF"/>
+                </a:solidFill>
+              </a14:hiddenFill>
+            </a:ext>
+          </a:extLst>
+        </p:spPr>
+      </p:pic>
+    </p:spTree>
+    <p:extLst>
+      <p:ext uri="{BB962C8B-B14F-4D97-AF65-F5344CB8AC3E}">
+        <p14:creationId xmlns:p14="http://schemas.microsoft.com/office/powerpoint/2010/main" val="545953762"/>
       </p:ext>
     </p:extLst>
   </p:cSld>
@@ -4239,25 +6572,11 @@
 
 <file path=customXml/item1.xml><?xml version="1.0" encoding="utf-8"?>
 <Control xmlns="http://schemas.microsoft.com/VisualStudio/2011/storyboarding/control">
-  <Id Name="System.Storyboarding.Backgrounds.WindowsPhone" Revision="1" Stencil="System.Storyboarding.Backgrounds" StencilVersion="0.1"/>
-</Control>
-</file>
-
-<file path=customXml/item2.xml><?xml version="1.0" encoding="utf-8"?>
-<Control xmlns="http://schemas.microsoft.com/VisualStudio/2011/storyboarding/control">
   <Id Name="System.Storyboarding.Backgrounds.DesktopTaskbar" Revision="1" Stencil="System.Storyboarding.Backgrounds" StencilVersion="0.1"/>
 </Control>
 </file>
 
 <file path=customXml/itemProps1.xml><?xml version="1.0" encoding="utf-8"?>
-<ds:datastoreItem xmlns:ds="http://schemas.openxmlformats.org/officeDocument/2006/customXml" ds:itemID="{1C908798-2D58-4F39-967C-D2D1CFCF4626}">
-  <ds:schemaRefs>
-    <ds:schemaRef ds:uri="http://schemas.microsoft.com/VisualStudio/2011/storyboarding/control"/>
-  </ds:schemaRefs>
-</ds:datastoreItem>
-</file>
-
-<file path=customXml/itemProps2.xml><?xml version="1.0" encoding="utf-8"?>
 <ds:datastoreItem xmlns:ds="http://schemas.openxmlformats.org/officeDocument/2006/customXml" ds:itemID="{8257DB0E-7688-488D-BF2B-AE66297DA740}">
   <ds:schemaRefs>
     <ds:schemaRef ds:uri="http://schemas.microsoft.com/VisualStudio/2011/storyboarding/control"/>

--- a/El presente de Machine Learning.pptx
+++ b/El presente de Machine Learning.pptx
@@ -7,17 +7,30 @@
   <p:sldIdLst>
     <p:sldId id="256" r:id="rId3"/>
     <p:sldId id="268" r:id="rId4"/>
-    <p:sldId id="257" r:id="rId5"/>
-    <p:sldId id="262" r:id="rId6"/>
-    <p:sldId id="264" r:id="rId7"/>
-    <p:sldId id="258" r:id="rId8"/>
-    <p:sldId id="259" r:id="rId9"/>
-    <p:sldId id="260" r:id="rId10"/>
-    <p:sldId id="261" r:id="rId11"/>
-    <p:sldId id="265" r:id="rId12"/>
-    <p:sldId id="269" r:id="rId13"/>
-    <p:sldId id="266" r:id="rId14"/>
-    <p:sldId id="267" r:id="rId15"/>
+    <p:sldId id="264" r:id="rId5"/>
+    <p:sldId id="257" r:id="rId6"/>
+    <p:sldId id="262" r:id="rId7"/>
+    <p:sldId id="271" r:id="rId8"/>
+    <p:sldId id="269" r:id="rId9"/>
+    <p:sldId id="258" r:id="rId10"/>
+    <p:sldId id="259" r:id="rId11"/>
+    <p:sldId id="260" r:id="rId12"/>
+    <p:sldId id="261" r:id="rId13"/>
+    <p:sldId id="265" r:id="rId14"/>
+    <p:sldId id="266" r:id="rId15"/>
+    <p:sldId id="267" r:id="rId16"/>
+    <p:sldId id="272" r:id="rId17"/>
+    <p:sldId id="273" r:id="rId18"/>
+    <p:sldId id="275" r:id="rId19"/>
+    <p:sldId id="274" r:id="rId20"/>
+    <p:sldId id="276" r:id="rId21"/>
+    <p:sldId id="277" r:id="rId22"/>
+    <p:sldId id="278" r:id="rId23"/>
+    <p:sldId id="279" r:id="rId24"/>
+    <p:sldId id="282" r:id="rId25"/>
+    <p:sldId id="283" r:id="rId26"/>
+    <p:sldId id="285" r:id="rId27"/>
+    <p:sldId id="284" r:id="rId28"/>
   </p:sldIdLst>
   <p:sldSz cx="12192000" cy="6858000"/>
   <p:notesSz cx="6858000" cy="9144000"/>
@@ -116,6 +129,11 @@
       </a:defRPr>
     </a:lvl9pPr>
   </p:defaultTextStyle>
+  <p:extLst>
+    <p:ext uri="{EFAFB233-063F-42B5-8137-9DF3F51BA10A}">
+      <p15:sldGuideLst xmlns:p15="http://schemas.microsoft.com/office/powerpoint/2012/main"/>
+    </p:ext>
+  </p:extLst>
 </p:presentation>
 </file>
 
@@ -268,7 +286,7 @@
           <a:p>
             <a:fld id="{A803CB01-0931-40DA-A8B0-324D92D70834}" type="datetimeFigureOut">
               <a:rPr lang="es-CO" smtClean="0"/>
-              <a:t>14/05/2018</a:t>
+              <a:t>15/05/2018</a:t>
             </a:fld>
             <a:endParaRPr lang="es-CO"/>
           </a:p>
@@ -468,7 +486,7 @@
           <a:p>
             <a:fld id="{A803CB01-0931-40DA-A8B0-324D92D70834}" type="datetimeFigureOut">
               <a:rPr lang="es-CO" smtClean="0"/>
-              <a:t>14/05/2018</a:t>
+              <a:t>15/05/2018</a:t>
             </a:fld>
             <a:endParaRPr lang="es-CO"/>
           </a:p>
@@ -678,7 +696,7 @@
           <a:p>
             <a:fld id="{A803CB01-0931-40DA-A8B0-324D92D70834}" type="datetimeFigureOut">
               <a:rPr lang="es-CO" smtClean="0"/>
-              <a:t>14/05/2018</a:t>
+              <a:t>15/05/2018</a:t>
             </a:fld>
             <a:endParaRPr lang="es-CO"/>
           </a:p>
@@ -878,7 +896,7 @@
           <a:p>
             <a:fld id="{A803CB01-0931-40DA-A8B0-324D92D70834}" type="datetimeFigureOut">
               <a:rPr lang="es-CO" smtClean="0"/>
-              <a:t>14/05/2018</a:t>
+              <a:t>15/05/2018</a:t>
             </a:fld>
             <a:endParaRPr lang="es-CO"/>
           </a:p>
@@ -1154,7 +1172,7 @@
           <a:p>
             <a:fld id="{A803CB01-0931-40DA-A8B0-324D92D70834}" type="datetimeFigureOut">
               <a:rPr lang="es-CO" smtClean="0"/>
-              <a:t>14/05/2018</a:t>
+              <a:t>15/05/2018</a:t>
             </a:fld>
             <a:endParaRPr lang="es-CO"/>
           </a:p>
@@ -1422,7 +1440,7 @@
           <a:p>
             <a:fld id="{A803CB01-0931-40DA-A8B0-324D92D70834}" type="datetimeFigureOut">
               <a:rPr lang="es-CO" smtClean="0"/>
-              <a:t>14/05/2018</a:t>
+              <a:t>15/05/2018</a:t>
             </a:fld>
             <a:endParaRPr lang="es-CO"/>
           </a:p>
@@ -1837,7 +1855,7 @@
           <a:p>
             <a:fld id="{A803CB01-0931-40DA-A8B0-324D92D70834}" type="datetimeFigureOut">
               <a:rPr lang="es-CO" smtClean="0"/>
-              <a:t>14/05/2018</a:t>
+              <a:t>15/05/2018</a:t>
             </a:fld>
             <a:endParaRPr lang="es-CO"/>
           </a:p>
@@ -1979,7 +1997,7 @@
           <a:p>
             <a:fld id="{A803CB01-0931-40DA-A8B0-324D92D70834}" type="datetimeFigureOut">
               <a:rPr lang="es-CO" smtClean="0"/>
-              <a:t>14/05/2018</a:t>
+              <a:t>15/05/2018</a:t>
             </a:fld>
             <a:endParaRPr lang="es-CO"/>
           </a:p>
@@ -2092,7 +2110,7 @@
           <a:p>
             <a:fld id="{A803CB01-0931-40DA-A8B0-324D92D70834}" type="datetimeFigureOut">
               <a:rPr lang="es-CO" smtClean="0"/>
-              <a:t>14/05/2018</a:t>
+              <a:t>15/05/2018</a:t>
             </a:fld>
             <a:endParaRPr lang="es-CO"/>
           </a:p>
@@ -2405,7 +2423,7 @@
           <a:p>
             <a:fld id="{A803CB01-0931-40DA-A8B0-324D92D70834}" type="datetimeFigureOut">
               <a:rPr lang="es-CO" smtClean="0"/>
-              <a:t>14/05/2018</a:t>
+              <a:t>15/05/2018</a:t>
             </a:fld>
             <a:endParaRPr lang="es-CO"/>
           </a:p>
@@ -2694,7 +2712,7 @@
           <a:p>
             <a:fld id="{A803CB01-0931-40DA-A8B0-324D92D70834}" type="datetimeFigureOut">
               <a:rPr lang="es-CO" smtClean="0"/>
-              <a:t>14/05/2018</a:t>
+              <a:t>15/05/2018</a:t>
             </a:fld>
             <a:endParaRPr lang="es-CO"/>
           </a:p>
@@ -2937,7 +2955,7 @@
           <a:p>
             <a:fld id="{A803CB01-0931-40DA-A8B0-324D92D70834}" type="datetimeFigureOut">
               <a:rPr lang="es-CO" smtClean="0"/>
-              <a:t>14/05/2018</a:t>
+              <a:t>15/05/2018</a:t>
             </a:fld>
             <a:endParaRPr lang="es-CO"/>
           </a:p>
@@ -3430,11 +3448,527 @@
           <a:lstStyle/>
           <a:p>
             <a:r>
+              <a:rPr lang="es-CO" b="1" dirty="0">
+                <a:latin typeface="Bahnschrift Light" panose="020B0502040204020203" pitchFamily="34" charset="0"/>
+                <a:ea typeface="Adobe Gothic Std B" panose="020B0800000000000000" pitchFamily="34" charset="-128"/>
+              </a:rPr>
+              <a:t>Ing. </a:t>
+            </a:r>
+            <a:r>
               <a:rPr lang="es-CO" dirty="0">
                 <a:latin typeface="Bahnschrift Light" panose="020B0502040204020203" pitchFamily="34" charset="0"/>
                 <a:ea typeface="Adobe Gothic Std B" panose="020B0800000000000000" pitchFamily="34" charset="-128"/>
               </a:rPr>
-              <a:t>Ing. Rodrigo Garcia</a:t>
+              <a:t>Rodrigo Garcia</a:t>
+            </a:r>
+          </a:p>
+        </p:txBody>
+      </p:sp>
+      <p:pic>
+        <p:nvPicPr>
+          <p:cNvPr id="13314" name="Picture 2" descr="Resultado de imagen para twitter">
+            <a:extLst>
+              <a:ext uri="{FF2B5EF4-FFF2-40B4-BE49-F238E27FC236}">
+                <a16:creationId xmlns:a16="http://schemas.microsoft.com/office/drawing/2014/main" id="{D9DEE27A-8D55-4463-BD4F-003ABE31F71E}"/>
+              </a:ext>
+            </a:extLst>
+          </p:cNvPr>
+          <p:cNvPicPr>
+            <a:picLocks noChangeAspect="1" noChangeArrowheads="1"/>
+          </p:cNvPicPr>
+          <p:nvPr/>
+        </p:nvPicPr>
+        <p:blipFill>
+          <a:blip r:embed="rId2">
+            <a:extLst>
+              <a:ext uri="{28A0092B-C50C-407E-A947-70E740481C1C}">
+                <a14:useLocalDpi xmlns:a14="http://schemas.microsoft.com/office/drawing/2010/main" val="0"/>
+              </a:ext>
+            </a:extLst>
+          </a:blip>
+          <a:srcRect/>
+          <a:stretch>
+            <a:fillRect/>
+          </a:stretch>
+        </p:blipFill>
+        <p:spPr bwMode="auto">
+          <a:xfrm>
+            <a:off x="10846416" y="5233857"/>
+            <a:ext cx="517905" cy="523112"/>
+          </a:xfrm>
+          <a:prstGeom prst="rect">
+            <a:avLst/>
+          </a:prstGeom>
+          <a:noFill/>
+          <a:extLst>
+            <a:ext uri="{909E8E84-426E-40DD-AFC4-6F175D3DCCD1}">
+              <a14:hiddenFill xmlns:a14="http://schemas.microsoft.com/office/drawing/2010/main">
+                <a:solidFill>
+                  <a:srgbClr val="FFFFFF"/>
+                </a:solidFill>
+              </a14:hiddenFill>
+            </a:ext>
+          </a:extLst>
+        </p:spPr>
+      </p:pic>
+      <p:sp>
+        <p:nvSpPr>
+          <p:cNvPr id="5" name="Subtítulo 2">
+            <a:extLst>
+              <a:ext uri="{FF2B5EF4-FFF2-40B4-BE49-F238E27FC236}">
+                <a16:creationId xmlns:a16="http://schemas.microsoft.com/office/drawing/2014/main" id="{87E5DB93-C3FA-47DB-9679-666F83B8C093}"/>
+              </a:ext>
+            </a:extLst>
+          </p:cNvPr>
+          <p:cNvSpPr txBox="1">
+            <a:spLocks/>
+          </p:cNvSpPr>
+          <p:nvPr/>
+        </p:nvSpPr>
+        <p:spPr>
+          <a:xfrm>
+            <a:off x="10245804" y="5756969"/>
+            <a:ext cx="1719128" cy="452336"/>
+          </a:xfrm>
+          <a:prstGeom prst="rect">
+            <a:avLst/>
+          </a:prstGeom>
+        </p:spPr>
+        <p:txBody>
+          <a:bodyPr vert="horz" lIns="91440" tIns="45720" rIns="91440" bIns="45720" rtlCol="0">
+            <a:normAutofit/>
+          </a:bodyPr>
+          <a:lstStyle>
+            <a:lvl1pPr marL="0" indent="0" algn="ctr" defTabSz="914400" rtl="0" eaLnBrk="1" latinLnBrk="0" hangingPunct="1">
+              <a:lnSpc>
+                <a:spcPct val="90000"/>
+              </a:lnSpc>
+              <a:spcBef>
+                <a:spcPts val="1000"/>
+              </a:spcBef>
+              <a:buFont typeface="Arial" panose="020B0604020202020204" pitchFamily="34" charset="0"/>
+              <a:buNone/>
+              <a:defRPr sz="2400" kern="1200">
+                <a:solidFill>
+                  <a:schemeClr val="tx1"/>
+                </a:solidFill>
+                <a:latin typeface="+mn-lt"/>
+                <a:ea typeface="+mn-ea"/>
+                <a:cs typeface="+mn-cs"/>
+              </a:defRPr>
+            </a:lvl1pPr>
+            <a:lvl2pPr marL="457200" indent="0" algn="ctr" defTabSz="914400" rtl="0" eaLnBrk="1" latinLnBrk="0" hangingPunct="1">
+              <a:lnSpc>
+                <a:spcPct val="90000"/>
+              </a:lnSpc>
+              <a:spcBef>
+                <a:spcPts val="500"/>
+              </a:spcBef>
+              <a:buFont typeface="Arial" panose="020B0604020202020204" pitchFamily="34" charset="0"/>
+              <a:buNone/>
+              <a:defRPr sz="2000" kern="1200">
+                <a:solidFill>
+                  <a:schemeClr val="tx1"/>
+                </a:solidFill>
+                <a:latin typeface="+mn-lt"/>
+                <a:ea typeface="+mn-ea"/>
+                <a:cs typeface="+mn-cs"/>
+              </a:defRPr>
+            </a:lvl2pPr>
+            <a:lvl3pPr marL="914400" indent="0" algn="ctr" defTabSz="914400" rtl="0" eaLnBrk="1" latinLnBrk="0" hangingPunct="1">
+              <a:lnSpc>
+                <a:spcPct val="90000"/>
+              </a:lnSpc>
+              <a:spcBef>
+                <a:spcPts val="500"/>
+              </a:spcBef>
+              <a:buFont typeface="Arial" panose="020B0604020202020204" pitchFamily="34" charset="0"/>
+              <a:buNone/>
+              <a:defRPr sz="1800" kern="1200">
+                <a:solidFill>
+                  <a:schemeClr val="tx1"/>
+                </a:solidFill>
+                <a:latin typeface="+mn-lt"/>
+                <a:ea typeface="+mn-ea"/>
+                <a:cs typeface="+mn-cs"/>
+              </a:defRPr>
+            </a:lvl3pPr>
+            <a:lvl4pPr marL="1371600" indent="0" algn="ctr" defTabSz="914400" rtl="0" eaLnBrk="1" latinLnBrk="0" hangingPunct="1">
+              <a:lnSpc>
+                <a:spcPct val="90000"/>
+              </a:lnSpc>
+              <a:spcBef>
+                <a:spcPts val="500"/>
+              </a:spcBef>
+              <a:buFont typeface="Arial" panose="020B0604020202020204" pitchFamily="34" charset="0"/>
+              <a:buNone/>
+              <a:defRPr sz="1600" kern="1200">
+                <a:solidFill>
+                  <a:schemeClr val="tx1"/>
+                </a:solidFill>
+                <a:latin typeface="+mn-lt"/>
+                <a:ea typeface="+mn-ea"/>
+                <a:cs typeface="+mn-cs"/>
+              </a:defRPr>
+            </a:lvl4pPr>
+            <a:lvl5pPr marL="1828800" indent="0" algn="ctr" defTabSz="914400" rtl="0" eaLnBrk="1" latinLnBrk="0" hangingPunct="1">
+              <a:lnSpc>
+                <a:spcPct val="90000"/>
+              </a:lnSpc>
+              <a:spcBef>
+                <a:spcPts val="500"/>
+              </a:spcBef>
+              <a:buFont typeface="Arial" panose="020B0604020202020204" pitchFamily="34" charset="0"/>
+              <a:buNone/>
+              <a:defRPr sz="1600" kern="1200">
+                <a:solidFill>
+                  <a:schemeClr val="tx1"/>
+                </a:solidFill>
+                <a:latin typeface="+mn-lt"/>
+                <a:ea typeface="+mn-ea"/>
+                <a:cs typeface="+mn-cs"/>
+              </a:defRPr>
+            </a:lvl5pPr>
+            <a:lvl6pPr marL="2286000" indent="0" algn="ctr" defTabSz="914400" rtl="0" eaLnBrk="1" latinLnBrk="0" hangingPunct="1">
+              <a:lnSpc>
+                <a:spcPct val="90000"/>
+              </a:lnSpc>
+              <a:spcBef>
+                <a:spcPts val="500"/>
+              </a:spcBef>
+              <a:buFont typeface="Arial" panose="020B0604020202020204" pitchFamily="34" charset="0"/>
+              <a:buNone/>
+              <a:defRPr sz="1600" kern="1200">
+                <a:solidFill>
+                  <a:schemeClr val="tx1"/>
+                </a:solidFill>
+                <a:latin typeface="+mn-lt"/>
+                <a:ea typeface="+mn-ea"/>
+                <a:cs typeface="+mn-cs"/>
+              </a:defRPr>
+            </a:lvl6pPr>
+            <a:lvl7pPr marL="2743200" indent="0" algn="ctr" defTabSz="914400" rtl="0" eaLnBrk="1" latinLnBrk="0" hangingPunct="1">
+              <a:lnSpc>
+                <a:spcPct val="90000"/>
+              </a:lnSpc>
+              <a:spcBef>
+                <a:spcPts val="500"/>
+              </a:spcBef>
+              <a:buFont typeface="Arial" panose="020B0604020202020204" pitchFamily="34" charset="0"/>
+              <a:buNone/>
+              <a:defRPr sz="1600" kern="1200">
+                <a:solidFill>
+                  <a:schemeClr val="tx1"/>
+                </a:solidFill>
+                <a:latin typeface="+mn-lt"/>
+                <a:ea typeface="+mn-ea"/>
+                <a:cs typeface="+mn-cs"/>
+              </a:defRPr>
+            </a:lvl7pPr>
+            <a:lvl8pPr marL="3200400" indent="0" algn="ctr" defTabSz="914400" rtl="0" eaLnBrk="1" latinLnBrk="0" hangingPunct="1">
+              <a:lnSpc>
+                <a:spcPct val="90000"/>
+              </a:lnSpc>
+              <a:spcBef>
+                <a:spcPts val="500"/>
+              </a:spcBef>
+              <a:buFont typeface="Arial" panose="020B0604020202020204" pitchFamily="34" charset="0"/>
+              <a:buNone/>
+              <a:defRPr sz="1600" kern="1200">
+                <a:solidFill>
+                  <a:schemeClr val="tx1"/>
+                </a:solidFill>
+                <a:latin typeface="+mn-lt"/>
+                <a:ea typeface="+mn-ea"/>
+                <a:cs typeface="+mn-cs"/>
+              </a:defRPr>
+            </a:lvl8pPr>
+            <a:lvl9pPr marL="3657600" indent="0" algn="ctr" defTabSz="914400" rtl="0" eaLnBrk="1" latinLnBrk="0" hangingPunct="1">
+              <a:lnSpc>
+                <a:spcPct val="90000"/>
+              </a:lnSpc>
+              <a:spcBef>
+                <a:spcPts val="500"/>
+              </a:spcBef>
+              <a:buFont typeface="Arial" panose="020B0604020202020204" pitchFamily="34" charset="0"/>
+              <a:buNone/>
+              <a:defRPr sz="1600" kern="1200">
+                <a:solidFill>
+                  <a:schemeClr val="tx1"/>
+                </a:solidFill>
+                <a:latin typeface="+mn-lt"/>
+                <a:ea typeface="+mn-ea"/>
+                <a:cs typeface="+mn-cs"/>
+              </a:defRPr>
+            </a:lvl9pPr>
+          </a:lstStyle>
+          <a:p>
+            <a:r>
+              <a:rPr lang="es-CO" b="1" dirty="0">
+                <a:latin typeface="Bahnschrift Light" panose="020B0502040204020203" pitchFamily="34" charset="0"/>
+                <a:ea typeface="Adobe Gothic Std B" panose="020B0800000000000000" pitchFamily="34" charset="-128"/>
+              </a:rPr>
+              <a:t>@</a:t>
+            </a:r>
+            <a:r>
+              <a:rPr lang="es-CO" dirty="0" err="1">
+                <a:latin typeface="Bahnschrift Light" panose="020B0502040204020203" pitchFamily="34" charset="0"/>
+                <a:ea typeface="Adobe Gothic Std B" panose="020B0800000000000000" pitchFamily="34" charset="-128"/>
+              </a:rPr>
+              <a:t>raxielh</a:t>
+            </a:r>
+            <a:endParaRPr lang="es-CO" dirty="0">
+              <a:latin typeface="Bahnschrift Light" panose="020B0502040204020203" pitchFamily="34" charset="0"/>
+              <a:ea typeface="Adobe Gothic Std B" panose="020B0800000000000000" pitchFamily="34" charset="-128"/>
+            </a:endParaRPr>
+          </a:p>
+        </p:txBody>
+      </p:sp>
+      <p:pic>
+        <p:nvPicPr>
+          <p:cNvPr id="13316" name="Picture 4" descr="Resultado de imagen para telefono">
+            <a:extLst>
+              <a:ext uri="{FF2B5EF4-FFF2-40B4-BE49-F238E27FC236}">
+                <a16:creationId xmlns:a16="http://schemas.microsoft.com/office/drawing/2014/main" id="{E0C4FB98-16A8-4924-8669-D11548A1EF92}"/>
+              </a:ext>
+            </a:extLst>
+          </p:cNvPr>
+          <p:cNvPicPr>
+            <a:picLocks noChangeAspect="1" noChangeArrowheads="1"/>
+          </p:cNvPicPr>
+          <p:nvPr/>
+        </p:nvPicPr>
+        <p:blipFill>
+          <a:blip r:embed="rId3">
+            <a:extLst>
+              <a:ext uri="{28A0092B-C50C-407E-A947-70E740481C1C}">
+                <a14:useLocalDpi xmlns:a14="http://schemas.microsoft.com/office/drawing/2010/main" val="0"/>
+              </a:ext>
+            </a:extLst>
+          </a:blip>
+          <a:srcRect/>
+          <a:stretch>
+            <a:fillRect/>
+          </a:stretch>
+        </p:blipFill>
+        <p:spPr bwMode="auto">
+          <a:xfrm>
+            <a:off x="10011312" y="6202894"/>
+            <a:ext cx="421917" cy="424749"/>
+          </a:xfrm>
+          <a:prstGeom prst="rect">
+            <a:avLst/>
+          </a:prstGeom>
+          <a:noFill/>
+          <a:extLst>
+            <a:ext uri="{909E8E84-426E-40DD-AFC4-6F175D3DCCD1}">
+              <a14:hiddenFill xmlns:a14="http://schemas.microsoft.com/office/drawing/2010/main">
+                <a:solidFill>
+                  <a:srgbClr val="FFFFFF"/>
+                </a:solidFill>
+              </a14:hiddenFill>
+            </a:ext>
+          </a:extLst>
+        </p:spPr>
+      </p:pic>
+      <p:sp>
+        <p:nvSpPr>
+          <p:cNvPr id="7" name="Subtítulo 2">
+            <a:extLst>
+              <a:ext uri="{FF2B5EF4-FFF2-40B4-BE49-F238E27FC236}">
+                <a16:creationId xmlns:a16="http://schemas.microsoft.com/office/drawing/2014/main" id="{1619E191-E0EB-4E1E-8F48-5C2449C9C492}"/>
+              </a:ext>
+            </a:extLst>
+          </p:cNvPr>
+          <p:cNvSpPr txBox="1">
+            <a:spLocks/>
+          </p:cNvSpPr>
+          <p:nvPr/>
+        </p:nvSpPr>
+        <p:spPr>
+          <a:xfrm>
+            <a:off x="10306505" y="6209305"/>
+            <a:ext cx="1719128" cy="452336"/>
+          </a:xfrm>
+          <a:prstGeom prst="rect">
+            <a:avLst/>
+          </a:prstGeom>
+        </p:spPr>
+        <p:txBody>
+          <a:bodyPr vert="horz" lIns="91440" tIns="45720" rIns="91440" bIns="45720" rtlCol="0">
+            <a:normAutofit fontScale="92500"/>
+          </a:bodyPr>
+          <a:lstStyle>
+            <a:lvl1pPr marL="0" indent="0" algn="ctr" defTabSz="914400" rtl="0" eaLnBrk="1" latinLnBrk="0" hangingPunct="1">
+              <a:lnSpc>
+                <a:spcPct val="90000"/>
+              </a:lnSpc>
+              <a:spcBef>
+                <a:spcPts val="1000"/>
+              </a:spcBef>
+              <a:buFont typeface="Arial" panose="020B0604020202020204" pitchFamily="34" charset="0"/>
+              <a:buNone/>
+              <a:defRPr sz="2400" kern="1200">
+                <a:solidFill>
+                  <a:schemeClr val="tx1"/>
+                </a:solidFill>
+                <a:latin typeface="+mn-lt"/>
+                <a:ea typeface="+mn-ea"/>
+                <a:cs typeface="+mn-cs"/>
+              </a:defRPr>
+            </a:lvl1pPr>
+            <a:lvl2pPr marL="457200" indent="0" algn="ctr" defTabSz="914400" rtl="0" eaLnBrk="1" latinLnBrk="0" hangingPunct="1">
+              <a:lnSpc>
+                <a:spcPct val="90000"/>
+              </a:lnSpc>
+              <a:spcBef>
+                <a:spcPts val="500"/>
+              </a:spcBef>
+              <a:buFont typeface="Arial" panose="020B0604020202020204" pitchFamily="34" charset="0"/>
+              <a:buNone/>
+              <a:defRPr sz="2000" kern="1200">
+                <a:solidFill>
+                  <a:schemeClr val="tx1"/>
+                </a:solidFill>
+                <a:latin typeface="+mn-lt"/>
+                <a:ea typeface="+mn-ea"/>
+                <a:cs typeface="+mn-cs"/>
+              </a:defRPr>
+            </a:lvl2pPr>
+            <a:lvl3pPr marL="914400" indent="0" algn="ctr" defTabSz="914400" rtl="0" eaLnBrk="1" latinLnBrk="0" hangingPunct="1">
+              <a:lnSpc>
+                <a:spcPct val="90000"/>
+              </a:lnSpc>
+              <a:spcBef>
+                <a:spcPts val="500"/>
+              </a:spcBef>
+              <a:buFont typeface="Arial" panose="020B0604020202020204" pitchFamily="34" charset="0"/>
+              <a:buNone/>
+              <a:defRPr sz="1800" kern="1200">
+                <a:solidFill>
+                  <a:schemeClr val="tx1"/>
+                </a:solidFill>
+                <a:latin typeface="+mn-lt"/>
+                <a:ea typeface="+mn-ea"/>
+                <a:cs typeface="+mn-cs"/>
+              </a:defRPr>
+            </a:lvl3pPr>
+            <a:lvl4pPr marL="1371600" indent="0" algn="ctr" defTabSz="914400" rtl="0" eaLnBrk="1" latinLnBrk="0" hangingPunct="1">
+              <a:lnSpc>
+                <a:spcPct val="90000"/>
+              </a:lnSpc>
+              <a:spcBef>
+                <a:spcPts val="500"/>
+              </a:spcBef>
+              <a:buFont typeface="Arial" panose="020B0604020202020204" pitchFamily="34" charset="0"/>
+              <a:buNone/>
+              <a:defRPr sz="1600" kern="1200">
+                <a:solidFill>
+                  <a:schemeClr val="tx1"/>
+                </a:solidFill>
+                <a:latin typeface="+mn-lt"/>
+                <a:ea typeface="+mn-ea"/>
+                <a:cs typeface="+mn-cs"/>
+              </a:defRPr>
+            </a:lvl4pPr>
+            <a:lvl5pPr marL="1828800" indent="0" algn="ctr" defTabSz="914400" rtl="0" eaLnBrk="1" latinLnBrk="0" hangingPunct="1">
+              <a:lnSpc>
+                <a:spcPct val="90000"/>
+              </a:lnSpc>
+              <a:spcBef>
+                <a:spcPts val="500"/>
+              </a:spcBef>
+              <a:buFont typeface="Arial" panose="020B0604020202020204" pitchFamily="34" charset="0"/>
+              <a:buNone/>
+              <a:defRPr sz="1600" kern="1200">
+                <a:solidFill>
+                  <a:schemeClr val="tx1"/>
+                </a:solidFill>
+                <a:latin typeface="+mn-lt"/>
+                <a:ea typeface="+mn-ea"/>
+                <a:cs typeface="+mn-cs"/>
+              </a:defRPr>
+            </a:lvl5pPr>
+            <a:lvl6pPr marL="2286000" indent="0" algn="ctr" defTabSz="914400" rtl="0" eaLnBrk="1" latinLnBrk="0" hangingPunct="1">
+              <a:lnSpc>
+                <a:spcPct val="90000"/>
+              </a:lnSpc>
+              <a:spcBef>
+                <a:spcPts val="500"/>
+              </a:spcBef>
+              <a:buFont typeface="Arial" panose="020B0604020202020204" pitchFamily="34" charset="0"/>
+              <a:buNone/>
+              <a:defRPr sz="1600" kern="1200">
+                <a:solidFill>
+                  <a:schemeClr val="tx1"/>
+                </a:solidFill>
+                <a:latin typeface="+mn-lt"/>
+                <a:ea typeface="+mn-ea"/>
+                <a:cs typeface="+mn-cs"/>
+              </a:defRPr>
+            </a:lvl6pPr>
+            <a:lvl7pPr marL="2743200" indent="0" algn="ctr" defTabSz="914400" rtl="0" eaLnBrk="1" latinLnBrk="0" hangingPunct="1">
+              <a:lnSpc>
+                <a:spcPct val="90000"/>
+              </a:lnSpc>
+              <a:spcBef>
+                <a:spcPts val="500"/>
+              </a:spcBef>
+              <a:buFont typeface="Arial" panose="020B0604020202020204" pitchFamily="34" charset="0"/>
+              <a:buNone/>
+              <a:defRPr sz="1600" kern="1200">
+                <a:solidFill>
+                  <a:schemeClr val="tx1"/>
+                </a:solidFill>
+                <a:latin typeface="+mn-lt"/>
+                <a:ea typeface="+mn-ea"/>
+                <a:cs typeface="+mn-cs"/>
+              </a:defRPr>
+            </a:lvl7pPr>
+            <a:lvl8pPr marL="3200400" indent="0" algn="ctr" defTabSz="914400" rtl="0" eaLnBrk="1" latinLnBrk="0" hangingPunct="1">
+              <a:lnSpc>
+                <a:spcPct val="90000"/>
+              </a:lnSpc>
+              <a:spcBef>
+                <a:spcPts val="500"/>
+              </a:spcBef>
+              <a:buFont typeface="Arial" panose="020B0604020202020204" pitchFamily="34" charset="0"/>
+              <a:buNone/>
+              <a:defRPr sz="1600" kern="1200">
+                <a:solidFill>
+                  <a:schemeClr val="tx1"/>
+                </a:solidFill>
+                <a:latin typeface="+mn-lt"/>
+                <a:ea typeface="+mn-ea"/>
+                <a:cs typeface="+mn-cs"/>
+              </a:defRPr>
+            </a:lvl8pPr>
+            <a:lvl9pPr marL="3657600" indent="0" algn="ctr" defTabSz="914400" rtl="0" eaLnBrk="1" latinLnBrk="0" hangingPunct="1">
+              <a:lnSpc>
+                <a:spcPct val="90000"/>
+              </a:lnSpc>
+              <a:spcBef>
+                <a:spcPts val="500"/>
+              </a:spcBef>
+              <a:buFont typeface="Arial" panose="020B0604020202020204" pitchFamily="34" charset="0"/>
+              <a:buNone/>
+              <a:defRPr sz="1600" kern="1200">
+                <a:solidFill>
+                  <a:schemeClr val="tx1"/>
+                </a:solidFill>
+                <a:latin typeface="+mn-lt"/>
+                <a:ea typeface="+mn-ea"/>
+                <a:cs typeface="+mn-cs"/>
+              </a:defRPr>
+            </a:lvl9pPr>
+          </a:lstStyle>
+          <a:p>
+            <a:r>
+              <a:rPr lang="es-CO" dirty="0">
+                <a:latin typeface="Bahnschrift Light" panose="020B0502040204020203" pitchFamily="34" charset="0"/>
+                <a:ea typeface="Adobe Gothic Std B" panose="020B0800000000000000" pitchFamily="34" charset="-128"/>
+              </a:rPr>
+              <a:t>3106763499</a:t>
             </a:r>
           </a:p>
         </p:txBody>
@@ -3485,8 +4019,8 @@
         </p:nvSpPr>
         <p:spPr>
           <a:xfrm>
-            <a:off x="870367" y="769118"/>
-            <a:ext cx="10314530" cy="1956990"/>
+            <a:off x="0" y="5458696"/>
+            <a:ext cx="12191999" cy="780442"/>
           </a:xfrm>
           <a:prstGeom prst="rect">
             <a:avLst/>
@@ -3494,7 +4028,7 @@
         </p:spPr>
         <p:txBody>
           <a:bodyPr vert="horz" lIns="91440" tIns="45720" rIns="91440" bIns="45720" rtlCol="0" anchor="b">
-            <a:noAutofit/>
+            <a:normAutofit/>
           </a:bodyPr>
           <a:lstStyle>
             <a:lvl1pPr algn="ctr" defTabSz="914400" rtl="0" eaLnBrk="1" latinLnBrk="0" hangingPunct="1">
@@ -3517,21 +4051,25 @@
           </a:lstStyle>
           <a:p>
             <a:r>
-              <a:rPr lang="es-CO" sz="3200" dirty="0">
+              <a:rPr lang="es-ES" sz="3200" dirty="0">
                 <a:latin typeface="Bahnschrift Light" panose="020B0502040204020203" pitchFamily="34" charset="0"/>
                 <a:ea typeface="Adobe Gothic Std B" panose="020B0800000000000000" pitchFamily="34" charset="-128"/>
               </a:rPr>
-              <a:t>Machine Learning puede usar las estadísticas y las ciencias computaciones para que aprendan ciertas tareas sin ser programadas para hacer eso, de la misma manera que tu cerebro para  aprender de la experiencia.</a:t>
-            </a:r>
+              <a:t>Pronto aprendemos y nos volvemos mas capaces.</a:t>
+            </a:r>
+            <a:endParaRPr lang="es-CO" sz="3200" dirty="0">
+              <a:latin typeface="Bahnschrift Light" panose="020B0502040204020203" pitchFamily="34" charset="0"/>
+              <a:ea typeface="Adobe Gothic Std B" panose="020B0800000000000000" pitchFamily="34" charset="-128"/>
+            </a:endParaRPr>
           </a:p>
         </p:txBody>
       </p:sp>
       <p:pic>
         <p:nvPicPr>
-          <p:cNvPr id="9218" name="Picture 2" descr="Resultado de imagen para machine learning">
-            <a:extLst>
-              <a:ext uri="{FF2B5EF4-FFF2-40B4-BE49-F238E27FC236}">
-                <a16:creationId xmlns:a16="http://schemas.microsoft.com/office/drawing/2014/main" id="{DC66CC75-ECBA-4C94-A958-7222AB2C0727}"/>
+          <p:cNvPr id="2050" name="Picture 2" descr="Resultado de imagen para bebe jugando">
+            <a:extLst>
+              <a:ext uri="{FF2B5EF4-FFF2-40B4-BE49-F238E27FC236}">
+                <a16:creationId xmlns:a16="http://schemas.microsoft.com/office/drawing/2014/main" id="{FB16AF68-8723-4958-80F8-F23AF909E023}"/>
               </a:ext>
             </a:extLst>
           </p:cNvPr>
@@ -3555,8 +4093,8 @@
         </p:blipFill>
         <p:spPr bwMode="auto">
           <a:xfrm>
-            <a:off x="1877470" y="2618698"/>
-            <a:ext cx="8437061" cy="4218530"/>
+            <a:off x="2390319" y="488378"/>
+            <a:ext cx="5775614" cy="4970318"/>
           </a:xfrm>
           <a:prstGeom prst="rect">
             <a:avLst/>
@@ -3576,7 +4114,7 @@
     </p:spTree>
     <p:extLst>
       <p:ext uri="{BB962C8B-B14F-4D97-AF65-F5344CB8AC3E}">
-        <p14:creationId xmlns:p14="http://schemas.microsoft.com/office/powerpoint/2010/main" val="3615741008"/>
+        <p14:creationId xmlns:p14="http://schemas.microsoft.com/office/powerpoint/2010/main" val="882448598"/>
       </p:ext>
     </p:extLst>
   </p:cSld>
@@ -3603,105 +4141,73 @@
           <a:chExt cx="0" cy="0"/>
         </a:xfrm>
       </p:grpSpPr>
-      <p:pic>
-        <p:nvPicPr>
-          <p:cNvPr id="2" name="Imagen 1">
-            <a:extLst>
-              <a:ext uri="{FF2B5EF4-FFF2-40B4-BE49-F238E27FC236}">
-                <a16:creationId xmlns:a16="http://schemas.microsoft.com/office/drawing/2014/main" id="{7C1A3B41-ACAB-4548-900D-7A5FEBE74298}"/>
-              </a:ext>
-            </a:extLst>
-          </p:cNvPr>
-          <p:cNvPicPr>
-            <a:picLocks noChangeAspect="1"/>
-          </p:cNvPicPr>
+      <p:sp>
+        <p:nvSpPr>
+          <p:cNvPr id="6" name="Título 1">
+            <a:extLst>
+              <a:ext uri="{FF2B5EF4-FFF2-40B4-BE49-F238E27FC236}">
+                <a16:creationId xmlns:a16="http://schemas.microsoft.com/office/drawing/2014/main" id="{D1F20A51-A41F-4529-A96C-C271EA4C0F09}"/>
+              </a:ext>
+            </a:extLst>
+          </p:cNvPr>
+          <p:cNvSpPr txBox="1">
+            <a:spLocks/>
+          </p:cNvSpPr>
           <p:nvPr/>
-        </p:nvPicPr>
-        <p:blipFill>
-          <a:blip r:embed="rId2"/>
-          <a:stretch>
-            <a:fillRect/>
-          </a:stretch>
-        </p:blipFill>
+        </p:nvSpPr>
         <p:spPr>
           <a:xfrm>
-            <a:off x="0" y="532216"/>
-            <a:ext cx="12192000" cy="5793568"/>
+            <a:off x="0" y="5693828"/>
+            <a:ext cx="12191999" cy="780442"/>
           </a:xfrm>
           <a:prstGeom prst="rect">
             <a:avLst/>
           </a:prstGeom>
         </p:spPr>
-      </p:pic>
-      <p:sp>
-        <p:nvSpPr>
-          <p:cNvPr id="3" name="Bocadillo: rectángulo con esquinas redondeadas 2">
-            <a:extLst>
-              <a:ext uri="{FF2B5EF4-FFF2-40B4-BE49-F238E27FC236}">
-                <a16:creationId xmlns:a16="http://schemas.microsoft.com/office/drawing/2014/main" id="{BD2CDED1-9593-4AC9-89AD-BBED405E588A}"/>
-              </a:ext>
-            </a:extLst>
-          </p:cNvPr>
-          <p:cNvSpPr/>
-          <p:nvPr/>
-        </p:nvSpPr>
-        <p:spPr>
-          <a:xfrm>
-            <a:off x="9201815" y="1824526"/>
-            <a:ext cx="916405" cy="1362269"/>
-          </a:xfrm>
-          <a:prstGeom prst="wedgeRoundRectCallout">
-            <a:avLst>
-              <a:gd name="adj1" fmla="val -20368"/>
-              <a:gd name="adj2" fmla="val 112058"/>
-              <a:gd name="adj3" fmla="val 16667"/>
-            </a:avLst>
-          </a:prstGeom>
-        </p:spPr>
-        <p:style>
-          <a:lnRef idx="2">
-            <a:schemeClr val="accent1"/>
-          </a:lnRef>
-          <a:fillRef idx="1">
-            <a:schemeClr val="lt1"/>
-          </a:fillRef>
-          <a:effectRef idx="0">
-            <a:schemeClr val="accent1"/>
-          </a:effectRef>
-          <a:fontRef idx="minor">
-            <a:schemeClr val="dk1"/>
-          </a:fontRef>
-        </p:style>
-        <p:txBody>
-          <a:bodyPr rtlCol="0" anchor="ctr"/>
-          <a:lstStyle/>
-          <a:p>
-            <a:pPr algn="ctr"/>
-            <a:endParaRPr lang="es-CO" dirty="0"/>
-          </a:p>
-          <a:p>
-            <a:pPr algn="ctr"/>
-            <a:endParaRPr lang="es-CO" dirty="0"/>
-          </a:p>
-          <a:p>
-            <a:pPr algn="ctr"/>
-            <a:endParaRPr lang="es-CO" dirty="0"/>
-          </a:p>
-          <a:p>
-            <a:pPr algn="ctr"/>
-            <a:r>
-              <a:rPr lang="es-CO" dirty="0"/>
-              <a:t>1998</a:t>
-            </a:r>
+        <p:txBody>
+          <a:bodyPr vert="horz" lIns="91440" tIns="45720" rIns="91440" bIns="45720" rtlCol="0" anchor="b">
+            <a:normAutofit/>
+          </a:bodyPr>
+          <a:lstStyle>
+            <a:lvl1pPr algn="ctr" defTabSz="914400" rtl="0" eaLnBrk="1" latinLnBrk="0" hangingPunct="1">
+              <a:lnSpc>
+                <a:spcPct val="90000"/>
+              </a:lnSpc>
+              <a:spcBef>
+                <a:spcPct val="0"/>
+              </a:spcBef>
+              <a:buNone/>
+              <a:defRPr sz="6000" kern="1200">
+                <a:solidFill>
+                  <a:schemeClr val="tx1"/>
+                </a:solidFill>
+                <a:latin typeface="+mj-lt"/>
+                <a:ea typeface="+mj-ea"/>
+                <a:cs typeface="+mj-cs"/>
+              </a:defRPr>
+            </a:lvl1pPr>
+          </a:lstStyle>
+          <a:p>
+            <a:r>
+              <a:rPr lang="es-ES" sz="3200" dirty="0">
+                <a:latin typeface="Bahnschrift Light" panose="020B0502040204020203" pitchFamily="34" charset="0"/>
+                <a:ea typeface="Adobe Gothic Std B" panose="020B0800000000000000" pitchFamily="34" charset="-128"/>
+              </a:rPr>
+              <a:t>Las maquinas pueden hacer lo mismo?</a:t>
+            </a:r>
+            <a:endParaRPr lang="es-CO" sz="3200" dirty="0">
+              <a:latin typeface="Bahnschrift Light" panose="020B0502040204020203" pitchFamily="34" charset="0"/>
+              <a:ea typeface="Adobe Gothic Std B" panose="020B0800000000000000" pitchFamily="34" charset="-128"/>
+            </a:endParaRPr>
           </a:p>
         </p:txBody>
       </p:sp>
       <p:pic>
         <p:nvPicPr>
-          <p:cNvPr id="13314" name="Picture 2" descr="Resultado de imagen para google">
-            <a:extLst>
-              <a:ext uri="{FF2B5EF4-FFF2-40B4-BE49-F238E27FC236}">
-                <a16:creationId xmlns:a16="http://schemas.microsoft.com/office/drawing/2014/main" id="{5F564AC8-B3DF-4BDA-932C-F18E2AB568BC}"/>
+          <p:cNvPr id="3" name="Picture 4" descr="Resultado de imagen para robot leyendo">
+            <a:extLst>
+              <a:ext uri="{FF2B5EF4-FFF2-40B4-BE49-F238E27FC236}">
+                <a16:creationId xmlns:a16="http://schemas.microsoft.com/office/drawing/2014/main" id="{6626B4AA-5A38-457B-A1F1-E8F0CA8E3698}"/>
               </a:ext>
             </a:extLst>
           </p:cNvPr>
@@ -3711,7 +4217,7 @@
           <p:nvPr/>
         </p:nvPicPr>
         <p:blipFill>
-          <a:blip r:embed="rId3">
+          <a:blip r:embed="rId2">
             <a:extLst>
               <a:ext uri="{28A0092B-C50C-407E-A947-70E740481C1C}">
                 <a14:useLocalDpi xmlns:a14="http://schemas.microsoft.com/office/drawing/2010/main" val="0"/>
@@ -3725,8 +4231,8 @@
         </p:blipFill>
         <p:spPr bwMode="auto">
           <a:xfrm>
-            <a:off x="9270183" y="1903207"/>
-            <a:ext cx="799826" cy="799826"/>
+            <a:off x="3059673" y="1159678"/>
+            <a:ext cx="6072655" cy="4538644"/>
           </a:xfrm>
           <a:prstGeom prst="rect">
             <a:avLst/>
@@ -3743,432 +4249,10 @@
           </a:extLst>
         </p:spPr>
       </p:pic>
-      <p:sp>
-        <p:nvSpPr>
-          <p:cNvPr id="7" name="Bocadillo: rectángulo con esquinas redondeadas 6">
-            <a:extLst>
-              <a:ext uri="{FF2B5EF4-FFF2-40B4-BE49-F238E27FC236}">
-                <a16:creationId xmlns:a16="http://schemas.microsoft.com/office/drawing/2014/main" id="{A4356423-D89A-45B4-933A-966DE04E3A9A}"/>
-              </a:ext>
-            </a:extLst>
-          </p:cNvPr>
-          <p:cNvSpPr/>
-          <p:nvPr/>
-        </p:nvSpPr>
-        <p:spPr>
-          <a:xfrm>
-            <a:off x="7733944" y="2189177"/>
-            <a:ext cx="1254807" cy="876553"/>
-          </a:xfrm>
-          <a:prstGeom prst="wedgeRoundRectCallout">
-            <a:avLst>
-              <a:gd name="adj1" fmla="val 71178"/>
-              <a:gd name="adj2" fmla="val 167568"/>
-              <a:gd name="adj3" fmla="val 16667"/>
-            </a:avLst>
-          </a:prstGeom>
-        </p:spPr>
-        <p:style>
-          <a:lnRef idx="2">
-            <a:schemeClr val="accent1"/>
-          </a:lnRef>
-          <a:fillRef idx="1">
-            <a:schemeClr val="lt1"/>
-          </a:fillRef>
-          <a:effectRef idx="0">
-            <a:schemeClr val="accent1"/>
-          </a:effectRef>
-          <a:fontRef idx="minor">
-            <a:schemeClr val="dk1"/>
-          </a:fontRef>
-        </p:style>
-        <p:txBody>
-          <a:bodyPr rtlCol="0" anchor="ctr"/>
-          <a:lstStyle/>
-          <a:p>
-            <a:pPr algn="ctr"/>
-            <a:endParaRPr lang="es-CO" dirty="0"/>
-          </a:p>
-          <a:p>
-            <a:pPr algn="ctr"/>
-            <a:r>
-              <a:rPr lang="es-CO" dirty="0"/>
-              <a:t>1997</a:t>
-            </a:r>
-          </a:p>
-        </p:txBody>
-      </p:sp>
-      <p:pic>
-        <p:nvPicPr>
-          <p:cNvPr id="13316" name="Picture 4" descr="Resultado de imagen para netflix">
-            <a:extLst>
-              <a:ext uri="{FF2B5EF4-FFF2-40B4-BE49-F238E27FC236}">
-                <a16:creationId xmlns:a16="http://schemas.microsoft.com/office/drawing/2014/main" id="{0B3507CB-DDFB-4B95-A391-EF9838531454}"/>
-              </a:ext>
-            </a:extLst>
-          </p:cNvPr>
-          <p:cNvPicPr>
-            <a:picLocks noChangeAspect="1" noChangeArrowheads="1"/>
-          </p:cNvPicPr>
-          <p:nvPr/>
-        </p:nvPicPr>
-        <p:blipFill>
-          <a:blip r:embed="rId4">
-            <a:extLst>
-              <a:ext uri="{28A0092B-C50C-407E-A947-70E740481C1C}">
-                <a14:useLocalDpi xmlns:a14="http://schemas.microsoft.com/office/drawing/2010/main" val="0"/>
-              </a:ext>
-            </a:extLst>
-          </a:blip>
-          <a:srcRect/>
-          <a:stretch>
-            <a:fillRect/>
-          </a:stretch>
-        </p:blipFill>
-        <p:spPr bwMode="auto">
-          <a:xfrm>
-            <a:off x="7806441" y="2189177"/>
-            <a:ext cx="1122488" cy="632965"/>
-          </a:xfrm>
-          <a:prstGeom prst="rect">
-            <a:avLst/>
-          </a:prstGeom>
-          <a:noFill/>
-          <a:extLst>
-            <a:ext uri="{909E8E84-426E-40DD-AFC4-6F175D3DCCD1}">
-              <a14:hiddenFill xmlns:a14="http://schemas.microsoft.com/office/drawing/2010/main">
-                <a:solidFill>
-                  <a:srgbClr val="FFFFFF"/>
-                </a:solidFill>
-              </a14:hiddenFill>
-            </a:ext>
-          </a:extLst>
-        </p:spPr>
-      </p:pic>
-      <p:sp>
-        <p:nvSpPr>
-          <p:cNvPr id="13" name="Bocadillo: rectángulo con esquinas redondeadas 12">
-            <a:extLst>
-              <a:ext uri="{FF2B5EF4-FFF2-40B4-BE49-F238E27FC236}">
-                <a16:creationId xmlns:a16="http://schemas.microsoft.com/office/drawing/2014/main" id="{4052483E-9BCF-4B6A-A1D9-F4F24E3D8BC0}"/>
-              </a:ext>
-            </a:extLst>
-          </p:cNvPr>
-          <p:cNvSpPr/>
-          <p:nvPr/>
-        </p:nvSpPr>
-        <p:spPr>
-          <a:xfrm>
-            <a:off x="7055983" y="3120934"/>
-            <a:ext cx="1350236" cy="729304"/>
-          </a:xfrm>
-          <a:prstGeom prst="wedgeRoundRectCallout">
-            <a:avLst>
-              <a:gd name="adj1" fmla="val 93556"/>
-              <a:gd name="adj2" fmla="val 106199"/>
-              <a:gd name="adj3" fmla="val 16667"/>
-            </a:avLst>
-          </a:prstGeom>
-        </p:spPr>
-        <p:style>
-          <a:lnRef idx="2">
-            <a:schemeClr val="accent1"/>
-          </a:lnRef>
-          <a:fillRef idx="1">
-            <a:schemeClr val="lt1"/>
-          </a:fillRef>
-          <a:effectRef idx="0">
-            <a:schemeClr val="accent1"/>
-          </a:effectRef>
-          <a:fontRef idx="minor">
-            <a:schemeClr val="dk1"/>
-          </a:fontRef>
-        </p:style>
-        <p:txBody>
-          <a:bodyPr rtlCol="0" anchor="ctr"/>
-          <a:lstStyle/>
-          <a:p>
-            <a:pPr algn="ctr"/>
-            <a:endParaRPr lang="es-CO" dirty="0"/>
-          </a:p>
-          <a:p>
-            <a:pPr algn="ctr"/>
-            <a:r>
-              <a:rPr lang="es-CO" dirty="0"/>
-              <a:t>1994</a:t>
-            </a:r>
-          </a:p>
-        </p:txBody>
-      </p:sp>
-      <p:pic>
-        <p:nvPicPr>
-          <p:cNvPr id="13318" name="Picture 6" descr="Resultado de imagen para amazon">
-            <a:extLst>
-              <a:ext uri="{FF2B5EF4-FFF2-40B4-BE49-F238E27FC236}">
-                <a16:creationId xmlns:a16="http://schemas.microsoft.com/office/drawing/2014/main" id="{54BED5D8-CD0C-495D-BAC9-345DEE435374}"/>
-              </a:ext>
-            </a:extLst>
-          </p:cNvPr>
-          <p:cNvPicPr>
-            <a:picLocks noChangeAspect="1" noChangeArrowheads="1"/>
-          </p:cNvPicPr>
-          <p:nvPr/>
-        </p:nvPicPr>
-        <p:blipFill>
-          <a:blip r:embed="rId5">
-            <a:extLst>
-              <a:ext uri="{28A0092B-C50C-407E-A947-70E740481C1C}">
-                <a14:useLocalDpi xmlns:a14="http://schemas.microsoft.com/office/drawing/2010/main" val="0"/>
-              </a:ext>
-            </a:extLst>
-          </a:blip>
-          <a:srcRect/>
-          <a:stretch>
-            <a:fillRect/>
-          </a:stretch>
-        </p:blipFill>
-        <p:spPr bwMode="auto">
-          <a:xfrm>
-            <a:off x="7163157" y="3285062"/>
-            <a:ext cx="1198190" cy="241043"/>
-          </a:xfrm>
-          <a:prstGeom prst="rect">
-            <a:avLst/>
-          </a:prstGeom>
-          <a:noFill/>
-          <a:extLst>
-            <a:ext uri="{909E8E84-426E-40DD-AFC4-6F175D3DCCD1}">
-              <a14:hiddenFill xmlns:a14="http://schemas.microsoft.com/office/drawing/2010/main">
-                <a:solidFill>
-                  <a:srgbClr val="FFFFFF"/>
-                </a:solidFill>
-              </a14:hiddenFill>
-            </a:ext>
-          </a:extLst>
-        </p:spPr>
-      </p:pic>
-      <p:sp>
-        <p:nvSpPr>
-          <p:cNvPr id="14" name="Bocadillo: rectángulo con esquinas redondeadas 13">
-            <a:extLst>
-              <a:ext uri="{FF2B5EF4-FFF2-40B4-BE49-F238E27FC236}">
-                <a16:creationId xmlns:a16="http://schemas.microsoft.com/office/drawing/2014/main" id="{3CB77EB4-8D23-414D-B183-7E374FE2314E}"/>
-              </a:ext>
-            </a:extLst>
-          </p:cNvPr>
-          <p:cNvSpPr/>
-          <p:nvPr/>
-        </p:nvSpPr>
-        <p:spPr>
-          <a:xfrm>
-            <a:off x="2495372" y="3747115"/>
-            <a:ext cx="1053262" cy="1378010"/>
-          </a:xfrm>
-          <a:prstGeom prst="wedgeRoundRectCallout">
-            <a:avLst>
-              <a:gd name="adj1" fmla="val 224077"/>
-              <a:gd name="adj2" fmla="val 93947"/>
-              <a:gd name="adj3" fmla="val 16667"/>
-            </a:avLst>
-          </a:prstGeom>
-        </p:spPr>
-        <p:style>
-          <a:lnRef idx="2">
-            <a:schemeClr val="accent1"/>
-          </a:lnRef>
-          <a:fillRef idx="1">
-            <a:schemeClr val="lt1"/>
-          </a:fillRef>
-          <a:effectRef idx="0">
-            <a:schemeClr val="accent1"/>
-          </a:effectRef>
-          <a:fontRef idx="minor">
-            <a:schemeClr val="dk1"/>
-          </a:fontRef>
-        </p:style>
-        <p:txBody>
-          <a:bodyPr rtlCol="0" anchor="ctr"/>
-          <a:lstStyle/>
-          <a:p>
-            <a:pPr algn="ctr"/>
-            <a:endParaRPr lang="es-CO" dirty="0"/>
-          </a:p>
-          <a:p>
-            <a:pPr algn="ctr"/>
-            <a:endParaRPr lang="es-CO" dirty="0"/>
-          </a:p>
-          <a:p>
-            <a:pPr algn="ctr"/>
-            <a:endParaRPr lang="es-CO" dirty="0"/>
-          </a:p>
-          <a:p>
-            <a:pPr algn="ctr"/>
-            <a:r>
-              <a:rPr lang="es-CO" dirty="0"/>
-              <a:t>1975</a:t>
-            </a:r>
-          </a:p>
-        </p:txBody>
-      </p:sp>
-      <p:sp>
-        <p:nvSpPr>
-          <p:cNvPr id="12" name="Bocadillo: rectángulo con esquinas redondeadas 11">
-            <a:extLst>
-              <a:ext uri="{FF2B5EF4-FFF2-40B4-BE49-F238E27FC236}">
-                <a16:creationId xmlns:a16="http://schemas.microsoft.com/office/drawing/2014/main" id="{8282F477-10B4-493D-B09D-A833DB5B3AB4}"/>
-              </a:ext>
-            </a:extLst>
-          </p:cNvPr>
-          <p:cNvSpPr/>
-          <p:nvPr/>
-        </p:nvSpPr>
-        <p:spPr>
-          <a:xfrm>
-            <a:off x="3881212" y="3367044"/>
-            <a:ext cx="1254807" cy="1378010"/>
-          </a:xfrm>
-          <a:prstGeom prst="wedgeRoundRectCallout">
-            <a:avLst>
-              <a:gd name="adj1" fmla="val 78670"/>
-              <a:gd name="adj2" fmla="val 121853"/>
-              <a:gd name="adj3" fmla="val 16667"/>
-            </a:avLst>
-          </a:prstGeom>
-        </p:spPr>
-        <p:style>
-          <a:lnRef idx="2">
-            <a:schemeClr val="accent1"/>
-          </a:lnRef>
-          <a:fillRef idx="1">
-            <a:schemeClr val="lt1"/>
-          </a:fillRef>
-          <a:effectRef idx="0">
-            <a:schemeClr val="accent1"/>
-          </a:effectRef>
-          <a:fontRef idx="minor">
-            <a:schemeClr val="dk1"/>
-          </a:fontRef>
-        </p:style>
-        <p:txBody>
-          <a:bodyPr rtlCol="0" anchor="ctr"/>
-          <a:lstStyle/>
-          <a:p>
-            <a:pPr algn="ctr"/>
-            <a:endParaRPr lang="es-CO" dirty="0"/>
-          </a:p>
-          <a:p>
-            <a:pPr algn="ctr"/>
-            <a:endParaRPr lang="es-CO" dirty="0"/>
-          </a:p>
-          <a:p>
-            <a:pPr algn="ctr"/>
-            <a:endParaRPr lang="es-CO" dirty="0"/>
-          </a:p>
-          <a:p>
-            <a:pPr algn="ctr"/>
-            <a:r>
-              <a:rPr lang="es-CO" dirty="0"/>
-              <a:t>1976</a:t>
-            </a:r>
-          </a:p>
-        </p:txBody>
-      </p:sp>
-      <p:pic>
-        <p:nvPicPr>
-          <p:cNvPr id="13324" name="Picture 12" descr="Resultado de imagen para microsoft">
-            <a:extLst>
-              <a:ext uri="{FF2B5EF4-FFF2-40B4-BE49-F238E27FC236}">
-                <a16:creationId xmlns:a16="http://schemas.microsoft.com/office/drawing/2014/main" id="{2AB42A79-B348-486E-AB46-18201B5C5262}"/>
-              </a:ext>
-            </a:extLst>
-          </p:cNvPr>
-          <p:cNvPicPr>
-            <a:picLocks noChangeAspect="1" noChangeArrowheads="1"/>
-          </p:cNvPicPr>
-          <p:nvPr/>
-        </p:nvPicPr>
-        <p:blipFill rotWithShape="1">
-          <a:blip r:embed="rId6">
-            <a:extLst>
-              <a:ext uri="{28A0092B-C50C-407E-A947-70E740481C1C}">
-                <a14:useLocalDpi xmlns:a14="http://schemas.microsoft.com/office/drawing/2010/main" val="0"/>
-              </a:ext>
-            </a:extLst>
-          </a:blip>
-          <a:srcRect t="28867" r="79633" b="14840"/>
-          <a:stretch/>
-        </p:blipFill>
-        <p:spPr bwMode="auto">
-          <a:xfrm>
-            <a:off x="2658008" y="3924474"/>
-            <a:ext cx="762173" cy="777850"/>
-          </a:xfrm>
-          <a:prstGeom prst="rect">
-            <a:avLst/>
-          </a:prstGeom>
-          <a:noFill/>
-          <a:extLst>
-            <a:ext uri="{909E8E84-426E-40DD-AFC4-6F175D3DCCD1}">
-              <a14:hiddenFill xmlns:a14="http://schemas.microsoft.com/office/drawing/2010/main">
-                <a:solidFill>
-                  <a:srgbClr val="FFFFFF"/>
-                </a:solidFill>
-              </a14:hiddenFill>
-            </a:ext>
-          </a:extLst>
-        </p:spPr>
-      </p:pic>
-      <p:pic>
-        <p:nvPicPr>
-          <p:cNvPr id="13320" name="Picture 8" descr="Resultado de imagen para apple">
-            <a:extLst>
-              <a:ext uri="{FF2B5EF4-FFF2-40B4-BE49-F238E27FC236}">
-                <a16:creationId xmlns:a16="http://schemas.microsoft.com/office/drawing/2014/main" id="{A511E736-86DD-4CCE-B24D-DB9D34CFACFF}"/>
-              </a:ext>
-            </a:extLst>
-          </p:cNvPr>
-          <p:cNvPicPr>
-            <a:picLocks noChangeAspect="1" noChangeArrowheads="1"/>
-          </p:cNvPicPr>
-          <p:nvPr/>
-        </p:nvPicPr>
-        <p:blipFill>
-          <a:blip r:embed="rId7">
-            <a:extLst>
-              <a:ext uri="{28A0092B-C50C-407E-A947-70E740481C1C}">
-                <a14:useLocalDpi xmlns:a14="http://schemas.microsoft.com/office/drawing/2010/main" val="0"/>
-              </a:ext>
-            </a:extLst>
-          </a:blip>
-          <a:srcRect/>
-          <a:stretch>
-            <a:fillRect/>
-          </a:stretch>
-        </p:blipFill>
-        <p:spPr bwMode="auto">
-          <a:xfrm>
-            <a:off x="4161872" y="3429000"/>
-            <a:ext cx="693485" cy="842477"/>
-          </a:xfrm>
-          <a:prstGeom prst="rect">
-            <a:avLst/>
-          </a:prstGeom>
-          <a:noFill/>
-          <a:extLst>
-            <a:ext uri="{909E8E84-426E-40DD-AFC4-6F175D3DCCD1}">
-              <a14:hiddenFill xmlns:a14="http://schemas.microsoft.com/office/drawing/2010/main">
-                <a:solidFill>
-                  <a:srgbClr val="FFFFFF"/>
-                </a:solidFill>
-              </a14:hiddenFill>
-            </a:ext>
-          </a:extLst>
-        </p:spPr>
-      </p:pic>
     </p:spTree>
     <p:extLst>
       <p:ext uri="{BB962C8B-B14F-4D97-AF65-F5344CB8AC3E}">
-        <p14:creationId xmlns:p14="http://schemas.microsoft.com/office/powerpoint/2010/main" val="4157113021"/>
+        <p14:creationId xmlns:p14="http://schemas.microsoft.com/office/powerpoint/2010/main" val="545953762"/>
       </p:ext>
     </p:extLst>
   </p:cSld>
@@ -4211,8 +4295,8 @@
         </p:nvSpPr>
         <p:spPr>
           <a:xfrm>
-            <a:off x="836184" y="230734"/>
-            <a:ext cx="10314530" cy="1085319"/>
+            <a:off x="870367" y="769118"/>
+            <a:ext cx="10314530" cy="1956990"/>
           </a:xfrm>
           <a:prstGeom prst="rect">
             <a:avLst/>
@@ -4243,21 +4327,21 @@
           </a:lstStyle>
           <a:p>
             <a:r>
-              <a:rPr lang="es-CO" b="1" dirty="0">
-                <a:latin typeface="Bahnschrift Condensed" panose="020B0502040204020203" pitchFamily="34" charset="0"/>
+              <a:rPr lang="es-CO" sz="3200" dirty="0">
+                <a:latin typeface="Bahnschrift Light" panose="020B0502040204020203" pitchFamily="34" charset="0"/>
                 <a:ea typeface="Adobe Gothic Std B" panose="020B0800000000000000" pitchFamily="34" charset="-128"/>
               </a:rPr>
-              <a:t>Científico de datos</a:t>
+              <a:t>Machine Learning puede usar las estadísticas y las ciencias computaciones para que aprendan ciertas tareas sin ser programadas para hacer eso, de la misma manera que tu cerebro para  aprender de la experiencia.</a:t>
             </a:r>
           </a:p>
         </p:txBody>
       </p:sp>
       <p:pic>
         <p:nvPicPr>
-          <p:cNvPr id="10242" name="Picture 2" descr="Resultado de imagen para data science">
-            <a:extLst>
-              <a:ext uri="{FF2B5EF4-FFF2-40B4-BE49-F238E27FC236}">
-                <a16:creationId xmlns:a16="http://schemas.microsoft.com/office/drawing/2014/main" id="{3A907331-CEF4-49A4-BB83-536E4256C6F5}"/>
+          <p:cNvPr id="9218" name="Picture 2" descr="Resultado de imagen para machine learning">
+            <a:extLst>
+              <a:ext uri="{FF2B5EF4-FFF2-40B4-BE49-F238E27FC236}">
+                <a16:creationId xmlns:a16="http://schemas.microsoft.com/office/drawing/2014/main" id="{DC66CC75-ECBA-4C94-A958-7222AB2C0727}"/>
               </a:ext>
             </a:extLst>
           </p:cNvPr>
@@ -4281,8 +4365,8 @@
         </p:blipFill>
         <p:spPr bwMode="auto">
           <a:xfrm>
-            <a:off x="5274982" y="2328576"/>
-            <a:ext cx="6903625" cy="4529424"/>
+            <a:off x="1877470" y="2618698"/>
+            <a:ext cx="8437061" cy="4218530"/>
           </a:xfrm>
           <a:prstGeom prst="rect">
             <a:avLst/>
@@ -4299,236 +4383,10 @@
           </a:extLst>
         </p:spPr>
       </p:pic>
-      <p:sp>
-        <p:nvSpPr>
-          <p:cNvPr id="5" name="Título 1">
-            <a:extLst>
-              <a:ext uri="{FF2B5EF4-FFF2-40B4-BE49-F238E27FC236}">
-                <a16:creationId xmlns:a16="http://schemas.microsoft.com/office/drawing/2014/main" id="{A0139C56-F95C-42A9-8391-8155D5682BB2}"/>
-              </a:ext>
-            </a:extLst>
-          </p:cNvPr>
-          <p:cNvSpPr txBox="1">
-            <a:spLocks/>
-          </p:cNvSpPr>
-          <p:nvPr/>
-        </p:nvSpPr>
-        <p:spPr>
-          <a:xfrm>
-            <a:off x="382992" y="3873303"/>
-            <a:ext cx="5479422" cy="2226257"/>
-          </a:xfrm>
-          <a:prstGeom prst="rect">
-            <a:avLst/>
-          </a:prstGeom>
-        </p:spPr>
-        <p:txBody>
-          <a:bodyPr vert="horz" lIns="91440" tIns="45720" rIns="91440" bIns="45720" rtlCol="0" anchor="b">
-            <a:noAutofit/>
-          </a:bodyPr>
-          <a:lstStyle>
-            <a:lvl1pPr algn="ctr" defTabSz="914400" rtl="0" eaLnBrk="1" latinLnBrk="0" hangingPunct="1">
-              <a:lnSpc>
-                <a:spcPct val="90000"/>
-              </a:lnSpc>
-              <a:spcBef>
-                <a:spcPct val="0"/>
-              </a:spcBef>
-              <a:buNone/>
-              <a:defRPr sz="6000" kern="1200">
-                <a:solidFill>
-                  <a:schemeClr val="tx1"/>
-                </a:solidFill>
-                <a:latin typeface="+mj-lt"/>
-                <a:ea typeface="+mj-ea"/>
-                <a:cs typeface="+mj-cs"/>
-              </a:defRPr>
-            </a:lvl1pPr>
-          </a:lstStyle>
-          <a:p>
-            <a:pPr marL="514350" indent="-514350" algn="l">
-              <a:lnSpc>
-                <a:spcPct val="100000"/>
-              </a:lnSpc>
-              <a:buFont typeface="+mj-lt"/>
-              <a:buAutoNum type="arabicPeriod"/>
-            </a:pPr>
-            <a:endParaRPr lang="es-CO" sz="2800" dirty="0">
-              <a:latin typeface="Bahnschrift Light" panose="020B0502040204020203" pitchFamily="34" charset="0"/>
-              <a:ea typeface="Adobe Gothic Std B" panose="020B0800000000000000" pitchFamily="34" charset="-128"/>
-            </a:endParaRPr>
-          </a:p>
-          <a:p>
-            <a:pPr marL="514350" indent="-514350" algn="l">
-              <a:lnSpc>
-                <a:spcPct val="100000"/>
-              </a:lnSpc>
-              <a:buFont typeface="+mj-lt"/>
-              <a:buAutoNum type="arabicPeriod"/>
-            </a:pPr>
-            <a:endParaRPr lang="es-CO" sz="2800" dirty="0">
-              <a:latin typeface="Bahnschrift Light" panose="020B0502040204020203" pitchFamily="34" charset="0"/>
-              <a:ea typeface="Adobe Gothic Std B" panose="020B0800000000000000" pitchFamily="34" charset="-128"/>
-            </a:endParaRPr>
-          </a:p>
-          <a:p>
-            <a:pPr marL="514350" indent="-514350" algn="l">
-              <a:lnSpc>
-                <a:spcPct val="100000"/>
-              </a:lnSpc>
-              <a:buFont typeface="+mj-lt"/>
-              <a:buAutoNum type="arabicPeriod"/>
-            </a:pPr>
-            <a:endParaRPr lang="es-CO" sz="2800" dirty="0">
-              <a:latin typeface="Bahnschrift Light" panose="020B0502040204020203" pitchFamily="34" charset="0"/>
-              <a:ea typeface="Adobe Gothic Std B" panose="020B0800000000000000" pitchFamily="34" charset="-128"/>
-            </a:endParaRPr>
-          </a:p>
-          <a:p>
-            <a:pPr algn="l">
-              <a:lnSpc>
-                <a:spcPct val="100000"/>
-              </a:lnSpc>
-            </a:pPr>
-            <a:r>
-              <a:rPr lang="es-CO" sz="2800" b="1" dirty="0">
-                <a:latin typeface="Bahnschrift Light" panose="020B0502040204020203" pitchFamily="34" charset="0"/>
-                <a:ea typeface="Adobe Gothic Std B" panose="020B0800000000000000" pitchFamily="34" charset="-128"/>
-              </a:rPr>
-              <a:t>Habilidades</a:t>
-            </a:r>
-          </a:p>
-          <a:p>
-            <a:pPr marL="514350" indent="-514350" algn="l">
-              <a:lnSpc>
-                <a:spcPct val="100000"/>
-              </a:lnSpc>
-              <a:buFont typeface="+mj-lt"/>
-              <a:buAutoNum type="arabicPeriod"/>
-            </a:pPr>
-            <a:r>
-              <a:rPr lang="es-CO" sz="2800" dirty="0">
-                <a:latin typeface="Bahnschrift Light" panose="020B0502040204020203" pitchFamily="34" charset="0"/>
-                <a:ea typeface="Adobe Gothic Std B" panose="020B0800000000000000" pitchFamily="34" charset="-128"/>
-              </a:rPr>
-              <a:t>Estadística</a:t>
-            </a:r>
-          </a:p>
-          <a:p>
-            <a:pPr marL="514350" indent="-514350" algn="l">
-              <a:lnSpc>
-                <a:spcPct val="100000"/>
-              </a:lnSpc>
-              <a:buFont typeface="+mj-lt"/>
-              <a:buAutoNum type="arabicPeriod"/>
-            </a:pPr>
-            <a:r>
-              <a:rPr lang="es-CO" sz="2800" dirty="0">
-                <a:latin typeface="Bahnschrift Light" panose="020B0502040204020203" pitchFamily="34" charset="0"/>
-                <a:ea typeface="Adobe Gothic Std B" panose="020B0800000000000000" pitchFamily="34" charset="-128"/>
-              </a:rPr>
-              <a:t>Matemática</a:t>
-            </a:r>
-          </a:p>
-          <a:p>
-            <a:pPr marL="514350" indent="-514350" algn="l">
-              <a:lnSpc>
-                <a:spcPct val="100000"/>
-              </a:lnSpc>
-              <a:buFont typeface="+mj-lt"/>
-              <a:buAutoNum type="arabicPeriod"/>
-            </a:pPr>
-            <a:r>
-              <a:rPr lang="es-CO" sz="2800" dirty="0">
-                <a:latin typeface="Bahnschrift Light" panose="020B0502040204020203" pitchFamily="34" charset="0"/>
-                <a:ea typeface="Adobe Gothic Std B" panose="020B0800000000000000" pitchFamily="34" charset="-128"/>
-              </a:rPr>
-              <a:t>Programación</a:t>
-            </a:r>
-          </a:p>
-          <a:p>
-            <a:pPr marL="514350" indent="-514350" algn="l">
-              <a:lnSpc>
-                <a:spcPct val="100000"/>
-              </a:lnSpc>
-              <a:buFont typeface="+mj-lt"/>
-              <a:buAutoNum type="arabicPeriod"/>
-            </a:pPr>
-            <a:r>
-              <a:rPr lang="es-CO" sz="2800" dirty="0">
-                <a:latin typeface="Bahnschrift Light" panose="020B0502040204020203" pitchFamily="34" charset="0"/>
-                <a:ea typeface="Adobe Gothic Std B" panose="020B0800000000000000" pitchFamily="34" charset="-128"/>
-              </a:rPr>
-              <a:t>Facilidad de Comunicación</a:t>
-            </a:r>
-          </a:p>
-        </p:txBody>
-      </p:sp>
-      <p:sp>
-        <p:nvSpPr>
-          <p:cNvPr id="7" name="Título 1">
-            <a:extLst>
-              <a:ext uri="{FF2B5EF4-FFF2-40B4-BE49-F238E27FC236}">
-                <a16:creationId xmlns:a16="http://schemas.microsoft.com/office/drawing/2014/main" id="{4B34F968-5B15-441A-B7D7-93C5C6DFAD7F}"/>
-              </a:ext>
-            </a:extLst>
-          </p:cNvPr>
-          <p:cNvSpPr txBox="1">
-            <a:spLocks/>
-          </p:cNvSpPr>
-          <p:nvPr/>
-        </p:nvSpPr>
-        <p:spPr>
-          <a:xfrm>
-            <a:off x="283652" y="1813805"/>
-            <a:ext cx="5678101" cy="1377972"/>
-          </a:xfrm>
-          <a:prstGeom prst="rect">
-            <a:avLst/>
-          </a:prstGeom>
-        </p:spPr>
-        <p:txBody>
-          <a:bodyPr vert="horz" lIns="91440" tIns="45720" rIns="91440" bIns="45720" rtlCol="0" anchor="b">
-            <a:noAutofit/>
-          </a:bodyPr>
-          <a:lstStyle>
-            <a:lvl1pPr algn="ctr" defTabSz="914400" rtl="0" eaLnBrk="1" latinLnBrk="0" hangingPunct="1">
-              <a:lnSpc>
-                <a:spcPct val="90000"/>
-              </a:lnSpc>
-              <a:spcBef>
-                <a:spcPct val="0"/>
-              </a:spcBef>
-              <a:buNone/>
-              <a:defRPr sz="6000" kern="1200">
-                <a:solidFill>
-                  <a:schemeClr val="tx1"/>
-                </a:solidFill>
-                <a:latin typeface="+mj-lt"/>
-                <a:ea typeface="+mj-ea"/>
-                <a:cs typeface="+mj-cs"/>
-              </a:defRPr>
-            </a:lvl1pPr>
-          </a:lstStyle>
-          <a:p>
-            <a:r>
-              <a:rPr lang="es-ES" sz="2800" dirty="0">
-                <a:latin typeface="Bahnschrift Light" panose="020B0502040204020203" pitchFamily="34" charset="0"/>
-                <a:ea typeface="Adobe Gothic Std B" panose="020B0800000000000000" pitchFamily="34" charset="-128"/>
-              </a:rPr>
-              <a:t>En el 2016 ocupó el primer lugar entre los mejores trabajos de América. </a:t>
-            </a:r>
-            <a:endParaRPr lang="es-CO" sz="2800" dirty="0">
-              <a:latin typeface="Bahnschrift Light" panose="020B0502040204020203" pitchFamily="34" charset="0"/>
-              <a:ea typeface="Adobe Gothic Std B" panose="020B0800000000000000" pitchFamily="34" charset="-128"/>
-            </a:endParaRPr>
-          </a:p>
-        </p:txBody>
-      </p:sp>
     </p:spTree>
     <p:extLst>
       <p:ext uri="{BB962C8B-B14F-4D97-AF65-F5344CB8AC3E}">
-        <p14:creationId xmlns:p14="http://schemas.microsoft.com/office/powerpoint/2010/main" val="1899549302"/>
+        <p14:creationId xmlns:p14="http://schemas.microsoft.com/office/powerpoint/2010/main" val="3615741008"/>
       </p:ext>
     </p:extLst>
   </p:cSld>
@@ -4557,10 +4415,10 @@
       </p:grpSpPr>
       <p:sp>
         <p:nvSpPr>
-          <p:cNvPr id="7" name="Título 1">
-            <a:extLst>
-              <a:ext uri="{FF2B5EF4-FFF2-40B4-BE49-F238E27FC236}">
-                <a16:creationId xmlns:a16="http://schemas.microsoft.com/office/drawing/2014/main" id="{4B34F968-5B15-441A-B7D7-93C5C6DFAD7F}"/>
+          <p:cNvPr id="6" name="Título 1">
+            <a:extLst>
+              <a:ext uri="{FF2B5EF4-FFF2-40B4-BE49-F238E27FC236}">
+                <a16:creationId xmlns:a16="http://schemas.microsoft.com/office/drawing/2014/main" id="{D1F20A51-A41F-4529-A96C-C271EA4C0F09}"/>
               </a:ext>
             </a:extLst>
           </p:cNvPr>
@@ -4571,8 +4429,8 @@
         </p:nvSpPr>
         <p:spPr>
           <a:xfrm>
-            <a:off x="352984" y="1993266"/>
-            <a:ext cx="11486031" cy="1377972"/>
+            <a:off x="836184" y="230734"/>
+            <a:ext cx="10314530" cy="1085319"/>
           </a:xfrm>
           <a:prstGeom prst="rect">
             <a:avLst/>
@@ -4603,34 +4461,21 @@
           </a:lstStyle>
           <a:p>
             <a:r>
-              <a:rPr lang="es-ES" sz="2800" dirty="0">
-                <a:latin typeface="Bahnschrift Light" panose="020B0502040204020203" pitchFamily="34" charset="0"/>
+              <a:rPr lang="es-CO" b="1" dirty="0">
+                <a:latin typeface="Bahnschrift Condensed" panose="020B0502040204020203" pitchFamily="34" charset="0"/>
                 <a:ea typeface="Adobe Gothic Std B" panose="020B0800000000000000" pitchFamily="34" charset="-128"/>
               </a:rPr>
-              <a:t>Un científico de datos gana en promedio un salario base de 115.000 USD.</a:t>
-            </a:r>
-          </a:p>
-          <a:p>
-            <a:r>
-              <a:rPr lang="es-ES" sz="2800" dirty="0">
-                <a:latin typeface="Bahnschrift Light" panose="020B0502040204020203" pitchFamily="34" charset="0"/>
-                <a:ea typeface="Adobe Gothic Std B" panose="020B0800000000000000" pitchFamily="34" charset="-128"/>
-              </a:rPr>
-              <a:t>En pesos colombianos 345,000,000 que equivalen mensualmente a 28,750,000 pesos</a:t>
-            </a:r>
-            <a:endParaRPr lang="es-CO" sz="2800" dirty="0">
-              <a:latin typeface="Bahnschrift Light" panose="020B0502040204020203" pitchFamily="34" charset="0"/>
-              <a:ea typeface="Adobe Gothic Std B" panose="020B0800000000000000" pitchFamily="34" charset="-128"/>
-            </a:endParaRPr>
+              <a:t>Científico de datos</a:t>
+            </a:r>
           </a:p>
         </p:txBody>
       </p:sp>
       <p:pic>
         <p:nvPicPr>
-          <p:cNvPr id="11266" name="Picture 2" descr="Resultado de imagen para Glassdoor">
-            <a:extLst>
-              <a:ext uri="{FF2B5EF4-FFF2-40B4-BE49-F238E27FC236}">
-                <a16:creationId xmlns:a16="http://schemas.microsoft.com/office/drawing/2014/main" id="{62B2DFF8-4A27-4FFC-9481-9F55D36128E0}"/>
+          <p:cNvPr id="10242" name="Picture 2" descr="Resultado de imagen para data science">
+            <a:extLst>
+              <a:ext uri="{FF2B5EF4-FFF2-40B4-BE49-F238E27FC236}">
+                <a16:creationId xmlns:a16="http://schemas.microsoft.com/office/drawing/2014/main" id="{3A907331-CEF4-49A4-BB83-536E4256C6F5}"/>
               </a:ext>
             </a:extLst>
           </p:cNvPr>
@@ -4654,8 +4499,8 @@
         </p:blipFill>
         <p:spPr bwMode="auto">
           <a:xfrm>
-            <a:off x="3656176" y="-325493"/>
-            <a:ext cx="4572000" cy="3048000"/>
+            <a:off x="5274982" y="2328576"/>
+            <a:ext cx="6903625" cy="4529424"/>
           </a:xfrm>
           <a:prstGeom prst="rect">
             <a:avLst/>
@@ -4672,12 +4517,338 @@
           </a:extLst>
         </p:spPr>
       </p:pic>
+      <p:sp>
+        <p:nvSpPr>
+          <p:cNvPr id="5" name="Título 1">
+            <a:extLst>
+              <a:ext uri="{FF2B5EF4-FFF2-40B4-BE49-F238E27FC236}">
+                <a16:creationId xmlns:a16="http://schemas.microsoft.com/office/drawing/2014/main" id="{A0139C56-F95C-42A9-8391-8155D5682BB2}"/>
+              </a:ext>
+            </a:extLst>
+          </p:cNvPr>
+          <p:cNvSpPr txBox="1">
+            <a:spLocks/>
+          </p:cNvSpPr>
+          <p:nvPr/>
+        </p:nvSpPr>
+        <p:spPr>
+          <a:xfrm>
+            <a:off x="382992" y="3873303"/>
+            <a:ext cx="5479422" cy="2226257"/>
+          </a:xfrm>
+          <a:prstGeom prst="rect">
+            <a:avLst/>
+          </a:prstGeom>
+        </p:spPr>
+        <p:txBody>
+          <a:bodyPr vert="horz" lIns="91440" tIns="45720" rIns="91440" bIns="45720" rtlCol="0" anchor="b">
+            <a:noAutofit/>
+          </a:bodyPr>
+          <a:lstStyle>
+            <a:lvl1pPr algn="ctr" defTabSz="914400" rtl="0" eaLnBrk="1" latinLnBrk="0" hangingPunct="1">
+              <a:lnSpc>
+                <a:spcPct val="90000"/>
+              </a:lnSpc>
+              <a:spcBef>
+                <a:spcPct val="0"/>
+              </a:spcBef>
+              <a:buNone/>
+              <a:defRPr sz="6000" kern="1200">
+                <a:solidFill>
+                  <a:schemeClr val="tx1"/>
+                </a:solidFill>
+                <a:latin typeface="+mj-lt"/>
+                <a:ea typeface="+mj-ea"/>
+                <a:cs typeface="+mj-cs"/>
+              </a:defRPr>
+            </a:lvl1pPr>
+          </a:lstStyle>
+          <a:p>
+            <a:pPr marL="514350" indent="-514350" algn="l">
+              <a:lnSpc>
+                <a:spcPct val="100000"/>
+              </a:lnSpc>
+              <a:buFont typeface="+mj-lt"/>
+              <a:buAutoNum type="arabicPeriod"/>
+            </a:pPr>
+            <a:endParaRPr lang="es-CO" sz="2800" dirty="0">
+              <a:latin typeface="Bahnschrift Light" panose="020B0502040204020203" pitchFamily="34" charset="0"/>
+              <a:ea typeface="Adobe Gothic Std B" panose="020B0800000000000000" pitchFamily="34" charset="-128"/>
+            </a:endParaRPr>
+          </a:p>
+          <a:p>
+            <a:pPr marL="514350" indent="-514350" algn="l">
+              <a:lnSpc>
+                <a:spcPct val="100000"/>
+              </a:lnSpc>
+              <a:buFont typeface="+mj-lt"/>
+              <a:buAutoNum type="arabicPeriod"/>
+            </a:pPr>
+            <a:endParaRPr lang="es-CO" sz="2800" dirty="0">
+              <a:latin typeface="Bahnschrift Light" panose="020B0502040204020203" pitchFamily="34" charset="0"/>
+              <a:ea typeface="Adobe Gothic Std B" panose="020B0800000000000000" pitchFamily="34" charset="-128"/>
+            </a:endParaRPr>
+          </a:p>
+          <a:p>
+            <a:pPr marL="514350" indent="-514350" algn="l">
+              <a:lnSpc>
+                <a:spcPct val="100000"/>
+              </a:lnSpc>
+              <a:buFont typeface="+mj-lt"/>
+              <a:buAutoNum type="arabicPeriod"/>
+            </a:pPr>
+            <a:endParaRPr lang="es-CO" sz="2800" dirty="0">
+              <a:latin typeface="Bahnschrift Light" panose="020B0502040204020203" pitchFamily="34" charset="0"/>
+              <a:ea typeface="Adobe Gothic Std B" panose="020B0800000000000000" pitchFamily="34" charset="-128"/>
+            </a:endParaRPr>
+          </a:p>
+          <a:p>
+            <a:pPr algn="l">
+              <a:lnSpc>
+                <a:spcPct val="100000"/>
+              </a:lnSpc>
+            </a:pPr>
+            <a:r>
+              <a:rPr lang="es-CO" sz="2800" b="1" dirty="0">
+                <a:latin typeface="Bahnschrift Light" panose="020B0502040204020203" pitchFamily="34" charset="0"/>
+                <a:ea typeface="Adobe Gothic Std B" panose="020B0800000000000000" pitchFamily="34" charset="-128"/>
+              </a:rPr>
+              <a:t>Habilidades</a:t>
+            </a:r>
+          </a:p>
+          <a:p>
+            <a:pPr marL="514350" indent="-514350" algn="l">
+              <a:lnSpc>
+                <a:spcPct val="100000"/>
+              </a:lnSpc>
+              <a:buFont typeface="+mj-lt"/>
+              <a:buAutoNum type="arabicPeriod"/>
+            </a:pPr>
+            <a:r>
+              <a:rPr lang="es-CO" sz="2800" dirty="0">
+                <a:latin typeface="Bahnschrift Light" panose="020B0502040204020203" pitchFamily="34" charset="0"/>
+                <a:ea typeface="Adobe Gothic Std B" panose="020B0800000000000000" pitchFamily="34" charset="-128"/>
+              </a:rPr>
+              <a:t>Estadística</a:t>
+            </a:r>
+          </a:p>
+          <a:p>
+            <a:pPr marL="514350" indent="-514350" algn="l">
+              <a:lnSpc>
+                <a:spcPct val="100000"/>
+              </a:lnSpc>
+              <a:buFont typeface="+mj-lt"/>
+              <a:buAutoNum type="arabicPeriod"/>
+            </a:pPr>
+            <a:r>
+              <a:rPr lang="es-CO" sz="2800" dirty="0">
+                <a:latin typeface="Bahnschrift Light" panose="020B0502040204020203" pitchFamily="34" charset="0"/>
+                <a:ea typeface="Adobe Gothic Std B" panose="020B0800000000000000" pitchFamily="34" charset="-128"/>
+              </a:rPr>
+              <a:t>Matemática</a:t>
+            </a:r>
+          </a:p>
+          <a:p>
+            <a:pPr marL="514350" indent="-514350" algn="l">
+              <a:lnSpc>
+                <a:spcPct val="100000"/>
+              </a:lnSpc>
+              <a:buFont typeface="+mj-lt"/>
+              <a:buAutoNum type="arabicPeriod"/>
+            </a:pPr>
+            <a:r>
+              <a:rPr lang="es-CO" sz="2800" dirty="0">
+                <a:latin typeface="Bahnschrift Light" panose="020B0502040204020203" pitchFamily="34" charset="0"/>
+                <a:ea typeface="Adobe Gothic Std B" panose="020B0800000000000000" pitchFamily="34" charset="-128"/>
+              </a:rPr>
+              <a:t>Programación</a:t>
+            </a:r>
+          </a:p>
+          <a:p>
+            <a:pPr marL="514350" indent="-514350" algn="l">
+              <a:lnSpc>
+                <a:spcPct val="100000"/>
+              </a:lnSpc>
+              <a:buFont typeface="+mj-lt"/>
+              <a:buAutoNum type="arabicPeriod"/>
+            </a:pPr>
+            <a:r>
+              <a:rPr lang="es-CO" sz="2800" dirty="0">
+                <a:latin typeface="Bahnschrift Light" panose="020B0502040204020203" pitchFamily="34" charset="0"/>
+                <a:ea typeface="Adobe Gothic Std B" panose="020B0800000000000000" pitchFamily="34" charset="-128"/>
+              </a:rPr>
+              <a:t>Facilidad de Comunicación</a:t>
+            </a:r>
+          </a:p>
+        </p:txBody>
+      </p:sp>
+      <p:sp>
+        <p:nvSpPr>
+          <p:cNvPr id="7" name="Título 1">
+            <a:extLst>
+              <a:ext uri="{FF2B5EF4-FFF2-40B4-BE49-F238E27FC236}">
+                <a16:creationId xmlns:a16="http://schemas.microsoft.com/office/drawing/2014/main" id="{4B34F968-5B15-441A-B7D7-93C5C6DFAD7F}"/>
+              </a:ext>
+            </a:extLst>
+          </p:cNvPr>
+          <p:cNvSpPr txBox="1">
+            <a:spLocks/>
+          </p:cNvSpPr>
+          <p:nvPr/>
+        </p:nvSpPr>
+        <p:spPr>
+          <a:xfrm>
+            <a:off x="283652" y="1813805"/>
+            <a:ext cx="5678101" cy="1377972"/>
+          </a:xfrm>
+          <a:prstGeom prst="rect">
+            <a:avLst/>
+          </a:prstGeom>
+        </p:spPr>
+        <p:txBody>
+          <a:bodyPr vert="horz" lIns="91440" tIns="45720" rIns="91440" bIns="45720" rtlCol="0" anchor="b">
+            <a:noAutofit/>
+          </a:bodyPr>
+          <a:lstStyle>
+            <a:lvl1pPr algn="ctr" defTabSz="914400" rtl="0" eaLnBrk="1" latinLnBrk="0" hangingPunct="1">
+              <a:lnSpc>
+                <a:spcPct val="90000"/>
+              </a:lnSpc>
+              <a:spcBef>
+                <a:spcPct val="0"/>
+              </a:spcBef>
+              <a:buNone/>
+              <a:defRPr sz="6000" kern="1200">
+                <a:solidFill>
+                  <a:schemeClr val="tx1"/>
+                </a:solidFill>
+                <a:latin typeface="+mj-lt"/>
+                <a:ea typeface="+mj-ea"/>
+                <a:cs typeface="+mj-cs"/>
+              </a:defRPr>
+            </a:lvl1pPr>
+          </a:lstStyle>
+          <a:p>
+            <a:r>
+              <a:rPr lang="es-ES" sz="2800" dirty="0">
+                <a:latin typeface="Bahnschrift Light" panose="020B0502040204020203" pitchFamily="34" charset="0"/>
+                <a:ea typeface="Adobe Gothic Std B" panose="020B0800000000000000" pitchFamily="34" charset="-128"/>
+              </a:rPr>
+              <a:t>En el 2016 ocupó el primer lugar entre los mejores trabajos de América. </a:t>
+            </a:r>
+            <a:endParaRPr lang="es-CO" sz="2800" dirty="0">
+              <a:latin typeface="Bahnschrift Light" panose="020B0502040204020203" pitchFamily="34" charset="0"/>
+              <a:ea typeface="Adobe Gothic Std B" panose="020B0800000000000000" pitchFamily="34" charset="-128"/>
+            </a:endParaRPr>
+          </a:p>
+        </p:txBody>
+      </p:sp>
+    </p:spTree>
+    <p:extLst>
+      <p:ext uri="{BB962C8B-B14F-4D97-AF65-F5344CB8AC3E}">
+        <p14:creationId xmlns:p14="http://schemas.microsoft.com/office/powerpoint/2010/main" val="1899549302"/>
+      </p:ext>
+    </p:extLst>
+  </p:cSld>
+  <p:clrMapOvr>
+    <a:masterClrMapping/>
+  </p:clrMapOvr>
+</p:sld>
+</file>
+
+<file path=ppt/slides/slide14.xml><?xml version="1.0" encoding="utf-8"?>
+<p:sld xmlns:a="http://schemas.openxmlformats.org/drawingml/2006/main" xmlns:r="http://schemas.openxmlformats.org/officeDocument/2006/relationships" xmlns:p="http://schemas.openxmlformats.org/presentationml/2006/main">
+  <p:cSld>
+    <p:spTree>
+      <p:nvGrpSpPr>
+        <p:cNvPr id="1" name=""/>
+        <p:cNvGrpSpPr/>
+        <p:nvPr/>
+      </p:nvGrpSpPr>
+      <p:grpSpPr>
+        <a:xfrm>
+          <a:off x="0" y="0"/>
+          <a:ext cx="0" cy="0"/>
+          <a:chOff x="0" y="0"/>
+          <a:chExt cx="0" cy="0"/>
+        </a:xfrm>
+      </p:grpSpPr>
+      <p:sp>
+        <p:nvSpPr>
+          <p:cNvPr id="7" name="Título 1">
+            <a:extLst>
+              <a:ext uri="{FF2B5EF4-FFF2-40B4-BE49-F238E27FC236}">
+                <a16:creationId xmlns:a16="http://schemas.microsoft.com/office/drawing/2014/main" id="{4B34F968-5B15-441A-B7D7-93C5C6DFAD7F}"/>
+              </a:ext>
+            </a:extLst>
+          </p:cNvPr>
+          <p:cNvSpPr txBox="1">
+            <a:spLocks/>
+          </p:cNvSpPr>
+          <p:nvPr/>
+        </p:nvSpPr>
+        <p:spPr>
+          <a:xfrm>
+            <a:off x="352984" y="1993266"/>
+            <a:ext cx="11486031" cy="1377972"/>
+          </a:xfrm>
+          <a:prstGeom prst="rect">
+            <a:avLst/>
+          </a:prstGeom>
+        </p:spPr>
+        <p:txBody>
+          <a:bodyPr vert="horz" lIns="91440" tIns="45720" rIns="91440" bIns="45720" rtlCol="0" anchor="b">
+            <a:noAutofit/>
+          </a:bodyPr>
+          <a:lstStyle>
+            <a:lvl1pPr algn="ctr" defTabSz="914400" rtl="0" eaLnBrk="1" latinLnBrk="0" hangingPunct="1">
+              <a:lnSpc>
+                <a:spcPct val="90000"/>
+              </a:lnSpc>
+              <a:spcBef>
+                <a:spcPct val="0"/>
+              </a:spcBef>
+              <a:buNone/>
+              <a:defRPr sz="6000" kern="1200">
+                <a:solidFill>
+                  <a:schemeClr val="tx1"/>
+                </a:solidFill>
+                <a:latin typeface="+mj-lt"/>
+                <a:ea typeface="+mj-ea"/>
+                <a:cs typeface="+mj-cs"/>
+              </a:defRPr>
+            </a:lvl1pPr>
+          </a:lstStyle>
+          <a:p>
+            <a:r>
+              <a:rPr lang="es-ES" sz="2800" dirty="0">
+                <a:latin typeface="Bahnschrift Light" panose="020B0502040204020203" pitchFamily="34" charset="0"/>
+                <a:ea typeface="Adobe Gothic Std B" panose="020B0800000000000000" pitchFamily="34" charset="-128"/>
+              </a:rPr>
+              <a:t>Un científico de datos gana en promedio un salario base de 115.000 USD.</a:t>
+            </a:r>
+          </a:p>
+          <a:p>
+            <a:r>
+              <a:rPr lang="es-ES" sz="2800" dirty="0">
+                <a:latin typeface="Bahnschrift Light" panose="020B0502040204020203" pitchFamily="34" charset="0"/>
+                <a:ea typeface="Adobe Gothic Std B" panose="020B0800000000000000" pitchFamily="34" charset="-128"/>
+              </a:rPr>
+              <a:t>En pesos colombianos 345,000,000 que equivalen mensualmente a 28,750,000 pesos</a:t>
+            </a:r>
+            <a:endParaRPr lang="es-CO" sz="2800" dirty="0">
+              <a:latin typeface="Bahnschrift Light" panose="020B0502040204020203" pitchFamily="34" charset="0"/>
+              <a:ea typeface="Adobe Gothic Std B" panose="020B0800000000000000" pitchFamily="34" charset="-128"/>
+            </a:endParaRPr>
+          </a:p>
+        </p:txBody>
+      </p:sp>
       <p:pic>
         <p:nvPicPr>
-          <p:cNvPr id="11268" name="Picture 4" descr="Resultado de imagen para Cisco">
-            <a:extLst>
-              <a:ext uri="{FF2B5EF4-FFF2-40B4-BE49-F238E27FC236}">
-                <a16:creationId xmlns:a16="http://schemas.microsoft.com/office/drawing/2014/main" id="{AE19A11F-1D11-4ACF-91C2-82011E1DD521}"/>
+          <p:cNvPr id="11266" name="Picture 2" descr="Resultado de imagen para Glassdoor">
+            <a:extLst>
+              <a:ext uri="{FF2B5EF4-FFF2-40B4-BE49-F238E27FC236}">
+                <a16:creationId xmlns:a16="http://schemas.microsoft.com/office/drawing/2014/main" id="{62B2DFF8-4A27-4FFC-9481-9F55D36128E0}"/>
               </a:ext>
             </a:extLst>
           </p:cNvPr>
@@ -4687,7 +4858,7 @@
           <p:nvPr/>
         </p:nvPicPr>
         <p:blipFill>
-          <a:blip r:embed="rId3">
+          <a:blip r:embed="rId2">
             <a:extLst>
               <a:ext uri="{28A0092B-C50C-407E-A947-70E740481C1C}">
                 <a14:useLocalDpi xmlns:a14="http://schemas.microsoft.com/office/drawing/2010/main" val="0"/>
@@ -4701,8 +4872,8 @@
         </p:blipFill>
         <p:spPr bwMode="auto">
           <a:xfrm>
-            <a:off x="2104758" y="3708261"/>
-            <a:ext cx="2667000" cy="1600200"/>
+            <a:off x="3656176" y="-325493"/>
+            <a:ext cx="4572000" cy="3048000"/>
           </a:xfrm>
           <a:prstGeom prst="rect">
             <a:avLst/>
@@ -4721,10 +4892,10 @@
       </p:pic>
       <p:pic>
         <p:nvPicPr>
-          <p:cNvPr id="11270" name="Picture 6" descr="Resultado de imagen para apple">
-            <a:extLst>
-              <a:ext uri="{FF2B5EF4-FFF2-40B4-BE49-F238E27FC236}">
-                <a16:creationId xmlns:a16="http://schemas.microsoft.com/office/drawing/2014/main" id="{F058BCB2-BFF2-4491-B2C4-A4806A534DD7}"/>
+          <p:cNvPr id="11268" name="Picture 4" descr="Resultado de imagen para Cisco">
+            <a:extLst>
+              <a:ext uri="{FF2B5EF4-FFF2-40B4-BE49-F238E27FC236}">
+                <a16:creationId xmlns:a16="http://schemas.microsoft.com/office/drawing/2014/main" id="{AE19A11F-1D11-4ACF-91C2-82011E1DD521}"/>
               </a:ext>
             </a:extLst>
           </p:cNvPr>
@@ -4734,7 +4905,7 @@
           <p:nvPr/>
         </p:nvPicPr>
         <p:blipFill>
-          <a:blip r:embed="rId4">
+          <a:blip r:embed="rId3">
             <a:extLst>
               <a:ext uri="{28A0092B-C50C-407E-A947-70E740481C1C}">
                 <a14:useLocalDpi xmlns:a14="http://schemas.microsoft.com/office/drawing/2010/main" val="0"/>
@@ -4748,8 +4919,8 @@
         </p:blipFill>
         <p:spPr bwMode="auto">
           <a:xfrm>
-            <a:off x="7480400" y="3650965"/>
-            <a:ext cx="1623738" cy="1623738"/>
+            <a:off x="2104758" y="3708261"/>
+            <a:ext cx="2667000" cy="1600200"/>
           </a:xfrm>
           <a:prstGeom prst="rect">
             <a:avLst/>
@@ -4766,6 +4937,53 @@
           </a:extLst>
         </p:spPr>
       </p:pic>
+      <p:pic>
+        <p:nvPicPr>
+          <p:cNvPr id="11270" name="Picture 6" descr="Resultado de imagen para apple">
+            <a:extLst>
+              <a:ext uri="{FF2B5EF4-FFF2-40B4-BE49-F238E27FC236}">
+                <a16:creationId xmlns:a16="http://schemas.microsoft.com/office/drawing/2014/main" id="{F058BCB2-BFF2-4491-B2C4-A4806A534DD7}"/>
+              </a:ext>
+            </a:extLst>
+          </p:cNvPr>
+          <p:cNvPicPr>
+            <a:picLocks noChangeAspect="1" noChangeArrowheads="1"/>
+          </p:cNvPicPr>
+          <p:nvPr/>
+        </p:nvPicPr>
+        <p:blipFill>
+          <a:blip r:embed="rId4">
+            <a:extLst>
+              <a:ext uri="{28A0092B-C50C-407E-A947-70E740481C1C}">
+                <a14:useLocalDpi xmlns:a14="http://schemas.microsoft.com/office/drawing/2010/main" val="0"/>
+              </a:ext>
+            </a:extLst>
+          </a:blip>
+          <a:srcRect/>
+          <a:stretch>
+            <a:fillRect/>
+          </a:stretch>
+        </p:blipFill>
+        <p:spPr bwMode="auto">
+          <a:xfrm>
+            <a:off x="7480400" y="3650965"/>
+            <a:ext cx="1623738" cy="1623738"/>
+          </a:xfrm>
+          <a:prstGeom prst="rect">
+            <a:avLst/>
+          </a:prstGeom>
+          <a:noFill/>
+          <a:extLst>
+            <a:ext uri="{909E8E84-426E-40DD-AFC4-6F175D3DCCD1}">
+              <a14:hiddenFill xmlns:a14="http://schemas.microsoft.com/office/drawing/2010/main">
+                <a:solidFill>
+                  <a:srgbClr val="FFFFFF"/>
+                </a:solidFill>
+              </a14:hiddenFill>
+            </a:ext>
+          </a:extLst>
+        </p:spPr>
+      </p:pic>
       <p:sp>
         <p:nvSpPr>
           <p:cNvPr id="9" name="Título 1">
@@ -4920,6 +5138,1897 @@
     <p:extLst>
       <p:ext uri="{BB962C8B-B14F-4D97-AF65-F5344CB8AC3E}">
         <p14:creationId xmlns:p14="http://schemas.microsoft.com/office/powerpoint/2010/main" val="4038899541"/>
+      </p:ext>
+    </p:extLst>
+  </p:cSld>
+  <p:clrMapOvr>
+    <a:masterClrMapping/>
+  </p:clrMapOvr>
+</p:sld>
+</file>
+
+<file path=ppt/slides/slide15.xml><?xml version="1.0" encoding="utf-8"?>
+<p:sld xmlns:a="http://schemas.openxmlformats.org/drawingml/2006/main" xmlns:r="http://schemas.openxmlformats.org/officeDocument/2006/relationships" xmlns:p="http://schemas.openxmlformats.org/presentationml/2006/main">
+  <p:cSld>
+    <p:spTree>
+      <p:nvGrpSpPr>
+        <p:cNvPr id="1" name=""/>
+        <p:cNvGrpSpPr/>
+        <p:nvPr/>
+      </p:nvGrpSpPr>
+      <p:grpSpPr>
+        <a:xfrm>
+          <a:off x="0" y="0"/>
+          <a:ext cx="0" cy="0"/>
+          <a:chOff x="0" y="0"/>
+          <a:chExt cx="0" cy="0"/>
+        </a:xfrm>
+      </p:grpSpPr>
+      <p:sp>
+        <p:nvSpPr>
+          <p:cNvPr id="6" name="Título 1">
+            <a:extLst>
+              <a:ext uri="{FF2B5EF4-FFF2-40B4-BE49-F238E27FC236}">
+                <a16:creationId xmlns:a16="http://schemas.microsoft.com/office/drawing/2014/main" id="{D1F20A51-A41F-4529-A96C-C271EA4C0F09}"/>
+              </a:ext>
+            </a:extLst>
+          </p:cNvPr>
+          <p:cNvSpPr txBox="1">
+            <a:spLocks/>
+          </p:cNvSpPr>
+          <p:nvPr/>
+        </p:nvSpPr>
+        <p:spPr>
+          <a:xfrm>
+            <a:off x="836184" y="230734"/>
+            <a:ext cx="10314530" cy="1085319"/>
+          </a:xfrm>
+          <a:prstGeom prst="rect">
+            <a:avLst/>
+          </a:prstGeom>
+        </p:spPr>
+        <p:txBody>
+          <a:bodyPr vert="horz" lIns="91440" tIns="45720" rIns="91440" bIns="45720" rtlCol="0" anchor="b">
+            <a:noAutofit/>
+          </a:bodyPr>
+          <a:lstStyle>
+            <a:lvl1pPr algn="ctr" defTabSz="914400" rtl="0" eaLnBrk="1" latinLnBrk="0" hangingPunct="1">
+              <a:lnSpc>
+                <a:spcPct val="90000"/>
+              </a:lnSpc>
+              <a:spcBef>
+                <a:spcPct val="0"/>
+              </a:spcBef>
+              <a:buNone/>
+              <a:defRPr sz="6000" kern="1200">
+                <a:solidFill>
+                  <a:schemeClr val="tx1"/>
+                </a:solidFill>
+                <a:latin typeface="+mj-lt"/>
+                <a:ea typeface="+mj-ea"/>
+                <a:cs typeface="+mj-cs"/>
+              </a:defRPr>
+            </a:lvl1pPr>
+          </a:lstStyle>
+          <a:p>
+            <a:r>
+              <a:rPr lang="es-CO" b="1" dirty="0">
+                <a:latin typeface="Bahnschrift Condensed" panose="020B0502040204020203" pitchFamily="34" charset="0"/>
+                <a:ea typeface="Adobe Gothic Std B" panose="020B0800000000000000" pitchFamily="34" charset="-128"/>
+              </a:rPr>
+              <a:t>Modelos matemáticos?</a:t>
+            </a:r>
+          </a:p>
+        </p:txBody>
+      </p:sp>
+      <p:sp>
+        <p:nvSpPr>
+          <p:cNvPr id="7" name="Título 1">
+            <a:extLst>
+              <a:ext uri="{FF2B5EF4-FFF2-40B4-BE49-F238E27FC236}">
+                <a16:creationId xmlns:a16="http://schemas.microsoft.com/office/drawing/2014/main" id="{4B34F968-5B15-441A-B7D7-93C5C6DFAD7F}"/>
+              </a:ext>
+            </a:extLst>
+          </p:cNvPr>
+          <p:cNvSpPr txBox="1">
+            <a:spLocks/>
+          </p:cNvSpPr>
+          <p:nvPr/>
+        </p:nvSpPr>
+        <p:spPr>
+          <a:xfrm>
+            <a:off x="1059073" y="1475377"/>
+            <a:ext cx="10073851" cy="1953623"/>
+          </a:xfrm>
+          <a:prstGeom prst="rect">
+            <a:avLst/>
+          </a:prstGeom>
+        </p:spPr>
+        <p:txBody>
+          <a:bodyPr vert="horz" lIns="91440" tIns="45720" rIns="91440" bIns="45720" rtlCol="0" anchor="b">
+            <a:noAutofit/>
+          </a:bodyPr>
+          <a:lstStyle>
+            <a:lvl1pPr algn="ctr" defTabSz="914400" rtl="0" eaLnBrk="1" latinLnBrk="0" hangingPunct="1">
+              <a:lnSpc>
+                <a:spcPct val="90000"/>
+              </a:lnSpc>
+              <a:spcBef>
+                <a:spcPct val="0"/>
+              </a:spcBef>
+              <a:buNone/>
+              <a:defRPr sz="6000" kern="1200">
+                <a:solidFill>
+                  <a:schemeClr val="tx1"/>
+                </a:solidFill>
+                <a:latin typeface="+mj-lt"/>
+                <a:ea typeface="+mj-ea"/>
+                <a:cs typeface="+mj-cs"/>
+              </a:defRPr>
+            </a:lvl1pPr>
+          </a:lstStyle>
+          <a:p>
+            <a:r>
+              <a:rPr lang="es-ES" sz="3200" dirty="0">
+                <a:latin typeface="Bahnschrift Light" panose="020B0502040204020203" pitchFamily="34" charset="0"/>
+                <a:ea typeface="Adobe Gothic Std B" panose="020B0800000000000000" pitchFamily="34" charset="-128"/>
+              </a:rPr>
+              <a:t>Expresan variables, parámetros, entidades y relaciones entre variables de las operaciones, para estudiar comportamientos de sistemas complejos ante situaciones difíciles de observar en la realidad. </a:t>
+            </a:r>
+            <a:endParaRPr lang="es-CO" sz="3200" dirty="0">
+              <a:latin typeface="Bahnschrift Light" panose="020B0502040204020203" pitchFamily="34" charset="0"/>
+              <a:ea typeface="Adobe Gothic Std B" panose="020B0800000000000000" pitchFamily="34" charset="-128"/>
+            </a:endParaRPr>
+          </a:p>
+        </p:txBody>
+      </p:sp>
+      <p:pic>
+        <p:nvPicPr>
+          <p:cNvPr id="1026" name="Picture 2" descr="http://francis.naukas.com/files/2010/08/dibujo20100825_nlse_peregrine_soliton_plot_and_equations.png">
+            <a:extLst>
+              <a:ext uri="{FF2B5EF4-FFF2-40B4-BE49-F238E27FC236}">
+                <a16:creationId xmlns:a16="http://schemas.microsoft.com/office/drawing/2014/main" id="{C45D1A46-03BE-44B4-8D5B-ECF4A839D9F6}"/>
+              </a:ext>
+            </a:extLst>
+          </p:cNvPr>
+          <p:cNvPicPr>
+            <a:picLocks noChangeAspect="1" noChangeArrowheads="1"/>
+          </p:cNvPicPr>
+          <p:nvPr/>
+        </p:nvPicPr>
+        <p:blipFill>
+          <a:blip r:embed="rId2">
+            <a:extLst>
+              <a:ext uri="{28A0092B-C50C-407E-A947-70E740481C1C}">
+                <a14:useLocalDpi xmlns:a14="http://schemas.microsoft.com/office/drawing/2010/main" val="0"/>
+              </a:ext>
+            </a:extLst>
+          </a:blip>
+          <a:srcRect/>
+          <a:stretch>
+            <a:fillRect/>
+          </a:stretch>
+        </p:blipFill>
+        <p:spPr bwMode="auto">
+          <a:xfrm>
+            <a:off x="2800349" y="3760506"/>
+            <a:ext cx="6591300" cy="2781300"/>
+          </a:xfrm>
+          <a:prstGeom prst="rect">
+            <a:avLst/>
+          </a:prstGeom>
+          <a:noFill/>
+          <a:extLst>
+            <a:ext uri="{909E8E84-426E-40DD-AFC4-6F175D3DCCD1}">
+              <a14:hiddenFill xmlns:a14="http://schemas.microsoft.com/office/drawing/2010/main">
+                <a:solidFill>
+                  <a:srgbClr val="FFFFFF"/>
+                </a:solidFill>
+              </a14:hiddenFill>
+            </a:ext>
+          </a:extLst>
+        </p:spPr>
+      </p:pic>
+    </p:spTree>
+    <p:extLst>
+      <p:ext uri="{BB962C8B-B14F-4D97-AF65-F5344CB8AC3E}">
+        <p14:creationId xmlns:p14="http://schemas.microsoft.com/office/powerpoint/2010/main" val="3177916226"/>
+      </p:ext>
+    </p:extLst>
+  </p:cSld>
+  <p:clrMapOvr>
+    <a:masterClrMapping/>
+  </p:clrMapOvr>
+</p:sld>
+</file>
+
+<file path=ppt/slides/slide16.xml><?xml version="1.0" encoding="utf-8"?>
+<p:sld xmlns:a="http://schemas.openxmlformats.org/drawingml/2006/main" xmlns:r="http://schemas.openxmlformats.org/officeDocument/2006/relationships" xmlns:p="http://schemas.openxmlformats.org/presentationml/2006/main">
+  <p:cSld>
+    <p:spTree>
+      <p:nvGrpSpPr>
+        <p:cNvPr id="1" name=""/>
+        <p:cNvGrpSpPr/>
+        <p:nvPr/>
+      </p:nvGrpSpPr>
+      <p:grpSpPr>
+        <a:xfrm>
+          <a:off x="0" y="0"/>
+          <a:ext cx="0" cy="0"/>
+          <a:chOff x="0" y="0"/>
+          <a:chExt cx="0" cy="0"/>
+        </a:xfrm>
+      </p:grpSpPr>
+      <p:sp>
+        <p:nvSpPr>
+          <p:cNvPr id="6" name="Título 1">
+            <a:extLst>
+              <a:ext uri="{FF2B5EF4-FFF2-40B4-BE49-F238E27FC236}">
+                <a16:creationId xmlns:a16="http://schemas.microsoft.com/office/drawing/2014/main" id="{D1F20A51-A41F-4529-A96C-C271EA4C0F09}"/>
+              </a:ext>
+            </a:extLst>
+          </p:cNvPr>
+          <p:cNvSpPr txBox="1">
+            <a:spLocks/>
+          </p:cNvSpPr>
+          <p:nvPr/>
+        </p:nvSpPr>
+        <p:spPr>
+          <a:xfrm>
+            <a:off x="938735" y="4566685"/>
+            <a:ext cx="10314530" cy="1085319"/>
+          </a:xfrm>
+          <a:prstGeom prst="rect">
+            <a:avLst/>
+          </a:prstGeom>
+        </p:spPr>
+        <p:txBody>
+          <a:bodyPr vert="horz" lIns="91440" tIns="45720" rIns="91440" bIns="45720" rtlCol="0" anchor="b">
+            <a:noAutofit/>
+          </a:bodyPr>
+          <a:lstStyle>
+            <a:lvl1pPr algn="ctr" defTabSz="914400" rtl="0" eaLnBrk="1" latinLnBrk="0" hangingPunct="1">
+              <a:lnSpc>
+                <a:spcPct val="90000"/>
+              </a:lnSpc>
+              <a:spcBef>
+                <a:spcPct val="0"/>
+              </a:spcBef>
+              <a:buNone/>
+              <a:defRPr sz="6000" kern="1200">
+                <a:solidFill>
+                  <a:schemeClr val="tx1"/>
+                </a:solidFill>
+                <a:latin typeface="+mj-lt"/>
+                <a:ea typeface="+mj-ea"/>
+                <a:cs typeface="+mj-cs"/>
+              </a:defRPr>
+            </a:lvl1pPr>
+          </a:lstStyle>
+          <a:p>
+            <a:r>
+              <a:rPr lang="es-CO" b="1" dirty="0">
+                <a:latin typeface="Bahnschrift Condensed" panose="020B0502040204020203" pitchFamily="34" charset="0"/>
+                <a:ea typeface="Adobe Gothic Std B" panose="020B0800000000000000" pitchFamily="34" charset="-128"/>
+              </a:rPr>
+              <a:t>Los 7 pasos del Machine Learning</a:t>
+            </a:r>
+          </a:p>
+        </p:txBody>
+      </p:sp>
+      <p:pic>
+        <p:nvPicPr>
+          <p:cNvPr id="2052" name="Picture 4" descr="Resultado de imagen para Machine Learning">
+            <a:extLst>
+              <a:ext uri="{FF2B5EF4-FFF2-40B4-BE49-F238E27FC236}">
+                <a16:creationId xmlns:a16="http://schemas.microsoft.com/office/drawing/2014/main" id="{F00B36ED-036A-4B56-B026-5622D0B0CF56}"/>
+              </a:ext>
+            </a:extLst>
+          </p:cNvPr>
+          <p:cNvPicPr>
+            <a:picLocks noChangeAspect="1" noChangeArrowheads="1"/>
+          </p:cNvPicPr>
+          <p:nvPr/>
+        </p:nvPicPr>
+        <p:blipFill>
+          <a:blip r:embed="rId2">
+            <a:extLst>
+              <a:ext uri="{28A0092B-C50C-407E-A947-70E740481C1C}">
+                <a14:useLocalDpi xmlns:a14="http://schemas.microsoft.com/office/drawing/2010/main" val="0"/>
+              </a:ext>
+            </a:extLst>
+          </a:blip>
+          <a:srcRect/>
+          <a:stretch>
+            <a:fillRect/>
+          </a:stretch>
+        </p:blipFill>
+        <p:spPr bwMode="auto">
+          <a:xfrm>
+            <a:off x="4112281" y="599247"/>
+            <a:ext cx="3967438" cy="3967438"/>
+          </a:xfrm>
+          <a:prstGeom prst="rect">
+            <a:avLst/>
+          </a:prstGeom>
+          <a:noFill/>
+          <a:extLst>
+            <a:ext uri="{909E8E84-426E-40DD-AFC4-6F175D3DCCD1}">
+              <a14:hiddenFill xmlns:a14="http://schemas.microsoft.com/office/drawing/2010/main">
+                <a:solidFill>
+                  <a:srgbClr val="FFFFFF"/>
+                </a:solidFill>
+              </a14:hiddenFill>
+            </a:ext>
+          </a:extLst>
+        </p:spPr>
+      </p:pic>
+    </p:spTree>
+    <p:extLst>
+      <p:ext uri="{BB962C8B-B14F-4D97-AF65-F5344CB8AC3E}">
+        <p14:creationId xmlns:p14="http://schemas.microsoft.com/office/powerpoint/2010/main" val="2833429977"/>
+      </p:ext>
+    </p:extLst>
+  </p:cSld>
+  <p:clrMapOvr>
+    <a:masterClrMapping/>
+  </p:clrMapOvr>
+</p:sld>
+</file>
+
+<file path=ppt/slides/slide17.xml><?xml version="1.0" encoding="utf-8"?>
+<p:sld xmlns:a="http://schemas.openxmlformats.org/drawingml/2006/main" xmlns:r="http://schemas.openxmlformats.org/officeDocument/2006/relationships" xmlns:p="http://schemas.openxmlformats.org/presentationml/2006/main">
+  <p:cSld>
+    <p:spTree>
+      <p:nvGrpSpPr>
+        <p:cNvPr id="1" name=""/>
+        <p:cNvGrpSpPr/>
+        <p:nvPr/>
+      </p:nvGrpSpPr>
+      <p:grpSpPr>
+        <a:xfrm>
+          <a:off x="0" y="0"/>
+          <a:ext cx="0" cy="0"/>
+          <a:chOff x="0" y="0"/>
+          <a:chExt cx="0" cy="0"/>
+        </a:xfrm>
+      </p:grpSpPr>
+      <p:sp>
+        <p:nvSpPr>
+          <p:cNvPr id="6" name="Título 1">
+            <a:extLst>
+              <a:ext uri="{FF2B5EF4-FFF2-40B4-BE49-F238E27FC236}">
+                <a16:creationId xmlns:a16="http://schemas.microsoft.com/office/drawing/2014/main" id="{D1F20A51-A41F-4529-A96C-C271EA4C0F09}"/>
+              </a:ext>
+            </a:extLst>
+          </p:cNvPr>
+          <p:cNvSpPr txBox="1">
+            <a:spLocks/>
+          </p:cNvSpPr>
+          <p:nvPr/>
+        </p:nvSpPr>
+        <p:spPr>
+          <a:xfrm>
+            <a:off x="237979" y="0"/>
+            <a:ext cx="8453093" cy="1085319"/>
+          </a:xfrm>
+          <a:prstGeom prst="rect">
+            <a:avLst/>
+          </a:prstGeom>
+        </p:spPr>
+        <p:txBody>
+          <a:bodyPr vert="horz" lIns="91440" tIns="45720" rIns="91440" bIns="45720" rtlCol="0" anchor="b">
+            <a:noAutofit/>
+          </a:bodyPr>
+          <a:lstStyle>
+            <a:lvl1pPr algn="ctr" defTabSz="914400" rtl="0" eaLnBrk="1" latinLnBrk="0" hangingPunct="1">
+              <a:lnSpc>
+                <a:spcPct val="90000"/>
+              </a:lnSpc>
+              <a:spcBef>
+                <a:spcPct val="0"/>
+              </a:spcBef>
+              <a:buNone/>
+              <a:defRPr sz="6000" kern="1200">
+                <a:solidFill>
+                  <a:schemeClr val="tx1"/>
+                </a:solidFill>
+                <a:latin typeface="+mj-lt"/>
+                <a:ea typeface="+mj-ea"/>
+                <a:cs typeface="+mj-cs"/>
+              </a:defRPr>
+            </a:lvl1pPr>
+          </a:lstStyle>
+          <a:p>
+            <a:pPr algn="l"/>
+            <a:r>
+              <a:rPr lang="es-CO" b="1" dirty="0">
+                <a:latin typeface="Bahnschrift Condensed" panose="020B0502040204020203" pitchFamily="34" charset="0"/>
+                <a:ea typeface="Adobe Gothic Std B" panose="020B0800000000000000" pitchFamily="34" charset="-128"/>
+              </a:rPr>
+              <a:t>Paso 1 Colectar Datos</a:t>
+            </a:r>
+          </a:p>
+        </p:txBody>
+      </p:sp>
+      <p:sp>
+        <p:nvSpPr>
+          <p:cNvPr id="2" name="Rectángulo 1">
+            <a:extLst>
+              <a:ext uri="{FF2B5EF4-FFF2-40B4-BE49-F238E27FC236}">
+                <a16:creationId xmlns:a16="http://schemas.microsoft.com/office/drawing/2014/main" id="{D0AE2DF4-204F-4647-A864-A53704840AE5}"/>
+              </a:ext>
+            </a:extLst>
+          </p:cNvPr>
+          <p:cNvSpPr/>
+          <p:nvPr/>
+        </p:nvSpPr>
+        <p:spPr>
+          <a:xfrm>
+            <a:off x="6364012" y="1866185"/>
+            <a:ext cx="5547279" cy="3970318"/>
+          </a:xfrm>
+          <a:prstGeom prst="rect">
+            <a:avLst/>
+          </a:prstGeom>
+        </p:spPr>
+        <p:txBody>
+          <a:bodyPr wrap="square">
+            <a:spAutoFit/>
+          </a:bodyPr>
+          <a:lstStyle/>
+          <a:p>
+            <a:r>
+              <a:rPr lang="es-ES" sz="2800" dirty="0">
+                <a:latin typeface="Bahnschrift Light" panose="020B0502040204020203" pitchFamily="34" charset="0"/>
+                <a:ea typeface="Adobe Gothic Std B" panose="020B0800000000000000" pitchFamily="34" charset="-128"/>
+                <a:cs typeface="+mj-cs"/>
+              </a:rPr>
+              <a:t>Dada la problemática que deseas resolver, deberás investigar y obtener datos que utilizaras para alimentar a tu máquina. Importa mucho la calidad y cantidad de información que consigas ya que impactará directamente en lo bien o mal que luego funcione nuestro modelo. </a:t>
+            </a:r>
+            <a:endParaRPr lang="es-CO" sz="2800" dirty="0">
+              <a:latin typeface="Bahnschrift Light" panose="020B0502040204020203" pitchFamily="34" charset="0"/>
+              <a:ea typeface="Adobe Gothic Std B" panose="020B0800000000000000" pitchFamily="34" charset="-128"/>
+              <a:cs typeface="+mj-cs"/>
+            </a:endParaRPr>
+          </a:p>
+        </p:txBody>
+      </p:sp>
+      <p:pic>
+        <p:nvPicPr>
+          <p:cNvPr id="5122" name="Picture 2" descr="Resultado de imagen para Preparar los datos">
+            <a:extLst>
+              <a:ext uri="{FF2B5EF4-FFF2-40B4-BE49-F238E27FC236}">
+                <a16:creationId xmlns:a16="http://schemas.microsoft.com/office/drawing/2014/main" id="{729EE68B-73B0-4296-A085-1D5BAD53105C}"/>
+              </a:ext>
+            </a:extLst>
+          </p:cNvPr>
+          <p:cNvPicPr>
+            <a:picLocks noChangeAspect="1" noChangeArrowheads="1"/>
+          </p:cNvPicPr>
+          <p:nvPr/>
+        </p:nvPicPr>
+        <p:blipFill>
+          <a:blip r:embed="rId2">
+            <a:extLst>
+              <a:ext uri="{28A0092B-C50C-407E-A947-70E740481C1C}">
+                <a14:useLocalDpi xmlns:a14="http://schemas.microsoft.com/office/drawing/2010/main" val="0"/>
+              </a:ext>
+            </a:extLst>
+          </a:blip>
+          <a:srcRect/>
+          <a:stretch>
+            <a:fillRect/>
+          </a:stretch>
+        </p:blipFill>
+        <p:spPr bwMode="auto">
+          <a:xfrm>
+            <a:off x="556239" y="1830099"/>
+            <a:ext cx="5309955" cy="3893013"/>
+          </a:xfrm>
+          <a:prstGeom prst="rect">
+            <a:avLst/>
+          </a:prstGeom>
+          <a:noFill/>
+          <a:extLst>
+            <a:ext uri="{909E8E84-426E-40DD-AFC4-6F175D3DCCD1}">
+              <a14:hiddenFill xmlns:a14="http://schemas.microsoft.com/office/drawing/2010/main">
+                <a:solidFill>
+                  <a:srgbClr val="FFFFFF"/>
+                </a:solidFill>
+              </a14:hiddenFill>
+            </a:ext>
+          </a:extLst>
+        </p:spPr>
+      </p:pic>
+    </p:spTree>
+    <p:extLst>
+      <p:ext uri="{BB962C8B-B14F-4D97-AF65-F5344CB8AC3E}">
+        <p14:creationId xmlns:p14="http://schemas.microsoft.com/office/powerpoint/2010/main" val="1164502905"/>
+      </p:ext>
+    </p:extLst>
+  </p:cSld>
+  <p:clrMapOvr>
+    <a:masterClrMapping/>
+  </p:clrMapOvr>
+</p:sld>
+</file>
+
+<file path=ppt/slides/slide18.xml><?xml version="1.0" encoding="utf-8"?>
+<p:sld xmlns:a="http://schemas.openxmlformats.org/drawingml/2006/main" xmlns:r="http://schemas.openxmlformats.org/officeDocument/2006/relationships" xmlns:p="http://schemas.openxmlformats.org/presentationml/2006/main">
+  <p:cSld>
+    <p:spTree>
+      <p:nvGrpSpPr>
+        <p:cNvPr id="1" name=""/>
+        <p:cNvGrpSpPr/>
+        <p:nvPr/>
+      </p:nvGrpSpPr>
+      <p:grpSpPr>
+        <a:xfrm>
+          <a:off x="0" y="0"/>
+          <a:ext cx="0" cy="0"/>
+          <a:chOff x="0" y="0"/>
+          <a:chExt cx="0" cy="0"/>
+        </a:xfrm>
+      </p:grpSpPr>
+      <p:sp>
+        <p:nvSpPr>
+          <p:cNvPr id="6" name="Título 1">
+            <a:extLst>
+              <a:ext uri="{FF2B5EF4-FFF2-40B4-BE49-F238E27FC236}">
+                <a16:creationId xmlns:a16="http://schemas.microsoft.com/office/drawing/2014/main" id="{D1F20A51-A41F-4529-A96C-C271EA4C0F09}"/>
+              </a:ext>
+            </a:extLst>
+          </p:cNvPr>
+          <p:cNvSpPr txBox="1">
+            <a:spLocks/>
+          </p:cNvSpPr>
+          <p:nvPr/>
+        </p:nvSpPr>
+        <p:spPr>
+          <a:xfrm>
+            <a:off x="237979" y="0"/>
+            <a:ext cx="8453093" cy="1085319"/>
+          </a:xfrm>
+          <a:prstGeom prst="rect">
+            <a:avLst/>
+          </a:prstGeom>
+        </p:spPr>
+        <p:txBody>
+          <a:bodyPr vert="horz" lIns="91440" tIns="45720" rIns="91440" bIns="45720" rtlCol="0" anchor="b">
+            <a:noAutofit/>
+          </a:bodyPr>
+          <a:lstStyle>
+            <a:lvl1pPr algn="ctr" defTabSz="914400" rtl="0" eaLnBrk="1" latinLnBrk="0" hangingPunct="1">
+              <a:lnSpc>
+                <a:spcPct val="90000"/>
+              </a:lnSpc>
+              <a:spcBef>
+                <a:spcPct val="0"/>
+              </a:spcBef>
+              <a:buNone/>
+              <a:defRPr sz="6000" kern="1200">
+                <a:solidFill>
+                  <a:schemeClr val="tx1"/>
+                </a:solidFill>
+                <a:latin typeface="+mj-lt"/>
+                <a:ea typeface="+mj-ea"/>
+                <a:cs typeface="+mj-cs"/>
+              </a:defRPr>
+            </a:lvl1pPr>
+          </a:lstStyle>
+          <a:p>
+            <a:pPr algn="l"/>
+            <a:r>
+              <a:rPr lang="es-ES" b="1" dirty="0">
+                <a:latin typeface="Bahnschrift Condensed" panose="020B0502040204020203" pitchFamily="34" charset="0"/>
+                <a:ea typeface="Adobe Gothic Std B" panose="020B0800000000000000" pitchFamily="34" charset="-128"/>
+              </a:rPr>
+              <a:t>Paso 2 Preparar los datos</a:t>
+            </a:r>
+            <a:endParaRPr lang="es-CO" b="1" dirty="0">
+              <a:latin typeface="Bahnschrift Condensed" panose="020B0502040204020203" pitchFamily="34" charset="0"/>
+              <a:ea typeface="Adobe Gothic Std B" panose="020B0800000000000000" pitchFamily="34" charset="-128"/>
+            </a:endParaRPr>
+          </a:p>
+        </p:txBody>
+      </p:sp>
+      <p:pic>
+        <p:nvPicPr>
+          <p:cNvPr id="3074" name="Picture 2" descr="Imagen relacionada">
+            <a:extLst>
+              <a:ext uri="{FF2B5EF4-FFF2-40B4-BE49-F238E27FC236}">
+                <a16:creationId xmlns:a16="http://schemas.microsoft.com/office/drawing/2014/main" id="{1496E809-9215-4D60-A5B3-19813CC6C8BD}"/>
+              </a:ext>
+            </a:extLst>
+          </p:cNvPr>
+          <p:cNvPicPr>
+            <a:picLocks noChangeAspect="1" noChangeArrowheads="1"/>
+          </p:cNvPicPr>
+          <p:nvPr/>
+        </p:nvPicPr>
+        <p:blipFill>
+          <a:blip r:embed="rId2">
+            <a:extLst>
+              <a:ext uri="{28A0092B-C50C-407E-A947-70E740481C1C}">
+                <a14:useLocalDpi xmlns:a14="http://schemas.microsoft.com/office/drawing/2010/main" val="0"/>
+              </a:ext>
+            </a:extLst>
+          </a:blip>
+          <a:srcRect/>
+          <a:stretch>
+            <a:fillRect/>
+          </a:stretch>
+        </p:blipFill>
+        <p:spPr bwMode="auto">
+          <a:xfrm>
+            <a:off x="5363096" y="1447440"/>
+            <a:ext cx="7670055" cy="5108257"/>
+          </a:xfrm>
+          <a:prstGeom prst="rect">
+            <a:avLst/>
+          </a:prstGeom>
+          <a:noFill/>
+          <a:extLst>
+            <a:ext uri="{909E8E84-426E-40DD-AFC4-6F175D3DCCD1}">
+              <a14:hiddenFill xmlns:a14="http://schemas.microsoft.com/office/drawing/2010/main">
+                <a:solidFill>
+                  <a:srgbClr val="FFFFFF"/>
+                </a:solidFill>
+              </a14:hiddenFill>
+            </a:ext>
+          </a:extLst>
+        </p:spPr>
+      </p:pic>
+      <p:sp>
+        <p:nvSpPr>
+          <p:cNvPr id="2" name="Rectángulo 1">
+            <a:extLst>
+              <a:ext uri="{FF2B5EF4-FFF2-40B4-BE49-F238E27FC236}">
+                <a16:creationId xmlns:a16="http://schemas.microsoft.com/office/drawing/2014/main" id="{D0AE2DF4-204F-4647-A864-A53704840AE5}"/>
+              </a:ext>
+            </a:extLst>
+          </p:cNvPr>
+          <p:cNvSpPr/>
+          <p:nvPr/>
+        </p:nvSpPr>
+        <p:spPr>
+          <a:xfrm>
+            <a:off x="518689" y="2134251"/>
+            <a:ext cx="6634141" cy="3539430"/>
+          </a:xfrm>
+          <a:prstGeom prst="rect">
+            <a:avLst/>
+          </a:prstGeom>
+        </p:spPr>
+        <p:txBody>
+          <a:bodyPr wrap="square">
+            <a:spAutoFit/>
+          </a:bodyPr>
+          <a:lstStyle/>
+          <a:p>
+            <a:r>
+              <a:rPr lang="es-ES" sz="2800" dirty="0">
+                <a:latin typeface="Bahnschrift Light" panose="020B0502040204020203" pitchFamily="34" charset="0"/>
+                <a:ea typeface="Adobe Gothic Std B" panose="020B0800000000000000" pitchFamily="34" charset="-128"/>
+                <a:cs typeface="+mj-cs"/>
+              </a:rPr>
+              <a:t>Podemos fraccionar aproximadamente en una proporción de 80/20 pero puede variar según el caso y el volumen de datos que tengamos.</a:t>
+            </a:r>
+            <a:br>
+              <a:rPr lang="es-ES" sz="2800" dirty="0">
+                <a:latin typeface="Bahnschrift Light" panose="020B0502040204020203" pitchFamily="34" charset="0"/>
+                <a:ea typeface="Adobe Gothic Std B" panose="020B0800000000000000" pitchFamily="34" charset="-128"/>
+                <a:cs typeface="+mj-cs"/>
+              </a:rPr>
+            </a:br>
+            <a:r>
+              <a:rPr lang="es-ES" sz="2800" dirty="0">
+                <a:latin typeface="Bahnschrift Light" panose="020B0502040204020203" pitchFamily="34" charset="0"/>
+                <a:ea typeface="Adobe Gothic Std B" panose="020B0800000000000000" pitchFamily="34" charset="-128"/>
+                <a:cs typeface="+mj-cs"/>
+              </a:rPr>
+              <a:t>En esta etapa también podemos </a:t>
+            </a:r>
+            <a:r>
+              <a:rPr lang="es-ES" sz="2800" dirty="0" err="1">
+                <a:latin typeface="Bahnschrift Light" panose="020B0502040204020203" pitchFamily="34" charset="0"/>
+                <a:ea typeface="Adobe Gothic Std B" panose="020B0800000000000000" pitchFamily="34" charset="-128"/>
+                <a:cs typeface="+mj-cs"/>
+              </a:rPr>
+              <a:t>preprocesar</a:t>
+            </a:r>
+            <a:r>
+              <a:rPr lang="es-ES" sz="2800" dirty="0">
+                <a:latin typeface="Bahnschrift Light" panose="020B0502040204020203" pitchFamily="34" charset="0"/>
+                <a:ea typeface="Adobe Gothic Std B" panose="020B0800000000000000" pitchFamily="34" charset="-128"/>
+                <a:cs typeface="+mj-cs"/>
+              </a:rPr>
+              <a:t> nuestros datos normalizando, eliminar duplicados y hacer corrección de errores.</a:t>
+            </a:r>
+            <a:endParaRPr lang="es-CO" sz="2800" dirty="0">
+              <a:latin typeface="Bahnschrift Light" panose="020B0502040204020203" pitchFamily="34" charset="0"/>
+              <a:ea typeface="Adobe Gothic Std B" panose="020B0800000000000000" pitchFamily="34" charset="-128"/>
+              <a:cs typeface="+mj-cs"/>
+            </a:endParaRPr>
+          </a:p>
+        </p:txBody>
+      </p:sp>
+    </p:spTree>
+    <p:extLst>
+      <p:ext uri="{BB962C8B-B14F-4D97-AF65-F5344CB8AC3E}">
+        <p14:creationId xmlns:p14="http://schemas.microsoft.com/office/powerpoint/2010/main" val="747662818"/>
+      </p:ext>
+    </p:extLst>
+  </p:cSld>
+  <p:clrMapOvr>
+    <a:masterClrMapping/>
+  </p:clrMapOvr>
+</p:sld>
+</file>
+
+<file path=ppt/slides/slide19.xml><?xml version="1.0" encoding="utf-8"?>
+<p:sld xmlns:a="http://schemas.openxmlformats.org/drawingml/2006/main" xmlns:r="http://schemas.openxmlformats.org/officeDocument/2006/relationships" xmlns:p="http://schemas.openxmlformats.org/presentationml/2006/main">
+  <p:cSld>
+    <p:spTree>
+      <p:nvGrpSpPr>
+        <p:cNvPr id="1" name=""/>
+        <p:cNvGrpSpPr/>
+        <p:nvPr/>
+      </p:nvGrpSpPr>
+      <p:grpSpPr>
+        <a:xfrm>
+          <a:off x="0" y="0"/>
+          <a:ext cx="0" cy="0"/>
+          <a:chOff x="0" y="0"/>
+          <a:chExt cx="0" cy="0"/>
+        </a:xfrm>
+      </p:grpSpPr>
+      <p:sp>
+        <p:nvSpPr>
+          <p:cNvPr id="6" name="Título 1">
+            <a:extLst>
+              <a:ext uri="{FF2B5EF4-FFF2-40B4-BE49-F238E27FC236}">
+                <a16:creationId xmlns:a16="http://schemas.microsoft.com/office/drawing/2014/main" id="{D1F20A51-A41F-4529-A96C-C271EA4C0F09}"/>
+              </a:ext>
+            </a:extLst>
+          </p:cNvPr>
+          <p:cNvSpPr txBox="1">
+            <a:spLocks/>
+          </p:cNvSpPr>
+          <p:nvPr/>
+        </p:nvSpPr>
+        <p:spPr>
+          <a:xfrm>
+            <a:off x="237979" y="0"/>
+            <a:ext cx="8453093" cy="1085319"/>
+          </a:xfrm>
+          <a:prstGeom prst="rect">
+            <a:avLst/>
+          </a:prstGeom>
+        </p:spPr>
+        <p:txBody>
+          <a:bodyPr vert="horz" lIns="91440" tIns="45720" rIns="91440" bIns="45720" rtlCol="0" anchor="b">
+            <a:noAutofit/>
+          </a:bodyPr>
+          <a:lstStyle>
+            <a:lvl1pPr algn="ctr" defTabSz="914400" rtl="0" eaLnBrk="1" latinLnBrk="0" hangingPunct="1">
+              <a:lnSpc>
+                <a:spcPct val="90000"/>
+              </a:lnSpc>
+              <a:spcBef>
+                <a:spcPct val="0"/>
+              </a:spcBef>
+              <a:buNone/>
+              <a:defRPr sz="6000" kern="1200">
+                <a:solidFill>
+                  <a:schemeClr val="tx1"/>
+                </a:solidFill>
+                <a:latin typeface="+mj-lt"/>
+                <a:ea typeface="+mj-ea"/>
+                <a:cs typeface="+mj-cs"/>
+              </a:defRPr>
+            </a:lvl1pPr>
+          </a:lstStyle>
+          <a:p>
+            <a:pPr algn="l"/>
+            <a:r>
+              <a:rPr lang="es-ES" b="1" dirty="0">
+                <a:latin typeface="Bahnschrift Condensed" panose="020B0502040204020203" pitchFamily="34" charset="0"/>
+                <a:ea typeface="Adobe Gothic Std B" panose="020B0800000000000000" pitchFamily="34" charset="-128"/>
+              </a:rPr>
+              <a:t>Paso 3 Elegir el modelo</a:t>
+            </a:r>
+            <a:endParaRPr lang="es-CO" b="1" dirty="0">
+              <a:latin typeface="Bahnschrift Condensed" panose="020B0502040204020203" pitchFamily="34" charset="0"/>
+              <a:ea typeface="Adobe Gothic Std B" panose="020B0800000000000000" pitchFamily="34" charset="-128"/>
+            </a:endParaRPr>
+          </a:p>
+        </p:txBody>
+      </p:sp>
+      <p:graphicFrame>
+        <p:nvGraphicFramePr>
+          <p:cNvPr id="3" name="Tabla 2">
+            <a:extLst>
+              <a:ext uri="{FF2B5EF4-FFF2-40B4-BE49-F238E27FC236}">
+                <a16:creationId xmlns:a16="http://schemas.microsoft.com/office/drawing/2014/main" id="{85269A33-747F-4F2E-8866-9701C1EBF76A}"/>
+              </a:ext>
+            </a:extLst>
+          </p:cNvPr>
+          <p:cNvGraphicFramePr>
+            <a:graphicFrameLocks noGrp="1"/>
+          </p:cNvGraphicFramePr>
+          <p:nvPr>
+            <p:extLst>
+              <p:ext uri="{D42A27DB-BD31-4B8C-83A1-F6EECF244321}">
+                <p14:modId xmlns:p14="http://schemas.microsoft.com/office/powerpoint/2010/main" val="34509523"/>
+              </p:ext>
+            </p:extLst>
+          </p:nvPr>
+        </p:nvGraphicFramePr>
+        <p:xfrm>
+          <a:off x="4050707" y="1266548"/>
+          <a:ext cx="7793765" cy="4989774"/>
+        </p:xfrm>
+        <a:graphic>
+          <a:graphicData uri="http://schemas.openxmlformats.org/drawingml/2006/table">
+            <a:tbl>
+              <a:tblPr/>
+              <a:tblGrid>
+                <a:gridCol w="2059781">
+                  <a:extLst>
+                    <a:ext uri="{9D8B030D-6E8A-4147-A177-3AD203B41FA5}">
+                      <a16:colId xmlns:a16="http://schemas.microsoft.com/office/drawing/2014/main" val="3129896443"/>
+                    </a:ext>
+                  </a:extLst>
+                </a:gridCol>
+                <a:gridCol w="5733984">
+                  <a:extLst>
+                    <a:ext uri="{9D8B030D-6E8A-4147-A177-3AD203B41FA5}">
+                      <a16:colId xmlns:a16="http://schemas.microsoft.com/office/drawing/2014/main" val="2181261568"/>
+                    </a:ext>
+                  </a:extLst>
+                </a:gridCol>
+              </a:tblGrid>
+              <a:tr h="248541">
+                <a:tc>
+                  <a:txBody>
+                    <a:bodyPr/>
+                    <a:lstStyle/>
+                    <a:p>
+                      <a:pPr algn="l" fontAlgn="ctr"/>
+                      <a:r>
+                        <a:rPr lang="es-CO" sz="1800" b="1" kern="1200" dirty="0">
+                          <a:solidFill>
+                            <a:schemeClr val="tx1"/>
+                          </a:solidFill>
+                          <a:latin typeface="Bahnschrift Light" panose="020B0502040204020203" pitchFamily="34" charset="0"/>
+                          <a:ea typeface="Adobe Gothic Std B" panose="020B0800000000000000" pitchFamily="34" charset="-128"/>
+                          <a:cs typeface="+mj-cs"/>
+                        </a:rPr>
+                        <a:t>Modelo</a:t>
+                      </a:r>
+                    </a:p>
+                  </a:txBody>
+                  <a:tcPr marL="42945" marR="42945" marT="42945" marB="42945" anchor="ctr">
+                    <a:lnL>
+                      <a:noFill/>
+                    </a:lnL>
+                    <a:lnR>
+                      <a:noFill/>
+                    </a:lnR>
+                    <a:lnT>
+                      <a:noFill/>
+                    </a:lnT>
+                    <a:lnB w="9053" cap="flat" cmpd="sng" algn="ctr">
+                      <a:solidFill>
+                        <a:srgbClr val="DDDDDD"/>
+                      </a:solidFill>
+                      <a:prstDash val="solid"/>
+                      <a:round/>
+                      <a:headEnd type="none" w="med" len="med"/>
+                      <a:tailEnd type="none" w="med" len="med"/>
+                    </a:lnB>
+                    <a:solidFill>
+                      <a:srgbClr val="D9EDF7"/>
+                    </a:solidFill>
+                  </a:tcPr>
+                </a:tc>
+                <a:tc>
+                  <a:txBody>
+                    <a:bodyPr/>
+                    <a:lstStyle/>
+                    <a:p>
+                      <a:pPr algn="l" fontAlgn="ctr"/>
+                      <a:r>
+                        <a:rPr lang="es-CO" sz="1800" b="1" kern="1200" dirty="0">
+                          <a:solidFill>
+                            <a:schemeClr val="tx1"/>
+                          </a:solidFill>
+                          <a:latin typeface="Bahnschrift Light" panose="020B0502040204020203" pitchFamily="34" charset="0"/>
+                          <a:ea typeface="Adobe Gothic Std B" panose="020B0800000000000000" pitchFamily="34" charset="-128"/>
+                          <a:cs typeface="+mj-cs"/>
+                        </a:rPr>
+                        <a:t>Aplicaciones (Ejemplo de uso)</a:t>
+                      </a:r>
+                    </a:p>
+                  </a:txBody>
+                  <a:tcPr marL="42945" marR="42945" marT="42945" marB="42945" anchor="ctr">
+                    <a:lnL>
+                      <a:noFill/>
+                    </a:lnL>
+                    <a:lnR>
+                      <a:noFill/>
+                    </a:lnR>
+                    <a:lnT>
+                      <a:noFill/>
+                    </a:lnT>
+                    <a:lnB w="9053" cap="flat" cmpd="sng" algn="ctr">
+                      <a:solidFill>
+                        <a:srgbClr val="DDDDDD"/>
+                      </a:solidFill>
+                      <a:prstDash val="solid"/>
+                      <a:round/>
+                      <a:headEnd type="none" w="med" len="med"/>
+                      <a:tailEnd type="none" w="med" len="med"/>
+                    </a:lnB>
+                    <a:solidFill>
+                      <a:srgbClr val="D9EDF7"/>
+                    </a:solidFill>
+                  </a:tcPr>
+                </a:tc>
+                <a:extLst>
+                  <a:ext uri="{0D108BD9-81ED-4DB2-BD59-A6C34878D82A}">
+                    <a16:rowId xmlns:a16="http://schemas.microsoft.com/office/drawing/2014/main" val="655546750"/>
+                  </a:ext>
+                </a:extLst>
+              </a:tr>
+              <a:tr h="411192">
+                <a:tc>
+                  <a:txBody>
+                    <a:bodyPr/>
+                    <a:lstStyle/>
+                    <a:p>
+                      <a:pPr algn="l" fontAlgn="t"/>
+                      <a:r>
+                        <a:rPr lang="es-CO" sz="1800" b="1" kern="1200">
+                          <a:solidFill>
+                            <a:schemeClr val="tx1"/>
+                          </a:solidFill>
+                          <a:latin typeface="Bahnschrift Light" panose="020B0502040204020203" pitchFamily="34" charset="0"/>
+                          <a:ea typeface="Adobe Gothic Std B" panose="020B0800000000000000" pitchFamily="34" charset="-128"/>
+                          <a:cs typeface="+mj-cs"/>
+                        </a:rPr>
+                        <a:t>Logistic Regression</a:t>
+                      </a:r>
+                    </a:p>
+                  </a:txBody>
+                  <a:tcPr marL="42945" marR="42945" marT="42945" marB="42945">
+                    <a:lnL>
+                      <a:noFill/>
+                    </a:lnL>
+                    <a:lnR>
+                      <a:noFill/>
+                    </a:lnR>
+                    <a:lnT w="9053" cap="flat" cmpd="sng" algn="ctr">
+                      <a:solidFill>
+                        <a:srgbClr val="DDDDDD"/>
+                      </a:solidFill>
+                      <a:prstDash val="solid"/>
+                      <a:round/>
+                      <a:headEnd type="none" w="med" len="med"/>
+                      <a:tailEnd type="none" w="med" len="med"/>
+                    </a:lnT>
+                    <a:lnB w="9053" cap="flat" cmpd="sng" algn="ctr">
+                      <a:solidFill>
+                        <a:srgbClr val="DDDDDD"/>
+                      </a:solidFill>
+                      <a:prstDash val="solid"/>
+                      <a:round/>
+                      <a:headEnd type="none" w="med" len="med"/>
+                      <a:tailEnd type="none" w="med" len="med"/>
+                    </a:lnB>
+                    <a:solidFill>
+                      <a:srgbClr val="F3F3F3"/>
+                    </a:solidFill>
+                  </a:tcPr>
+                </a:tc>
+                <a:tc>
+                  <a:txBody>
+                    <a:bodyPr/>
+                    <a:lstStyle/>
+                    <a:p>
+                      <a:pPr algn="l" fontAlgn="t"/>
+                      <a:r>
+                        <a:rPr lang="es-ES" sz="1800" kern="1200">
+                          <a:solidFill>
+                            <a:schemeClr val="tx1"/>
+                          </a:solidFill>
+                          <a:latin typeface="Bahnschrift Light" panose="020B0502040204020203" pitchFamily="34" charset="0"/>
+                          <a:ea typeface="Adobe Gothic Std B" panose="020B0800000000000000" pitchFamily="34" charset="-128"/>
+                          <a:cs typeface="+mj-cs"/>
+                        </a:rPr>
+                        <a:t>Predicción de precios de inmuebles</a:t>
+                      </a:r>
+                    </a:p>
+                  </a:txBody>
+                  <a:tcPr marL="42945" marR="42945" marT="42945" marB="42945">
+                    <a:lnL>
+                      <a:noFill/>
+                    </a:lnL>
+                    <a:lnR>
+                      <a:noFill/>
+                    </a:lnR>
+                    <a:lnT w="9053" cap="flat" cmpd="sng" algn="ctr">
+                      <a:solidFill>
+                        <a:srgbClr val="DDDDDD"/>
+                      </a:solidFill>
+                      <a:prstDash val="solid"/>
+                      <a:round/>
+                      <a:headEnd type="none" w="med" len="med"/>
+                      <a:tailEnd type="none" w="med" len="med"/>
+                    </a:lnT>
+                    <a:lnB w="9053" cap="flat" cmpd="sng" algn="ctr">
+                      <a:solidFill>
+                        <a:srgbClr val="DDDDDD"/>
+                      </a:solidFill>
+                      <a:prstDash val="solid"/>
+                      <a:round/>
+                      <a:headEnd type="none" w="med" len="med"/>
+                      <a:tailEnd type="none" w="med" len="med"/>
+                    </a:lnB>
+                    <a:solidFill>
+                      <a:srgbClr val="F3F3F3"/>
+                    </a:solidFill>
+                  </a:tcPr>
+                </a:tc>
+                <a:extLst>
+                  <a:ext uri="{0D108BD9-81ED-4DB2-BD59-A6C34878D82A}">
+                    <a16:rowId xmlns:a16="http://schemas.microsoft.com/office/drawing/2014/main" val="2376049864"/>
+                  </a:ext>
+                </a:extLst>
+              </a:tr>
+              <a:tr h="573844">
+                <a:tc>
+                  <a:txBody>
+                    <a:bodyPr/>
+                    <a:lstStyle/>
+                    <a:p>
+                      <a:pPr algn="l" fontAlgn="t"/>
+                      <a:r>
+                        <a:rPr lang="es-CO" sz="1800" b="1" kern="1200">
+                          <a:solidFill>
+                            <a:schemeClr val="tx1"/>
+                          </a:solidFill>
+                          <a:latin typeface="Bahnschrift Light" panose="020B0502040204020203" pitchFamily="34" charset="0"/>
+                          <a:ea typeface="Adobe Gothic Std B" panose="020B0800000000000000" pitchFamily="34" charset="-128"/>
+                          <a:cs typeface="+mj-cs"/>
+                        </a:rPr>
+                        <a:t>Fully connected networks</a:t>
+                      </a:r>
+                    </a:p>
+                  </a:txBody>
+                  <a:tcPr marL="42945" marR="42945" marT="42945" marB="42945">
+                    <a:lnL>
+                      <a:noFill/>
+                    </a:lnL>
+                    <a:lnR>
+                      <a:noFill/>
+                    </a:lnR>
+                    <a:lnT w="9053" cap="flat" cmpd="sng" algn="ctr">
+                      <a:solidFill>
+                        <a:srgbClr val="DDDDDD"/>
+                      </a:solidFill>
+                      <a:prstDash val="solid"/>
+                      <a:round/>
+                      <a:headEnd type="none" w="med" len="med"/>
+                      <a:tailEnd type="none" w="med" len="med"/>
+                    </a:lnT>
+                    <a:lnB w="9053" cap="flat" cmpd="sng" algn="ctr">
+                      <a:solidFill>
+                        <a:srgbClr val="DDDDDD"/>
+                      </a:solidFill>
+                      <a:prstDash val="solid"/>
+                      <a:round/>
+                      <a:headEnd type="none" w="med" len="med"/>
+                      <a:tailEnd type="none" w="med" len="med"/>
+                    </a:lnB>
+                    <a:solidFill>
+                      <a:srgbClr val="F9F9F9"/>
+                    </a:solidFill>
+                  </a:tcPr>
+                </a:tc>
+                <a:tc>
+                  <a:txBody>
+                    <a:bodyPr/>
+                    <a:lstStyle/>
+                    <a:p>
+                      <a:pPr algn="l" fontAlgn="t"/>
+                      <a:r>
+                        <a:rPr lang="es-CO" sz="1800" kern="1200">
+                          <a:solidFill>
+                            <a:schemeClr val="tx1"/>
+                          </a:solidFill>
+                          <a:latin typeface="Bahnschrift Light" panose="020B0502040204020203" pitchFamily="34" charset="0"/>
+                          <a:ea typeface="Adobe Gothic Std B" panose="020B0800000000000000" pitchFamily="34" charset="-128"/>
+                          <a:cs typeface="+mj-cs"/>
+                        </a:rPr>
+                        <a:t>Clasificación</a:t>
+                      </a:r>
+                    </a:p>
+                  </a:txBody>
+                  <a:tcPr marL="42945" marR="42945" marT="42945" marB="42945">
+                    <a:lnL>
+                      <a:noFill/>
+                    </a:lnL>
+                    <a:lnR>
+                      <a:noFill/>
+                    </a:lnR>
+                    <a:lnT w="9053" cap="flat" cmpd="sng" algn="ctr">
+                      <a:solidFill>
+                        <a:srgbClr val="DDDDDD"/>
+                      </a:solidFill>
+                      <a:prstDash val="solid"/>
+                      <a:round/>
+                      <a:headEnd type="none" w="med" len="med"/>
+                      <a:tailEnd type="none" w="med" len="med"/>
+                    </a:lnT>
+                    <a:lnB w="9053" cap="flat" cmpd="sng" algn="ctr">
+                      <a:solidFill>
+                        <a:srgbClr val="DDDDDD"/>
+                      </a:solidFill>
+                      <a:prstDash val="solid"/>
+                      <a:round/>
+                      <a:headEnd type="none" w="med" len="med"/>
+                      <a:tailEnd type="none" w="med" len="med"/>
+                    </a:lnB>
+                    <a:solidFill>
+                      <a:srgbClr val="F9F9F9"/>
+                    </a:solidFill>
+                  </a:tcPr>
+                </a:tc>
+                <a:extLst>
+                  <a:ext uri="{0D108BD9-81ED-4DB2-BD59-A6C34878D82A}">
+                    <a16:rowId xmlns:a16="http://schemas.microsoft.com/office/drawing/2014/main" val="1348717928"/>
+                  </a:ext>
+                </a:extLst>
+              </a:tr>
+              <a:tr h="573844">
+                <a:tc>
+                  <a:txBody>
+                    <a:bodyPr/>
+                    <a:lstStyle/>
+                    <a:p>
+                      <a:pPr algn="l" fontAlgn="t"/>
+                      <a:r>
+                        <a:rPr lang="es-CO" sz="1800" b="1" kern="1200" dirty="0" err="1">
+                          <a:solidFill>
+                            <a:schemeClr val="tx1"/>
+                          </a:solidFill>
+                          <a:latin typeface="Bahnschrift Light" panose="020B0502040204020203" pitchFamily="34" charset="0"/>
+                          <a:ea typeface="Adobe Gothic Std B" panose="020B0800000000000000" pitchFamily="34" charset="-128"/>
+                          <a:cs typeface="+mj-cs"/>
+                        </a:rPr>
+                        <a:t>Convolutional</a:t>
+                      </a:r>
+                      <a:r>
+                        <a:rPr lang="es-CO" sz="1800" b="1" kern="1200" dirty="0">
+                          <a:solidFill>
+                            <a:schemeClr val="tx1"/>
+                          </a:solidFill>
+                          <a:latin typeface="Bahnschrift Light" panose="020B0502040204020203" pitchFamily="34" charset="0"/>
+                          <a:ea typeface="Adobe Gothic Std B" panose="020B0800000000000000" pitchFamily="34" charset="-128"/>
+                          <a:cs typeface="+mj-cs"/>
+                        </a:rPr>
+                        <a:t> Neural Networks</a:t>
+                      </a:r>
+                    </a:p>
+                  </a:txBody>
+                  <a:tcPr marL="42945" marR="42945" marT="42945" marB="42945">
+                    <a:lnL>
+                      <a:noFill/>
+                    </a:lnL>
+                    <a:lnR>
+                      <a:noFill/>
+                    </a:lnR>
+                    <a:lnT w="9053" cap="flat" cmpd="sng" algn="ctr">
+                      <a:solidFill>
+                        <a:srgbClr val="DDDDDD"/>
+                      </a:solidFill>
+                      <a:prstDash val="solid"/>
+                      <a:round/>
+                      <a:headEnd type="none" w="med" len="med"/>
+                      <a:tailEnd type="none" w="med" len="med"/>
+                    </a:lnT>
+                    <a:lnB w="9053" cap="flat" cmpd="sng" algn="ctr">
+                      <a:solidFill>
+                        <a:srgbClr val="DDDDDD"/>
+                      </a:solidFill>
+                      <a:prstDash val="solid"/>
+                      <a:round/>
+                      <a:headEnd type="none" w="med" len="med"/>
+                      <a:tailEnd type="none" w="med" len="med"/>
+                    </a:lnB>
+                    <a:solidFill>
+                      <a:srgbClr val="FFFFFF"/>
+                    </a:solidFill>
+                  </a:tcPr>
+                </a:tc>
+                <a:tc>
+                  <a:txBody>
+                    <a:bodyPr/>
+                    <a:lstStyle/>
+                    <a:p>
+                      <a:pPr algn="l" fontAlgn="t"/>
+                      <a:r>
+                        <a:rPr lang="es-CO" sz="1800" kern="1200" dirty="0">
+                          <a:solidFill>
+                            <a:schemeClr val="tx1"/>
+                          </a:solidFill>
+                          <a:latin typeface="Bahnschrift Light" panose="020B0502040204020203" pitchFamily="34" charset="0"/>
+                          <a:ea typeface="Adobe Gothic Std B" panose="020B0800000000000000" pitchFamily="34" charset="-128"/>
+                          <a:cs typeface="+mj-cs"/>
+                        </a:rPr>
+                        <a:t>Procesamiento de imágenes para poder encontrar gatitos en las fotos</a:t>
+                      </a:r>
+                    </a:p>
+                  </a:txBody>
+                  <a:tcPr marL="42945" marR="42945" marT="42945" marB="42945">
+                    <a:lnL>
+                      <a:noFill/>
+                    </a:lnL>
+                    <a:lnR>
+                      <a:noFill/>
+                    </a:lnR>
+                    <a:lnT w="9053" cap="flat" cmpd="sng" algn="ctr">
+                      <a:solidFill>
+                        <a:srgbClr val="DDDDDD"/>
+                      </a:solidFill>
+                      <a:prstDash val="solid"/>
+                      <a:round/>
+                      <a:headEnd type="none" w="med" len="med"/>
+                      <a:tailEnd type="none" w="med" len="med"/>
+                    </a:lnT>
+                    <a:lnB w="9053" cap="flat" cmpd="sng" algn="ctr">
+                      <a:solidFill>
+                        <a:srgbClr val="DDDDDD"/>
+                      </a:solidFill>
+                      <a:prstDash val="solid"/>
+                      <a:round/>
+                      <a:headEnd type="none" w="med" len="med"/>
+                      <a:tailEnd type="none" w="med" len="med"/>
+                    </a:lnB>
+                    <a:solidFill>
+                      <a:srgbClr val="FFFFFF"/>
+                    </a:solidFill>
+                  </a:tcPr>
+                </a:tc>
+                <a:extLst>
+                  <a:ext uri="{0D108BD9-81ED-4DB2-BD59-A6C34878D82A}">
+                    <a16:rowId xmlns:a16="http://schemas.microsoft.com/office/drawing/2014/main" val="99491856"/>
+                  </a:ext>
+                </a:extLst>
+              </a:tr>
+              <a:tr h="573844">
+                <a:tc>
+                  <a:txBody>
+                    <a:bodyPr/>
+                    <a:lstStyle/>
+                    <a:p>
+                      <a:pPr algn="l" fontAlgn="t"/>
+                      <a:r>
+                        <a:rPr lang="es-CO" sz="1800" b="1" kern="1200" dirty="0" err="1">
+                          <a:solidFill>
+                            <a:schemeClr val="tx1"/>
+                          </a:solidFill>
+                          <a:latin typeface="Bahnschrift Light" panose="020B0502040204020203" pitchFamily="34" charset="0"/>
+                          <a:ea typeface="Adobe Gothic Std B" panose="020B0800000000000000" pitchFamily="34" charset="-128"/>
+                          <a:cs typeface="+mj-cs"/>
+                        </a:rPr>
+                        <a:t>Recurrent</a:t>
+                      </a:r>
+                      <a:r>
+                        <a:rPr lang="es-CO" sz="1800" b="1" kern="1200" dirty="0">
+                          <a:solidFill>
+                            <a:schemeClr val="tx1"/>
+                          </a:solidFill>
+                          <a:latin typeface="Bahnschrift Light" panose="020B0502040204020203" pitchFamily="34" charset="0"/>
+                          <a:ea typeface="Adobe Gothic Std B" panose="020B0800000000000000" pitchFamily="34" charset="-128"/>
+                          <a:cs typeface="+mj-cs"/>
+                        </a:rPr>
+                        <a:t> Neural Networks</a:t>
+                      </a:r>
+                    </a:p>
+                  </a:txBody>
+                  <a:tcPr marL="42945" marR="42945" marT="42945" marB="42945">
+                    <a:lnL>
+                      <a:noFill/>
+                    </a:lnL>
+                    <a:lnR>
+                      <a:noFill/>
+                    </a:lnR>
+                    <a:lnT w="9053" cap="flat" cmpd="sng" algn="ctr">
+                      <a:solidFill>
+                        <a:srgbClr val="DDDDDD"/>
+                      </a:solidFill>
+                      <a:prstDash val="solid"/>
+                      <a:round/>
+                      <a:headEnd type="none" w="med" len="med"/>
+                      <a:tailEnd type="none" w="med" len="med"/>
+                    </a:lnT>
+                    <a:lnB w="9053" cap="flat" cmpd="sng" algn="ctr">
+                      <a:solidFill>
+                        <a:srgbClr val="DDDDDD"/>
+                      </a:solidFill>
+                      <a:prstDash val="solid"/>
+                      <a:round/>
+                      <a:headEnd type="none" w="med" len="med"/>
+                      <a:tailEnd type="none" w="med" len="med"/>
+                    </a:lnB>
+                    <a:solidFill>
+                      <a:srgbClr val="F9F9F9"/>
+                    </a:solidFill>
+                  </a:tcPr>
+                </a:tc>
+                <a:tc>
+                  <a:txBody>
+                    <a:bodyPr/>
+                    <a:lstStyle/>
+                    <a:p>
+                      <a:pPr algn="l" fontAlgn="t"/>
+                      <a:r>
+                        <a:rPr lang="es-CO" sz="1800" kern="1200">
+                          <a:solidFill>
+                            <a:schemeClr val="tx1"/>
+                          </a:solidFill>
+                          <a:latin typeface="Bahnschrift Light" panose="020B0502040204020203" pitchFamily="34" charset="0"/>
+                          <a:ea typeface="Adobe Gothic Std B" panose="020B0800000000000000" pitchFamily="34" charset="-128"/>
+                          <a:cs typeface="+mj-cs"/>
+                        </a:rPr>
+                        <a:t>Reconocimiento de Voz</a:t>
+                      </a:r>
+                    </a:p>
+                  </a:txBody>
+                  <a:tcPr marL="42945" marR="42945" marT="42945" marB="42945">
+                    <a:lnL>
+                      <a:noFill/>
+                    </a:lnL>
+                    <a:lnR>
+                      <a:noFill/>
+                    </a:lnR>
+                    <a:lnT w="9053" cap="flat" cmpd="sng" algn="ctr">
+                      <a:solidFill>
+                        <a:srgbClr val="DDDDDD"/>
+                      </a:solidFill>
+                      <a:prstDash val="solid"/>
+                      <a:round/>
+                      <a:headEnd type="none" w="med" len="med"/>
+                      <a:tailEnd type="none" w="med" len="med"/>
+                    </a:lnT>
+                    <a:lnB w="9053" cap="flat" cmpd="sng" algn="ctr">
+                      <a:solidFill>
+                        <a:srgbClr val="DDDDDD"/>
+                      </a:solidFill>
+                      <a:prstDash val="solid"/>
+                      <a:round/>
+                      <a:headEnd type="none" w="med" len="med"/>
+                      <a:tailEnd type="none" w="med" len="med"/>
+                    </a:lnB>
+                    <a:solidFill>
+                      <a:srgbClr val="F9F9F9"/>
+                    </a:solidFill>
+                  </a:tcPr>
+                </a:tc>
+                <a:extLst>
+                  <a:ext uri="{0D108BD9-81ED-4DB2-BD59-A6C34878D82A}">
+                    <a16:rowId xmlns:a16="http://schemas.microsoft.com/office/drawing/2014/main" val="546706911"/>
+                  </a:ext>
+                </a:extLst>
+              </a:tr>
+              <a:tr h="411192">
+                <a:tc>
+                  <a:txBody>
+                    <a:bodyPr/>
+                    <a:lstStyle/>
+                    <a:p>
+                      <a:pPr algn="l" fontAlgn="t"/>
+                      <a:r>
+                        <a:rPr lang="es-CO" sz="1800" b="1" kern="1200">
+                          <a:solidFill>
+                            <a:schemeClr val="tx1"/>
+                          </a:solidFill>
+                          <a:latin typeface="Bahnschrift Light" panose="020B0502040204020203" pitchFamily="34" charset="0"/>
+                          <a:ea typeface="Adobe Gothic Std B" panose="020B0800000000000000" pitchFamily="34" charset="-128"/>
+                          <a:cs typeface="+mj-cs"/>
+                        </a:rPr>
+                        <a:t>Random Forest</a:t>
+                      </a:r>
+                    </a:p>
+                  </a:txBody>
+                  <a:tcPr marL="42945" marR="42945" marT="42945" marB="42945">
+                    <a:lnL>
+                      <a:noFill/>
+                    </a:lnL>
+                    <a:lnR>
+                      <a:noFill/>
+                    </a:lnR>
+                    <a:lnT w="9053" cap="flat" cmpd="sng" algn="ctr">
+                      <a:solidFill>
+                        <a:srgbClr val="DDDDDD"/>
+                      </a:solidFill>
+                      <a:prstDash val="solid"/>
+                      <a:round/>
+                      <a:headEnd type="none" w="med" len="med"/>
+                      <a:tailEnd type="none" w="med" len="med"/>
+                    </a:lnT>
+                    <a:lnB w="9053" cap="flat" cmpd="sng" algn="ctr">
+                      <a:solidFill>
+                        <a:srgbClr val="DDDDDD"/>
+                      </a:solidFill>
+                      <a:prstDash val="solid"/>
+                      <a:round/>
+                      <a:headEnd type="none" w="med" len="med"/>
+                      <a:tailEnd type="none" w="med" len="med"/>
+                    </a:lnB>
+                    <a:solidFill>
+                      <a:srgbClr val="FFFFFF"/>
+                    </a:solidFill>
+                  </a:tcPr>
+                </a:tc>
+                <a:tc>
+                  <a:txBody>
+                    <a:bodyPr/>
+                    <a:lstStyle/>
+                    <a:p>
+                      <a:pPr algn="l" fontAlgn="t"/>
+                      <a:r>
+                        <a:rPr lang="es-CO" sz="1800" kern="1200">
+                          <a:solidFill>
+                            <a:schemeClr val="tx1"/>
+                          </a:solidFill>
+                          <a:latin typeface="Bahnschrift Light" panose="020B0502040204020203" pitchFamily="34" charset="0"/>
+                          <a:ea typeface="Adobe Gothic Std B" panose="020B0800000000000000" pitchFamily="34" charset="-128"/>
+                          <a:cs typeface="+mj-cs"/>
+                        </a:rPr>
+                        <a:t>Detección de Fraude</a:t>
+                      </a:r>
+                    </a:p>
+                  </a:txBody>
+                  <a:tcPr marL="42945" marR="42945" marT="42945" marB="42945">
+                    <a:lnL>
+                      <a:noFill/>
+                    </a:lnL>
+                    <a:lnR>
+                      <a:noFill/>
+                    </a:lnR>
+                    <a:lnT w="9053" cap="flat" cmpd="sng" algn="ctr">
+                      <a:solidFill>
+                        <a:srgbClr val="DDDDDD"/>
+                      </a:solidFill>
+                      <a:prstDash val="solid"/>
+                      <a:round/>
+                      <a:headEnd type="none" w="med" len="med"/>
+                      <a:tailEnd type="none" w="med" len="med"/>
+                    </a:lnT>
+                    <a:lnB w="9053" cap="flat" cmpd="sng" algn="ctr">
+                      <a:solidFill>
+                        <a:srgbClr val="DDDDDD"/>
+                      </a:solidFill>
+                      <a:prstDash val="solid"/>
+                      <a:round/>
+                      <a:headEnd type="none" w="med" len="med"/>
+                      <a:tailEnd type="none" w="med" len="med"/>
+                    </a:lnB>
+                    <a:solidFill>
+                      <a:srgbClr val="FFFFFF"/>
+                    </a:solidFill>
+                  </a:tcPr>
+                </a:tc>
+                <a:extLst>
+                  <a:ext uri="{0D108BD9-81ED-4DB2-BD59-A6C34878D82A}">
+                    <a16:rowId xmlns:a16="http://schemas.microsoft.com/office/drawing/2014/main" val="739979497"/>
+                  </a:ext>
+                </a:extLst>
+              </a:tr>
+              <a:tr h="573844">
+                <a:tc>
+                  <a:txBody>
+                    <a:bodyPr/>
+                    <a:lstStyle/>
+                    <a:p>
+                      <a:pPr algn="l" fontAlgn="t"/>
+                      <a:r>
+                        <a:rPr lang="es-CO" sz="1800" b="1" kern="1200">
+                          <a:solidFill>
+                            <a:schemeClr val="tx1"/>
+                          </a:solidFill>
+                          <a:latin typeface="Bahnschrift Light" panose="020B0502040204020203" pitchFamily="34" charset="0"/>
+                          <a:ea typeface="Adobe Gothic Std B" panose="020B0800000000000000" pitchFamily="34" charset="-128"/>
+                          <a:cs typeface="+mj-cs"/>
+                        </a:rPr>
+                        <a:t>Reinforcement Learning</a:t>
+                      </a:r>
+                    </a:p>
+                  </a:txBody>
+                  <a:tcPr marL="42945" marR="42945" marT="42945" marB="42945">
+                    <a:lnL>
+                      <a:noFill/>
+                    </a:lnL>
+                    <a:lnR>
+                      <a:noFill/>
+                    </a:lnR>
+                    <a:lnT w="9053" cap="flat" cmpd="sng" algn="ctr">
+                      <a:solidFill>
+                        <a:srgbClr val="DDDDDD"/>
+                      </a:solidFill>
+                      <a:prstDash val="solid"/>
+                      <a:round/>
+                      <a:headEnd type="none" w="med" len="med"/>
+                      <a:tailEnd type="none" w="med" len="med"/>
+                    </a:lnT>
+                    <a:lnB w="9053" cap="flat" cmpd="sng" algn="ctr">
+                      <a:solidFill>
+                        <a:srgbClr val="DDDDDD"/>
+                      </a:solidFill>
+                      <a:prstDash val="solid"/>
+                      <a:round/>
+                      <a:headEnd type="none" w="med" len="med"/>
+                      <a:tailEnd type="none" w="med" len="med"/>
+                    </a:lnB>
+                    <a:solidFill>
+                      <a:srgbClr val="F9F9F9"/>
+                    </a:solidFill>
+                  </a:tcPr>
+                </a:tc>
+                <a:tc>
+                  <a:txBody>
+                    <a:bodyPr/>
+                    <a:lstStyle/>
+                    <a:p>
+                      <a:pPr algn="l" fontAlgn="t"/>
+                      <a:r>
+                        <a:rPr lang="es-ES" sz="1800" kern="1200">
+                          <a:solidFill>
+                            <a:schemeClr val="tx1"/>
+                          </a:solidFill>
+                          <a:latin typeface="Bahnschrift Light" panose="020B0502040204020203" pitchFamily="34" charset="0"/>
+                          <a:ea typeface="Adobe Gothic Std B" panose="020B0800000000000000" pitchFamily="34" charset="-128"/>
+                          <a:cs typeface="+mj-cs"/>
+                        </a:rPr>
+                        <a:t>Enseñarle a la máquina a jugar videojuegos y vencer!</a:t>
+                      </a:r>
+                    </a:p>
+                  </a:txBody>
+                  <a:tcPr marL="42945" marR="42945" marT="42945" marB="42945">
+                    <a:lnL>
+                      <a:noFill/>
+                    </a:lnL>
+                    <a:lnR>
+                      <a:noFill/>
+                    </a:lnR>
+                    <a:lnT w="9053" cap="flat" cmpd="sng" algn="ctr">
+                      <a:solidFill>
+                        <a:srgbClr val="DDDDDD"/>
+                      </a:solidFill>
+                      <a:prstDash val="solid"/>
+                      <a:round/>
+                      <a:headEnd type="none" w="med" len="med"/>
+                      <a:tailEnd type="none" w="med" len="med"/>
+                    </a:lnT>
+                    <a:lnB w="9053" cap="flat" cmpd="sng" algn="ctr">
+                      <a:solidFill>
+                        <a:srgbClr val="DDDDDD"/>
+                      </a:solidFill>
+                      <a:prstDash val="solid"/>
+                      <a:round/>
+                      <a:headEnd type="none" w="med" len="med"/>
+                      <a:tailEnd type="none" w="med" len="med"/>
+                    </a:lnB>
+                    <a:solidFill>
+                      <a:srgbClr val="F9F9F9"/>
+                    </a:solidFill>
+                  </a:tcPr>
+                </a:tc>
+                <a:extLst>
+                  <a:ext uri="{0D108BD9-81ED-4DB2-BD59-A6C34878D82A}">
+                    <a16:rowId xmlns:a16="http://schemas.microsoft.com/office/drawing/2014/main" val="1338046583"/>
+                  </a:ext>
+                </a:extLst>
+              </a:tr>
+              <a:tr h="411192">
+                <a:tc>
+                  <a:txBody>
+                    <a:bodyPr/>
+                    <a:lstStyle/>
+                    <a:p>
+                      <a:pPr algn="l" fontAlgn="t"/>
+                      <a:r>
+                        <a:rPr lang="es-CO" sz="1800" b="1" kern="1200">
+                          <a:solidFill>
+                            <a:schemeClr val="tx1"/>
+                          </a:solidFill>
+                          <a:latin typeface="Bahnschrift Light" panose="020B0502040204020203" pitchFamily="34" charset="0"/>
+                          <a:ea typeface="Adobe Gothic Std B" panose="020B0800000000000000" pitchFamily="34" charset="-128"/>
+                          <a:cs typeface="+mj-cs"/>
+                        </a:rPr>
+                        <a:t>Generative Models</a:t>
+                      </a:r>
+                    </a:p>
+                  </a:txBody>
+                  <a:tcPr marL="42945" marR="42945" marT="42945" marB="42945">
+                    <a:lnL>
+                      <a:noFill/>
+                    </a:lnL>
+                    <a:lnR>
+                      <a:noFill/>
+                    </a:lnR>
+                    <a:lnT w="9053" cap="flat" cmpd="sng" algn="ctr">
+                      <a:solidFill>
+                        <a:srgbClr val="DDDDDD"/>
+                      </a:solidFill>
+                      <a:prstDash val="solid"/>
+                      <a:round/>
+                      <a:headEnd type="none" w="med" len="med"/>
+                      <a:tailEnd type="none" w="med" len="med"/>
+                    </a:lnT>
+                    <a:lnB w="9053" cap="flat" cmpd="sng" algn="ctr">
+                      <a:solidFill>
+                        <a:srgbClr val="DDDDDD"/>
+                      </a:solidFill>
+                      <a:prstDash val="solid"/>
+                      <a:round/>
+                      <a:headEnd type="none" w="med" len="med"/>
+                      <a:tailEnd type="none" w="med" len="med"/>
+                    </a:lnB>
+                    <a:solidFill>
+                      <a:srgbClr val="FFFFFF"/>
+                    </a:solidFill>
+                  </a:tcPr>
+                </a:tc>
+                <a:tc>
+                  <a:txBody>
+                    <a:bodyPr/>
+                    <a:lstStyle/>
+                    <a:p>
+                      <a:pPr algn="l" fontAlgn="t"/>
+                      <a:r>
+                        <a:rPr lang="es-CO" sz="1800" kern="1200">
+                          <a:solidFill>
+                            <a:schemeClr val="tx1"/>
+                          </a:solidFill>
+                          <a:latin typeface="Bahnschrift Light" panose="020B0502040204020203" pitchFamily="34" charset="0"/>
+                          <a:ea typeface="Adobe Gothic Std B" panose="020B0800000000000000" pitchFamily="34" charset="-128"/>
+                          <a:cs typeface="+mj-cs"/>
+                        </a:rPr>
+                        <a:t>Creación de imágenes</a:t>
+                      </a:r>
+                    </a:p>
+                  </a:txBody>
+                  <a:tcPr marL="42945" marR="42945" marT="42945" marB="42945">
+                    <a:lnL>
+                      <a:noFill/>
+                    </a:lnL>
+                    <a:lnR>
+                      <a:noFill/>
+                    </a:lnR>
+                    <a:lnT w="9053" cap="flat" cmpd="sng" algn="ctr">
+                      <a:solidFill>
+                        <a:srgbClr val="DDDDDD"/>
+                      </a:solidFill>
+                      <a:prstDash val="solid"/>
+                      <a:round/>
+                      <a:headEnd type="none" w="med" len="med"/>
+                      <a:tailEnd type="none" w="med" len="med"/>
+                    </a:lnT>
+                    <a:lnB w="9053" cap="flat" cmpd="sng" algn="ctr">
+                      <a:solidFill>
+                        <a:srgbClr val="DDDDDD"/>
+                      </a:solidFill>
+                      <a:prstDash val="solid"/>
+                      <a:round/>
+                      <a:headEnd type="none" w="med" len="med"/>
+                      <a:tailEnd type="none" w="med" len="med"/>
+                    </a:lnB>
+                    <a:solidFill>
+                      <a:srgbClr val="FFFFFF"/>
+                    </a:solidFill>
+                  </a:tcPr>
+                </a:tc>
+                <a:extLst>
+                  <a:ext uri="{0D108BD9-81ED-4DB2-BD59-A6C34878D82A}">
+                    <a16:rowId xmlns:a16="http://schemas.microsoft.com/office/drawing/2014/main" val="2056552840"/>
+                  </a:ext>
+                </a:extLst>
+              </a:tr>
+              <a:tr h="573844">
+                <a:tc>
+                  <a:txBody>
+                    <a:bodyPr/>
+                    <a:lstStyle/>
+                    <a:p>
+                      <a:pPr algn="l" fontAlgn="t"/>
+                      <a:r>
+                        <a:rPr lang="es-CO" sz="1800" b="1" kern="1200" dirty="0">
+                          <a:solidFill>
+                            <a:schemeClr val="tx1"/>
+                          </a:solidFill>
+                          <a:latin typeface="Bahnschrift Light" panose="020B0502040204020203" pitchFamily="34" charset="0"/>
+                          <a:ea typeface="Adobe Gothic Std B" panose="020B0800000000000000" pitchFamily="34" charset="-128"/>
+                          <a:cs typeface="+mj-cs"/>
+                        </a:rPr>
+                        <a:t>K-</a:t>
+                      </a:r>
+                      <a:r>
+                        <a:rPr lang="es-CO" sz="1800" b="1" kern="1200" dirty="0" err="1">
+                          <a:solidFill>
+                            <a:schemeClr val="tx1"/>
+                          </a:solidFill>
+                          <a:latin typeface="Bahnschrift Light" panose="020B0502040204020203" pitchFamily="34" charset="0"/>
+                          <a:ea typeface="Adobe Gothic Std B" panose="020B0800000000000000" pitchFamily="34" charset="-128"/>
+                          <a:cs typeface="+mj-cs"/>
+                        </a:rPr>
+                        <a:t>means</a:t>
+                      </a:r>
+                      <a:endParaRPr lang="es-CO" sz="1800" b="1" kern="1200" dirty="0">
+                        <a:solidFill>
+                          <a:schemeClr val="tx1"/>
+                        </a:solidFill>
+                        <a:latin typeface="Bahnschrift Light" panose="020B0502040204020203" pitchFamily="34" charset="0"/>
+                        <a:ea typeface="Adobe Gothic Std B" panose="020B0800000000000000" pitchFamily="34" charset="-128"/>
+                        <a:cs typeface="+mj-cs"/>
+                      </a:endParaRPr>
+                    </a:p>
+                  </a:txBody>
+                  <a:tcPr marL="42945" marR="42945" marT="42945" marB="42945">
+                    <a:lnL>
+                      <a:noFill/>
+                    </a:lnL>
+                    <a:lnR>
+                      <a:noFill/>
+                    </a:lnR>
+                    <a:lnT w="9053" cap="flat" cmpd="sng" algn="ctr">
+                      <a:solidFill>
+                        <a:srgbClr val="DDDDDD"/>
+                      </a:solidFill>
+                      <a:prstDash val="solid"/>
+                      <a:round/>
+                      <a:headEnd type="none" w="med" len="med"/>
+                      <a:tailEnd type="none" w="med" len="med"/>
+                    </a:lnT>
+                    <a:lnB>
+                      <a:noFill/>
+                    </a:lnB>
+                    <a:solidFill>
+                      <a:srgbClr val="F9F9F9"/>
+                    </a:solidFill>
+                  </a:tcPr>
+                </a:tc>
+                <a:tc>
+                  <a:txBody>
+                    <a:bodyPr/>
+                    <a:lstStyle/>
+                    <a:p>
+                      <a:pPr algn="l" fontAlgn="t"/>
+                      <a:r>
+                        <a:rPr lang="es-ES" sz="1800" kern="1200" dirty="0">
+                          <a:solidFill>
+                            <a:schemeClr val="tx1"/>
+                          </a:solidFill>
+                          <a:latin typeface="Bahnschrift Light" panose="020B0502040204020203" pitchFamily="34" charset="0"/>
+                          <a:ea typeface="Adobe Gothic Std B" panose="020B0800000000000000" pitchFamily="34" charset="-128"/>
+                          <a:cs typeface="+mj-cs"/>
+                        </a:rPr>
+                        <a:t>Crear </a:t>
+                      </a:r>
+                      <a:r>
+                        <a:rPr lang="es-ES" sz="1800" kern="1200" dirty="0" err="1">
+                          <a:solidFill>
+                            <a:schemeClr val="tx1"/>
+                          </a:solidFill>
+                          <a:latin typeface="Bahnschrift Light" panose="020B0502040204020203" pitchFamily="34" charset="0"/>
+                          <a:ea typeface="Adobe Gothic Std B" panose="020B0800000000000000" pitchFamily="34" charset="-128"/>
+                          <a:cs typeface="+mj-cs"/>
+                        </a:rPr>
+                        <a:t>Clusters</a:t>
+                      </a:r>
+                      <a:r>
+                        <a:rPr lang="es-ES" sz="1800" kern="1200" dirty="0">
+                          <a:solidFill>
+                            <a:schemeClr val="tx1"/>
+                          </a:solidFill>
+                          <a:latin typeface="Bahnschrift Light" panose="020B0502040204020203" pitchFamily="34" charset="0"/>
+                          <a:ea typeface="Adobe Gothic Std B" panose="020B0800000000000000" pitchFamily="34" charset="-128"/>
+                          <a:cs typeface="+mj-cs"/>
+                        </a:rPr>
+                        <a:t> a partir de datos sin etiquetar. Segmentar audiencias o Inventarios</a:t>
+                      </a:r>
+                    </a:p>
+                  </a:txBody>
+                  <a:tcPr marL="42945" marR="42945" marT="42945" marB="42945">
+                    <a:lnL>
+                      <a:noFill/>
+                    </a:lnL>
+                    <a:lnR>
+                      <a:noFill/>
+                    </a:lnR>
+                    <a:lnT w="9053" cap="flat" cmpd="sng" algn="ctr">
+                      <a:solidFill>
+                        <a:srgbClr val="DDDDDD"/>
+                      </a:solidFill>
+                      <a:prstDash val="solid"/>
+                      <a:round/>
+                      <a:headEnd type="none" w="med" len="med"/>
+                      <a:tailEnd type="none" w="med" len="med"/>
+                    </a:lnT>
+                    <a:lnB>
+                      <a:noFill/>
+                    </a:lnB>
+                    <a:solidFill>
+                      <a:srgbClr val="F9F9F9"/>
+                    </a:solidFill>
+                  </a:tcPr>
+                </a:tc>
+                <a:extLst>
+                  <a:ext uri="{0D108BD9-81ED-4DB2-BD59-A6C34878D82A}">
+                    <a16:rowId xmlns:a16="http://schemas.microsoft.com/office/drawing/2014/main" val="582229167"/>
+                  </a:ext>
+                </a:extLst>
+              </a:tr>
+            </a:tbl>
+          </a:graphicData>
+        </a:graphic>
+      </p:graphicFrame>
+      <p:pic>
+        <p:nvPicPr>
+          <p:cNvPr id="4098" name="Picture 2" descr="Resultado de imagen para redes neuronales">
+            <a:extLst>
+              <a:ext uri="{FF2B5EF4-FFF2-40B4-BE49-F238E27FC236}">
+                <a16:creationId xmlns:a16="http://schemas.microsoft.com/office/drawing/2014/main" id="{A4C33763-CC7C-4979-99A0-BC6E955A72BE}"/>
+              </a:ext>
+            </a:extLst>
+          </p:cNvPr>
+          <p:cNvPicPr>
+            <a:picLocks noChangeAspect="1" noChangeArrowheads="1"/>
+          </p:cNvPicPr>
+          <p:nvPr/>
+        </p:nvPicPr>
+        <p:blipFill>
+          <a:blip r:embed="rId2">
+            <a:extLst>
+              <a:ext uri="{28A0092B-C50C-407E-A947-70E740481C1C}">
+                <a14:useLocalDpi xmlns:a14="http://schemas.microsoft.com/office/drawing/2010/main" val="0"/>
+              </a:ext>
+            </a:extLst>
+          </a:blip>
+          <a:srcRect/>
+          <a:stretch>
+            <a:fillRect/>
+          </a:stretch>
+        </p:blipFill>
+        <p:spPr bwMode="auto">
+          <a:xfrm>
+            <a:off x="262069" y="1578187"/>
+            <a:ext cx="3541665" cy="4258277"/>
+          </a:xfrm>
+          <a:prstGeom prst="rect">
+            <a:avLst/>
+          </a:prstGeom>
+          <a:noFill/>
+          <a:extLst>
+            <a:ext uri="{909E8E84-426E-40DD-AFC4-6F175D3DCCD1}">
+              <a14:hiddenFill xmlns:a14="http://schemas.microsoft.com/office/drawing/2010/main">
+                <a:solidFill>
+                  <a:srgbClr val="FFFFFF"/>
+                </a:solidFill>
+              </a14:hiddenFill>
+            </a:ext>
+          </a:extLst>
+        </p:spPr>
+      </p:pic>
+    </p:spTree>
+    <p:extLst>
+      <p:ext uri="{BB962C8B-B14F-4D97-AF65-F5344CB8AC3E}">
+        <p14:creationId xmlns:p14="http://schemas.microsoft.com/office/powerpoint/2010/main" val="3937841868"/>
       </p:ext>
     </p:extLst>
   </p:cSld>
@@ -5048,7 +7157,2286 @@
 </p:sld>
 </file>
 
+<file path=ppt/slides/slide20.xml><?xml version="1.0" encoding="utf-8"?>
+<p:sld xmlns:a="http://schemas.openxmlformats.org/drawingml/2006/main" xmlns:r="http://schemas.openxmlformats.org/officeDocument/2006/relationships" xmlns:p="http://schemas.openxmlformats.org/presentationml/2006/main">
+  <p:cSld>
+    <p:spTree>
+      <p:nvGrpSpPr>
+        <p:cNvPr id="1" name=""/>
+        <p:cNvGrpSpPr/>
+        <p:nvPr/>
+      </p:nvGrpSpPr>
+      <p:grpSpPr>
+        <a:xfrm>
+          <a:off x="0" y="0"/>
+          <a:ext cx="0" cy="0"/>
+          <a:chOff x="0" y="0"/>
+          <a:chExt cx="0" cy="0"/>
+        </a:xfrm>
+      </p:grpSpPr>
+      <p:sp>
+        <p:nvSpPr>
+          <p:cNvPr id="6" name="Título 1">
+            <a:extLst>
+              <a:ext uri="{FF2B5EF4-FFF2-40B4-BE49-F238E27FC236}">
+                <a16:creationId xmlns:a16="http://schemas.microsoft.com/office/drawing/2014/main" id="{D1F20A51-A41F-4529-A96C-C271EA4C0F09}"/>
+              </a:ext>
+            </a:extLst>
+          </p:cNvPr>
+          <p:cNvSpPr txBox="1">
+            <a:spLocks/>
+          </p:cNvSpPr>
+          <p:nvPr/>
+        </p:nvSpPr>
+        <p:spPr>
+          <a:xfrm>
+            <a:off x="237979" y="0"/>
+            <a:ext cx="9170941" cy="1085319"/>
+          </a:xfrm>
+          <a:prstGeom prst="rect">
+            <a:avLst/>
+          </a:prstGeom>
+        </p:spPr>
+        <p:txBody>
+          <a:bodyPr vert="horz" lIns="91440" tIns="45720" rIns="91440" bIns="45720" rtlCol="0" anchor="b">
+            <a:noAutofit/>
+          </a:bodyPr>
+          <a:lstStyle>
+            <a:lvl1pPr algn="ctr" defTabSz="914400" rtl="0" eaLnBrk="1" latinLnBrk="0" hangingPunct="1">
+              <a:lnSpc>
+                <a:spcPct val="90000"/>
+              </a:lnSpc>
+              <a:spcBef>
+                <a:spcPct val="0"/>
+              </a:spcBef>
+              <a:buNone/>
+              <a:defRPr sz="6000" kern="1200">
+                <a:solidFill>
+                  <a:schemeClr val="tx1"/>
+                </a:solidFill>
+                <a:latin typeface="+mj-lt"/>
+                <a:ea typeface="+mj-ea"/>
+                <a:cs typeface="+mj-cs"/>
+              </a:defRPr>
+            </a:lvl1pPr>
+          </a:lstStyle>
+          <a:p>
+            <a:pPr algn="l"/>
+            <a:r>
+              <a:rPr lang="es-ES" b="1" dirty="0">
+                <a:latin typeface="Bahnschrift Condensed" panose="020B0502040204020203" pitchFamily="34" charset="0"/>
+                <a:ea typeface="Adobe Gothic Std B" panose="020B0800000000000000" pitchFamily="34" charset="-128"/>
+              </a:rPr>
+              <a:t>Paso 4 Entrenar nuestra máquina</a:t>
+            </a:r>
+            <a:endParaRPr lang="es-CO" b="1" dirty="0">
+              <a:latin typeface="Bahnschrift Condensed" panose="020B0502040204020203" pitchFamily="34" charset="0"/>
+              <a:ea typeface="Adobe Gothic Std B" panose="020B0800000000000000" pitchFamily="34" charset="-128"/>
+            </a:endParaRPr>
+          </a:p>
+        </p:txBody>
+      </p:sp>
+      <p:sp>
+        <p:nvSpPr>
+          <p:cNvPr id="2" name="Rectángulo 1">
+            <a:extLst>
+              <a:ext uri="{FF2B5EF4-FFF2-40B4-BE49-F238E27FC236}">
+                <a16:creationId xmlns:a16="http://schemas.microsoft.com/office/drawing/2014/main" id="{0783FD38-F043-4DD5-94E7-2A9CBDDA502F}"/>
+              </a:ext>
+            </a:extLst>
+          </p:cNvPr>
+          <p:cNvSpPr/>
+          <p:nvPr/>
+        </p:nvSpPr>
+        <p:spPr>
+          <a:xfrm>
+            <a:off x="637516" y="2630355"/>
+            <a:ext cx="5361062" cy="2246769"/>
+          </a:xfrm>
+          <a:prstGeom prst="rect">
+            <a:avLst/>
+          </a:prstGeom>
+        </p:spPr>
+        <p:txBody>
+          <a:bodyPr wrap="square">
+            <a:spAutoFit/>
+          </a:bodyPr>
+          <a:lstStyle/>
+          <a:p>
+            <a:r>
+              <a:rPr lang="es-ES" sz="2800" dirty="0">
+                <a:latin typeface="Bahnschrift Light" panose="020B0502040204020203" pitchFamily="34" charset="0"/>
+                <a:ea typeface="Adobe Gothic Std B" panose="020B0800000000000000" pitchFamily="34" charset="-128"/>
+                <a:cs typeface="+mj-cs"/>
+              </a:rPr>
+              <a:t>Utilizaremos el set de datos de entrenamiento para ejecutar nuestra máquina y deberemos de ver una mejora incremental (para la predicción).</a:t>
+            </a:r>
+            <a:endParaRPr lang="es-CO" sz="2800" dirty="0">
+              <a:latin typeface="Bahnschrift Light" panose="020B0502040204020203" pitchFamily="34" charset="0"/>
+              <a:ea typeface="Adobe Gothic Std B" panose="020B0800000000000000" pitchFamily="34" charset="-128"/>
+              <a:cs typeface="+mj-cs"/>
+            </a:endParaRPr>
+          </a:p>
+        </p:txBody>
+      </p:sp>
+      <p:pic>
+        <p:nvPicPr>
+          <p:cNvPr id="6146" name="Picture 2" descr="Resultado de imagen para machine learning">
+            <a:extLst>
+              <a:ext uri="{FF2B5EF4-FFF2-40B4-BE49-F238E27FC236}">
+                <a16:creationId xmlns:a16="http://schemas.microsoft.com/office/drawing/2014/main" id="{3E042BAD-10D5-4794-AABE-B8773DA1AECC}"/>
+              </a:ext>
+            </a:extLst>
+          </p:cNvPr>
+          <p:cNvPicPr>
+            <a:picLocks noChangeAspect="1" noChangeArrowheads="1"/>
+          </p:cNvPicPr>
+          <p:nvPr/>
+        </p:nvPicPr>
+        <p:blipFill>
+          <a:blip r:embed="rId2">
+            <a:extLst>
+              <a:ext uri="{28A0092B-C50C-407E-A947-70E740481C1C}">
+                <a14:useLocalDpi xmlns:a14="http://schemas.microsoft.com/office/drawing/2010/main" val="0"/>
+              </a:ext>
+            </a:extLst>
+          </a:blip>
+          <a:srcRect/>
+          <a:stretch>
+            <a:fillRect/>
+          </a:stretch>
+        </p:blipFill>
+        <p:spPr bwMode="auto">
+          <a:xfrm>
+            <a:off x="6545092" y="1743589"/>
+            <a:ext cx="5009392" cy="4293765"/>
+          </a:xfrm>
+          <a:prstGeom prst="rect">
+            <a:avLst/>
+          </a:prstGeom>
+          <a:noFill/>
+          <a:extLst>
+            <a:ext uri="{909E8E84-426E-40DD-AFC4-6F175D3DCCD1}">
+              <a14:hiddenFill xmlns:a14="http://schemas.microsoft.com/office/drawing/2010/main">
+                <a:solidFill>
+                  <a:srgbClr val="FFFFFF"/>
+                </a:solidFill>
+              </a14:hiddenFill>
+            </a:ext>
+          </a:extLst>
+        </p:spPr>
+      </p:pic>
+    </p:spTree>
+    <p:extLst>
+      <p:ext uri="{BB962C8B-B14F-4D97-AF65-F5344CB8AC3E}">
+        <p14:creationId xmlns:p14="http://schemas.microsoft.com/office/powerpoint/2010/main" val="1424341330"/>
+      </p:ext>
+    </p:extLst>
+  </p:cSld>
+  <p:clrMapOvr>
+    <a:masterClrMapping/>
+  </p:clrMapOvr>
+</p:sld>
+</file>
+
+<file path=ppt/slides/slide21.xml><?xml version="1.0" encoding="utf-8"?>
+<p:sld xmlns:a="http://schemas.openxmlformats.org/drawingml/2006/main" xmlns:r="http://schemas.openxmlformats.org/officeDocument/2006/relationships" xmlns:p="http://schemas.openxmlformats.org/presentationml/2006/main">
+  <p:cSld>
+    <p:spTree>
+      <p:nvGrpSpPr>
+        <p:cNvPr id="1" name=""/>
+        <p:cNvGrpSpPr/>
+        <p:nvPr/>
+      </p:nvGrpSpPr>
+      <p:grpSpPr>
+        <a:xfrm>
+          <a:off x="0" y="0"/>
+          <a:ext cx="0" cy="0"/>
+          <a:chOff x="0" y="0"/>
+          <a:chExt cx="0" cy="0"/>
+        </a:xfrm>
+      </p:grpSpPr>
+      <p:sp>
+        <p:nvSpPr>
+          <p:cNvPr id="6" name="Título 1">
+            <a:extLst>
+              <a:ext uri="{FF2B5EF4-FFF2-40B4-BE49-F238E27FC236}">
+                <a16:creationId xmlns:a16="http://schemas.microsoft.com/office/drawing/2014/main" id="{D1F20A51-A41F-4529-A96C-C271EA4C0F09}"/>
+              </a:ext>
+            </a:extLst>
+          </p:cNvPr>
+          <p:cNvSpPr txBox="1">
+            <a:spLocks/>
+          </p:cNvSpPr>
+          <p:nvPr/>
+        </p:nvSpPr>
+        <p:spPr>
+          <a:xfrm>
+            <a:off x="237979" y="0"/>
+            <a:ext cx="9170941" cy="1085319"/>
+          </a:xfrm>
+          <a:prstGeom prst="rect">
+            <a:avLst/>
+          </a:prstGeom>
+        </p:spPr>
+        <p:txBody>
+          <a:bodyPr vert="horz" lIns="91440" tIns="45720" rIns="91440" bIns="45720" rtlCol="0" anchor="b">
+            <a:noAutofit/>
+          </a:bodyPr>
+          <a:lstStyle>
+            <a:lvl1pPr algn="ctr" defTabSz="914400" rtl="0" eaLnBrk="1" latinLnBrk="0" hangingPunct="1">
+              <a:lnSpc>
+                <a:spcPct val="90000"/>
+              </a:lnSpc>
+              <a:spcBef>
+                <a:spcPct val="0"/>
+              </a:spcBef>
+              <a:buNone/>
+              <a:defRPr sz="6000" kern="1200">
+                <a:solidFill>
+                  <a:schemeClr val="tx1"/>
+                </a:solidFill>
+                <a:latin typeface="+mj-lt"/>
+                <a:ea typeface="+mj-ea"/>
+                <a:cs typeface="+mj-cs"/>
+              </a:defRPr>
+            </a:lvl1pPr>
+          </a:lstStyle>
+          <a:p>
+            <a:pPr algn="l"/>
+            <a:r>
+              <a:rPr lang="es-ES" b="1" dirty="0">
+                <a:latin typeface="Bahnschrift Condensed" panose="020B0502040204020203" pitchFamily="34" charset="0"/>
+                <a:ea typeface="Adobe Gothic Std B" panose="020B0800000000000000" pitchFamily="34" charset="-128"/>
+              </a:rPr>
+              <a:t>Paso 5 Evaluación</a:t>
+            </a:r>
+            <a:endParaRPr lang="es-CO" b="1" dirty="0">
+              <a:latin typeface="Bahnschrift Condensed" panose="020B0502040204020203" pitchFamily="34" charset="0"/>
+              <a:ea typeface="Adobe Gothic Std B" panose="020B0800000000000000" pitchFamily="34" charset="-128"/>
+            </a:endParaRPr>
+          </a:p>
+        </p:txBody>
+      </p:sp>
+      <p:sp>
+        <p:nvSpPr>
+          <p:cNvPr id="2" name="Rectángulo 1">
+            <a:extLst>
+              <a:ext uri="{FF2B5EF4-FFF2-40B4-BE49-F238E27FC236}">
+                <a16:creationId xmlns:a16="http://schemas.microsoft.com/office/drawing/2014/main" id="{0783FD38-F043-4DD5-94E7-2A9CBDDA502F}"/>
+              </a:ext>
+            </a:extLst>
+          </p:cNvPr>
+          <p:cNvSpPr/>
+          <p:nvPr/>
+        </p:nvSpPr>
+        <p:spPr>
+          <a:xfrm>
+            <a:off x="3349951" y="2167093"/>
+            <a:ext cx="8125504" cy="3539430"/>
+          </a:xfrm>
+          <a:prstGeom prst="rect">
+            <a:avLst/>
+          </a:prstGeom>
+        </p:spPr>
+        <p:txBody>
+          <a:bodyPr wrap="square">
+            <a:spAutoFit/>
+          </a:bodyPr>
+          <a:lstStyle/>
+          <a:p>
+            <a:pPr algn="just"/>
+            <a:r>
+              <a:rPr lang="es-ES" sz="2800" dirty="0">
+                <a:latin typeface="Bahnschrift Light" panose="020B0502040204020203" pitchFamily="34" charset="0"/>
+                <a:ea typeface="Adobe Gothic Std B" panose="020B0800000000000000" pitchFamily="34" charset="-128"/>
+                <a:cs typeface="+mj-cs"/>
+              </a:rPr>
+              <a:t>Deberemos comprobar que nuestro set de datos de Evaluación que contiene entradas que el modelo desconoce y verificar la precisión de nuestro modelo ya entrenado. Si la exactitud es menor o igual al 50% ese modelo no será útil ya que sería como lanzar una moneda al aire. Si alcanzamos un 90% o más podremos tener una buena confianza en los resultados que nos otorga el modelo.</a:t>
+            </a:r>
+            <a:endParaRPr lang="es-CO" sz="2800" dirty="0">
+              <a:latin typeface="Bahnschrift Light" panose="020B0502040204020203" pitchFamily="34" charset="0"/>
+              <a:ea typeface="Adobe Gothic Std B" panose="020B0800000000000000" pitchFamily="34" charset="-128"/>
+              <a:cs typeface="+mj-cs"/>
+            </a:endParaRPr>
+          </a:p>
+        </p:txBody>
+      </p:sp>
+      <p:grpSp>
+        <p:nvGrpSpPr>
+          <p:cNvPr id="4" name="Grupo 3">
+            <a:extLst>
+              <a:ext uri="{FF2B5EF4-FFF2-40B4-BE49-F238E27FC236}">
+                <a16:creationId xmlns:a16="http://schemas.microsoft.com/office/drawing/2014/main" id="{E74A8222-04C9-4B06-8E5E-A80509F84489}"/>
+              </a:ext>
+            </a:extLst>
+          </p:cNvPr>
+          <p:cNvGrpSpPr/>
+          <p:nvPr/>
+        </p:nvGrpSpPr>
+        <p:grpSpPr>
+          <a:xfrm>
+            <a:off x="0" y="1745371"/>
+            <a:ext cx="2812344" cy="4612700"/>
+            <a:chOff x="1003743" y="1608638"/>
+            <a:chExt cx="2812344" cy="4612700"/>
+          </a:xfrm>
+        </p:grpSpPr>
+        <p:pic>
+          <p:nvPicPr>
+            <p:cNvPr id="7170" name="Picture 2" descr="Imagen relacionada">
+              <a:extLst>
+                <a:ext uri="{FF2B5EF4-FFF2-40B4-BE49-F238E27FC236}">
+                  <a16:creationId xmlns:a16="http://schemas.microsoft.com/office/drawing/2014/main" id="{AA30E72E-A67D-4D66-851D-278C29FEFD63}"/>
+                </a:ext>
+              </a:extLst>
+            </p:cNvPr>
+            <p:cNvPicPr>
+              <a:picLocks noChangeAspect="1" noChangeArrowheads="1"/>
+            </p:cNvPicPr>
+            <p:nvPr/>
+          </p:nvPicPr>
+          <p:blipFill>
+            <a:blip r:embed="rId2">
+              <a:extLst>
+                <a:ext uri="{28A0092B-C50C-407E-A947-70E740481C1C}">
+                  <a14:useLocalDpi xmlns:a14="http://schemas.microsoft.com/office/drawing/2010/main" val="0"/>
+                </a:ext>
+              </a:extLst>
+            </a:blip>
+            <a:srcRect/>
+            <a:stretch>
+              <a:fillRect/>
+            </a:stretch>
+          </p:blipFill>
+          <p:spPr bwMode="auto">
+            <a:xfrm>
+              <a:off x="1003743" y="1608638"/>
+              <a:ext cx="2812344" cy="4382874"/>
+            </a:xfrm>
+            <a:prstGeom prst="rect">
+              <a:avLst/>
+            </a:prstGeom>
+            <a:noFill/>
+            <a:extLst>
+              <a:ext uri="{909E8E84-426E-40DD-AFC4-6F175D3DCCD1}">
+                <a14:hiddenFill xmlns:a14="http://schemas.microsoft.com/office/drawing/2010/main">
+                  <a:solidFill>
+                    <a:srgbClr val="FFFFFF"/>
+                  </a:solidFill>
+                </a14:hiddenFill>
+              </a:ext>
+            </a:extLst>
+          </p:spPr>
+        </p:pic>
+        <p:sp>
+          <p:nvSpPr>
+            <p:cNvPr id="3" name="Rectángulo 2">
+              <a:extLst>
+                <a:ext uri="{FF2B5EF4-FFF2-40B4-BE49-F238E27FC236}">
+                  <a16:creationId xmlns:a16="http://schemas.microsoft.com/office/drawing/2014/main" id="{34528B04-CC2F-476E-8A43-B20077BC333D}"/>
+                </a:ext>
+              </a:extLst>
+            </p:cNvPr>
+            <p:cNvSpPr/>
+            <p:nvPr/>
+          </p:nvSpPr>
+          <p:spPr>
+            <a:xfrm>
+              <a:off x="1768979" y="5751320"/>
+              <a:ext cx="1469877" cy="470018"/>
+            </a:xfrm>
+            <a:prstGeom prst="rect">
+              <a:avLst/>
+            </a:prstGeom>
+            <a:ln>
+              <a:noFill/>
+            </a:ln>
+          </p:spPr>
+          <p:style>
+            <a:lnRef idx="2">
+              <a:schemeClr val="accent1"/>
+            </a:lnRef>
+            <a:fillRef idx="1">
+              <a:schemeClr val="lt1"/>
+            </a:fillRef>
+            <a:effectRef idx="0">
+              <a:schemeClr val="accent1"/>
+            </a:effectRef>
+            <a:fontRef idx="minor">
+              <a:schemeClr val="dk1"/>
+            </a:fontRef>
+          </p:style>
+          <p:txBody>
+            <a:bodyPr rtlCol="0" anchor="ctr"/>
+            <a:lstStyle/>
+            <a:p>
+              <a:pPr algn="ctr"/>
+              <a:endParaRPr lang="es-CO"/>
+            </a:p>
+          </p:txBody>
+        </p:sp>
+      </p:grpSp>
+    </p:spTree>
+    <p:extLst>
+      <p:ext uri="{BB962C8B-B14F-4D97-AF65-F5344CB8AC3E}">
+        <p14:creationId xmlns:p14="http://schemas.microsoft.com/office/powerpoint/2010/main" val="3212959812"/>
+      </p:ext>
+    </p:extLst>
+  </p:cSld>
+  <p:clrMapOvr>
+    <a:masterClrMapping/>
+  </p:clrMapOvr>
+</p:sld>
+</file>
+
+<file path=ppt/slides/slide22.xml><?xml version="1.0" encoding="utf-8"?>
+<p:sld xmlns:a="http://schemas.openxmlformats.org/drawingml/2006/main" xmlns:r="http://schemas.openxmlformats.org/officeDocument/2006/relationships" xmlns:p="http://schemas.openxmlformats.org/presentationml/2006/main">
+  <p:cSld>
+    <p:spTree>
+      <p:nvGrpSpPr>
+        <p:cNvPr id="1" name=""/>
+        <p:cNvGrpSpPr/>
+        <p:nvPr/>
+      </p:nvGrpSpPr>
+      <p:grpSpPr>
+        <a:xfrm>
+          <a:off x="0" y="0"/>
+          <a:ext cx="0" cy="0"/>
+          <a:chOff x="0" y="0"/>
+          <a:chExt cx="0" cy="0"/>
+        </a:xfrm>
+      </p:grpSpPr>
+      <p:sp>
+        <p:nvSpPr>
+          <p:cNvPr id="6" name="Título 1">
+            <a:extLst>
+              <a:ext uri="{FF2B5EF4-FFF2-40B4-BE49-F238E27FC236}">
+                <a16:creationId xmlns:a16="http://schemas.microsoft.com/office/drawing/2014/main" id="{D1F20A51-A41F-4529-A96C-C271EA4C0F09}"/>
+              </a:ext>
+            </a:extLst>
+          </p:cNvPr>
+          <p:cNvSpPr txBox="1">
+            <a:spLocks/>
+          </p:cNvSpPr>
+          <p:nvPr/>
+        </p:nvSpPr>
+        <p:spPr>
+          <a:xfrm>
+            <a:off x="237979" y="0"/>
+            <a:ext cx="9170941" cy="1085319"/>
+          </a:xfrm>
+          <a:prstGeom prst="rect">
+            <a:avLst/>
+          </a:prstGeom>
+        </p:spPr>
+        <p:txBody>
+          <a:bodyPr vert="horz" lIns="91440" tIns="45720" rIns="91440" bIns="45720" rtlCol="0" anchor="b">
+            <a:noAutofit/>
+          </a:bodyPr>
+          <a:lstStyle>
+            <a:lvl1pPr algn="ctr" defTabSz="914400" rtl="0" eaLnBrk="1" latinLnBrk="0" hangingPunct="1">
+              <a:lnSpc>
+                <a:spcPct val="90000"/>
+              </a:lnSpc>
+              <a:spcBef>
+                <a:spcPct val="0"/>
+              </a:spcBef>
+              <a:buNone/>
+              <a:defRPr sz="6000" kern="1200">
+                <a:solidFill>
+                  <a:schemeClr val="tx1"/>
+                </a:solidFill>
+                <a:latin typeface="+mj-lt"/>
+                <a:ea typeface="+mj-ea"/>
+                <a:cs typeface="+mj-cs"/>
+              </a:defRPr>
+            </a:lvl1pPr>
+          </a:lstStyle>
+          <a:p>
+            <a:pPr algn="l"/>
+            <a:r>
+              <a:rPr lang="es-ES" b="1" dirty="0">
+                <a:latin typeface="Bahnschrift Condensed" panose="020B0502040204020203" pitchFamily="34" charset="0"/>
+                <a:ea typeface="Adobe Gothic Std B" panose="020B0800000000000000" pitchFamily="34" charset="-128"/>
+              </a:rPr>
+              <a:t>Paso 6 Configuración de parámetros</a:t>
+            </a:r>
+            <a:endParaRPr lang="es-CO" b="1" dirty="0">
+              <a:latin typeface="Bahnschrift Condensed" panose="020B0502040204020203" pitchFamily="34" charset="0"/>
+              <a:ea typeface="Adobe Gothic Std B" panose="020B0800000000000000" pitchFamily="34" charset="-128"/>
+            </a:endParaRPr>
+          </a:p>
+        </p:txBody>
+      </p:sp>
+      <p:sp>
+        <p:nvSpPr>
+          <p:cNvPr id="2" name="Rectángulo 1">
+            <a:extLst>
+              <a:ext uri="{FF2B5EF4-FFF2-40B4-BE49-F238E27FC236}">
+                <a16:creationId xmlns:a16="http://schemas.microsoft.com/office/drawing/2014/main" id="{0783FD38-F043-4DD5-94E7-2A9CBDDA502F}"/>
+              </a:ext>
+            </a:extLst>
+          </p:cNvPr>
+          <p:cNvSpPr/>
+          <p:nvPr/>
+        </p:nvSpPr>
+        <p:spPr>
+          <a:xfrm>
+            <a:off x="494353" y="1961405"/>
+            <a:ext cx="6983217" cy="3539430"/>
+          </a:xfrm>
+          <a:prstGeom prst="rect">
+            <a:avLst/>
+          </a:prstGeom>
+        </p:spPr>
+        <p:txBody>
+          <a:bodyPr wrap="square">
+            <a:spAutoFit/>
+          </a:bodyPr>
+          <a:lstStyle/>
+          <a:p>
+            <a:pPr algn="just"/>
+            <a:r>
+              <a:rPr lang="es-ES" sz="2800" dirty="0">
+                <a:latin typeface="Bahnschrift Light" panose="020B0502040204020203" pitchFamily="34" charset="0"/>
+                <a:ea typeface="Adobe Gothic Std B" panose="020B0800000000000000" pitchFamily="34" charset="-128"/>
+                <a:cs typeface="+mj-cs"/>
+              </a:rPr>
+              <a:t>Si durante la evaluación no obtuvimos buenas predicciones y nuestra precisión no es la mínima deseada es posible que tengamos problemas de </a:t>
+            </a:r>
+            <a:r>
+              <a:rPr lang="es-ES" sz="2800" dirty="0" err="1">
+                <a:latin typeface="Bahnschrift Light" panose="020B0502040204020203" pitchFamily="34" charset="0"/>
+                <a:ea typeface="Adobe Gothic Std B" panose="020B0800000000000000" pitchFamily="34" charset="-128"/>
+                <a:cs typeface="+mj-cs"/>
+              </a:rPr>
+              <a:t>overfitting</a:t>
+            </a:r>
+            <a:r>
+              <a:rPr lang="es-ES" sz="2800" dirty="0">
+                <a:latin typeface="Bahnschrift Light" panose="020B0502040204020203" pitchFamily="34" charset="0"/>
+                <a:ea typeface="Adobe Gothic Std B" panose="020B0800000000000000" pitchFamily="34" charset="-128"/>
+                <a:cs typeface="+mj-cs"/>
+              </a:rPr>
+              <a:t> (ó </a:t>
+            </a:r>
+            <a:r>
+              <a:rPr lang="es-ES" sz="2800" dirty="0" err="1">
+                <a:latin typeface="Bahnschrift Light" panose="020B0502040204020203" pitchFamily="34" charset="0"/>
+                <a:ea typeface="Adobe Gothic Std B" panose="020B0800000000000000" pitchFamily="34" charset="-128"/>
+                <a:cs typeface="+mj-cs"/>
+              </a:rPr>
+              <a:t>underfitting</a:t>
+            </a:r>
+            <a:r>
+              <a:rPr lang="es-ES" sz="2800" dirty="0">
+                <a:latin typeface="Bahnschrift Light" panose="020B0502040204020203" pitchFamily="34" charset="0"/>
+                <a:ea typeface="Adobe Gothic Std B" panose="020B0800000000000000" pitchFamily="34" charset="-128"/>
+                <a:cs typeface="+mj-cs"/>
+              </a:rPr>
+              <a:t>) y deberemos retornar al paso de entrenamiento haciendo antes una nueva configuración de parámetros de nuestro modelo.</a:t>
+            </a:r>
+            <a:endParaRPr lang="es-CO" sz="2800" dirty="0">
+              <a:latin typeface="Bahnschrift Light" panose="020B0502040204020203" pitchFamily="34" charset="0"/>
+              <a:ea typeface="Adobe Gothic Std B" panose="020B0800000000000000" pitchFamily="34" charset="-128"/>
+              <a:cs typeface="+mj-cs"/>
+            </a:endParaRPr>
+          </a:p>
+        </p:txBody>
+      </p:sp>
+      <p:sp>
+        <p:nvSpPr>
+          <p:cNvPr id="3" name="Rectángulo 2">
+            <a:extLst>
+              <a:ext uri="{FF2B5EF4-FFF2-40B4-BE49-F238E27FC236}">
+                <a16:creationId xmlns:a16="http://schemas.microsoft.com/office/drawing/2014/main" id="{34528B04-CC2F-476E-8A43-B20077BC333D}"/>
+              </a:ext>
+            </a:extLst>
+          </p:cNvPr>
+          <p:cNvSpPr/>
+          <p:nvPr/>
+        </p:nvSpPr>
+        <p:spPr>
+          <a:xfrm>
+            <a:off x="765236" y="5888053"/>
+            <a:ext cx="1469877" cy="470018"/>
+          </a:xfrm>
+          <a:prstGeom prst="rect">
+            <a:avLst/>
+          </a:prstGeom>
+          <a:ln>
+            <a:noFill/>
+          </a:ln>
+        </p:spPr>
+        <p:style>
+          <a:lnRef idx="2">
+            <a:schemeClr val="accent1"/>
+          </a:lnRef>
+          <a:fillRef idx="1">
+            <a:schemeClr val="lt1"/>
+          </a:fillRef>
+          <a:effectRef idx="0">
+            <a:schemeClr val="accent1"/>
+          </a:effectRef>
+          <a:fontRef idx="minor">
+            <a:schemeClr val="dk1"/>
+          </a:fontRef>
+        </p:style>
+        <p:txBody>
+          <a:bodyPr rtlCol="0" anchor="ctr"/>
+          <a:lstStyle/>
+          <a:p>
+            <a:pPr algn="ctr"/>
+            <a:endParaRPr lang="es-CO"/>
+          </a:p>
+        </p:txBody>
+      </p:sp>
+      <p:sp>
+        <p:nvSpPr>
+          <p:cNvPr id="5" name="Rectángulo 4">
+            <a:extLst>
+              <a:ext uri="{FF2B5EF4-FFF2-40B4-BE49-F238E27FC236}">
+                <a16:creationId xmlns:a16="http://schemas.microsoft.com/office/drawing/2014/main" id="{656EB7DA-CF6F-4B14-A922-F9DF332965DC}"/>
+              </a:ext>
+            </a:extLst>
+          </p:cNvPr>
+          <p:cNvSpPr/>
+          <p:nvPr/>
+        </p:nvSpPr>
+        <p:spPr>
+          <a:xfrm>
+            <a:off x="0" y="6256403"/>
+            <a:ext cx="12192000" cy="400110"/>
+          </a:xfrm>
+          <a:prstGeom prst="rect">
+            <a:avLst/>
+          </a:prstGeom>
+        </p:spPr>
+        <p:txBody>
+          <a:bodyPr wrap="square">
+            <a:spAutoFit/>
+          </a:bodyPr>
+          <a:lstStyle/>
+          <a:p>
+            <a:pPr algn="ctr"/>
+            <a:r>
+              <a:rPr lang="es-ES" sz="2000" i="1" dirty="0">
+                <a:latin typeface="Bahnschrift Light" panose="020B0502040204020203" pitchFamily="34" charset="0"/>
+                <a:ea typeface="Adobe Gothic Std B" panose="020B0800000000000000" pitchFamily="34" charset="-128"/>
+                <a:cs typeface="+mj-cs"/>
+              </a:rPr>
+              <a:t> Este “tuneo” sigue siendo más un arte que una ciencia y se ira mejorando a medida que experimentamos. </a:t>
+            </a:r>
+            <a:endParaRPr lang="es-CO" sz="2000" i="1" dirty="0">
+              <a:latin typeface="Bahnschrift Light" panose="020B0502040204020203" pitchFamily="34" charset="0"/>
+              <a:ea typeface="Adobe Gothic Std B" panose="020B0800000000000000" pitchFamily="34" charset="-128"/>
+              <a:cs typeface="+mj-cs"/>
+            </a:endParaRPr>
+          </a:p>
+        </p:txBody>
+      </p:sp>
+      <p:pic>
+        <p:nvPicPr>
+          <p:cNvPr id="8194" name="Picture 2" descr="Resultado de imagen para configuracion">
+            <a:extLst>
+              <a:ext uri="{FF2B5EF4-FFF2-40B4-BE49-F238E27FC236}">
+                <a16:creationId xmlns:a16="http://schemas.microsoft.com/office/drawing/2014/main" id="{0A8CA0B0-9DCC-42BE-BF60-7759AE3AD03B}"/>
+              </a:ext>
+            </a:extLst>
+          </p:cNvPr>
+          <p:cNvPicPr>
+            <a:picLocks noChangeAspect="1" noChangeArrowheads="1"/>
+          </p:cNvPicPr>
+          <p:nvPr/>
+        </p:nvPicPr>
+        <p:blipFill>
+          <a:blip r:embed="rId2">
+            <a:extLst>
+              <a:ext uri="{28A0092B-C50C-407E-A947-70E740481C1C}">
+                <a14:useLocalDpi xmlns:a14="http://schemas.microsoft.com/office/drawing/2010/main" val="0"/>
+              </a:ext>
+            </a:extLst>
+          </a:blip>
+          <a:srcRect/>
+          <a:stretch>
+            <a:fillRect/>
+          </a:stretch>
+        </p:blipFill>
+        <p:spPr bwMode="auto">
+          <a:xfrm>
+            <a:off x="7803004" y="1519921"/>
+            <a:ext cx="4030414" cy="4030414"/>
+          </a:xfrm>
+          <a:prstGeom prst="rect">
+            <a:avLst/>
+          </a:prstGeom>
+          <a:noFill/>
+          <a:extLst>
+            <a:ext uri="{909E8E84-426E-40DD-AFC4-6F175D3DCCD1}">
+              <a14:hiddenFill xmlns:a14="http://schemas.microsoft.com/office/drawing/2010/main">
+                <a:solidFill>
+                  <a:srgbClr val="FFFFFF"/>
+                </a:solidFill>
+              </a14:hiddenFill>
+            </a:ext>
+          </a:extLst>
+        </p:spPr>
+      </p:pic>
+    </p:spTree>
+    <p:extLst>
+      <p:ext uri="{BB962C8B-B14F-4D97-AF65-F5344CB8AC3E}">
+        <p14:creationId xmlns:p14="http://schemas.microsoft.com/office/powerpoint/2010/main" val="2071449599"/>
+      </p:ext>
+    </p:extLst>
+  </p:cSld>
+  <p:clrMapOvr>
+    <a:masterClrMapping/>
+  </p:clrMapOvr>
+</p:sld>
+</file>
+
+<file path=ppt/slides/slide23.xml><?xml version="1.0" encoding="utf-8"?>
+<p:sld xmlns:a="http://schemas.openxmlformats.org/drawingml/2006/main" xmlns:r="http://schemas.openxmlformats.org/officeDocument/2006/relationships" xmlns:p="http://schemas.openxmlformats.org/presentationml/2006/main">
+  <p:cSld>
+    <p:spTree>
+      <p:nvGrpSpPr>
+        <p:cNvPr id="1" name=""/>
+        <p:cNvGrpSpPr/>
+        <p:nvPr/>
+      </p:nvGrpSpPr>
+      <p:grpSpPr>
+        <a:xfrm>
+          <a:off x="0" y="0"/>
+          <a:ext cx="0" cy="0"/>
+          <a:chOff x="0" y="0"/>
+          <a:chExt cx="0" cy="0"/>
+        </a:xfrm>
+      </p:grpSpPr>
+      <p:sp>
+        <p:nvSpPr>
+          <p:cNvPr id="10" name="Rectángulo 9">
+            <a:extLst>
+              <a:ext uri="{FF2B5EF4-FFF2-40B4-BE49-F238E27FC236}">
+                <a16:creationId xmlns:a16="http://schemas.microsoft.com/office/drawing/2014/main" id="{8B648D7F-AD68-4C33-BD02-CC01C026686E}"/>
+              </a:ext>
+            </a:extLst>
+          </p:cNvPr>
+          <p:cNvSpPr/>
+          <p:nvPr/>
+        </p:nvSpPr>
+        <p:spPr>
+          <a:xfrm>
+            <a:off x="0" y="3879789"/>
+            <a:ext cx="12192000" cy="2985319"/>
+          </a:xfrm>
+          <a:prstGeom prst="rect">
+            <a:avLst/>
+          </a:prstGeom>
+          <a:solidFill>
+            <a:srgbClr val="DAA03E"/>
+          </a:solidFill>
+          <a:ln>
+            <a:noFill/>
+          </a:ln>
+        </p:spPr>
+        <p:style>
+          <a:lnRef idx="2">
+            <a:schemeClr val="accent1">
+              <a:shade val="50000"/>
+            </a:schemeClr>
+          </a:lnRef>
+          <a:fillRef idx="1">
+            <a:schemeClr val="accent1"/>
+          </a:fillRef>
+          <a:effectRef idx="0">
+            <a:schemeClr val="accent1"/>
+          </a:effectRef>
+          <a:fontRef idx="minor">
+            <a:schemeClr val="lt1"/>
+          </a:fontRef>
+        </p:style>
+        <p:txBody>
+          <a:bodyPr rtlCol="0" anchor="ctr"/>
+          <a:lstStyle/>
+          <a:p>
+            <a:pPr algn="ctr"/>
+            <a:endParaRPr lang="es-CO"/>
+          </a:p>
+        </p:txBody>
+      </p:sp>
+      <p:sp>
+        <p:nvSpPr>
+          <p:cNvPr id="9" name="Rectángulo 8">
+            <a:extLst>
+              <a:ext uri="{FF2B5EF4-FFF2-40B4-BE49-F238E27FC236}">
+                <a16:creationId xmlns:a16="http://schemas.microsoft.com/office/drawing/2014/main" id="{695EFCA3-68EF-428A-B7A8-BB67F911B839}"/>
+              </a:ext>
+            </a:extLst>
+          </p:cNvPr>
+          <p:cNvSpPr/>
+          <p:nvPr/>
+        </p:nvSpPr>
+        <p:spPr>
+          <a:xfrm>
+            <a:off x="0" y="3260221"/>
+            <a:ext cx="12192000" cy="636662"/>
+          </a:xfrm>
+          <a:prstGeom prst="rect">
+            <a:avLst/>
+          </a:prstGeom>
+          <a:solidFill>
+            <a:srgbClr val="C28E37"/>
+          </a:solidFill>
+          <a:ln>
+            <a:noFill/>
+          </a:ln>
+        </p:spPr>
+        <p:style>
+          <a:lnRef idx="2">
+            <a:schemeClr val="accent1">
+              <a:shade val="50000"/>
+            </a:schemeClr>
+          </a:lnRef>
+          <a:fillRef idx="1">
+            <a:schemeClr val="accent1"/>
+          </a:fillRef>
+          <a:effectRef idx="0">
+            <a:schemeClr val="accent1"/>
+          </a:effectRef>
+          <a:fontRef idx="minor">
+            <a:schemeClr val="lt1"/>
+          </a:fontRef>
+        </p:style>
+        <p:txBody>
+          <a:bodyPr rtlCol="0" anchor="ctr"/>
+          <a:lstStyle/>
+          <a:p>
+            <a:pPr algn="ctr"/>
+            <a:r>
+              <a:rPr lang="es-CO" dirty="0"/>
+              <a:t>+</a:t>
+            </a:r>
+          </a:p>
+        </p:txBody>
+      </p:sp>
+      <p:sp>
+        <p:nvSpPr>
+          <p:cNvPr id="8" name="Rectángulo 7">
+            <a:extLst>
+              <a:ext uri="{FF2B5EF4-FFF2-40B4-BE49-F238E27FC236}">
+                <a16:creationId xmlns:a16="http://schemas.microsoft.com/office/drawing/2014/main" id="{7A187DF2-FAC3-49B4-BEA0-4D16F5B5E50C}"/>
+              </a:ext>
+            </a:extLst>
+          </p:cNvPr>
+          <p:cNvSpPr/>
+          <p:nvPr/>
+        </p:nvSpPr>
+        <p:spPr>
+          <a:xfrm>
+            <a:off x="0" y="499929"/>
+            <a:ext cx="12192000" cy="2790202"/>
+          </a:xfrm>
+          <a:prstGeom prst="rect">
+            <a:avLst/>
+          </a:prstGeom>
+          <a:solidFill>
+            <a:srgbClr val="FFBC49"/>
+          </a:solidFill>
+          <a:ln>
+            <a:noFill/>
+          </a:ln>
+        </p:spPr>
+        <p:style>
+          <a:lnRef idx="2">
+            <a:schemeClr val="accent1">
+              <a:shade val="50000"/>
+            </a:schemeClr>
+          </a:lnRef>
+          <a:fillRef idx="1">
+            <a:schemeClr val="accent1"/>
+          </a:fillRef>
+          <a:effectRef idx="0">
+            <a:schemeClr val="accent1"/>
+          </a:effectRef>
+          <a:fontRef idx="minor">
+            <a:schemeClr val="lt1"/>
+          </a:fontRef>
+        </p:style>
+        <p:txBody>
+          <a:bodyPr rtlCol="0" anchor="ctr"/>
+          <a:lstStyle/>
+          <a:p>
+            <a:pPr algn="ctr"/>
+            <a:endParaRPr lang="es-CO"/>
+          </a:p>
+        </p:txBody>
+      </p:sp>
+      <p:sp>
+        <p:nvSpPr>
+          <p:cNvPr id="4" name="Rectángulo 3">
+            <a:extLst>
+              <a:ext uri="{FF2B5EF4-FFF2-40B4-BE49-F238E27FC236}">
+                <a16:creationId xmlns:a16="http://schemas.microsoft.com/office/drawing/2014/main" id="{AA7C4257-32ED-44F4-9A70-31AA618B23CB}"/>
+              </a:ext>
+            </a:extLst>
+          </p:cNvPr>
+          <p:cNvSpPr/>
+          <p:nvPr/>
+        </p:nvSpPr>
+        <p:spPr>
+          <a:xfrm>
+            <a:off x="0" y="-89730"/>
+            <a:ext cx="12192000" cy="636662"/>
+          </a:xfrm>
+          <a:prstGeom prst="rect">
+            <a:avLst/>
+          </a:prstGeom>
+          <a:solidFill>
+            <a:srgbClr val="FFD07F"/>
+          </a:solidFill>
+          <a:ln>
+            <a:noFill/>
+          </a:ln>
+        </p:spPr>
+        <p:style>
+          <a:lnRef idx="2">
+            <a:schemeClr val="accent1">
+              <a:shade val="50000"/>
+            </a:schemeClr>
+          </a:lnRef>
+          <a:fillRef idx="1">
+            <a:schemeClr val="accent1"/>
+          </a:fillRef>
+          <a:effectRef idx="0">
+            <a:schemeClr val="accent1"/>
+          </a:effectRef>
+          <a:fontRef idx="minor">
+            <a:schemeClr val="lt1"/>
+          </a:fontRef>
+        </p:style>
+        <p:txBody>
+          <a:bodyPr rtlCol="0" anchor="ctr"/>
+          <a:lstStyle/>
+          <a:p>
+            <a:pPr algn="ctr"/>
+            <a:endParaRPr lang="es-CO"/>
+          </a:p>
+        </p:txBody>
+      </p:sp>
+      <p:pic>
+        <p:nvPicPr>
+          <p:cNvPr id="10242" name="Picture 2" descr="https://i1.wp.com/www.aprendemachinelearning.com/wp-content/uploads/2017/12/overfitting-underfitting-machine-learning.png?resize=525%2C788">
+            <a:extLst>
+              <a:ext uri="{FF2B5EF4-FFF2-40B4-BE49-F238E27FC236}">
+                <a16:creationId xmlns:a16="http://schemas.microsoft.com/office/drawing/2014/main" id="{0C80E416-5334-41D8-BE1F-B2855992A04E}"/>
+              </a:ext>
+            </a:extLst>
+          </p:cNvPr>
+          <p:cNvPicPr>
+            <a:picLocks noChangeAspect="1" noChangeArrowheads="1"/>
+          </p:cNvPicPr>
+          <p:nvPr/>
+        </p:nvPicPr>
+        <p:blipFill rotWithShape="1">
+          <a:blip r:embed="rId2">
+            <a:extLst>
+              <a:ext uri="{28A0092B-C50C-407E-A947-70E740481C1C}">
+                <a14:useLocalDpi xmlns:a14="http://schemas.microsoft.com/office/drawing/2010/main" val="0"/>
+              </a:ext>
+            </a:extLst>
+          </a:blip>
+          <a:srcRect l="3016" t="17552" r="5218" b="7289"/>
+          <a:stretch/>
+        </p:blipFill>
+        <p:spPr bwMode="auto">
+          <a:xfrm>
+            <a:off x="3238856" y="4572"/>
+            <a:ext cx="5580404" cy="6860537"/>
+          </a:xfrm>
+          <a:prstGeom prst="rect">
+            <a:avLst/>
+          </a:prstGeom>
+          <a:noFill/>
+          <a:extLst>
+            <a:ext uri="{909E8E84-426E-40DD-AFC4-6F175D3DCCD1}">
+              <a14:hiddenFill xmlns:a14="http://schemas.microsoft.com/office/drawing/2010/main">
+                <a:solidFill>
+                  <a:srgbClr val="FFFFFF"/>
+                </a:solidFill>
+              </a14:hiddenFill>
+            </a:ext>
+          </a:extLst>
+        </p:spPr>
+      </p:pic>
+    </p:spTree>
+    <p:extLst>
+      <p:ext uri="{BB962C8B-B14F-4D97-AF65-F5344CB8AC3E}">
+        <p14:creationId xmlns:p14="http://schemas.microsoft.com/office/powerpoint/2010/main" val="1939799148"/>
+      </p:ext>
+    </p:extLst>
+  </p:cSld>
+  <p:clrMapOvr>
+    <a:masterClrMapping/>
+  </p:clrMapOvr>
+</p:sld>
+</file>
+
+<file path=ppt/slides/slide24.xml><?xml version="1.0" encoding="utf-8"?>
+<p:sld xmlns:a="http://schemas.openxmlformats.org/drawingml/2006/main" xmlns:r="http://schemas.openxmlformats.org/officeDocument/2006/relationships" xmlns:p="http://schemas.openxmlformats.org/presentationml/2006/main">
+  <p:cSld>
+    <p:spTree>
+      <p:nvGrpSpPr>
+        <p:cNvPr id="1" name=""/>
+        <p:cNvGrpSpPr/>
+        <p:nvPr/>
+      </p:nvGrpSpPr>
+      <p:grpSpPr>
+        <a:xfrm>
+          <a:off x="0" y="0"/>
+          <a:ext cx="0" cy="0"/>
+          <a:chOff x="0" y="0"/>
+          <a:chExt cx="0" cy="0"/>
+        </a:xfrm>
+      </p:grpSpPr>
+      <p:sp>
+        <p:nvSpPr>
+          <p:cNvPr id="6" name="Título 1">
+            <a:extLst>
+              <a:ext uri="{FF2B5EF4-FFF2-40B4-BE49-F238E27FC236}">
+                <a16:creationId xmlns:a16="http://schemas.microsoft.com/office/drawing/2014/main" id="{D1F20A51-A41F-4529-A96C-C271EA4C0F09}"/>
+              </a:ext>
+            </a:extLst>
+          </p:cNvPr>
+          <p:cNvSpPr txBox="1">
+            <a:spLocks/>
+          </p:cNvSpPr>
+          <p:nvPr/>
+        </p:nvSpPr>
+        <p:spPr>
+          <a:xfrm>
+            <a:off x="237979" y="0"/>
+            <a:ext cx="9170941" cy="1085319"/>
+          </a:xfrm>
+          <a:prstGeom prst="rect">
+            <a:avLst/>
+          </a:prstGeom>
+        </p:spPr>
+        <p:txBody>
+          <a:bodyPr vert="horz" lIns="91440" tIns="45720" rIns="91440" bIns="45720" rtlCol="0" anchor="b">
+            <a:noAutofit/>
+          </a:bodyPr>
+          <a:lstStyle>
+            <a:lvl1pPr algn="ctr" defTabSz="914400" rtl="0" eaLnBrk="1" latinLnBrk="0" hangingPunct="1">
+              <a:lnSpc>
+                <a:spcPct val="90000"/>
+              </a:lnSpc>
+              <a:spcBef>
+                <a:spcPct val="0"/>
+              </a:spcBef>
+              <a:buNone/>
+              <a:defRPr sz="6000" kern="1200">
+                <a:solidFill>
+                  <a:schemeClr val="tx1"/>
+                </a:solidFill>
+                <a:latin typeface="+mj-lt"/>
+                <a:ea typeface="+mj-ea"/>
+                <a:cs typeface="+mj-cs"/>
+              </a:defRPr>
+            </a:lvl1pPr>
+          </a:lstStyle>
+          <a:p>
+            <a:pPr algn="l"/>
+            <a:r>
+              <a:rPr lang="es-ES" b="1" dirty="0">
+                <a:latin typeface="Bahnschrift Condensed" panose="020B0502040204020203" pitchFamily="34" charset="0"/>
+                <a:ea typeface="Adobe Gothic Std B" panose="020B0800000000000000" pitchFamily="34" charset="-128"/>
+              </a:rPr>
+              <a:t>Paso 7  Predicción o Inferencia</a:t>
+            </a:r>
+            <a:endParaRPr lang="es-CO" b="1" dirty="0">
+              <a:latin typeface="Bahnschrift Condensed" panose="020B0502040204020203" pitchFamily="34" charset="0"/>
+              <a:ea typeface="Adobe Gothic Std B" panose="020B0800000000000000" pitchFamily="34" charset="-128"/>
+            </a:endParaRPr>
+          </a:p>
+        </p:txBody>
+      </p:sp>
+      <p:sp>
+        <p:nvSpPr>
+          <p:cNvPr id="2" name="Rectángulo 1">
+            <a:extLst>
+              <a:ext uri="{FF2B5EF4-FFF2-40B4-BE49-F238E27FC236}">
+                <a16:creationId xmlns:a16="http://schemas.microsoft.com/office/drawing/2014/main" id="{0783FD38-F043-4DD5-94E7-2A9CBDDA502F}"/>
+              </a:ext>
+            </a:extLst>
+          </p:cNvPr>
+          <p:cNvSpPr/>
+          <p:nvPr/>
+        </p:nvSpPr>
+        <p:spPr>
+          <a:xfrm>
+            <a:off x="4425075" y="2873617"/>
+            <a:ext cx="6983217" cy="1815882"/>
+          </a:xfrm>
+          <a:prstGeom prst="rect">
+            <a:avLst/>
+          </a:prstGeom>
+        </p:spPr>
+        <p:txBody>
+          <a:bodyPr wrap="square">
+            <a:spAutoFit/>
+          </a:bodyPr>
+          <a:lstStyle/>
+          <a:p>
+            <a:pPr algn="just"/>
+            <a:r>
+              <a:rPr lang="es-ES" sz="2800" dirty="0">
+                <a:latin typeface="Bahnschrift Light" panose="020B0502040204020203" pitchFamily="34" charset="0"/>
+                <a:ea typeface="Adobe Gothic Std B" panose="020B0800000000000000" pitchFamily="34" charset="-128"/>
+                <a:cs typeface="+mj-cs"/>
+              </a:rPr>
+              <a:t>Ya estamos listos para utilizar nuestro modelo de Aprendizaje Automático! con nueva información y comenzar a predecir o inferir resultados “en la vida real”.</a:t>
+            </a:r>
+            <a:endParaRPr lang="es-CO" sz="2800" dirty="0">
+              <a:latin typeface="Bahnschrift Light" panose="020B0502040204020203" pitchFamily="34" charset="0"/>
+              <a:ea typeface="Adobe Gothic Std B" panose="020B0800000000000000" pitchFamily="34" charset="-128"/>
+              <a:cs typeface="+mj-cs"/>
+            </a:endParaRPr>
+          </a:p>
+        </p:txBody>
+      </p:sp>
+      <p:sp>
+        <p:nvSpPr>
+          <p:cNvPr id="3" name="Rectángulo 2">
+            <a:extLst>
+              <a:ext uri="{FF2B5EF4-FFF2-40B4-BE49-F238E27FC236}">
+                <a16:creationId xmlns:a16="http://schemas.microsoft.com/office/drawing/2014/main" id="{34528B04-CC2F-476E-8A43-B20077BC333D}"/>
+              </a:ext>
+            </a:extLst>
+          </p:cNvPr>
+          <p:cNvSpPr/>
+          <p:nvPr/>
+        </p:nvSpPr>
+        <p:spPr>
+          <a:xfrm>
+            <a:off x="765236" y="5888053"/>
+            <a:ext cx="1469877" cy="470018"/>
+          </a:xfrm>
+          <a:prstGeom prst="rect">
+            <a:avLst/>
+          </a:prstGeom>
+          <a:ln>
+            <a:noFill/>
+          </a:ln>
+        </p:spPr>
+        <p:style>
+          <a:lnRef idx="2">
+            <a:schemeClr val="accent1"/>
+          </a:lnRef>
+          <a:fillRef idx="1">
+            <a:schemeClr val="lt1"/>
+          </a:fillRef>
+          <a:effectRef idx="0">
+            <a:schemeClr val="accent1"/>
+          </a:effectRef>
+          <a:fontRef idx="minor">
+            <a:schemeClr val="dk1"/>
+          </a:fontRef>
+        </p:style>
+        <p:txBody>
+          <a:bodyPr rtlCol="0" anchor="ctr"/>
+          <a:lstStyle/>
+          <a:p>
+            <a:pPr algn="ctr"/>
+            <a:endParaRPr lang="es-CO"/>
+          </a:p>
+        </p:txBody>
+      </p:sp>
+      <p:pic>
+        <p:nvPicPr>
+          <p:cNvPr id="12290" name="Picture 2" descr="Resultado de imagen para PredicciÃ³n bola de cristal">
+            <a:extLst>
+              <a:ext uri="{FF2B5EF4-FFF2-40B4-BE49-F238E27FC236}">
+                <a16:creationId xmlns:a16="http://schemas.microsoft.com/office/drawing/2014/main" id="{3020E469-3271-4CEA-BBC9-0C0E98E592DD}"/>
+              </a:ext>
+            </a:extLst>
+          </p:cNvPr>
+          <p:cNvPicPr>
+            <a:picLocks noChangeAspect="1" noChangeArrowheads="1"/>
+          </p:cNvPicPr>
+          <p:nvPr/>
+        </p:nvPicPr>
+        <p:blipFill>
+          <a:blip r:embed="rId2">
+            <a:extLst>
+              <a:ext uri="{28A0092B-C50C-407E-A947-70E740481C1C}">
+                <a14:useLocalDpi xmlns:a14="http://schemas.microsoft.com/office/drawing/2010/main" val="0"/>
+              </a:ext>
+            </a:extLst>
+          </a:blip>
+          <a:srcRect/>
+          <a:stretch>
+            <a:fillRect/>
+          </a:stretch>
+        </p:blipFill>
+        <p:spPr bwMode="auto">
+          <a:xfrm>
+            <a:off x="237979" y="1205045"/>
+            <a:ext cx="3819525" cy="5153025"/>
+          </a:xfrm>
+          <a:prstGeom prst="rect">
+            <a:avLst/>
+          </a:prstGeom>
+          <a:noFill/>
+          <a:extLst>
+            <a:ext uri="{909E8E84-426E-40DD-AFC4-6F175D3DCCD1}">
+              <a14:hiddenFill xmlns:a14="http://schemas.microsoft.com/office/drawing/2010/main">
+                <a:solidFill>
+                  <a:srgbClr val="FFFFFF"/>
+                </a:solidFill>
+              </a14:hiddenFill>
+            </a:ext>
+          </a:extLst>
+        </p:spPr>
+      </p:pic>
+    </p:spTree>
+    <p:extLst>
+      <p:ext uri="{BB962C8B-B14F-4D97-AF65-F5344CB8AC3E}">
+        <p14:creationId xmlns:p14="http://schemas.microsoft.com/office/powerpoint/2010/main" val="3611340807"/>
+      </p:ext>
+    </p:extLst>
+  </p:cSld>
+  <p:clrMapOvr>
+    <a:masterClrMapping/>
+  </p:clrMapOvr>
+</p:sld>
+</file>
+
+<file path=ppt/slides/slide25.xml><?xml version="1.0" encoding="utf-8"?>
+<p:sld xmlns:a="http://schemas.openxmlformats.org/drawingml/2006/main" xmlns:r="http://schemas.openxmlformats.org/officeDocument/2006/relationships" xmlns:p="http://schemas.openxmlformats.org/presentationml/2006/main">
+  <p:cSld>
+    <p:spTree>
+      <p:nvGrpSpPr>
+        <p:cNvPr id="1" name=""/>
+        <p:cNvGrpSpPr/>
+        <p:nvPr/>
+      </p:nvGrpSpPr>
+      <p:grpSpPr>
+        <a:xfrm>
+          <a:off x="0" y="0"/>
+          <a:ext cx="0" cy="0"/>
+          <a:chOff x="0" y="0"/>
+          <a:chExt cx="0" cy="0"/>
+        </a:xfrm>
+      </p:grpSpPr>
+      <p:sp>
+        <p:nvSpPr>
+          <p:cNvPr id="6" name="Título 1">
+            <a:extLst>
+              <a:ext uri="{FF2B5EF4-FFF2-40B4-BE49-F238E27FC236}">
+                <a16:creationId xmlns:a16="http://schemas.microsoft.com/office/drawing/2014/main" id="{D1F20A51-A41F-4529-A96C-C271EA4C0F09}"/>
+              </a:ext>
+            </a:extLst>
+          </p:cNvPr>
+          <p:cNvSpPr txBox="1">
+            <a:spLocks/>
+          </p:cNvSpPr>
+          <p:nvPr/>
+        </p:nvSpPr>
+        <p:spPr>
+          <a:xfrm>
+            <a:off x="1" y="0"/>
+            <a:ext cx="12192000" cy="1085319"/>
+          </a:xfrm>
+          <a:prstGeom prst="rect">
+            <a:avLst/>
+          </a:prstGeom>
+        </p:spPr>
+        <p:txBody>
+          <a:bodyPr vert="horz" lIns="91440" tIns="45720" rIns="91440" bIns="45720" rtlCol="0" anchor="b">
+            <a:noAutofit/>
+          </a:bodyPr>
+          <a:lstStyle>
+            <a:lvl1pPr algn="ctr" defTabSz="914400" rtl="0" eaLnBrk="1" latinLnBrk="0" hangingPunct="1">
+              <a:lnSpc>
+                <a:spcPct val="90000"/>
+              </a:lnSpc>
+              <a:spcBef>
+                <a:spcPct val="0"/>
+              </a:spcBef>
+              <a:buNone/>
+              <a:defRPr sz="6000" kern="1200">
+                <a:solidFill>
+                  <a:schemeClr val="tx1"/>
+                </a:solidFill>
+                <a:latin typeface="+mj-lt"/>
+                <a:ea typeface="+mj-ea"/>
+                <a:cs typeface="+mj-cs"/>
+              </a:defRPr>
+            </a:lvl1pPr>
+          </a:lstStyle>
+          <a:p>
+            <a:r>
+              <a:rPr lang="es-ES" b="1" dirty="0">
+                <a:latin typeface="Bahnschrift Condensed" panose="020B0502040204020203" pitchFamily="34" charset="0"/>
+                <a:ea typeface="Adobe Gothic Std B" panose="020B0800000000000000" pitchFamily="34" charset="-128"/>
+              </a:rPr>
+              <a:t>Veamos un poco de código</a:t>
+            </a:r>
+            <a:endParaRPr lang="es-CO" b="1" dirty="0">
+              <a:latin typeface="Bahnschrift Condensed" panose="020B0502040204020203" pitchFamily="34" charset="0"/>
+              <a:ea typeface="Adobe Gothic Std B" panose="020B0800000000000000" pitchFamily="34" charset="-128"/>
+            </a:endParaRPr>
+          </a:p>
+        </p:txBody>
+      </p:sp>
+      <p:sp>
+        <p:nvSpPr>
+          <p:cNvPr id="3" name="Rectángulo 2">
+            <a:extLst>
+              <a:ext uri="{FF2B5EF4-FFF2-40B4-BE49-F238E27FC236}">
+                <a16:creationId xmlns:a16="http://schemas.microsoft.com/office/drawing/2014/main" id="{34528B04-CC2F-476E-8A43-B20077BC333D}"/>
+              </a:ext>
+            </a:extLst>
+          </p:cNvPr>
+          <p:cNvSpPr/>
+          <p:nvPr/>
+        </p:nvSpPr>
+        <p:spPr>
+          <a:xfrm>
+            <a:off x="765236" y="5888053"/>
+            <a:ext cx="1469877" cy="470018"/>
+          </a:xfrm>
+          <a:prstGeom prst="rect">
+            <a:avLst/>
+          </a:prstGeom>
+          <a:ln>
+            <a:noFill/>
+          </a:ln>
+        </p:spPr>
+        <p:style>
+          <a:lnRef idx="2">
+            <a:schemeClr val="accent1"/>
+          </a:lnRef>
+          <a:fillRef idx="1">
+            <a:schemeClr val="lt1"/>
+          </a:fillRef>
+          <a:effectRef idx="0">
+            <a:schemeClr val="accent1"/>
+          </a:effectRef>
+          <a:fontRef idx="minor">
+            <a:schemeClr val="dk1"/>
+          </a:fontRef>
+        </p:style>
+        <p:txBody>
+          <a:bodyPr rtlCol="0" anchor="ctr"/>
+          <a:lstStyle/>
+          <a:p>
+            <a:pPr algn="ctr"/>
+            <a:endParaRPr lang="es-CO"/>
+          </a:p>
+        </p:txBody>
+      </p:sp>
+      <p:pic>
+        <p:nvPicPr>
+          <p:cNvPr id="14338" name="Picture 2" descr="Resultado de imagen para programando">
+            <a:extLst>
+              <a:ext uri="{FF2B5EF4-FFF2-40B4-BE49-F238E27FC236}">
+                <a16:creationId xmlns:a16="http://schemas.microsoft.com/office/drawing/2014/main" id="{EB62BDDE-5EAD-43B0-AD9B-4AC6FFC5BF15}"/>
+              </a:ext>
+            </a:extLst>
+          </p:cNvPr>
+          <p:cNvPicPr>
+            <a:picLocks noChangeAspect="1" noChangeArrowheads="1"/>
+          </p:cNvPicPr>
+          <p:nvPr/>
+        </p:nvPicPr>
+        <p:blipFill>
+          <a:blip r:embed="rId2">
+            <a:extLst>
+              <a:ext uri="{28A0092B-C50C-407E-A947-70E740481C1C}">
+                <a14:useLocalDpi xmlns:a14="http://schemas.microsoft.com/office/drawing/2010/main" val="0"/>
+              </a:ext>
+            </a:extLst>
+          </a:blip>
+          <a:srcRect/>
+          <a:stretch>
+            <a:fillRect/>
+          </a:stretch>
+        </p:blipFill>
+        <p:spPr bwMode="auto">
+          <a:xfrm>
+            <a:off x="3496740" y="1602486"/>
+            <a:ext cx="4736878" cy="5255514"/>
+          </a:xfrm>
+          <a:prstGeom prst="rect">
+            <a:avLst/>
+          </a:prstGeom>
+          <a:noFill/>
+          <a:extLst>
+            <a:ext uri="{909E8E84-426E-40DD-AFC4-6F175D3DCCD1}">
+              <a14:hiddenFill xmlns:a14="http://schemas.microsoft.com/office/drawing/2010/main">
+                <a:solidFill>
+                  <a:srgbClr val="FFFFFF"/>
+                </a:solidFill>
+              </a14:hiddenFill>
+            </a:ext>
+          </a:extLst>
+        </p:spPr>
+      </p:pic>
+    </p:spTree>
+    <p:extLst>
+      <p:ext uri="{BB962C8B-B14F-4D97-AF65-F5344CB8AC3E}">
+        <p14:creationId xmlns:p14="http://schemas.microsoft.com/office/powerpoint/2010/main" val="1990837040"/>
+      </p:ext>
+    </p:extLst>
+  </p:cSld>
+  <p:clrMapOvr>
+    <a:masterClrMapping/>
+  </p:clrMapOvr>
+</p:sld>
+</file>
+
+<file path=ppt/slides/slide26.xml><?xml version="1.0" encoding="utf-8"?>
+<p:sld xmlns:a="http://schemas.openxmlformats.org/drawingml/2006/main" xmlns:r="http://schemas.openxmlformats.org/officeDocument/2006/relationships" xmlns:p="http://schemas.openxmlformats.org/presentationml/2006/main">
+  <p:cSld>
+    <p:spTree>
+      <p:nvGrpSpPr>
+        <p:cNvPr id="1" name=""/>
+        <p:cNvGrpSpPr/>
+        <p:nvPr/>
+      </p:nvGrpSpPr>
+      <p:grpSpPr>
+        <a:xfrm>
+          <a:off x="0" y="0"/>
+          <a:ext cx="0" cy="0"/>
+          <a:chOff x="0" y="0"/>
+          <a:chExt cx="0" cy="0"/>
+        </a:xfrm>
+      </p:grpSpPr>
+      <p:sp>
+        <p:nvSpPr>
+          <p:cNvPr id="2" name="Título 1">
+            <a:extLst>
+              <a:ext uri="{FF2B5EF4-FFF2-40B4-BE49-F238E27FC236}">
+                <a16:creationId xmlns:a16="http://schemas.microsoft.com/office/drawing/2014/main" id="{E25E298A-3168-4B60-94A5-E54AF960B911}"/>
+              </a:ext>
+            </a:extLst>
+          </p:cNvPr>
+          <p:cNvSpPr>
+            <a:spLocks noGrp="1"/>
+          </p:cNvSpPr>
+          <p:nvPr>
+            <p:ph type="ctrTitle"/>
+          </p:nvPr>
+        </p:nvSpPr>
+        <p:spPr>
+          <a:xfrm>
+            <a:off x="867383" y="1750979"/>
+            <a:ext cx="10457234" cy="2431914"/>
+          </a:xfrm>
+        </p:spPr>
+        <p:txBody>
+          <a:bodyPr>
+            <a:normAutofit/>
+          </a:bodyPr>
+          <a:lstStyle/>
+          <a:p>
+            <a:r>
+              <a:rPr lang="es-ES" sz="8800" b="1" dirty="0">
+                <a:latin typeface="Bahnschrift Condensed" panose="020B0502040204020203" pitchFamily="34" charset="0"/>
+                <a:ea typeface="Adobe Gothic Std B" panose="020B0800000000000000" pitchFamily="34" charset="-128"/>
+              </a:rPr>
+              <a:t>Gracias!...</a:t>
+            </a:r>
+            <a:endParaRPr lang="es-CO" sz="8800" b="1" dirty="0">
+              <a:latin typeface="Bahnschrift Condensed" panose="020B0502040204020203" pitchFamily="34" charset="0"/>
+              <a:ea typeface="Adobe Gothic Std B" panose="020B0800000000000000" pitchFamily="34" charset="-128"/>
+            </a:endParaRPr>
+          </a:p>
+        </p:txBody>
+      </p:sp>
+      <p:pic>
+        <p:nvPicPr>
+          <p:cNvPr id="13314" name="Picture 2" descr="Resultado de imagen para twitter">
+            <a:extLst>
+              <a:ext uri="{FF2B5EF4-FFF2-40B4-BE49-F238E27FC236}">
+                <a16:creationId xmlns:a16="http://schemas.microsoft.com/office/drawing/2014/main" id="{D9DEE27A-8D55-4463-BD4F-003ABE31F71E}"/>
+              </a:ext>
+            </a:extLst>
+          </p:cNvPr>
+          <p:cNvPicPr>
+            <a:picLocks noChangeAspect="1" noChangeArrowheads="1"/>
+          </p:cNvPicPr>
+          <p:nvPr/>
+        </p:nvPicPr>
+        <p:blipFill>
+          <a:blip r:embed="rId2">
+            <a:extLst>
+              <a:ext uri="{28A0092B-C50C-407E-A947-70E740481C1C}">
+                <a14:useLocalDpi xmlns:a14="http://schemas.microsoft.com/office/drawing/2010/main" val="0"/>
+              </a:ext>
+            </a:extLst>
+          </a:blip>
+          <a:srcRect/>
+          <a:stretch>
+            <a:fillRect/>
+          </a:stretch>
+        </p:blipFill>
+        <p:spPr bwMode="auto">
+          <a:xfrm>
+            <a:off x="10846416" y="5233857"/>
+            <a:ext cx="517905" cy="523112"/>
+          </a:xfrm>
+          <a:prstGeom prst="rect">
+            <a:avLst/>
+          </a:prstGeom>
+          <a:noFill/>
+          <a:extLst>
+            <a:ext uri="{909E8E84-426E-40DD-AFC4-6F175D3DCCD1}">
+              <a14:hiddenFill xmlns:a14="http://schemas.microsoft.com/office/drawing/2010/main">
+                <a:solidFill>
+                  <a:srgbClr val="FFFFFF"/>
+                </a:solidFill>
+              </a14:hiddenFill>
+            </a:ext>
+          </a:extLst>
+        </p:spPr>
+      </p:pic>
+      <p:sp>
+        <p:nvSpPr>
+          <p:cNvPr id="5" name="Subtítulo 2">
+            <a:extLst>
+              <a:ext uri="{FF2B5EF4-FFF2-40B4-BE49-F238E27FC236}">
+                <a16:creationId xmlns:a16="http://schemas.microsoft.com/office/drawing/2014/main" id="{87E5DB93-C3FA-47DB-9679-666F83B8C093}"/>
+              </a:ext>
+            </a:extLst>
+          </p:cNvPr>
+          <p:cNvSpPr txBox="1">
+            <a:spLocks/>
+          </p:cNvSpPr>
+          <p:nvPr/>
+        </p:nvSpPr>
+        <p:spPr>
+          <a:xfrm>
+            <a:off x="10245804" y="5756969"/>
+            <a:ext cx="1719128" cy="452336"/>
+          </a:xfrm>
+          <a:prstGeom prst="rect">
+            <a:avLst/>
+          </a:prstGeom>
+        </p:spPr>
+        <p:txBody>
+          <a:bodyPr vert="horz" lIns="91440" tIns="45720" rIns="91440" bIns="45720" rtlCol="0">
+            <a:normAutofit/>
+          </a:bodyPr>
+          <a:lstStyle>
+            <a:lvl1pPr marL="0" indent="0" algn="ctr" defTabSz="914400" rtl="0" eaLnBrk="1" latinLnBrk="0" hangingPunct="1">
+              <a:lnSpc>
+                <a:spcPct val="90000"/>
+              </a:lnSpc>
+              <a:spcBef>
+                <a:spcPts val="1000"/>
+              </a:spcBef>
+              <a:buFont typeface="Arial" panose="020B0604020202020204" pitchFamily="34" charset="0"/>
+              <a:buNone/>
+              <a:defRPr sz="2400" kern="1200">
+                <a:solidFill>
+                  <a:schemeClr val="tx1"/>
+                </a:solidFill>
+                <a:latin typeface="+mn-lt"/>
+                <a:ea typeface="+mn-ea"/>
+                <a:cs typeface="+mn-cs"/>
+              </a:defRPr>
+            </a:lvl1pPr>
+            <a:lvl2pPr marL="457200" indent="0" algn="ctr" defTabSz="914400" rtl="0" eaLnBrk="1" latinLnBrk="0" hangingPunct="1">
+              <a:lnSpc>
+                <a:spcPct val="90000"/>
+              </a:lnSpc>
+              <a:spcBef>
+                <a:spcPts val="500"/>
+              </a:spcBef>
+              <a:buFont typeface="Arial" panose="020B0604020202020204" pitchFamily="34" charset="0"/>
+              <a:buNone/>
+              <a:defRPr sz="2000" kern="1200">
+                <a:solidFill>
+                  <a:schemeClr val="tx1"/>
+                </a:solidFill>
+                <a:latin typeface="+mn-lt"/>
+                <a:ea typeface="+mn-ea"/>
+                <a:cs typeface="+mn-cs"/>
+              </a:defRPr>
+            </a:lvl2pPr>
+            <a:lvl3pPr marL="914400" indent="0" algn="ctr" defTabSz="914400" rtl="0" eaLnBrk="1" latinLnBrk="0" hangingPunct="1">
+              <a:lnSpc>
+                <a:spcPct val="90000"/>
+              </a:lnSpc>
+              <a:spcBef>
+                <a:spcPts val="500"/>
+              </a:spcBef>
+              <a:buFont typeface="Arial" panose="020B0604020202020204" pitchFamily="34" charset="0"/>
+              <a:buNone/>
+              <a:defRPr sz="1800" kern="1200">
+                <a:solidFill>
+                  <a:schemeClr val="tx1"/>
+                </a:solidFill>
+                <a:latin typeface="+mn-lt"/>
+                <a:ea typeface="+mn-ea"/>
+                <a:cs typeface="+mn-cs"/>
+              </a:defRPr>
+            </a:lvl3pPr>
+            <a:lvl4pPr marL="1371600" indent="0" algn="ctr" defTabSz="914400" rtl="0" eaLnBrk="1" latinLnBrk="0" hangingPunct="1">
+              <a:lnSpc>
+                <a:spcPct val="90000"/>
+              </a:lnSpc>
+              <a:spcBef>
+                <a:spcPts val="500"/>
+              </a:spcBef>
+              <a:buFont typeface="Arial" panose="020B0604020202020204" pitchFamily="34" charset="0"/>
+              <a:buNone/>
+              <a:defRPr sz="1600" kern="1200">
+                <a:solidFill>
+                  <a:schemeClr val="tx1"/>
+                </a:solidFill>
+                <a:latin typeface="+mn-lt"/>
+                <a:ea typeface="+mn-ea"/>
+                <a:cs typeface="+mn-cs"/>
+              </a:defRPr>
+            </a:lvl4pPr>
+            <a:lvl5pPr marL="1828800" indent="0" algn="ctr" defTabSz="914400" rtl="0" eaLnBrk="1" latinLnBrk="0" hangingPunct="1">
+              <a:lnSpc>
+                <a:spcPct val="90000"/>
+              </a:lnSpc>
+              <a:spcBef>
+                <a:spcPts val="500"/>
+              </a:spcBef>
+              <a:buFont typeface="Arial" panose="020B0604020202020204" pitchFamily="34" charset="0"/>
+              <a:buNone/>
+              <a:defRPr sz="1600" kern="1200">
+                <a:solidFill>
+                  <a:schemeClr val="tx1"/>
+                </a:solidFill>
+                <a:latin typeface="+mn-lt"/>
+                <a:ea typeface="+mn-ea"/>
+                <a:cs typeface="+mn-cs"/>
+              </a:defRPr>
+            </a:lvl5pPr>
+            <a:lvl6pPr marL="2286000" indent="0" algn="ctr" defTabSz="914400" rtl="0" eaLnBrk="1" latinLnBrk="0" hangingPunct="1">
+              <a:lnSpc>
+                <a:spcPct val="90000"/>
+              </a:lnSpc>
+              <a:spcBef>
+                <a:spcPts val="500"/>
+              </a:spcBef>
+              <a:buFont typeface="Arial" panose="020B0604020202020204" pitchFamily="34" charset="0"/>
+              <a:buNone/>
+              <a:defRPr sz="1600" kern="1200">
+                <a:solidFill>
+                  <a:schemeClr val="tx1"/>
+                </a:solidFill>
+                <a:latin typeface="+mn-lt"/>
+                <a:ea typeface="+mn-ea"/>
+                <a:cs typeface="+mn-cs"/>
+              </a:defRPr>
+            </a:lvl6pPr>
+            <a:lvl7pPr marL="2743200" indent="0" algn="ctr" defTabSz="914400" rtl="0" eaLnBrk="1" latinLnBrk="0" hangingPunct="1">
+              <a:lnSpc>
+                <a:spcPct val="90000"/>
+              </a:lnSpc>
+              <a:spcBef>
+                <a:spcPts val="500"/>
+              </a:spcBef>
+              <a:buFont typeface="Arial" panose="020B0604020202020204" pitchFamily="34" charset="0"/>
+              <a:buNone/>
+              <a:defRPr sz="1600" kern="1200">
+                <a:solidFill>
+                  <a:schemeClr val="tx1"/>
+                </a:solidFill>
+                <a:latin typeface="+mn-lt"/>
+                <a:ea typeface="+mn-ea"/>
+                <a:cs typeface="+mn-cs"/>
+              </a:defRPr>
+            </a:lvl7pPr>
+            <a:lvl8pPr marL="3200400" indent="0" algn="ctr" defTabSz="914400" rtl="0" eaLnBrk="1" latinLnBrk="0" hangingPunct="1">
+              <a:lnSpc>
+                <a:spcPct val="90000"/>
+              </a:lnSpc>
+              <a:spcBef>
+                <a:spcPts val="500"/>
+              </a:spcBef>
+              <a:buFont typeface="Arial" panose="020B0604020202020204" pitchFamily="34" charset="0"/>
+              <a:buNone/>
+              <a:defRPr sz="1600" kern="1200">
+                <a:solidFill>
+                  <a:schemeClr val="tx1"/>
+                </a:solidFill>
+                <a:latin typeface="+mn-lt"/>
+                <a:ea typeface="+mn-ea"/>
+                <a:cs typeface="+mn-cs"/>
+              </a:defRPr>
+            </a:lvl8pPr>
+            <a:lvl9pPr marL="3657600" indent="0" algn="ctr" defTabSz="914400" rtl="0" eaLnBrk="1" latinLnBrk="0" hangingPunct="1">
+              <a:lnSpc>
+                <a:spcPct val="90000"/>
+              </a:lnSpc>
+              <a:spcBef>
+                <a:spcPts val="500"/>
+              </a:spcBef>
+              <a:buFont typeface="Arial" panose="020B0604020202020204" pitchFamily="34" charset="0"/>
+              <a:buNone/>
+              <a:defRPr sz="1600" kern="1200">
+                <a:solidFill>
+                  <a:schemeClr val="tx1"/>
+                </a:solidFill>
+                <a:latin typeface="+mn-lt"/>
+                <a:ea typeface="+mn-ea"/>
+                <a:cs typeface="+mn-cs"/>
+              </a:defRPr>
+            </a:lvl9pPr>
+          </a:lstStyle>
+          <a:p>
+            <a:r>
+              <a:rPr lang="es-CO" b="1" dirty="0">
+                <a:latin typeface="Bahnschrift Light" panose="020B0502040204020203" pitchFamily="34" charset="0"/>
+                <a:ea typeface="Adobe Gothic Std B" panose="020B0800000000000000" pitchFamily="34" charset="-128"/>
+              </a:rPr>
+              <a:t>@</a:t>
+            </a:r>
+            <a:r>
+              <a:rPr lang="es-CO" dirty="0" err="1">
+                <a:latin typeface="Bahnschrift Light" panose="020B0502040204020203" pitchFamily="34" charset="0"/>
+                <a:ea typeface="Adobe Gothic Std B" panose="020B0800000000000000" pitchFamily="34" charset="-128"/>
+              </a:rPr>
+              <a:t>raxielh</a:t>
+            </a:r>
+            <a:endParaRPr lang="es-CO" dirty="0">
+              <a:latin typeface="Bahnschrift Light" panose="020B0502040204020203" pitchFamily="34" charset="0"/>
+              <a:ea typeface="Adobe Gothic Std B" panose="020B0800000000000000" pitchFamily="34" charset="-128"/>
+            </a:endParaRPr>
+          </a:p>
+        </p:txBody>
+      </p:sp>
+      <p:pic>
+        <p:nvPicPr>
+          <p:cNvPr id="13316" name="Picture 4" descr="Resultado de imagen para telefono">
+            <a:extLst>
+              <a:ext uri="{FF2B5EF4-FFF2-40B4-BE49-F238E27FC236}">
+                <a16:creationId xmlns:a16="http://schemas.microsoft.com/office/drawing/2014/main" id="{E0C4FB98-16A8-4924-8669-D11548A1EF92}"/>
+              </a:ext>
+            </a:extLst>
+          </p:cNvPr>
+          <p:cNvPicPr>
+            <a:picLocks noChangeAspect="1" noChangeArrowheads="1"/>
+          </p:cNvPicPr>
+          <p:nvPr/>
+        </p:nvPicPr>
+        <p:blipFill>
+          <a:blip r:embed="rId3">
+            <a:extLst>
+              <a:ext uri="{28A0092B-C50C-407E-A947-70E740481C1C}">
+                <a14:useLocalDpi xmlns:a14="http://schemas.microsoft.com/office/drawing/2010/main" val="0"/>
+              </a:ext>
+            </a:extLst>
+          </a:blip>
+          <a:srcRect/>
+          <a:stretch>
+            <a:fillRect/>
+          </a:stretch>
+        </p:blipFill>
+        <p:spPr bwMode="auto">
+          <a:xfrm>
+            <a:off x="10011312" y="6202894"/>
+            <a:ext cx="421917" cy="424749"/>
+          </a:xfrm>
+          <a:prstGeom prst="rect">
+            <a:avLst/>
+          </a:prstGeom>
+          <a:noFill/>
+          <a:extLst>
+            <a:ext uri="{909E8E84-426E-40DD-AFC4-6F175D3DCCD1}">
+              <a14:hiddenFill xmlns:a14="http://schemas.microsoft.com/office/drawing/2010/main">
+                <a:solidFill>
+                  <a:srgbClr val="FFFFFF"/>
+                </a:solidFill>
+              </a14:hiddenFill>
+            </a:ext>
+          </a:extLst>
+        </p:spPr>
+      </p:pic>
+      <p:sp>
+        <p:nvSpPr>
+          <p:cNvPr id="7" name="Subtítulo 2">
+            <a:extLst>
+              <a:ext uri="{FF2B5EF4-FFF2-40B4-BE49-F238E27FC236}">
+                <a16:creationId xmlns:a16="http://schemas.microsoft.com/office/drawing/2014/main" id="{1619E191-E0EB-4E1E-8F48-5C2449C9C492}"/>
+              </a:ext>
+            </a:extLst>
+          </p:cNvPr>
+          <p:cNvSpPr txBox="1">
+            <a:spLocks/>
+          </p:cNvSpPr>
+          <p:nvPr/>
+        </p:nvSpPr>
+        <p:spPr>
+          <a:xfrm>
+            <a:off x="10306505" y="6209305"/>
+            <a:ext cx="1719128" cy="452336"/>
+          </a:xfrm>
+          <a:prstGeom prst="rect">
+            <a:avLst/>
+          </a:prstGeom>
+        </p:spPr>
+        <p:txBody>
+          <a:bodyPr vert="horz" lIns="91440" tIns="45720" rIns="91440" bIns="45720" rtlCol="0">
+            <a:normAutofit fontScale="92500"/>
+          </a:bodyPr>
+          <a:lstStyle>
+            <a:lvl1pPr marL="0" indent="0" algn="ctr" defTabSz="914400" rtl="0" eaLnBrk="1" latinLnBrk="0" hangingPunct="1">
+              <a:lnSpc>
+                <a:spcPct val="90000"/>
+              </a:lnSpc>
+              <a:spcBef>
+                <a:spcPts val="1000"/>
+              </a:spcBef>
+              <a:buFont typeface="Arial" panose="020B0604020202020204" pitchFamily="34" charset="0"/>
+              <a:buNone/>
+              <a:defRPr sz="2400" kern="1200">
+                <a:solidFill>
+                  <a:schemeClr val="tx1"/>
+                </a:solidFill>
+                <a:latin typeface="+mn-lt"/>
+                <a:ea typeface="+mn-ea"/>
+                <a:cs typeface="+mn-cs"/>
+              </a:defRPr>
+            </a:lvl1pPr>
+            <a:lvl2pPr marL="457200" indent="0" algn="ctr" defTabSz="914400" rtl="0" eaLnBrk="1" latinLnBrk="0" hangingPunct="1">
+              <a:lnSpc>
+                <a:spcPct val="90000"/>
+              </a:lnSpc>
+              <a:spcBef>
+                <a:spcPts val="500"/>
+              </a:spcBef>
+              <a:buFont typeface="Arial" panose="020B0604020202020204" pitchFamily="34" charset="0"/>
+              <a:buNone/>
+              <a:defRPr sz="2000" kern="1200">
+                <a:solidFill>
+                  <a:schemeClr val="tx1"/>
+                </a:solidFill>
+                <a:latin typeface="+mn-lt"/>
+                <a:ea typeface="+mn-ea"/>
+                <a:cs typeface="+mn-cs"/>
+              </a:defRPr>
+            </a:lvl2pPr>
+            <a:lvl3pPr marL="914400" indent="0" algn="ctr" defTabSz="914400" rtl="0" eaLnBrk="1" latinLnBrk="0" hangingPunct="1">
+              <a:lnSpc>
+                <a:spcPct val="90000"/>
+              </a:lnSpc>
+              <a:spcBef>
+                <a:spcPts val="500"/>
+              </a:spcBef>
+              <a:buFont typeface="Arial" panose="020B0604020202020204" pitchFamily="34" charset="0"/>
+              <a:buNone/>
+              <a:defRPr sz="1800" kern="1200">
+                <a:solidFill>
+                  <a:schemeClr val="tx1"/>
+                </a:solidFill>
+                <a:latin typeface="+mn-lt"/>
+                <a:ea typeface="+mn-ea"/>
+                <a:cs typeface="+mn-cs"/>
+              </a:defRPr>
+            </a:lvl3pPr>
+            <a:lvl4pPr marL="1371600" indent="0" algn="ctr" defTabSz="914400" rtl="0" eaLnBrk="1" latinLnBrk="0" hangingPunct="1">
+              <a:lnSpc>
+                <a:spcPct val="90000"/>
+              </a:lnSpc>
+              <a:spcBef>
+                <a:spcPts val="500"/>
+              </a:spcBef>
+              <a:buFont typeface="Arial" panose="020B0604020202020204" pitchFamily="34" charset="0"/>
+              <a:buNone/>
+              <a:defRPr sz="1600" kern="1200">
+                <a:solidFill>
+                  <a:schemeClr val="tx1"/>
+                </a:solidFill>
+                <a:latin typeface="+mn-lt"/>
+                <a:ea typeface="+mn-ea"/>
+                <a:cs typeface="+mn-cs"/>
+              </a:defRPr>
+            </a:lvl4pPr>
+            <a:lvl5pPr marL="1828800" indent="0" algn="ctr" defTabSz="914400" rtl="0" eaLnBrk="1" latinLnBrk="0" hangingPunct="1">
+              <a:lnSpc>
+                <a:spcPct val="90000"/>
+              </a:lnSpc>
+              <a:spcBef>
+                <a:spcPts val="500"/>
+              </a:spcBef>
+              <a:buFont typeface="Arial" panose="020B0604020202020204" pitchFamily="34" charset="0"/>
+              <a:buNone/>
+              <a:defRPr sz="1600" kern="1200">
+                <a:solidFill>
+                  <a:schemeClr val="tx1"/>
+                </a:solidFill>
+                <a:latin typeface="+mn-lt"/>
+                <a:ea typeface="+mn-ea"/>
+                <a:cs typeface="+mn-cs"/>
+              </a:defRPr>
+            </a:lvl5pPr>
+            <a:lvl6pPr marL="2286000" indent="0" algn="ctr" defTabSz="914400" rtl="0" eaLnBrk="1" latinLnBrk="0" hangingPunct="1">
+              <a:lnSpc>
+                <a:spcPct val="90000"/>
+              </a:lnSpc>
+              <a:spcBef>
+                <a:spcPts val="500"/>
+              </a:spcBef>
+              <a:buFont typeface="Arial" panose="020B0604020202020204" pitchFamily="34" charset="0"/>
+              <a:buNone/>
+              <a:defRPr sz="1600" kern="1200">
+                <a:solidFill>
+                  <a:schemeClr val="tx1"/>
+                </a:solidFill>
+                <a:latin typeface="+mn-lt"/>
+                <a:ea typeface="+mn-ea"/>
+                <a:cs typeface="+mn-cs"/>
+              </a:defRPr>
+            </a:lvl6pPr>
+            <a:lvl7pPr marL="2743200" indent="0" algn="ctr" defTabSz="914400" rtl="0" eaLnBrk="1" latinLnBrk="0" hangingPunct="1">
+              <a:lnSpc>
+                <a:spcPct val="90000"/>
+              </a:lnSpc>
+              <a:spcBef>
+                <a:spcPts val="500"/>
+              </a:spcBef>
+              <a:buFont typeface="Arial" panose="020B0604020202020204" pitchFamily="34" charset="0"/>
+              <a:buNone/>
+              <a:defRPr sz="1600" kern="1200">
+                <a:solidFill>
+                  <a:schemeClr val="tx1"/>
+                </a:solidFill>
+                <a:latin typeface="+mn-lt"/>
+                <a:ea typeface="+mn-ea"/>
+                <a:cs typeface="+mn-cs"/>
+              </a:defRPr>
+            </a:lvl7pPr>
+            <a:lvl8pPr marL="3200400" indent="0" algn="ctr" defTabSz="914400" rtl="0" eaLnBrk="1" latinLnBrk="0" hangingPunct="1">
+              <a:lnSpc>
+                <a:spcPct val="90000"/>
+              </a:lnSpc>
+              <a:spcBef>
+                <a:spcPts val="500"/>
+              </a:spcBef>
+              <a:buFont typeface="Arial" panose="020B0604020202020204" pitchFamily="34" charset="0"/>
+              <a:buNone/>
+              <a:defRPr sz="1600" kern="1200">
+                <a:solidFill>
+                  <a:schemeClr val="tx1"/>
+                </a:solidFill>
+                <a:latin typeface="+mn-lt"/>
+                <a:ea typeface="+mn-ea"/>
+                <a:cs typeface="+mn-cs"/>
+              </a:defRPr>
+            </a:lvl8pPr>
+            <a:lvl9pPr marL="3657600" indent="0" algn="ctr" defTabSz="914400" rtl="0" eaLnBrk="1" latinLnBrk="0" hangingPunct="1">
+              <a:lnSpc>
+                <a:spcPct val="90000"/>
+              </a:lnSpc>
+              <a:spcBef>
+                <a:spcPts val="500"/>
+              </a:spcBef>
+              <a:buFont typeface="Arial" panose="020B0604020202020204" pitchFamily="34" charset="0"/>
+              <a:buNone/>
+              <a:defRPr sz="1600" kern="1200">
+                <a:solidFill>
+                  <a:schemeClr val="tx1"/>
+                </a:solidFill>
+                <a:latin typeface="+mn-lt"/>
+                <a:ea typeface="+mn-ea"/>
+                <a:cs typeface="+mn-cs"/>
+              </a:defRPr>
+            </a:lvl9pPr>
+          </a:lstStyle>
+          <a:p>
+            <a:r>
+              <a:rPr lang="es-CO" dirty="0">
+                <a:latin typeface="Bahnschrift Light" panose="020B0502040204020203" pitchFamily="34" charset="0"/>
+                <a:ea typeface="Adobe Gothic Std B" panose="020B0800000000000000" pitchFamily="34" charset="-128"/>
+              </a:rPr>
+              <a:t>3106763499</a:t>
+            </a:r>
+          </a:p>
+        </p:txBody>
+      </p:sp>
+    </p:spTree>
+    <p:extLst>
+      <p:ext uri="{BB962C8B-B14F-4D97-AF65-F5344CB8AC3E}">
+        <p14:creationId xmlns:p14="http://schemas.microsoft.com/office/powerpoint/2010/main" val="899121911"/>
+      </p:ext>
+    </p:extLst>
+  </p:cSld>
+  <p:clrMapOvr>
+    <a:masterClrMapping/>
+  </p:clrMapOvr>
+</p:sld>
+</file>
+
 <file path=ppt/slides/slide3.xml><?xml version="1.0" encoding="utf-8"?>
+<p:sld xmlns:a="http://schemas.openxmlformats.org/drawingml/2006/main" xmlns:r="http://schemas.openxmlformats.org/officeDocument/2006/relationships" xmlns:p="http://schemas.openxmlformats.org/presentationml/2006/main">
+  <p:cSld>
+    <p:spTree>
+      <p:nvGrpSpPr>
+        <p:cNvPr id="1" name=""/>
+        <p:cNvGrpSpPr/>
+        <p:nvPr/>
+      </p:nvGrpSpPr>
+      <p:grpSpPr>
+        <a:xfrm>
+          <a:off x="0" y="0"/>
+          <a:ext cx="0" cy="0"/>
+          <a:chOff x="0" y="0"/>
+          <a:chExt cx="0" cy="0"/>
+        </a:xfrm>
+      </p:grpSpPr>
+      <p:sp>
+        <p:nvSpPr>
+          <p:cNvPr id="2" name="Título 1">
+            <a:extLst>
+              <a:ext uri="{FF2B5EF4-FFF2-40B4-BE49-F238E27FC236}">
+                <a16:creationId xmlns:a16="http://schemas.microsoft.com/office/drawing/2014/main" id="{E25E298A-3168-4B60-94A5-E54AF960B911}"/>
+              </a:ext>
+            </a:extLst>
+          </p:cNvPr>
+          <p:cNvSpPr>
+            <a:spLocks noGrp="1"/>
+          </p:cNvSpPr>
+          <p:nvPr>
+            <p:ph type="ctrTitle"/>
+          </p:nvPr>
+        </p:nvSpPr>
+        <p:spPr>
+          <a:xfrm>
+            <a:off x="0" y="1771921"/>
+            <a:ext cx="12192000" cy="940608"/>
+          </a:xfrm>
+        </p:spPr>
+        <p:txBody>
+          <a:bodyPr>
+            <a:normAutofit/>
+          </a:bodyPr>
+          <a:lstStyle/>
+          <a:p>
+            <a:r>
+              <a:rPr lang="es-ES" b="1" dirty="0">
+                <a:latin typeface="Bahnschrift Condensed" panose="020B0502040204020203" pitchFamily="34" charset="0"/>
+                <a:ea typeface="Adobe Gothic Std B" panose="020B0800000000000000" pitchFamily="34" charset="-128"/>
+              </a:rPr>
+              <a:t>Singularidad </a:t>
+            </a:r>
+            <a:r>
+              <a:rPr lang="es-CO" b="1" dirty="0">
+                <a:latin typeface="Bahnschrift Condensed" panose="020B0502040204020203" pitchFamily="34" charset="0"/>
+                <a:ea typeface="Adobe Gothic Std B" panose="020B0800000000000000" pitchFamily="34" charset="-128"/>
+              </a:rPr>
+              <a:t>tecnológica</a:t>
+            </a:r>
+          </a:p>
+        </p:txBody>
+      </p:sp>
+      <p:sp>
+        <p:nvSpPr>
+          <p:cNvPr id="6" name="Título 1">
+            <a:extLst>
+              <a:ext uri="{FF2B5EF4-FFF2-40B4-BE49-F238E27FC236}">
+                <a16:creationId xmlns:a16="http://schemas.microsoft.com/office/drawing/2014/main" id="{D1F20A51-A41F-4529-A96C-C271EA4C0F09}"/>
+              </a:ext>
+            </a:extLst>
+          </p:cNvPr>
+          <p:cNvSpPr txBox="1">
+            <a:spLocks/>
+          </p:cNvSpPr>
+          <p:nvPr/>
+        </p:nvSpPr>
+        <p:spPr>
+          <a:xfrm>
+            <a:off x="0" y="2857703"/>
+            <a:ext cx="12191999" cy="780442"/>
+          </a:xfrm>
+          <a:prstGeom prst="rect">
+            <a:avLst/>
+          </a:prstGeom>
+        </p:spPr>
+        <p:txBody>
+          <a:bodyPr vert="horz" lIns="91440" tIns="45720" rIns="91440" bIns="45720" rtlCol="0" anchor="b">
+            <a:normAutofit/>
+          </a:bodyPr>
+          <a:lstStyle>
+            <a:lvl1pPr algn="ctr" defTabSz="914400" rtl="0" eaLnBrk="1" latinLnBrk="0" hangingPunct="1">
+              <a:lnSpc>
+                <a:spcPct val="90000"/>
+              </a:lnSpc>
+              <a:spcBef>
+                <a:spcPct val="0"/>
+              </a:spcBef>
+              <a:buNone/>
+              <a:defRPr sz="6000" kern="1200">
+                <a:solidFill>
+                  <a:schemeClr val="tx1"/>
+                </a:solidFill>
+                <a:latin typeface="+mj-lt"/>
+                <a:ea typeface="+mj-ea"/>
+                <a:cs typeface="+mj-cs"/>
+              </a:defRPr>
+            </a:lvl1pPr>
+          </a:lstStyle>
+          <a:p>
+            <a:r>
+              <a:rPr lang="es-ES" sz="3000" dirty="0">
+                <a:latin typeface="Bahnschrift Light" panose="020B0502040204020203" pitchFamily="34" charset="0"/>
+                <a:ea typeface="Adobe Gothic Std B" panose="020B0800000000000000" pitchFamily="34" charset="-128"/>
+              </a:rPr>
+              <a:t>IA capas de auto-mejorarse</a:t>
+            </a:r>
+            <a:endParaRPr lang="es-CO" sz="3000" dirty="0">
+              <a:latin typeface="Bahnschrift Light" panose="020B0502040204020203" pitchFamily="34" charset="0"/>
+              <a:ea typeface="Adobe Gothic Std B" panose="020B0800000000000000" pitchFamily="34" charset="-128"/>
+            </a:endParaRPr>
+          </a:p>
+        </p:txBody>
+      </p:sp>
+      <p:pic>
+        <p:nvPicPr>
+          <p:cNvPr id="1026" name="Picture 2" descr="Resultado de imagen para singularidad ia">
+            <a:extLst>
+              <a:ext uri="{FF2B5EF4-FFF2-40B4-BE49-F238E27FC236}">
+                <a16:creationId xmlns:a16="http://schemas.microsoft.com/office/drawing/2014/main" id="{55B2E3A5-907D-47DB-8C49-FF7CBF520EEC}"/>
+              </a:ext>
+            </a:extLst>
+          </p:cNvPr>
+          <p:cNvPicPr>
+            <a:picLocks noChangeAspect="1" noChangeArrowheads="1"/>
+          </p:cNvPicPr>
+          <p:nvPr/>
+        </p:nvPicPr>
+        <p:blipFill>
+          <a:blip r:embed="rId2">
+            <a:extLst>
+              <a:ext uri="{28A0092B-C50C-407E-A947-70E740481C1C}">
+                <a14:useLocalDpi xmlns:a14="http://schemas.microsoft.com/office/drawing/2010/main" val="0"/>
+              </a:ext>
+            </a:extLst>
+          </a:blip>
+          <a:srcRect/>
+          <a:stretch>
+            <a:fillRect/>
+          </a:stretch>
+        </p:blipFill>
+        <p:spPr bwMode="auto">
+          <a:xfrm>
+            <a:off x="8401050" y="4000297"/>
+            <a:ext cx="3790950" cy="2847975"/>
+          </a:xfrm>
+          <a:prstGeom prst="rect">
+            <a:avLst/>
+          </a:prstGeom>
+          <a:noFill/>
+          <a:extLst>
+            <a:ext uri="{909E8E84-426E-40DD-AFC4-6F175D3DCCD1}">
+              <a14:hiddenFill xmlns:a14="http://schemas.microsoft.com/office/drawing/2010/main">
+                <a:solidFill>
+                  <a:srgbClr val="FFFFFF"/>
+                </a:solidFill>
+              </a14:hiddenFill>
+            </a:ext>
+          </a:extLst>
+        </p:spPr>
+      </p:pic>
+      <p:sp>
+        <p:nvSpPr>
+          <p:cNvPr id="8" name="Título 1">
+            <a:extLst>
+              <a:ext uri="{FF2B5EF4-FFF2-40B4-BE49-F238E27FC236}">
+                <a16:creationId xmlns:a16="http://schemas.microsoft.com/office/drawing/2014/main" id="{F9769D7C-BBF8-4B4E-858F-AA5B4F249FEE}"/>
+              </a:ext>
+            </a:extLst>
+          </p:cNvPr>
+          <p:cNvSpPr txBox="1">
+            <a:spLocks/>
+          </p:cNvSpPr>
+          <p:nvPr/>
+        </p:nvSpPr>
+        <p:spPr>
+          <a:xfrm>
+            <a:off x="12565" y="5347064"/>
+            <a:ext cx="8388485" cy="1363502"/>
+          </a:xfrm>
+          <a:prstGeom prst="rect">
+            <a:avLst/>
+          </a:prstGeom>
+        </p:spPr>
+        <p:txBody>
+          <a:bodyPr vert="horz" lIns="91440" tIns="45720" rIns="91440" bIns="45720" rtlCol="0" anchor="b">
+            <a:normAutofit fontScale="47500" lnSpcReduction="20000"/>
+          </a:bodyPr>
+          <a:lstStyle>
+            <a:lvl1pPr algn="ctr" defTabSz="914400" rtl="0" eaLnBrk="1" latinLnBrk="0" hangingPunct="1">
+              <a:lnSpc>
+                <a:spcPct val="90000"/>
+              </a:lnSpc>
+              <a:spcBef>
+                <a:spcPct val="0"/>
+              </a:spcBef>
+              <a:buNone/>
+              <a:defRPr sz="6000" kern="1200">
+                <a:solidFill>
+                  <a:schemeClr val="tx1"/>
+                </a:solidFill>
+                <a:latin typeface="+mj-lt"/>
+                <a:ea typeface="+mj-ea"/>
+                <a:cs typeface="+mj-cs"/>
+              </a:defRPr>
+            </a:lvl1pPr>
+          </a:lstStyle>
+          <a:p>
+            <a:pPr algn="r">
+              <a:lnSpc>
+                <a:spcPct val="120000"/>
+              </a:lnSpc>
+            </a:pPr>
+            <a:r>
+              <a:rPr lang="es-ES" i="1" dirty="0">
+                <a:latin typeface="Bahnschrift Light" panose="020B0502040204020203" pitchFamily="34" charset="0"/>
+              </a:rPr>
+              <a:t>“El desarrollo de la inteligencia artificial completa podría significar el fin de la raza humana.”</a:t>
+            </a:r>
+          </a:p>
+          <a:p>
+            <a:pPr algn="r">
+              <a:lnSpc>
+                <a:spcPct val="120000"/>
+              </a:lnSpc>
+            </a:pPr>
+            <a:r>
+              <a:rPr lang="es-CO" sz="3000" i="1" dirty="0">
+                <a:latin typeface="Bahnschrift Light" panose="020B0502040204020203" pitchFamily="34" charset="0"/>
+                <a:ea typeface="Adobe Gothic Std B" panose="020B0800000000000000" pitchFamily="34" charset="-128"/>
+              </a:rPr>
+              <a:t>Stephen Hawking</a:t>
+            </a:r>
+          </a:p>
+        </p:txBody>
+      </p:sp>
+    </p:spTree>
+    <p:extLst>
+      <p:ext uri="{BB962C8B-B14F-4D97-AF65-F5344CB8AC3E}">
+        <p14:creationId xmlns:p14="http://schemas.microsoft.com/office/powerpoint/2010/main" val="2932587403"/>
+      </p:ext>
+    </p:extLst>
+  </p:cSld>
+  <p:clrMapOvr>
+    <a:masterClrMapping/>
+  </p:clrMapOvr>
+</p:sld>
+</file>
+
+<file path=ppt/slides/slide4.xml><?xml version="1.0" encoding="utf-8"?>
 <p:sld xmlns:a="http://schemas.openxmlformats.org/drawingml/2006/main" xmlns:r="http://schemas.openxmlformats.org/officeDocument/2006/relationships" xmlns:p="http://schemas.openxmlformats.org/presentationml/2006/main">
   <p:cSld>
     <p:spTree>
@@ -5330,7 +9718,7 @@
 </p:sld>
 </file>
 
-<file path=ppt/slides/slide4.xml><?xml version="1.0" encoding="utf-8"?>
+<file path=ppt/slides/slide5.xml><?xml version="1.0" encoding="utf-8"?>
 <p:sld xmlns:a="http://schemas.openxmlformats.org/drawingml/2006/main" xmlns:r="http://schemas.openxmlformats.org/officeDocument/2006/relationships" xmlns:p="http://schemas.openxmlformats.org/presentationml/2006/main">
   <p:cSld>
     <p:bg>
@@ -5451,264 +9839,6 @@
 </p:sld>
 </file>
 
-<file path=ppt/slides/slide5.xml><?xml version="1.0" encoding="utf-8"?>
-<p:sld xmlns:a="http://schemas.openxmlformats.org/drawingml/2006/main" xmlns:r="http://schemas.openxmlformats.org/officeDocument/2006/relationships" xmlns:p="http://schemas.openxmlformats.org/presentationml/2006/main">
-  <p:cSld>
-    <p:spTree>
-      <p:nvGrpSpPr>
-        <p:cNvPr id="1" name=""/>
-        <p:cNvGrpSpPr/>
-        <p:nvPr/>
-      </p:nvGrpSpPr>
-      <p:grpSpPr>
-        <a:xfrm>
-          <a:off x="0" y="0"/>
-          <a:ext cx="0" cy="0"/>
-          <a:chOff x="0" y="0"/>
-          <a:chExt cx="0" cy="0"/>
-        </a:xfrm>
-      </p:grpSpPr>
-      <p:sp>
-        <p:nvSpPr>
-          <p:cNvPr id="2" name="Título 1">
-            <a:extLst>
-              <a:ext uri="{FF2B5EF4-FFF2-40B4-BE49-F238E27FC236}">
-                <a16:creationId xmlns:a16="http://schemas.microsoft.com/office/drawing/2014/main" id="{E25E298A-3168-4B60-94A5-E54AF960B911}"/>
-              </a:ext>
-            </a:extLst>
-          </p:cNvPr>
-          <p:cNvSpPr>
-            <a:spLocks noGrp="1"/>
-          </p:cNvSpPr>
-          <p:nvPr>
-            <p:ph type="ctrTitle"/>
-          </p:nvPr>
-        </p:nvSpPr>
-        <p:spPr>
-          <a:xfrm>
-            <a:off x="0" y="1771921"/>
-            <a:ext cx="12192000" cy="940608"/>
-          </a:xfrm>
-        </p:spPr>
-        <p:txBody>
-          <a:bodyPr>
-            <a:normAutofit/>
-          </a:bodyPr>
-          <a:lstStyle/>
-          <a:p>
-            <a:r>
-              <a:rPr lang="es-ES" b="1" dirty="0">
-                <a:latin typeface="Bahnschrift Condensed" panose="020B0502040204020203" pitchFamily="34" charset="0"/>
-                <a:ea typeface="Adobe Gothic Std B" panose="020B0800000000000000" pitchFamily="34" charset="-128"/>
-              </a:rPr>
-              <a:t>Singularidad </a:t>
-            </a:r>
-            <a:r>
-              <a:rPr lang="es-CO" b="1" dirty="0">
-                <a:latin typeface="Bahnschrift Condensed" panose="020B0502040204020203" pitchFamily="34" charset="0"/>
-                <a:ea typeface="Adobe Gothic Std B" panose="020B0800000000000000" pitchFamily="34" charset="-128"/>
-              </a:rPr>
-              <a:t>tecnológica</a:t>
-            </a:r>
-          </a:p>
-        </p:txBody>
-      </p:sp>
-      <p:sp>
-        <p:nvSpPr>
-          <p:cNvPr id="6" name="Título 1">
-            <a:extLst>
-              <a:ext uri="{FF2B5EF4-FFF2-40B4-BE49-F238E27FC236}">
-                <a16:creationId xmlns:a16="http://schemas.microsoft.com/office/drawing/2014/main" id="{D1F20A51-A41F-4529-A96C-C271EA4C0F09}"/>
-              </a:ext>
-            </a:extLst>
-          </p:cNvPr>
-          <p:cNvSpPr txBox="1">
-            <a:spLocks/>
-          </p:cNvSpPr>
-          <p:nvPr/>
-        </p:nvSpPr>
-        <p:spPr>
-          <a:xfrm>
-            <a:off x="0" y="2857703"/>
-            <a:ext cx="12191999" cy="780442"/>
-          </a:xfrm>
-          <a:prstGeom prst="rect">
-            <a:avLst/>
-          </a:prstGeom>
-        </p:spPr>
-        <p:txBody>
-          <a:bodyPr vert="horz" lIns="91440" tIns="45720" rIns="91440" bIns="45720" rtlCol="0" anchor="b">
-            <a:normAutofit/>
-          </a:bodyPr>
-          <a:lstStyle>
-            <a:lvl1pPr algn="ctr" defTabSz="914400" rtl="0" eaLnBrk="1" latinLnBrk="0" hangingPunct="1">
-              <a:lnSpc>
-                <a:spcPct val="90000"/>
-              </a:lnSpc>
-              <a:spcBef>
-                <a:spcPct val="0"/>
-              </a:spcBef>
-              <a:buNone/>
-              <a:defRPr sz="6000" kern="1200">
-                <a:solidFill>
-                  <a:schemeClr val="tx1"/>
-                </a:solidFill>
-                <a:latin typeface="+mj-lt"/>
-                <a:ea typeface="+mj-ea"/>
-                <a:cs typeface="+mj-cs"/>
-              </a:defRPr>
-            </a:lvl1pPr>
-          </a:lstStyle>
-          <a:p>
-            <a:r>
-              <a:rPr lang="es-ES" sz="3000" dirty="0">
-                <a:latin typeface="Bahnschrift Light" panose="020B0502040204020203" pitchFamily="34" charset="0"/>
-                <a:ea typeface="Adobe Gothic Std B" panose="020B0800000000000000" pitchFamily="34" charset="-128"/>
-              </a:rPr>
-              <a:t>IA capas de auto-mejorarse</a:t>
-            </a:r>
-            <a:endParaRPr lang="es-CO" sz="3000" dirty="0">
-              <a:latin typeface="Bahnschrift Light" panose="020B0502040204020203" pitchFamily="34" charset="0"/>
-              <a:ea typeface="Adobe Gothic Std B" panose="020B0800000000000000" pitchFamily="34" charset="-128"/>
-            </a:endParaRPr>
-          </a:p>
-        </p:txBody>
-      </p:sp>
-      <p:pic>
-        <p:nvPicPr>
-          <p:cNvPr id="1026" name="Picture 2" descr="Resultado de imagen para singularidad ia">
-            <a:extLst>
-              <a:ext uri="{FF2B5EF4-FFF2-40B4-BE49-F238E27FC236}">
-                <a16:creationId xmlns:a16="http://schemas.microsoft.com/office/drawing/2014/main" id="{55B2E3A5-907D-47DB-8C49-FF7CBF520EEC}"/>
-              </a:ext>
-            </a:extLst>
-          </p:cNvPr>
-          <p:cNvPicPr>
-            <a:picLocks noChangeAspect="1" noChangeArrowheads="1"/>
-          </p:cNvPicPr>
-          <p:nvPr/>
-        </p:nvPicPr>
-        <p:blipFill>
-          <a:blip r:embed="rId2">
-            <a:extLst>
-              <a:ext uri="{28A0092B-C50C-407E-A947-70E740481C1C}">
-                <a14:useLocalDpi xmlns:a14="http://schemas.microsoft.com/office/drawing/2010/main" val="0"/>
-              </a:ext>
-            </a:extLst>
-          </a:blip>
-          <a:srcRect/>
-          <a:stretch>
-            <a:fillRect/>
-          </a:stretch>
-        </p:blipFill>
-        <p:spPr bwMode="auto">
-          <a:xfrm>
-            <a:off x="8401050" y="4000297"/>
-            <a:ext cx="3790950" cy="2847975"/>
-          </a:xfrm>
-          <a:prstGeom prst="rect">
-            <a:avLst/>
-          </a:prstGeom>
-          <a:noFill/>
-          <a:extLst>
-            <a:ext uri="{909E8E84-426E-40DD-AFC4-6F175D3DCCD1}">
-              <a14:hiddenFill xmlns:a14="http://schemas.microsoft.com/office/drawing/2010/main">
-                <a:solidFill>
-                  <a:srgbClr val="FFFFFF"/>
-                </a:solidFill>
-              </a14:hiddenFill>
-            </a:ext>
-          </a:extLst>
-        </p:spPr>
-      </p:pic>
-      <p:sp>
-        <p:nvSpPr>
-          <p:cNvPr id="8" name="Título 1">
-            <a:extLst>
-              <a:ext uri="{FF2B5EF4-FFF2-40B4-BE49-F238E27FC236}">
-                <a16:creationId xmlns:a16="http://schemas.microsoft.com/office/drawing/2014/main" id="{F9769D7C-BBF8-4B4E-858F-AA5B4F249FEE}"/>
-              </a:ext>
-            </a:extLst>
-          </p:cNvPr>
-          <p:cNvSpPr txBox="1">
-            <a:spLocks/>
-          </p:cNvSpPr>
-          <p:nvPr/>
-        </p:nvSpPr>
-        <p:spPr>
-          <a:xfrm>
-            <a:off x="12565" y="5347064"/>
-            <a:ext cx="8388485" cy="1363502"/>
-          </a:xfrm>
-          <a:prstGeom prst="rect">
-            <a:avLst/>
-          </a:prstGeom>
-        </p:spPr>
-        <p:txBody>
-          <a:bodyPr vert="horz" lIns="91440" tIns="45720" rIns="91440" bIns="45720" rtlCol="0" anchor="b">
-            <a:normAutofit fontScale="47500" lnSpcReduction="20000"/>
-          </a:bodyPr>
-          <a:lstStyle>
-            <a:lvl1pPr algn="ctr" defTabSz="914400" rtl="0" eaLnBrk="1" latinLnBrk="0" hangingPunct="1">
-              <a:lnSpc>
-                <a:spcPct val="90000"/>
-              </a:lnSpc>
-              <a:spcBef>
-                <a:spcPct val="0"/>
-              </a:spcBef>
-              <a:buNone/>
-              <a:defRPr sz="6000" kern="1200">
-                <a:solidFill>
-                  <a:schemeClr val="tx1"/>
-                </a:solidFill>
-                <a:latin typeface="+mj-lt"/>
-                <a:ea typeface="+mj-ea"/>
-                <a:cs typeface="+mj-cs"/>
-              </a:defRPr>
-            </a:lvl1pPr>
-          </a:lstStyle>
-          <a:p>
-            <a:pPr algn="r">
-              <a:lnSpc>
-                <a:spcPct val="120000"/>
-              </a:lnSpc>
-            </a:pPr>
-            <a:r>
-              <a:rPr lang="es-ES" i="1" dirty="0">
-                <a:latin typeface="Bahnschrift Light" panose="020B0502040204020203" pitchFamily="34" charset="0"/>
-              </a:rPr>
-              <a:t>“El desarrollo de la inteligencia artificial completa podría significar el fin de la raza humana.”</a:t>
-            </a:r>
-          </a:p>
-          <a:p>
-            <a:pPr algn="r">
-              <a:lnSpc>
-                <a:spcPct val="120000"/>
-              </a:lnSpc>
-            </a:pPr>
-            <a:r>
-              <a:rPr lang="es-CO" sz="3000" i="1" dirty="0">
-                <a:latin typeface="Bahnschrift Light" panose="020B0502040204020203" pitchFamily="34" charset="0"/>
-                <a:ea typeface="Adobe Gothic Std B" panose="020B0800000000000000" pitchFamily="34" charset="-128"/>
-              </a:rPr>
-              <a:t>Stephen Hawking</a:t>
-            </a:r>
-          </a:p>
-        </p:txBody>
-      </p:sp>
-    </p:spTree>
-    <p:extLst>
-      <p:ext uri="{BB962C8B-B14F-4D97-AF65-F5344CB8AC3E}">
-        <p14:creationId xmlns:p14="http://schemas.microsoft.com/office/powerpoint/2010/main" val="2932587403"/>
-      </p:ext>
-    </p:extLst>
-  </p:cSld>
-  <p:clrMapOvr>
-    <a:masterClrMapping/>
-  </p:clrMapOvr>
-</p:sld>
-</file>
-
 <file path=ppt/slides/slide6.xml><?xml version="1.0" encoding="utf-8"?>
 <p:sld xmlns:a="http://schemas.openxmlformats.org/drawingml/2006/main" xmlns:r="http://schemas.openxmlformats.org/officeDocument/2006/relationships" xmlns:p="http://schemas.openxmlformats.org/presentationml/2006/main">
   <p:cSld>
@@ -5742,8 +9872,8 @@
         </p:nvSpPr>
         <p:spPr>
           <a:xfrm>
-            <a:off x="746251" y="1290415"/>
-            <a:ext cx="7338070" cy="3033758"/>
+            <a:off x="836184" y="230734"/>
+            <a:ext cx="10314530" cy="1085319"/>
           </a:xfrm>
           <a:prstGeom prst="rect">
             <a:avLst/>
@@ -5751,7 +9881,7 @@
         </p:spPr>
         <p:txBody>
           <a:bodyPr vert="horz" lIns="91440" tIns="45720" rIns="91440" bIns="45720" rtlCol="0" anchor="b">
-            <a:normAutofit/>
+            <a:noAutofit/>
           </a:bodyPr>
           <a:lstStyle>
             <a:lvl1pPr algn="ctr" defTabSz="914400" rtl="0" eaLnBrk="1" latinLnBrk="0" hangingPunct="1">
@@ -5774,27 +9904,70 @@
           </a:lstStyle>
           <a:p>
             <a:r>
-              <a:rPr lang="es-ES" sz="4400" dirty="0">
+              <a:rPr lang="es-CO" b="1" dirty="0">
+                <a:latin typeface="Bahnschrift Condensed" panose="020B0502040204020203" pitchFamily="34" charset="0"/>
+                <a:ea typeface="Adobe Gothic Std B" panose="020B0800000000000000" pitchFamily="34" charset="-128"/>
+              </a:rPr>
+              <a:t>Algoritmos?</a:t>
+            </a:r>
+          </a:p>
+        </p:txBody>
+      </p:sp>
+      <p:sp>
+        <p:nvSpPr>
+          <p:cNvPr id="7" name="Título 1">
+            <a:extLst>
+              <a:ext uri="{FF2B5EF4-FFF2-40B4-BE49-F238E27FC236}">
+                <a16:creationId xmlns:a16="http://schemas.microsoft.com/office/drawing/2014/main" id="{4B34F968-5B15-441A-B7D7-93C5C6DFAD7F}"/>
+              </a:ext>
+            </a:extLst>
+          </p:cNvPr>
+          <p:cNvSpPr txBox="1">
+            <a:spLocks/>
+          </p:cNvSpPr>
+          <p:nvPr/>
+        </p:nvSpPr>
+        <p:spPr>
+          <a:xfrm>
+            <a:off x="5583708" y="2848933"/>
+            <a:ext cx="5678101" cy="2527459"/>
+          </a:xfrm>
+          <a:prstGeom prst="rect">
+            <a:avLst/>
+          </a:prstGeom>
+        </p:spPr>
+        <p:txBody>
+          <a:bodyPr vert="horz" lIns="91440" tIns="45720" rIns="91440" bIns="45720" rtlCol="0" anchor="b">
+            <a:noAutofit/>
+          </a:bodyPr>
+          <a:lstStyle>
+            <a:lvl1pPr algn="ctr" defTabSz="914400" rtl="0" eaLnBrk="1" latinLnBrk="0" hangingPunct="1">
+              <a:lnSpc>
+                <a:spcPct val="90000"/>
+              </a:lnSpc>
+              <a:spcBef>
+                <a:spcPct val="0"/>
+              </a:spcBef>
+              <a:buNone/>
+              <a:defRPr sz="6000" kern="1200">
+                <a:solidFill>
+                  <a:schemeClr val="tx1"/>
+                </a:solidFill>
+                <a:latin typeface="+mj-lt"/>
+                <a:ea typeface="+mj-ea"/>
+                <a:cs typeface="+mj-cs"/>
+              </a:defRPr>
+            </a:lvl1pPr>
+          </a:lstStyle>
+          <a:p>
+            <a:r>
+              <a:rPr lang="es-ES" sz="3600" dirty="0">
                 <a:latin typeface="Bahnschrift Light" panose="020B0502040204020203" pitchFamily="34" charset="0"/>
                 <a:ea typeface="Adobe Gothic Std B" panose="020B0800000000000000" pitchFamily="34" charset="-128"/>
               </a:rPr>
-              <a:t>Nuestra capacidad de </a:t>
-            </a:r>
-            <a:r>
-              <a:rPr lang="es-ES" sz="4400" u="sng" dirty="0">
-                <a:latin typeface="Bahnschrift Light" panose="020B0502040204020203" pitchFamily="34" charset="0"/>
-                <a:ea typeface="Adobe Gothic Std B" panose="020B0800000000000000" pitchFamily="34" charset="-128"/>
-              </a:rPr>
-              <a:t>aprender</a:t>
-            </a:r>
-            <a:r>
-              <a:rPr lang="es-ES" sz="4400" dirty="0">
-                <a:latin typeface="Bahnschrift Light" panose="020B0502040204020203" pitchFamily="34" charset="0"/>
-                <a:ea typeface="Adobe Gothic Std B" panose="020B0800000000000000" pitchFamily="34" charset="-128"/>
-              </a:rPr>
-              <a:t> y mejorar a través de la experiencia es parte de ser humano.</a:t>
-            </a:r>
-            <a:endParaRPr lang="es-CO" sz="4400" dirty="0">
+              <a:t>Dados un estado inicial y una entrada, siguiendo los pasos sucesivos se llega a un estado final y se obtiene una solución.</a:t>
+            </a:r>
+            <a:endParaRPr lang="es-CO" sz="3600" dirty="0">
               <a:latin typeface="Bahnschrift Light" panose="020B0502040204020203" pitchFamily="34" charset="0"/>
               <a:ea typeface="Adobe Gothic Std B" panose="020B0800000000000000" pitchFamily="34" charset="-128"/>
             </a:endParaRPr>
@@ -5803,10 +9976,10 @@
       </p:sp>
       <p:pic>
         <p:nvPicPr>
-          <p:cNvPr id="2052" name="Picture 4" descr="Resultado de imagen para desarrollador">
-            <a:extLst>
-              <a:ext uri="{FF2B5EF4-FFF2-40B4-BE49-F238E27FC236}">
-                <a16:creationId xmlns:a16="http://schemas.microsoft.com/office/drawing/2014/main" id="{444A2C1E-6524-4424-8712-7486BBD6D4A5}"/>
+          <p:cNvPr id="14338" name="Picture 2" descr="Resultado de imagen para Algoritmo entra y salida">
+            <a:extLst>
+              <a:ext uri="{FF2B5EF4-FFF2-40B4-BE49-F238E27FC236}">
+                <a16:creationId xmlns:a16="http://schemas.microsoft.com/office/drawing/2014/main" id="{E67D3A5F-000F-4F2E-83E9-B857BFCA99B8}"/>
               </a:ext>
             </a:extLst>
           </p:cNvPr>
@@ -5830,8 +10003,8 @@
         </p:blipFill>
         <p:spPr bwMode="auto">
           <a:xfrm>
-            <a:off x="3253589" y="0"/>
-            <a:ext cx="8829675" cy="6858000"/>
+            <a:off x="173492" y="1680835"/>
+            <a:ext cx="4563999" cy="4863656"/>
           </a:xfrm>
           <a:prstGeom prst="rect">
             <a:avLst/>
@@ -5851,7 +10024,7 @@
     </p:spTree>
     <p:extLst>
       <p:ext uri="{BB962C8B-B14F-4D97-AF65-F5344CB8AC3E}">
-        <p14:creationId xmlns:p14="http://schemas.microsoft.com/office/powerpoint/2010/main" val="2718420563"/>
+        <p14:creationId xmlns:p14="http://schemas.microsoft.com/office/powerpoint/2010/main" val="3444028565"/>
       </p:ext>
     </p:extLst>
   </p:cSld>
@@ -5880,10 +10053,103 @@
       </p:grpSpPr>
       <p:pic>
         <p:nvPicPr>
-          <p:cNvPr id="3074" name="Picture 2" descr="Imagen relacionada">
-            <a:extLst>
-              <a:ext uri="{FF2B5EF4-FFF2-40B4-BE49-F238E27FC236}">
-                <a16:creationId xmlns:a16="http://schemas.microsoft.com/office/drawing/2014/main" id="{087D59BB-C5B8-454E-AD29-65E7ECF4FDBE}"/>
+          <p:cNvPr id="2" name="Imagen 1">
+            <a:extLst>
+              <a:ext uri="{FF2B5EF4-FFF2-40B4-BE49-F238E27FC236}">
+                <a16:creationId xmlns:a16="http://schemas.microsoft.com/office/drawing/2014/main" id="{7C1A3B41-ACAB-4548-900D-7A5FEBE74298}"/>
+              </a:ext>
+            </a:extLst>
+          </p:cNvPr>
+          <p:cNvPicPr>
+            <a:picLocks noChangeAspect="1"/>
+          </p:cNvPicPr>
+          <p:nvPr/>
+        </p:nvPicPr>
+        <p:blipFill>
+          <a:blip r:embed="rId2"/>
+          <a:stretch>
+            <a:fillRect/>
+          </a:stretch>
+        </p:blipFill>
+        <p:spPr>
+          <a:xfrm>
+            <a:off x="0" y="532216"/>
+            <a:ext cx="12192000" cy="5793568"/>
+          </a:xfrm>
+          <a:prstGeom prst="rect">
+            <a:avLst/>
+          </a:prstGeom>
+        </p:spPr>
+      </p:pic>
+      <p:sp>
+        <p:nvSpPr>
+          <p:cNvPr id="3" name="Bocadillo: rectángulo con esquinas redondeadas 2">
+            <a:extLst>
+              <a:ext uri="{FF2B5EF4-FFF2-40B4-BE49-F238E27FC236}">
+                <a16:creationId xmlns:a16="http://schemas.microsoft.com/office/drawing/2014/main" id="{BD2CDED1-9593-4AC9-89AD-BBED405E588A}"/>
+              </a:ext>
+            </a:extLst>
+          </p:cNvPr>
+          <p:cNvSpPr/>
+          <p:nvPr/>
+        </p:nvSpPr>
+        <p:spPr>
+          <a:xfrm>
+            <a:off x="9201815" y="1824526"/>
+            <a:ext cx="916405" cy="1362269"/>
+          </a:xfrm>
+          <a:prstGeom prst="wedgeRoundRectCallout">
+            <a:avLst>
+              <a:gd name="adj1" fmla="val -20368"/>
+              <a:gd name="adj2" fmla="val 112058"/>
+              <a:gd name="adj3" fmla="val 16667"/>
+            </a:avLst>
+          </a:prstGeom>
+        </p:spPr>
+        <p:style>
+          <a:lnRef idx="2">
+            <a:schemeClr val="accent1"/>
+          </a:lnRef>
+          <a:fillRef idx="1">
+            <a:schemeClr val="lt1"/>
+          </a:fillRef>
+          <a:effectRef idx="0">
+            <a:schemeClr val="accent1"/>
+          </a:effectRef>
+          <a:fontRef idx="minor">
+            <a:schemeClr val="dk1"/>
+          </a:fontRef>
+        </p:style>
+        <p:txBody>
+          <a:bodyPr rtlCol="0" anchor="ctr"/>
+          <a:lstStyle/>
+          <a:p>
+            <a:pPr algn="ctr"/>
+            <a:endParaRPr lang="es-CO" dirty="0"/>
+          </a:p>
+          <a:p>
+            <a:pPr algn="ctr"/>
+            <a:endParaRPr lang="es-CO" dirty="0"/>
+          </a:p>
+          <a:p>
+            <a:pPr algn="ctr"/>
+            <a:endParaRPr lang="es-CO" dirty="0"/>
+          </a:p>
+          <a:p>
+            <a:pPr algn="ctr"/>
+            <a:r>
+              <a:rPr lang="es-CO" dirty="0"/>
+              <a:t>1998</a:t>
+            </a:r>
+          </a:p>
+        </p:txBody>
+      </p:sp>
+      <p:pic>
+        <p:nvPicPr>
+          <p:cNvPr id="13314" name="Picture 2" descr="Resultado de imagen para google">
+            <a:extLst>
+              <a:ext uri="{FF2B5EF4-FFF2-40B4-BE49-F238E27FC236}">
+                <a16:creationId xmlns:a16="http://schemas.microsoft.com/office/drawing/2014/main" id="{5F564AC8-B3DF-4BDA-932C-F18E2AB568BC}"/>
               </a:ext>
             </a:extLst>
           </p:cNvPr>
@@ -5893,7 +10159,7 @@
           <p:nvPr/>
         </p:nvPicPr>
         <p:blipFill>
-          <a:blip r:embed="rId2">
+          <a:blip r:embed="rId3">
             <a:extLst>
               <a:ext uri="{28A0092B-C50C-407E-A947-70E740481C1C}">
                 <a14:useLocalDpi xmlns:a14="http://schemas.microsoft.com/office/drawing/2010/main" val="0"/>
@@ -5906,9 +10172,9 @@
           </a:stretch>
         </p:blipFill>
         <p:spPr bwMode="auto">
-          <a:xfrm flipH="1">
-            <a:off x="0" y="1495425"/>
-            <a:ext cx="8621486" cy="5362575"/>
+          <a:xfrm>
+            <a:off x="9270183" y="1903207"/>
+            <a:ext cx="799826" cy="799826"/>
           </a:xfrm>
           <a:prstGeom prst="rect">
             <a:avLst/>
@@ -5927,69 +10193,430 @@
       </p:pic>
       <p:sp>
         <p:nvSpPr>
-          <p:cNvPr id="6" name="Título 1">
-            <a:extLst>
-              <a:ext uri="{FF2B5EF4-FFF2-40B4-BE49-F238E27FC236}">
-                <a16:creationId xmlns:a16="http://schemas.microsoft.com/office/drawing/2014/main" id="{D1F20A51-A41F-4529-A96C-C271EA4C0F09}"/>
-              </a:ext>
-            </a:extLst>
-          </p:cNvPr>
-          <p:cNvSpPr txBox="1">
-            <a:spLocks/>
-          </p:cNvSpPr>
+          <p:cNvPr id="7" name="Bocadillo: rectángulo con esquinas redondeadas 6">
+            <a:extLst>
+              <a:ext uri="{FF2B5EF4-FFF2-40B4-BE49-F238E27FC236}">
+                <a16:creationId xmlns:a16="http://schemas.microsoft.com/office/drawing/2014/main" id="{A4356423-D89A-45B4-933A-966DE04E3A9A}"/>
+              </a:ext>
+            </a:extLst>
+          </p:cNvPr>
+          <p:cNvSpPr/>
           <p:nvPr/>
         </p:nvSpPr>
         <p:spPr>
           <a:xfrm>
-            <a:off x="391886" y="973783"/>
-            <a:ext cx="11408228" cy="1142400"/>
+            <a:off x="7733944" y="2189177"/>
+            <a:ext cx="1254807" cy="876553"/>
+          </a:xfrm>
+          <a:prstGeom prst="wedgeRoundRectCallout">
+            <a:avLst>
+              <a:gd name="adj1" fmla="val 71178"/>
+              <a:gd name="adj2" fmla="val 167568"/>
+              <a:gd name="adj3" fmla="val 16667"/>
+            </a:avLst>
+          </a:prstGeom>
+        </p:spPr>
+        <p:style>
+          <a:lnRef idx="2">
+            <a:schemeClr val="accent1"/>
+          </a:lnRef>
+          <a:fillRef idx="1">
+            <a:schemeClr val="lt1"/>
+          </a:fillRef>
+          <a:effectRef idx="0">
+            <a:schemeClr val="accent1"/>
+          </a:effectRef>
+          <a:fontRef idx="minor">
+            <a:schemeClr val="dk1"/>
+          </a:fontRef>
+        </p:style>
+        <p:txBody>
+          <a:bodyPr rtlCol="0" anchor="ctr"/>
+          <a:lstStyle/>
+          <a:p>
+            <a:pPr algn="ctr"/>
+            <a:endParaRPr lang="es-CO" dirty="0"/>
+          </a:p>
+          <a:p>
+            <a:pPr algn="ctr"/>
+            <a:r>
+              <a:rPr lang="es-CO" dirty="0"/>
+              <a:t>1997</a:t>
+            </a:r>
+          </a:p>
+        </p:txBody>
+      </p:sp>
+      <p:pic>
+        <p:nvPicPr>
+          <p:cNvPr id="13316" name="Picture 4" descr="Resultado de imagen para netflix">
+            <a:extLst>
+              <a:ext uri="{FF2B5EF4-FFF2-40B4-BE49-F238E27FC236}">
+                <a16:creationId xmlns:a16="http://schemas.microsoft.com/office/drawing/2014/main" id="{0B3507CB-DDFB-4B95-A391-EF9838531454}"/>
+              </a:ext>
+            </a:extLst>
+          </p:cNvPr>
+          <p:cNvPicPr>
+            <a:picLocks noChangeAspect="1" noChangeArrowheads="1"/>
+          </p:cNvPicPr>
+          <p:nvPr/>
+        </p:nvPicPr>
+        <p:blipFill>
+          <a:blip r:embed="rId4">
+            <a:extLst>
+              <a:ext uri="{28A0092B-C50C-407E-A947-70E740481C1C}">
+                <a14:useLocalDpi xmlns:a14="http://schemas.microsoft.com/office/drawing/2010/main" val="0"/>
+              </a:ext>
+            </a:extLst>
+          </a:blip>
+          <a:srcRect/>
+          <a:stretch>
+            <a:fillRect/>
+          </a:stretch>
+        </p:blipFill>
+        <p:spPr bwMode="auto">
+          <a:xfrm>
+            <a:off x="7806441" y="2189177"/>
+            <a:ext cx="1122488" cy="632965"/>
           </a:xfrm>
           <a:prstGeom prst="rect">
             <a:avLst/>
           </a:prstGeom>
-        </p:spPr>
-        <p:txBody>
-          <a:bodyPr vert="horz" lIns="91440" tIns="45720" rIns="91440" bIns="45720" rtlCol="0" anchor="b">
-            <a:normAutofit/>
-          </a:bodyPr>
-          <a:lstStyle>
-            <a:lvl1pPr algn="ctr" defTabSz="914400" rtl="0" eaLnBrk="1" latinLnBrk="0" hangingPunct="1">
-              <a:lnSpc>
-                <a:spcPct val="90000"/>
-              </a:lnSpc>
-              <a:spcBef>
-                <a:spcPct val="0"/>
-              </a:spcBef>
-              <a:buNone/>
-              <a:defRPr sz="6000" kern="1200">
+          <a:noFill/>
+          <a:extLst>
+            <a:ext uri="{909E8E84-426E-40DD-AFC4-6F175D3DCCD1}">
+              <a14:hiddenFill xmlns:a14="http://schemas.microsoft.com/office/drawing/2010/main">
                 <a:solidFill>
-                  <a:schemeClr val="tx1"/>
+                  <a:srgbClr val="FFFFFF"/>
                 </a:solidFill>
-                <a:latin typeface="+mj-lt"/>
-                <a:ea typeface="+mj-ea"/>
-                <a:cs typeface="+mj-cs"/>
-              </a:defRPr>
-            </a:lvl1pPr>
-          </a:lstStyle>
-          <a:p>
-            <a:r>
-              <a:rPr lang="es-ES" sz="3200" dirty="0">
-                <a:latin typeface="Bahnschrift Light" panose="020B0502040204020203" pitchFamily="34" charset="0"/>
-                <a:ea typeface="Adobe Gothic Std B" panose="020B0800000000000000" pitchFamily="34" charset="-128"/>
-              </a:rPr>
-              <a:t>Cuando nacemos casi no sabemos nada y no podemos hacer nada por nosotros mismos.</a:t>
-            </a:r>
-            <a:endParaRPr lang="es-CO" sz="3200" dirty="0">
-              <a:latin typeface="Bahnschrift Light" panose="020B0502040204020203" pitchFamily="34" charset="0"/>
-              <a:ea typeface="Adobe Gothic Std B" panose="020B0800000000000000" pitchFamily="34" charset="-128"/>
-            </a:endParaRPr>
-          </a:p>
-        </p:txBody>
-      </p:sp>
+              </a14:hiddenFill>
+            </a:ext>
+          </a:extLst>
+        </p:spPr>
+      </p:pic>
+      <p:sp>
+        <p:nvSpPr>
+          <p:cNvPr id="13" name="Bocadillo: rectángulo con esquinas redondeadas 12">
+            <a:extLst>
+              <a:ext uri="{FF2B5EF4-FFF2-40B4-BE49-F238E27FC236}">
+                <a16:creationId xmlns:a16="http://schemas.microsoft.com/office/drawing/2014/main" id="{4052483E-9BCF-4B6A-A1D9-F4F24E3D8BC0}"/>
+              </a:ext>
+            </a:extLst>
+          </p:cNvPr>
+          <p:cNvSpPr/>
+          <p:nvPr/>
+        </p:nvSpPr>
+        <p:spPr>
+          <a:xfrm>
+            <a:off x="7055983" y="3120934"/>
+            <a:ext cx="1350236" cy="729304"/>
+          </a:xfrm>
+          <a:prstGeom prst="wedgeRoundRectCallout">
+            <a:avLst>
+              <a:gd name="adj1" fmla="val 93556"/>
+              <a:gd name="adj2" fmla="val 106199"/>
+              <a:gd name="adj3" fmla="val 16667"/>
+            </a:avLst>
+          </a:prstGeom>
+        </p:spPr>
+        <p:style>
+          <a:lnRef idx="2">
+            <a:schemeClr val="accent1"/>
+          </a:lnRef>
+          <a:fillRef idx="1">
+            <a:schemeClr val="lt1"/>
+          </a:fillRef>
+          <a:effectRef idx="0">
+            <a:schemeClr val="accent1"/>
+          </a:effectRef>
+          <a:fontRef idx="minor">
+            <a:schemeClr val="dk1"/>
+          </a:fontRef>
+        </p:style>
+        <p:txBody>
+          <a:bodyPr rtlCol="0" anchor="ctr"/>
+          <a:lstStyle/>
+          <a:p>
+            <a:pPr algn="ctr"/>
+            <a:endParaRPr lang="es-CO" dirty="0"/>
+          </a:p>
+          <a:p>
+            <a:pPr algn="ctr"/>
+            <a:r>
+              <a:rPr lang="es-CO" dirty="0"/>
+              <a:t>1994</a:t>
+            </a:r>
+          </a:p>
+        </p:txBody>
+      </p:sp>
+      <p:pic>
+        <p:nvPicPr>
+          <p:cNvPr id="13318" name="Picture 6" descr="Resultado de imagen para amazon">
+            <a:extLst>
+              <a:ext uri="{FF2B5EF4-FFF2-40B4-BE49-F238E27FC236}">
+                <a16:creationId xmlns:a16="http://schemas.microsoft.com/office/drawing/2014/main" id="{54BED5D8-CD0C-495D-BAC9-345DEE435374}"/>
+              </a:ext>
+            </a:extLst>
+          </p:cNvPr>
+          <p:cNvPicPr>
+            <a:picLocks noChangeAspect="1" noChangeArrowheads="1"/>
+          </p:cNvPicPr>
+          <p:nvPr/>
+        </p:nvPicPr>
+        <p:blipFill>
+          <a:blip r:embed="rId5">
+            <a:extLst>
+              <a:ext uri="{28A0092B-C50C-407E-A947-70E740481C1C}">
+                <a14:useLocalDpi xmlns:a14="http://schemas.microsoft.com/office/drawing/2010/main" val="0"/>
+              </a:ext>
+            </a:extLst>
+          </a:blip>
+          <a:srcRect/>
+          <a:stretch>
+            <a:fillRect/>
+          </a:stretch>
+        </p:blipFill>
+        <p:spPr bwMode="auto">
+          <a:xfrm>
+            <a:off x="7163157" y="3285062"/>
+            <a:ext cx="1198190" cy="241043"/>
+          </a:xfrm>
+          <a:prstGeom prst="rect">
+            <a:avLst/>
+          </a:prstGeom>
+          <a:noFill/>
+          <a:extLst>
+            <a:ext uri="{909E8E84-426E-40DD-AFC4-6F175D3DCCD1}">
+              <a14:hiddenFill xmlns:a14="http://schemas.microsoft.com/office/drawing/2010/main">
+                <a:solidFill>
+                  <a:srgbClr val="FFFFFF"/>
+                </a:solidFill>
+              </a14:hiddenFill>
+            </a:ext>
+          </a:extLst>
+        </p:spPr>
+      </p:pic>
+      <p:sp>
+        <p:nvSpPr>
+          <p:cNvPr id="14" name="Bocadillo: rectángulo con esquinas redondeadas 13">
+            <a:extLst>
+              <a:ext uri="{FF2B5EF4-FFF2-40B4-BE49-F238E27FC236}">
+                <a16:creationId xmlns:a16="http://schemas.microsoft.com/office/drawing/2014/main" id="{3CB77EB4-8D23-414D-B183-7E374FE2314E}"/>
+              </a:ext>
+            </a:extLst>
+          </p:cNvPr>
+          <p:cNvSpPr/>
+          <p:nvPr/>
+        </p:nvSpPr>
+        <p:spPr>
+          <a:xfrm>
+            <a:off x="2495372" y="3747115"/>
+            <a:ext cx="1053262" cy="1378010"/>
+          </a:xfrm>
+          <a:prstGeom prst="wedgeRoundRectCallout">
+            <a:avLst>
+              <a:gd name="adj1" fmla="val 224077"/>
+              <a:gd name="adj2" fmla="val 93947"/>
+              <a:gd name="adj3" fmla="val 16667"/>
+            </a:avLst>
+          </a:prstGeom>
+        </p:spPr>
+        <p:style>
+          <a:lnRef idx="2">
+            <a:schemeClr val="accent1"/>
+          </a:lnRef>
+          <a:fillRef idx="1">
+            <a:schemeClr val="lt1"/>
+          </a:fillRef>
+          <a:effectRef idx="0">
+            <a:schemeClr val="accent1"/>
+          </a:effectRef>
+          <a:fontRef idx="minor">
+            <a:schemeClr val="dk1"/>
+          </a:fontRef>
+        </p:style>
+        <p:txBody>
+          <a:bodyPr rtlCol="0" anchor="ctr"/>
+          <a:lstStyle/>
+          <a:p>
+            <a:pPr algn="ctr"/>
+            <a:endParaRPr lang="es-CO" dirty="0"/>
+          </a:p>
+          <a:p>
+            <a:pPr algn="ctr"/>
+            <a:endParaRPr lang="es-CO" dirty="0"/>
+          </a:p>
+          <a:p>
+            <a:pPr algn="ctr"/>
+            <a:endParaRPr lang="es-CO" dirty="0"/>
+          </a:p>
+          <a:p>
+            <a:pPr algn="ctr"/>
+            <a:r>
+              <a:rPr lang="es-CO" dirty="0"/>
+              <a:t>1975</a:t>
+            </a:r>
+          </a:p>
+        </p:txBody>
+      </p:sp>
+      <p:sp>
+        <p:nvSpPr>
+          <p:cNvPr id="12" name="Bocadillo: rectángulo con esquinas redondeadas 11">
+            <a:extLst>
+              <a:ext uri="{FF2B5EF4-FFF2-40B4-BE49-F238E27FC236}">
+                <a16:creationId xmlns:a16="http://schemas.microsoft.com/office/drawing/2014/main" id="{8282F477-10B4-493D-B09D-A833DB5B3AB4}"/>
+              </a:ext>
+            </a:extLst>
+          </p:cNvPr>
+          <p:cNvSpPr/>
+          <p:nvPr/>
+        </p:nvSpPr>
+        <p:spPr>
+          <a:xfrm>
+            <a:off x="3881212" y="3367044"/>
+            <a:ext cx="1254807" cy="1378010"/>
+          </a:xfrm>
+          <a:prstGeom prst="wedgeRoundRectCallout">
+            <a:avLst>
+              <a:gd name="adj1" fmla="val 78670"/>
+              <a:gd name="adj2" fmla="val 121853"/>
+              <a:gd name="adj3" fmla="val 16667"/>
+            </a:avLst>
+          </a:prstGeom>
+        </p:spPr>
+        <p:style>
+          <a:lnRef idx="2">
+            <a:schemeClr val="accent1"/>
+          </a:lnRef>
+          <a:fillRef idx="1">
+            <a:schemeClr val="lt1"/>
+          </a:fillRef>
+          <a:effectRef idx="0">
+            <a:schemeClr val="accent1"/>
+          </a:effectRef>
+          <a:fontRef idx="minor">
+            <a:schemeClr val="dk1"/>
+          </a:fontRef>
+        </p:style>
+        <p:txBody>
+          <a:bodyPr rtlCol="0" anchor="ctr"/>
+          <a:lstStyle/>
+          <a:p>
+            <a:pPr algn="ctr"/>
+            <a:endParaRPr lang="es-CO" dirty="0"/>
+          </a:p>
+          <a:p>
+            <a:pPr algn="ctr"/>
+            <a:endParaRPr lang="es-CO" dirty="0"/>
+          </a:p>
+          <a:p>
+            <a:pPr algn="ctr"/>
+            <a:endParaRPr lang="es-CO" dirty="0"/>
+          </a:p>
+          <a:p>
+            <a:pPr algn="ctr"/>
+            <a:r>
+              <a:rPr lang="es-CO" dirty="0"/>
+              <a:t>1976</a:t>
+            </a:r>
+          </a:p>
+        </p:txBody>
+      </p:sp>
+      <p:pic>
+        <p:nvPicPr>
+          <p:cNvPr id="13324" name="Picture 12" descr="Resultado de imagen para microsoft">
+            <a:extLst>
+              <a:ext uri="{FF2B5EF4-FFF2-40B4-BE49-F238E27FC236}">
+                <a16:creationId xmlns:a16="http://schemas.microsoft.com/office/drawing/2014/main" id="{2AB42A79-B348-486E-AB46-18201B5C5262}"/>
+              </a:ext>
+            </a:extLst>
+          </p:cNvPr>
+          <p:cNvPicPr>
+            <a:picLocks noChangeAspect="1" noChangeArrowheads="1"/>
+          </p:cNvPicPr>
+          <p:nvPr/>
+        </p:nvPicPr>
+        <p:blipFill rotWithShape="1">
+          <a:blip r:embed="rId6">
+            <a:extLst>
+              <a:ext uri="{28A0092B-C50C-407E-A947-70E740481C1C}">
+                <a14:useLocalDpi xmlns:a14="http://schemas.microsoft.com/office/drawing/2010/main" val="0"/>
+              </a:ext>
+            </a:extLst>
+          </a:blip>
+          <a:srcRect t="28867" r="79633" b="14840"/>
+          <a:stretch/>
+        </p:blipFill>
+        <p:spPr bwMode="auto">
+          <a:xfrm>
+            <a:off x="2658008" y="3924474"/>
+            <a:ext cx="762173" cy="777850"/>
+          </a:xfrm>
+          <a:prstGeom prst="rect">
+            <a:avLst/>
+          </a:prstGeom>
+          <a:noFill/>
+          <a:extLst>
+            <a:ext uri="{909E8E84-426E-40DD-AFC4-6F175D3DCCD1}">
+              <a14:hiddenFill xmlns:a14="http://schemas.microsoft.com/office/drawing/2010/main">
+                <a:solidFill>
+                  <a:srgbClr val="FFFFFF"/>
+                </a:solidFill>
+              </a14:hiddenFill>
+            </a:ext>
+          </a:extLst>
+        </p:spPr>
+      </p:pic>
+      <p:pic>
+        <p:nvPicPr>
+          <p:cNvPr id="13320" name="Picture 8" descr="Resultado de imagen para apple">
+            <a:extLst>
+              <a:ext uri="{FF2B5EF4-FFF2-40B4-BE49-F238E27FC236}">
+                <a16:creationId xmlns:a16="http://schemas.microsoft.com/office/drawing/2014/main" id="{A511E736-86DD-4CCE-B24D-DB9D34CFACFF}"/>
+              </a:ext>
+            </a:extLst>
+          </p:cNvPr>
+          <p:cNvPicPr>
+            <a:picLocks noChangeAspect="1" noChangeArrowheads="1"/>
+          </p:cNvPicPr>
+          <p:nvPr/>
+        </p:nvPicPr>
+        <p:blipFill>
+          <a:blip r:embed="rId7">
+            <a:extLst>
+              <a:ext uri="{28A0092B-C50C-407E-A947-70E740481C1C}">
+                <a14:useLocalDpi xmlns:a14="http://schemas.microsoft.com/office/drawing/2010/main" val="0"/>
+              </a:ext>
+            </a:extLst>
+          </a:blip>
+          <a:srcRect/>
+          <a:stretch>
+            <a:fillRect/>
+          </a:stretch>
+        </p:blipFill>
+        <p:spPr bwMode="auto">
+          <a:xfrm>
+            <a:off x="4161872" y="3429000"/>
+            <a:ext cx="693485" cy="842477"/>
+          </a:xfrm>
+          <a:prstGeom prst="rect">
+            <a:avLst/>
+          </a:prstGeom>
+          <a:noFill/>
+          <a:extLst>
+            <a:ext uri="{909E8E84-426E-40DD-AFC4-6F175D3DCCD1}">
+              <a14:hiddenFill xmlns:a14="http://schemas.microsoft.com/office/drawing/2010/main">
+                <a:solidFill>
+                  <a:srgbClr val="FFFFFF"/>
+                </a:solidFill>
+              </a14:hiddenFill>
+            </a:ext>
+          </a:extLst>
+        </p:spPr>
+      </p:pic>
     </p:spTree>
     <p:extLst>
       <p:ext uri="{BB962C8B-B14F-4D97-AF65-F5344CB8AC3E}">
-        <p14:creationId xmlns:p14="http://schemas.microsoft.com/office/powerpoint/2010/main" val="2375864050"/>
+        <p14:creationId xmlns:p14="http://schemas.microsoft.com/office/powerpoint/2010/main" val="4157113021"/>
       </p:ext>
     </p:extLst>
   </p:cSld>
@@ -6032,8 +10659,8 @@
         </p:nvSpPr>
         <p:spPr>
           <a:xfrm>
-            <a:off x="0" y="5458696"/>
-            <a:ext cx="12191999" cy="780442"/>
+            <a:off x="746251" y="1290415"/>
+            <a:ext cx="7338070" cy="3033758"/>
           </a:xfrm>
           <a:prstGeom prst="rect">
             <a:avLst/>
@@ -6064,13 +10691,27 @@
           </a:lstStyle>
           <a:p>
             <a:r>
-              <a:rPr lang="es-ES" sz="3200" dirty="0">
+              <a:rPr lang="es-ES" sz="4400" dirty="0">
                 <a:latin typeface="Bahnschrift Light" panose="020B0502040204020203" pitchFamily="34" charset="0"/>
                 <a:ea typeface="Adobe Gothic Std B" panose="020B0800000000000000" pitchFamily="34" charset="-128"/>
               </a:rPr>
-              <a:t>Pronto aprendemos y nos volvemos mas capaces.</a:t>
-            </a:r>
-            <a:endParaRPr lang="es-CO" sz="3200" dirty="0">
+              <a:t>Nuestra capacidad de </a:t>
+            </a:r>
+            <a:r>
+              <a:rPr lang="es-ES" sz="4400" u="sng" dirty="0">
+                <a:latin typeface="Bahnschrift Light" panose="020B0502040204020203" pitchFamily="34" charset="0"/>
+                <a:ea typeface="Adobe Gothic Std B" panose="020B0800000000000000" pitchFamily="34" charset="-128"/>
+              </a:rPr>
+              <a:t>aprender</a:t>
+            </a:r>
+            <a:r>
+              <a:rPr lang="es-ES" sz="4400" dirty="0">
+                <a:latin typeface="Bahnschrift Light" panose="020B0502040204020203" pitchFamily="34" charset="0"/>
+                <a:ea typeface="Adobe Gothic Std B" panose="020B0800000000000000" pitchFamily="34" charset="-128"/>
+              </a:rPr>
+              <a:t> y mejorar a través de la experiencia es parte de ser humano.</a:t>
+            </a:r>
+            <a:endParaRPr lang="es-CO" sz="4400" dirty="0">
               <a:latin typeface="Bahnschrift Light" panose="020B0502040204020203" pitchFamily="34" charset="0"/>
               <a:ea typeface="Adobe Gothic Std B" panose="020B0800000000000000" pitchFamily="34" charset="-128"/>
             </a:endParaRPr>
@@ -6079,10 +10720,10 @@
       </p:sp>
       <p:pic>
         <p:nvPicPr>
-          <p:cNvPr id="2050" name="Picture 2" descr="Resultado de imagen para bebe jugando">
-            <a:extLst>
-              <a:ext uri="{FF2B5EF4-FFF2-40B4-BE49-F238E27FC236}">
-                <a16:creationId xmlns:a16="http://schemas.microsoft.com/office/drawing/2014/main" id="{FB16AF68-8723-4958-80F8-F23AF909E023}"/>
+          <p:cNvPr id="2052" name="Picture 4" descr="Resultado de imagen para desarrollador">
+            <a:extLst>
+              <a:ext uri="{FF2B5EF4-FFF2-40B4-BE49-F238E27FC236}">
+                <a16:creationId xmlns:a16="http://schemas.microsoft.com/office/drawing/2014/main" id="{444A2C1E-6524-4424-8712-7486BBD6D4A5}"/>
               </a:ext>
             </a:extLst>
           </p:cNvPr>
@@ -6106,8 +10747,8 @@
         </p:blipFill>
         <p:spPr bwMode="auto">
           <a:xfrm>
-            <a:off x="2390319" y="488378"/>
-            <a:ext cx="5775614" cy="4970318"/>
+            <a:off x="3253589" y="0"/>
+            <a:ext cx="8829675" cy="6858000"/>
           </a:xfrm>
           <a:prstGeom prst="rect">
             <a:avLst/>
@@ -6127,7 +10768,7 @@
     </p:spTree>
     <p:extLst>
       <p:ext uri="{BB962C8B-B14F-4D97-AF65-F5344CB8AC3E}">
-        <p14:creationId xmlns:p14="http://schemas.microsoft.com/office/powerpoint/2010/main" val="882448598"/>
+        <p14:creationId xmlns:p14="http://schemas.microsoft.com/office/powerpoint/2010/main" val="2718420563"/>
       </p:ext>
     </p:extLst>
   </p:cSld>
@@ -6154,73 +10795,12 @@
           <a:chExt cx="0" cy="0"/>
         </a:xfrm>
       </p:grpSpPr>
-      <p:sp>
-        <p:nvSpPr>
-          <p:cNvPr id="6" name="Título 1">
-            <a:extLst>
-              <a:ext uri="{FF2B5EF4-FFF2-40B4-BE49-F238E27FC236}">
-                <a16:creationId xmlns:a16="http://schemas.microsoft.com/office/drawing/2014/main" id="{D1F20A51-A41F-4529-A96C-C271EA4C0F09}"/>
-              </a:ext>
-            </a:extLst>
-          </p:cNvPr>
-          <p:cNvSpPr txBox="1">
-            <a:spLocks/>
-          </p:cNvSpPr>
-          <p:nvPr/>
-        </p:nvSpPr>
-        <p:spPr>
-          <a:xfrm>
-            <a:off x="0" y="5693828"/>
-            <a:ext cx="12191999" cy="780442"/>
-          </a:xfrm>
-          <a:prstGeom prst="rect">
-            <a:avLst/>
-          </a:prstGeom>
-        </p:spPr>
-        <p:txBody>
-          <a:bodyPr vert="horz" lIns="91440" tIns="45720" rIns="91440" bIns="45720" rtlCol="0" anchor="b">
-            <a:normAutofit/>
-          </a:bodyPr>
-          <a:lstStyle>
-            <a:lvl1pPr algn="ctr" defTabSz="914400" rtl="0" eaLnBrk="1" latinLnBrk="0" hangingPunct="1">
-              <a:lnSpc>
-                <a:spcPct val="90000"/>
-              </a:lnSpc>
-              <a:spcBef>
-                <a:spcPct val="0"/>
-              </a:spcBef>
-              <a:buNone/>
-              <a:defRPr sz="6000" kern="1200">
-                <a:solidFill>
-                  <a:schemeClr val="tx1"/>
-                </a:solidFill>
-                <a:latin typeface="+mj-lt"/>
-                <a:ea typeface="+mj-ea"/>
-                <a:cs typeface="+mj-cs"/>
-              </a:defRPr>
-            </a:lvl1pPr>
-          </a:lstStyle>
-          <a:p>
-            <a:r>
-              <a:rPr lang="es-ES" sz="3200" dirty="0">
-                <a:latin typeface="Bahnschrift Light" panose="020B0502040204020203" pitchFamily="34" charset="0"/>
-                <a:ea typeface="Adobe Gothic Std B" panose="020B0800000000000000" pitchFamily="34" charset="-128"/>
-              </a:rPr>
-              <a:t>Las maquinas pueden hacer lo mismo?</a:t>
-            </a:r>
-            <a:endParaRPr lang="es-CO" sz="3200" dirty="0">
-              <a:latin typeface="Bahnschrift Light" panose="020B0502040204020203" pitchFamily="34" charset="0"/>
-              <a:ea typeface="Adobe Gothic Std B" panose="020B0800000000000000" pitchFamily="34" charset="-128"/>
-            </a:endParaRPr>
-          </a:p>
-        </p:txBody>
-      </p:sp>
       <p:pic>
         <p:nvPicPr>
-          <p:cNvPr id="3" name="Picture 4" descr="Resultado de imagen para robot leyendo">
-            <a:extLst>
-              <a:ext uri="{FF2B5EF4-FFF2-40B4-BE49-F238E27FC236}">
-                <a16:creationId xmlns:a16="http://schemas.microsoft.com/office/drawing/2014/main" id="{6626B4AA-5A38-457B-A1F1-E8F0CA8E3698}"/>
+          <p:cNvPr id="3074" name="Picture 2" descr="Imagen relacionada">
+            <a:extLst>
+              <a:ext uri="{FF2B5EF4-FFF2-40B4-BE49-F238E27FC236}">
+                <a16:creationId xmlns:a16="http://schemas.microsoft.com/office/drawing/2014/main" id="{087D59BB-C5B8-454E-AD29-65E7ECF4FDBE}"/>
               </a:ext>
             </a:extLst>
           </p:cNvPr>
@@ -6243,9 +10823,9 @@
           </a:stretch>
         </p:blipFill>
         <p:spPr bwMode="auto">
-          <a:xfrm>
-            <a:off x="3059673" y="1159678"/>
-            <a:ext cx="6072655" cy="4538644"/>
+          <a:xfrm flipH="1">
+            <a:off x="0" y="1495425"/>
+            <a:ext cx="8621486" cy="5362575"/>
           </a:xfrm>
           <a:prstGeom prst="rect">
             <a:avLst/>
@@ -6262,10 +10842,71 @@
           </a:extLst>
         </p:spPr>
       </p:pic>
+      <p:sp>
+        <p:nvSpPr>
+          <p:cNvPr id="6" name="Título 1">
+            <a:extLst>
+              <a:ext uri="{FF2B5EF4-FFF2-40B4-BE49-F238E27FC236}">
+                <a16:creationId xmlns:a16="http://schemas.microsoft.com/office/drawing/2014/main" id="{D1F20A51-A41F-4529-A96C-C271EA4C0F09}"/>
+              </a:ext>
+            </a:extLst>
+          </p:cNvPr>
+          <p:cNvSpPr txBox="1">
+            <a:spLocks/>
+          </p:cNvSpPr>
+          <p:nvPr/>
+        </p:nvSpPr>
+        <p:spPr>
+          <a:xfrm>
+            <a:off x="391886" y="973783"/>
+            <a:ext cx="11408228" cy="1142400"/>
+          </a:xfrm>
+          <a:prstGeom prst="rect">
+            <a:avLst/>
+          </a:prstGeom>
+        </p:spPr>
+        <p:txBody>
+          <a:bodyPr vert="horz" lIns="91440" tIns="45720" rIns="91440" bIns="45720" rtlCol="0" anchor="b">
+            <a:normAutofit/>
+          </a:bodyPr>
+          <a:lstStyle>
+            <a:lvl1pPr algn="ctr" defTabSz="914400" rtl="0" eaLnBrk="1" latinLnBrk="0" hangingPunct="1">
+              <a:lnSpc>
+                <a:spcPct val="90000"/>
+              </a:lnSpc>
+              <a:spcBef>
+                <a:spcPct val="0"/>
+              </a:spcBef>
+              <a:buNone/>
+              <a:defRPr sz="6000" kern="1200">
+                <a:solidFill>
+                  <a:schemeClr val="tx1"/>
+                </a:solidFill>
+                <a:latin typeface="+mj-lt"/>
+                <a:ea typeface="+mj-ea"/>
+                <a:cs typeface="+mj-cs"/>
+              </a:defRPr>
+            </a:lvl1pPr>
+          </a:lstStyle>
+          <a:p>
+            <a:r>
+              <a:rPr lang="es-ES" sz="3200" dirty="0">
+                <a:latin typeface="Bahnschrift Light" panose="020B0502040204020203" pitchFamily="34" charset="0"/>
+                <a:ea typeface="Adobe Gothic Std B" panose="020B0800000000000000" pitchFamily="34" charset="-128"/>
+              </a:rPr>
+              <a:t>Cuando nacemos casi no sabemos nada y no podemos hacer nada por nosotros mismos.</a:t>
+            </a:r>
+            <a:endParaRPr lang="es-CO" sz="3200" dirty="0">
+              <a:latin typeface="Bahnschrift Light" panose="020B0502040204020203" pitchFamily="34" charset="0"/>
+              <a:ea typeface="Adobe Gothic Std B" panose="020B0800000000000000" pitchFamily="34" charset="-128"/>
+            </a:endParaRPr>
+          </a:p>
+        </p:txBody>
+      </p:sp>
     </p:spTree>
     <p:extLst>
       <p:ext uri="{BB962C8B-B14F-4D97-AF65-F5344CB8AC3E}">
-        <p14:creationId xmlns:p14="http://schemas.microsoft.com/office/powerpoint/2010/main" val="545953762"/>
+        <p14:creationId xmlns:p14="http://schemas.microsoft.com/office/powerpoint/2010/main" val="2375864050"/>
       </p:ext>
     </p:extLst>
   </p:cSld>
